--- a/doc/IP5_Presentation.pptx
+++ b/doc/IP5_Presentation.pptx
@@ -5,7 +5,7 @@
     <p:sldMasterId id="2147483648" r:id="rId1"/>
   </p:sldMasterIdLst>
   <p:notesMasterIdLst>
-    <p:notesMasterId r:id="rId19"/>
+    <p:notesMasterId r:id="rId21"/>
   </p:notesMasterIdLst>
   <p:sldIdLst>
     <p:sldId id="256" r:id="rId2"/>
@@ -19,12 +19,14 @@
     <p:sldId id="265" r:id="rId10"/>
     <p:sldId id="266" r:id="rId11"/>
     <p:sldId id="267" r:id="rId12"/>
-    <p:sldId id="268" r:id="rId13"/>
-    <p:sldId id="269" r:id="rId14"/>
-    <p:sldId id="274" r:id="rId15"/>
+    <p:sldId id="269" r:id="rId13"/>
+    <p:sldId id="274" r:id="rId14"/>
+    <p:sldId id="277" r:id="rId15"/>
     <p:sldId id="271" r:id="rId16"/>
     <p:sldId id="272" r:id="rId17"/>
-    <p:sldId id="258" r:id="rId18"/>
+    <p:sldId id="275" r:id="rId18"/>
+    <p:sldId id="276" r:id="rId19"/>
+    <p:sldId id="258" r:id="rId20"/>
   </p:sldIdLst>
   <p:sldSz cx="12192000" cy="6858000"/>
   <p:notesSz cx="6858000" cy="9144000"/>
@@ -889,7 +891,19 @@
             </a:r>
             <a:r>
               <a:rPr lang="de-CH" dirty="0"/>
-              <a:t>!» ist die Website www.dindialaekt.ch/ entstanden. Auf dieser Website können Benutzer unter Anderem folgenden Task erledigen: </a:t>
+              <a:t>!» ist die Website www.dindialaekt.ch/ entstanden. </a:t>
+            </a:r>
+          </a:p>
+          <a:p>
+            <a:r>
+              <a:rPr lang="de-CH" dirty="0"/>
+              <a:t>Unter dem Begriff Citizen Science versteht man die aktive Beteiligung der Bevölkerung an der wissenschaftlichen Forschung.</a:t>
+            </a:r>
+          </a:p>
+          <a:p>
+            <a:r>
+              <a:rPr lang="de-CH" dirty="0"/>
+              <a:t>Auf dieser Website können Benutzer unter Anderem folgenden Task erledigen: </a:t>
             </a:r>
           </a:p>
           <a:p>
@@ -994,33 +1008,27 @@
           <a:p>
             <a:r>
               <a:rPr lang="de-CH" dirty="0"/>
-              <a:t>1 zu n </a:t>
+              <a:t>Zusammengehörigkeit der Wörter in zwei </a:t>
+            </a:r>
+            <a:r>
+              <a:rPr lang="de-CH" dirty="0" err="1"/>
+              <a:t>sätzen</a:t>
+            </a:r>
+            <a:r>
+              <a:rPr lang="de-CH" dirty="0"/>
+              <a:t> unterschiedlicher Sprachen</a:t>
+            </a:r>
+          </a:p>
+          <a:p>
+            <a:r>
+              <a:rPr lang="de-CH" dirty="0"/>
+              <a:t>Reihenfolge, 1 zu n </a:t>
             </a:r>
             <a:r>
               <a:rPr lang="de-CH" dirty="0" err="1"/>
               <a:t>beziehung</a:t>
             </a:r>
-            <a:r>
-              <a:rPr lang="de-CH" dirty="0"/>
-              <a:t> zwischen </a:t>
-            </a:r>
-            <a:r>
-              <a:rPr lang="de-CH" dirty="0" err="1"/>
-              <a:t>wörtern</a:t>
-            </a:r>
             <a:endParaRPr lang="de-CH" dirty="0"/>
-          </a:p>
-          <a:p>
-            <a:r>
-              <a:rPr lang="de-CH" dirty="0"/>
-              <a:t>Übersetzung von a zu b</a:t>
-            </a:r>
-          </a:p>
-          <a:p>
-            <a:r>
-              <a:rPr lang="de-CH" dirty="0"/>
-              <a:t>Wortreihenfolge</a:t>
-            </a:r>
           </a:p>
         </p:txBody>
       </p:sp>
@@ -1041,7 +1049,7 @@
           <a:p>
             <a:fld id="{E295798E-7BEE-4A25-96C8-F832B2F1E69A}" type="slidenum">
               <a:rPr lang="de-CH" smtClean="0"/>
-              <a:t>15</a:t>
+              <a:t>14</a:t>
             </a:fld>
             <a:endParaRPr lang="de-CH"/>
           </a:p>
@@ -1050,7 +1058,7 @@
     </p:spTree>
     <p:extLst>
       <p:ext uri="{BB962C8B-B14F-4D97-AF65-F5344CB8AC3E}">
-        <p14:creationId xmlns:p14="http://schemas.microsoft.com/office/powerpoint/2010/main" val="4010010587"/>
+        <p14:creationId xmlns:p14="http://schemas.microsoft.com/office/powerpoint/2010/main" val="1421288029"/>
       </p:ext>
     </p:extLst>
   </p:cSld>
@@ -1106,6 +1114,134 @@
           <a:p>
             <a:r>
               <a:rPr lang="de-CH" dirty="0"/>
+              <a:t>Transkription A ist «</a:t>
+            </a:r>
+            <a:r>
+              <a:rPr lang="de-CH" dirty="0" err="1"/>
+              <a:t>übersetzung</a:t>
+            </a:r>
+            <a:r>
+              <a:rPr lang="de-CH" dirty="0"/>
+              <a:t>» von Transkription B</a:t>
+            </a:r>
+          </a:p>
+          <a:p>
+            <a:r>
+              <a:rPr lang="de-CH" dirty="0"/>
+              <a:t>Reihenfolge stabil, nutzen wir aus</a:t>
+            </a:r>
+          </a:p>
+          <a:p>
+            <a:r>
+              <a:rPr lang="de-CH" dirty="0"/>
+              <a:t>1 zu n existiert immer noch</a:t>
+            </a:r>
+          </a:p>
+        </p:txBody>
+      </p:sp>
+      <p:sp>
+        <p:nvSpPr>
+          <p:cNvPr id="4" name="Foliennummernplatzhalter 3"/>
+          <p:cNvSpPr>
+            <a:spLocks noGrp="1"/>
+          </p:cNvSpPr>
+          <p:nvPr>
+            <p:ph type="sldNum" sz="quarter" idx="10"/>
+          </p:nvPr>
+        </p:nvSpPr>
+        <p:spPr/>
+        <p:txBody>
+          <a:bodyPr/>
+          <a:lstStyle/>
+          <a:p>
+            <a:fld id="{E295798E-7BEE-4A25-96C8-F832B2F1E69A}" type="slidenum">
+              <a:rPr lang="de-CH" smtClean="0"/>
+              <a:t>15</a:t>
+            </a:fld>
+            <a:endParaRPr lang="de-CH"/>
+          </a:p>
+        </p:txBody>
+      </p:sp>
+    </p:spTree>
+    <p:extLst>
+      <p:ext uri="{BB962C8B-B14F-4D97-AF65-F5344CB8AC3E}">
+        <p14:creationId xmlns:p14="http://schemas.microsoft.com/office/powerpoint/2010/main" val="4010010587"/>
+      </p:ext>
+    </p:extLst>
+  </p:cSld>
+  <p:clrMapOvr>
+    <a:masterClrMapping/>
+  </p:clrMapOvr>
+</p:notes>
+</file>
+
+<file path=ppt/notesSlides/notesSlide12.xml><?xml version="1.0" encoding="utf-8"?>
+<p:notes xmlns:a="http://schemas.openxmlformats.org/drawingml/2006/main" xmlns:r="http://schemas.openxmlformats.org/officeDocument/2006/relationships" xmlns:p="http://schemas.openxmlformats.org/presentationml/2006/main">
+  <p:cSld>
+    <p:spTree>
+      <p:nvGrpSpPr>
+        <p:cNvPr id="1" name=""/>
+        <p:cNvGrpSpPr/>
+        <p:nvPr/>
+      </p:nvGrpSpPr>
+      <p:grpSpPr>
+        <a:xfrm>
+          <a:off x="0" y="0"/>
+          <a:ext cx="0" cy="0"/>
+          <a:chOff x="0" y="0"/>
+          <a:chExt cx="0" cy="0"/>
+        </a:xfrm>
+      </p:grpSpPr>
+      <p:sp>
+        <p:nvSpPr>
+          <p:cNvPr id="2" name="Folienbildplatzhalter 1"/>
+          <p:cNvSpPr>
+            <a:spLocks noGrp="1" noRot="1" noChangeAspect="1"/>
+          </p:cNvSpPr>
+          <p:nvPr>
+            <p:ph type="sldImg"/>
+          </p:nvPr>
+        </p:nvSpPr>
+        <p:spPr/>
+      </p:sp>
+      <p:sp>
+        <p:nvSpPr>
+          <p:cNvPr id="3" name="Notizenplatzhalter 2"/>
+          <p:cNvSpPr>
+            <a:spLocks noGrp="1"/>
+          </p:cNvSpPr>
+          <p:nvPr>
+            <p:ph type="body" idx="1"/>
+          </p:nvPr>
+        </p:nvSpPr>
+        <p:spPr/>
+        <p:txBody>
+          <a:bodyPr/>
+          <a:lstStyle/>
+          <a:p>
+            <a:r>
+              <a:rPr lang="de-CH" dirty="0"/>
+              <a:t>Mehr als 2 zusammengehörige Sätze</a:t>
+            </a:r>
+          </a:p>
+          <a:p>
+            <a:r>
+              <a:rPr lang="de-CH" dirty="0"/>
+              <a:t>Satzpaare bilden, </a:t>
+            </a:r>
+            <a:r>
+              <a:rPr lang="de-CH" dirty="0" err="1"/>
+              <a:t>resultat</a:t>
+            </a:r>
+            <a:r>
+              <a:rPr lang="de-CH"/>
+              <a:t> kombinieren</a:t>
+            </a:r>
+            <a:endParaRPr lang="de-CH" dirty="0"/>
+          </a:p>
+          <a:p>
+            <a:r>
+              <a:rPr lang="de-CH" dirty="0"/>
               <a:t>Kombination von a-b </a:t>
             </a:r>
             <a:r>
@@ -1125,9 +1261,10 @@
               <a:t> in einen </a:t>
             </a:r>
             <a:r>
-              <a:rPr lang="de-CH"/>
+              <a:rPr lang="de-CH" dirty="0" err="1"/>
               <a:t>graphen</a:t>
             </a:r>
+            <a:endParaRPr lang="de-CH" dirty="0"/>
           </a:p>
           <a:p>
             <a:r>
@@ -1236,6 +1373,47 @@
           <a:bodyPr/>
           <a:lstStyle/>
           <a:p>
+            <a:r>
+              <a:rPr lang="de-CH" dirty="0"/>
+              <a:t>2 </a:t>
+            </a:r>
+            <a:r>
+              <a:rPr lang="de-CH" dirty="0" err="1"/>
+              <a:t>tasks</a:t>
+            </a:r>
+            <a:r>
+              <a:rPr lang="de-CH" dirty="0"/>
+              <a:t>: </a:t>
+            </a:r>
+            <a:r>
+              <a:rPr lang="de-CH" dirty="0" err="1"/>
+              <a:t>ch</a:t>
+            </a:r>
+            <a:r>
+              <a:rPr lang="de-CH" dirty="0"/>
+              <a:t>-de übersetzen, </a:t>
+            </a:r>
+            <a:r>
+              <a:rPr lang="de-CH" dirty="0" err="1"/>
+              <a:t>ch</a:t>
+            </a:r>
+            <a:r>
+              <a:rPr lang="de-CH" dirty="0"/>
+              <a:t> transkribieren</a:t>
+            </a:r>
+          </a:p>
+          <a:p>
+            <a:endParaRPr lang="de-CH" dirty="0"/>
+          </a:p>
+          <a:p>
+            <a:r>
+              <a:rPr lang="de-CH" dirty="0"/>
+              <a:t>Wir befassen uns mit </a:t>
+            </a:r>
+            <a:r>
+              <a:rPr lang="de-CH" dirty="0" err="1"/>
+              <a:t>transkriptionsdaten</a:t>
+            </a:r>
             <a:endParaRPr lang="de-CH" dirty="0"/>
           </a:p>
         </p:txBody>
@@ -1518,26 +1696,9 @@
           <a:lstStyle/>
           <a:p>
             <a:r>
-              <a:rPr lang="de-CH" dirty="0" err="1"/>
-              <a:t>Schelchte</a:t>
-            </a:r>
-            <a:r>
-              <a:rPr lang="de-CH" dirty="0"/>
-              <a:t> </a:t>
-            </a:r>
-            <a:r>
-              <a:rPr lang="de-CH" dirty="0" err="1"/>
-              <a:t>eingabe</a:t>
-            </a:r>
-            <a:r>
-              <a:rPr lang="de-CH" dirty="0"/>
-              <a:t>, </a:t>
-            </a:r>
-            <a:r>
-              <a:rPr lang="de-CH" dirty="0" err="1"/>
-              <a:t>auslassungen</a:t>
-            </a:r>
-            <a:endParaRPr lang="de-CH" dirty="0"/>
+              <a:rPr lang="de-CH" dirty="0"/>
+              <a:t>Auslassung in teil 5</a:t>
+            </a:r>
           </a:p>
         </p:txBody>
       </p:sp>
@@ -1713,7 +1874,24 @@
           <a:bodyPr/>
           <a:lstStyle/>
           <a:p>
-            <a:endParaRPr lang="de-CH" dirty="0"/>
+            <a:r>
+              <a:rPr lang="de-CH" dirty="0"/>
+              <a:t>Hauptteil: Schreibvarianten: so kann ein Wörterbuch erstellt werden</a:t>
+            </a:r>
+          </a:p>
+          <a:p>
+            <a:r>
+              <a:rPr lang="de-CH" dirty="0"/>
+              <a:t>Tools: </a:t>
+            </a:r>
+            <a:r>
+              <a:rPr lang="de-CH" dirty="0" err="1"/>
+              <a:t>tools</a:t>
+            </a:r>
+            <a:r>
+              <a:rPr lang="de-CH" dirty="0"/>
+              <a:t> für schweizerdeutsch existieren nicht, Tools für andere Probleme können jedoch angewendet werden</a:t>
+            </a:r>
           </a:p>
         </p:txBody>
       </p:sp>
@@ -1802,7 +1980,7 @@
             </a:pPr>
             <a:r>
               <a:rPr lang="de-CH" dirty="0"/>
-              <a:t>Offensichtlich schlecht</a:t>
+              <a:t>Offensichtlich unbrauchbar, wollen wir ausfiltern</a:t>
             </a:r>
           </a:p>
           <a:p>
@@ -1834,7 +2012,23 @@
             </a:pPr>
             <a:r>
               <a:rPr lang="de-CH" dirty="0"/>
-              <a:t>Sehr gut</a:t>
+              <a:t>Sehr gut, ungewöhnlich wegen </a:t>
+            </a:r>
+            <a:r>
+              <a:rPr lang="de-CH" dirty="0" err="1"/>
+              <a:t>égü</a:t>
+            </a:r>
+            <a:r>
+              <a:rPr lang="de-CH" dirty="0"/>
+              <a:t> und </a:t>
+            </a:r>
+            <a:r>
+              <a:rPr lang="de-CH" dirty="0" err="1"/>
+              <a:t>accènt</a:t>
+            </a:r>
+            <a:r>
+              <a:rPr lang="de-CH" dirty="0"/>
+              <a:t> </a:t>
             </a:r>
           </a:p>
           <a:p>
@@ -1950,18 +2144,70 @@
           <a:bodyPr/>
           <a:lstStyle/>
           <a:p>
-            <a:r>
-              <a:rPr lang="de-CH" dirty="0"/>
-              <a:t>Man sah gut im vorherigen </a:t>
-            </a:r>
-            <a:r>
-              <a:rPr lang="de-CH" dirty="0" err="1"/>
-              <a:t>beispiel</a:t>
-            </a:r>
-            <a:r>
-              <a:rPr lang="de-CH" dirty="0"/>
-              <a:t>, </a:t>
-            </a:r>
+            <a:pPr marL="0" marR="0" lvl="0" indent="0" algn="l" defTabSz="914400" rtl="0" eaLnBrk="1" fontAlgn="auto" latinLnBrk="0" hangingPunct="1">
+              <a:lnSpc>
+                <a:spcPct val="100000"/>
+              </a:lnSpc>
+              <a:spcBef>
+                <a:spcPts val="0"/>
+              </a:spcBef>
+              <a:spcAft>
+                <a:spcPts val="0"/>
+              </a:spcAft>
+              <a:buClrTx/>
+              <a:buSzTx/>
+              <a:buFontTx/>
+              <a:buNone/>
+              <a:tabLst/>
+              <a:defRPr/>
+            </a:pPr>
+            <a:r>
+              <a:rPr lang="en-US" dirty="0" err="1"/>
+              <a:t>Mehrheitsentscheide</a:t>
+            </a:r>
+            <a:r>
+              <a:rPr lang="en-US" dirty="0"/>
+              <a:t> </a:t>
+            </a:r>
+            <a:r>
+              <a:rPr lang="en-US" dirty="0" err="1"/>
+              <a:t>sind</a:t>
+            </a:r>
+            <a:r>
+              <a:rPr lang="en-US" dirty="0"/>
+              <a:t> </a:t>
+            </a:r>
+            <a:r>
+              <a:rPr lang="en-US" dirty="0" err="1"/>
+              <a:t>tendenziell</a:t>
+            </a:r>
+            <a:r>
+              <a:rPr lang="en-US" dirty="0"/>
+              <a:t> </a:t>
+            </a:r>
+            <a:r>
+              <a:rPr lang="en-US" dirty="0" err="1"/>
+              <a:t>korrekt</a:t>
+            </a:r>
+            <a:r>
+              <a:rPr lang="en-US" dirty="0"/>
+              <a:t>.</a:t>
+            </a:r>
+          </a:p>
+          <a:p>
+            <a:endParaRPr lang="de-CH" dirty="0"/>
+          </a:p>
+          <a:p>
+            <a:r>
+              <a:rPr lang="de-CH" dirty="0"/>
+              <a:t>Ähnlichkeit lässt sich numerisch ausdrücken: jeder Satz erhält eine Bewertung zwischen 0 und 1</a:t>
+            </a:r>
+          </a:p>
+          <a:p>
+            <a:endParaRPr lang="de-CH" dirty="0"/>
+          </a:p>
+          <a:p>
+            <a:endParaRPr lang="de-CH" dirty="0"/>
           </a:p>
         </p:txBody>
       </p:sp>
@@ -1991,7 +2237,7 @@
     </p:spTree>
     <p:extLst>
       <p:ext uri="{BB962C8B-B14F-4D97-AF65-F5344CB8AC3E}">
-        <p14:creationId xmlns:p14="http://schemas.microsoft.com/office/powerpoint/2010/main" val="1806015672"/>
+        <p14:creationId xmlns:p14="http://schemas.microsoft.com/office/powerpoint/2010/main" val="3298186004"/>
       </p:ext>
     </p:extLst>
   </p:cSld>
@@ -2047,14 +2293,17 @@
           <a:p>
             <a:r>
               <a:rPr lang="de-CH" dirty="0"/>
-              <a:t>Ähnlichkeit lässt sich numerisch ausdrücken</a:t>
+              <a:t>Bewertung zwischen 0 und 1</a:t>
             </a:r>
           </a:p>
           <a:p>
             <a:endParaRPr lang="de-CH" dirty="0"/>
           </a:p>
           <a:p>
-            <a:endParaRPr lang="de-CH" dirty="0"/>
+            <a:r>
+              <a:rPr lang="de-CH" dirty="0"/>
+              <a:t>Filterung berücksichtigt nur die numerische Bewertung des Satzes</a:t>
+            </a:r>
           </a:p>
         </p:txBody>
       </p:sp>
@@ -2084,7 +2333,7 @@
     </p:spTree>
     <p:extLst>
       <p:ext uri="{BB962C8B-B14F-4D97-AF65-F5344CB8AC3E}">
-        <p14:creationId xmlns:p14="http://schemas.microsoft.com/office/powerpoint/2010/main" val="3298186004"/>
+        <p14:creationId xmlns:p14="http://schemas.microsoft.com/office/powerpoint/2010/main" val="3801347383"/>
       </p:ext>
     </p:extLst>
   </p:cSld>
@@ -6254,7 +6503,7 @@
           <p:cNvPr id="2" name="Titel 1">
             <a:extLst>
               <a:ext uri="{FF2B5EF4-FFF2-40B4-BE49-F238E27FC236}">
-                <a16:creationId xmlns:a16="http://schemas.microsoft.com/office/drawing/2014/main" id="{1D19591F-B468-424A-920E-217A9488C739}"/>
+                <a16:creationId xmlns:a16="http://schemas.microsoft.com/office/drawing/2014/main" id="{16AB071B-05BF-42CD-8775-E02914D264A5}"/>
               </a:ext>
             </a:extLst>
           </p:cNvPr>
@@ -6265,19 +6514,14 @@
             <p:ph type="title"/>
           </p:nvPr>
         </p:nvSpPr>
-        <p:spPr>
-          <a:xfrm>
-            <a:off x="838199" y="365125"/>
-            <a:ext cx="10806776" cy="1325563"/>
-          </a:xfrm>
-        </p:spPr>
+        <p:spPr/>
         <p:txBody>
           <a:bodyPr/>
           <a:lstStyle/>
           <a:p>
             <a:r>
               <a:rPr lang="de-CH" dirty="0"/>
-              <a:t>Wir müssen schlechte/unbrauchbare ausfiltern</a:t>
+              <a:t>Merkmale einer «guten» Transkription?</a:t>
             </a:r>
           </a:p>
         </p:txBody>
@@ -6287,7 +6531,7 @@
           <p:cNvPr id="3" name="Inhaltsplatzhalter 2">
             <a:extLst>
               <a:ext uri="{FF2B5EF4-FFF2-40B4-BE49-F238E27FC236}">
-                <a16:creationId xmlns:a16="http://schemas.microsoft.com/office/drawing/2014/main" id="{4365355F-D571-4346-A738-7675E2AD397E}"/>
+                <a16:creationId xmlns:a16="http://schemas.microsoft.com/office/drawing/2014/main" id="{C700256F-ED62-421D-8BB4-146212A03D6D}"/>
               </a:ext>
             </a:extLst>
           </p:cNvPr>
@@ -6305,108 +6549,13 @@
           <a:p>
             <a:r>
               <a:rPr lang="de-CH" dirty="0"/>
-              <a:t>Schlechte/unbrauchbare Sätze verfälschen das Resultat</a:t>
-            </a:r>
-          </a:p>
-          <a:p>
-            <a:endParaRPr lang="de-CH" dirty="0"/>
-          </a:p>
-        </p:txBody>
-      </p:sp>
-    </p:spTree>
-    <p:extLst>
-      <p:ext uri="{BB962C8B-B14F-4D97-AF65-F5344CB8AC3E}">
-        <p14:creationId xmlns:p14="http://schemas.microsoft.com/office/powerpoint/2010/main" val="2870165025"/>
-      </p:ext>
-    </p:extLst>
-  </p:cSld>
-  <p:clrMapOvr>
-    <a:masterClrMapping/>
-  </p:clrMapOvr>
-</p:sld>
-</file>
-
-<file path=ppt/slides/slide13.xml><?xml version="1.0" encoding="utf-8"?>
-<p:sld xmlns:a="http://schemas.openxmlformats.org/drawingml/2006/main" xmlns:r="http://schemas.openxmlformats.org/officeDocument/2006/relationships" xmlns:p="http://schemas.openxmlformats.org/presentationml/2006/main">
-  <p:cSld>
-    <p:spTree>
-      <p:nvGrpSpPr>
-        <p:cNvPr id="1" name=""/>
-        <p:cNvGrpSpPr/>
-        <p:nvPr/>
-      </p:nvGrpSpPr>
-      <p:grpSpPr>
-        <a:xfrm>
-          <a:off x="0" y="0"/>
-          <a:ext cx="0" cy="0"/>
-          <a:chOff x="0" y="0"/>
-          <a:chExt cx="0" cy="0"/>
-        </a:xfrm>
-      </p:grpSpPr>
-      <p:sp>
-        <p:nvSpPr>
-          <p:cNvPr id="2" name="Titel 1">
-            <a:extLst>
-              <a:ext uri="{FF2B5EF4-FFF2-40B4-BE49-F238E27FC236}">
-                <a16:creationId xmlns:a16="http://schemas.microsoft.com/office/drawing/2014/main" id="{16AB071B-05BF-42CD-8775-E02914D264A5}"/>
-              </a:ext>
-            </a:extLst>
-          </p:cNvPr>
-          <p:cNvSpPr>
-            <a:spLocks noGrp="1"/>
-          </p:cNvSpPr>
-          <p:nvPr>
-            <p:ph type="title"/>
-          </p:nvPr>
-        </p:nvSpPr>
-        <p:spPr/>
-        <p:txBody>
-          <a:bodyPr/>
-          <a:lstStyle/>
-          <a:p>
-            <a:r>
-              <a:rPr lang="de-CH" dirty="0"/>
-              <a:t>Was definiert eine «gute» Transkription?</a:t>
-            </a:r>
-          </a:p>
-        </p:txBody>
-      </p:sp>
-      <p:sp>
-        <p:nvSpPr>
-          <p:cNvPr id="3" name="Inhaltsplatzhalter 2">
-            <a:extLst>
-              <a:ext uri="{FF2B5EF4-FFF2-40B4-BE49-F238E27FC236}">
-                <a16:creationId xmlns:a16="http://schemas.microsoft.com/office/drawing/2014/main" id="{C700256F-ED62-421D-8BB4-146212A03D6D}"/>
-              </a:ext>
-            </a:extLst>
-          </p:cNvPr>
-          <p:cNvSpPr>
-            <a:spLocks noGrp="1"/>
-          </p:cNvSpPr>
-          <p:nvPr>
-            <p:ph idx="1"/>
-          </p:nvPr>
-        </p:nvSpPr>
-        <p:spPr/>
-        <p:txBody>
-          <a:bodyPr/>
-          <a:lstStyle/>
-          <a:p>
-            <a:r>
-              <a:rPr lang="de-CH" dirty="0"/>
               <a:t>Alle guten Transkriptionen sind sich inhaltlich ähnlich</a:t>
             </a:r>
           </a:p>
           <a:p>
             <a:r>
               <a:rPr lang="de-CH" dirty="0"/>
-              <a:t>Fehler sind zufällig verteilt</a:t>
-            </a:r>
-          </a:p>
-          <a:p>
-            <a:r>
-              <a:rPr lang="de-CH" dirty="0"/>
-              <a:t>Ähnlichkeit zu den anderen Sätzen ist ein Qualitätsmerkmal </a:t>
+              <a:t>Fehler sind zufällig verteilt und Einzelfälle</a:t>
             </a:r>
           </a:p>
           <a:p>
@@ -6519,7 +6668,7 @@
 </p:sld>
 </file>
 
-<file path=ppt/slides/slide14.xml><?xml version="1.0" encoding="utf-8"?>
+<file path=ppt/slides/slide13.xml><?xml version="1.0" encoding="utf-8"?>
 <p:sld xmlns:a="http://schemas.openxmlformats.org/drawingml/2006/main" xmlns:r="http://schemas.openxmlformats.org/officeDocument/2006/relationships" xmlns:p="http://schemas.openxmlformats.org/presentationml/2006/main">
   <p:cSld>
     <p:spTree>
@@ -6890,6 +7039,100 @@
 </p:sld>
 </file>
 
+<file path=ppt/slides/slide14.xml><?xml version="1.0" encoding="utf-8"?>
+<p:sld xmlns:a="http://schemas.openxmlformats.org/drawingml/2006/main" xmlns:r="http://schemas.openxmlformats.org/officeDocument/2006/relationships" xmlns:p="http://schemas.openxmlformats.org/presentationml/2006/main">
+  <p:cSld>
+    <p:spTree>
+      <p:nvGrpSpPr>
+        <p:cNvPr id="1" name=""/>
+        <p:cNvGrpSpPr/>
+        <p:nvPr/>
+      </p:nvGrpSpPr>
+      <p:grpSpPr>
+        <a:xfrm>
+          <a:off x="0" y="0"/>
+          <a:ext cx="0" cy="0"/>
+          <a:chOff x="0" y="0"/>
+          <a:chExt cx="0" cy="0"/>
+        </a:xfrm>
+      </p:grpSpPr>
+      <p:sp>
+        <p:nvSpPr>
+          <p:cNvPr id="2" name="Titel 1">
+            <a:extLst>
+              <a:ext uri="{FF2B5EF4-FFF2-40B4-BE49-F238E27FC236}">
+                <a16:creationId xmlns:a16="http://schemas.microsoft.com/office/drawing/2014/main" id="{4B3C7CA5-674E-4CF0-9C60-DF9590C2C5ED}"/>
+              </a:ext>
+            </a:extLst>
+          </p:cNvPr>
+          <p:cNvSpPr>
+            <a:spLocks noGrp="1"/>
+          </p:cNvSpPr>
+          <p:nvPr>
+            <p:ph type="title"/>
+          </p:nvPr>
+        </p:nvSpPr>
+        <p:spPr/>
+        <p:txBody>
+          <a:bodyPr/>
+          <a:lstStyle/>
+          <a:p>
+            <a:r>
+              <a:rPr lang="de-CH" dirty="0" err="1"/>
+              <a:t>Wortalignierung</a:t>
+            </a:r>
+            <a:endParaRPr lang="de-CH" dirty="0"/>
+          </a:p>
+        </p:txBody>
+      </p:sp>
+      <p:pic>
+        <p:nvPicPr>
+          <p:cNvPr id="5" name="Inhaltsplatzhalter 4">
+            <a:extLst>
+              <a:ext uri="{FF2B5EF4-FFF2-40B4-BE49-F238E27FC236}">
+                <a16:creationId xmlns:a16="http://schemas.microsoft.com/office/drawing/2014/main" id="{ED277EFE-76D3-45B7-B54F-5B1B1744258D}"/>
+              </a:ext>
+            </a:extLst>
+          </p:cNvPr>
+          <p:cNvPicPr>
+            <a:picLocks noGrp="1" noChangeAspect="1"/>
+          </p:cNvPicPr>
+          <p:nvPr>
+            <p:ph idx="1"/>
+          </p:nvPr>
+        </p:nvPicPr>
+        <p:blipFill>
+          <a:blip r:embed="rId3">
+            <a:extLst>
+              <a:ext uri="{28A0092B-C50C-407E-A947-70E740481C1C}">
+                <a14:useLocalDpi xmlns:a14="http://schemas.microsoft.com/office/drawing/2010/main" val="0"/>
+              </a:ext>
+            </a:extLst>
+          </a:blip>
+          <a:stretch>
+            <a:fillRect/>
+          </a:stretch>
+        </p:blipFill>
+        <p:spPr>
+          <a:xfrm>
+            <a:off x="943922" y="1901434"/>
+            <a:ext cx="9589040" cy="4203963"/>
+          </a:xfrm>
+        </p:spPr>
+      </p:pic>
+    </p:spTree>
+    <p:extLst>
+      <p:ext uri="{BB962C8B-B14F-4D97-AF65-F5344CB8AC3E}">
+        <p14:creationId xmlns:p14="http://schemas.microsoft.com/office/powerpoint/2010/main" val="2919326265"/>
+      </p:ext>
+    </p:extLst>
+  </p:cSld>
+  <p:clrMapOvr>
+    <a:masterClrMapping/>
+  </p:clrMapOvr>
+</p:sld>
+</file>
+
 <file path=ppt/slides/slide15.xml><?xml version="1.0" encoding="utf-8"?>
 <p:sld xmlns:a="http://schemas.openxmlformats.org/drawingml/2006/main" xmlns:r="http://schemas.openxmlformats.org/officeDocument/2006/relationships" xmlns:p="http://schemas.openxmlformats.org/presentationml/2006/main">
   <p:cSld>
@@ -8629,6 +8872,969 @@
   <p:clrMapOvr>
     <a:masterClrMapping/>
   </p:clrMapOvr>
+  <p:timing>
+    <p:tnLst>
+      <p:par>
+        <p:cTn id="1" dur="indefinite" restart="never" nodeType="tmRoot">
+          <p:childTnLst>
+            <p:seq concurrent="1" nextAc="seek">
+              <p:cTn id="2" dur="indefinite" nodeType="mainSeq">
+                <p:childTnLst>
+                  <p:par>
+                    <p:cTn id="3" fill="hold">
+                      <p:stCondLst>
+                        <p:cond delay="indefinite"/>
+                      </p:stCondLst>
+                      <p:childTnLst>
+                        <p:par>
+                          <p:cTn id="4" fill="hold">
+                            <p:stCondLst>
+                              <p:cond delay="0"/>
+                            </p:stCondLst>
+                            <p:childTnLst>
+                              <p:par>
+                                <p:cTn id="5" presetID="1" presetClass="entr" presetSubtype="0" fill="hold" grpId="0" nodeType="clickEffect">
+                                  <p:stCondLst>
+                                    <p:cond delay="0"/>
+                                  </p:stCondLst>
+                                  <p:childTnLst>
+                                    <p:set>
+                                      <p:cBhvr>
+                                        <p:cTn id="6" dur="1" fill="hold">
+                                          <p:stCondLst>
+                                            <p:cond delay="0"/>
+                                          </p:stCondLst>
+                                        </p:cTn>
+                                        <p:tgtEl>
+                                          <p:spTgt spid="16"/>
+                                        </p:tgtEl>
+                                        <p:attrNameLst>
+                                          <p:attrName>style.visibility</p:attrName>
+                                        </p:attrNameLst>
+                                      </p:cBhvr>
+                                      <p:to>
+                                        <p:strVal val="visible"/>
+                                      </p:to>
+                                    </p:set>
+                                  </p:childTnLst>
+                                </p:cTn>
+                              </p:par>
+                              <p:par>
+                                <p:cTn id="7" presetID="1" presetClass="entr" presetSubtype="0" fill="hold" grpId="0" nodeType="withEffect">
+                                  <p:stCondLst>
+                                    <p:cond delay="0"/>
+                                  </p:stCondLst>
+                                  <p:childTnLst>
+                                    <p:set>
+                                      <p:cBhvr>
+                                        <p:cTn id="8" dur="1" fill="hold">
+                                          <p:stCondLst>
+                                            <p:cond delay="0"/>
+                                          </p:stCondLst>
+                                        </p:cTn>
+                                        <p:tgtEl>
+                                          <p:spTgt spid="17"/>
+                                        </p:tgtEl>
+                                        <p:attrNameLst>
+                                          <p:attrName>style.visibility</p:attrName>
+                                        </p:attrNameLst>
+                                      </p:cBhvr>
+                                      <p:to>
+                                        <p:strVal val="visible"/>
+                                      </p:to>
+                                    </p:set>
+                                  </p:childTnLst>
+                                </p:cTn>
+                              </p:par>
+                              <p:par>
+                                <p:cTn id="9" presetID="1" presetClass="entr" presetSubtype="0" fill="hold" grpId="0" nodeType="withEffect">
+                                  <p:stCondLst>
+                                    <p:cond delay="0"/>
+                                  </p:stCondLst>
+                                  <p:childTnLst>
+                                    <p:set>
+                                      <p:cBhvr>
+                                        <p:cTn id="10" dur="1" fill="hold">
+                                          <p:stCondLst>
+                                            <p:cond delay="0"/>
+                                          </p:stCondLst>
+                                        </p:cTn>
+                                        <p:tgtEl>
+                                          <p:spTgt spid="18"/>
+                                        </p:tgtEl>
+                                        <p:attrNameLst>
+                                          <p:attrName>style.visibility</p:attrName>
+                                        </p:attrNameLst>
+                                      </p:cBhvr>
+                                      <p:to>
+                                        <p:strVal val="visible"/>
+                                      </p:to>
+                                    </p:set>
+                                  </p:childTnLst>
+                                </p:cTn>
+                              </p:par>
+                              <p:par>
+                                <p:cTn id="11" presetID="1" presetClass="entr" presetSubtype="0" fill="hold" grpId="0" nodeType="withEffect">
+                                  <p:stCondLst>
+                                    <p:cond delay="0"/>
+                                  </p:stCondLst>
+                                  <p:childTnLst>
+                                    <p:set>
+                                      <p:cBhvr>
+                                        <p:cTn id="12" dur="1" fill="hold">
+                                          <p:stCondLst>
+                                            <p:cond delay="0"/>
+                                          </p:stCondLst>
+                                        </p:cTn>
+                                        <p:tgtEl>
+                                          <p:spTgt spid="19"/>
+                                        </p:tgtEl>
+                                        <p:attrNameLst>
+                                          <p:attrName>style.visibility</p:attrName>
+                                        </p:attrNameLst>
+                                      </p:cBhvr>
+                                      <p:to>
+                                        <p:strVal val="visible"/>
+                                      </p:to>
+                                    </p:set>
+                                  </p:childTnLst>
+                                </p:cTn>
+                              </p:par>
+                              <p:par>
+                                <p:cTn id="13" presetID="1" presetClass="entr" presetSubtype="0" fill="hold" grpId="0" nodeType="withEffect">
+                                  <p:stCondLst>
+                                    <p:cond delay="0"/>
+                                  </p:stCondLst>
+                                  <p:childTnLst>
+                                    <p:set>
+                                      <p:cBhvr>
+                                        <p:cTn id="14" dur="1" fill="hold">
+                                          <p:stCondLst>
+                                            <p:cond delay="0"/>
+                                          </p:stCondLst>
+                                        </p:cTn>
+                                        <p:tgtEl>
+                                          <p:spTgt spid="20"/>
+                                        </p:tgtEl>
+                                        <p:attrNameLst>
+                                          <p:attrName>style.visibility</p:attrName>
+                                        </p:attrNameLst>
+                                      </p:cBhvr>
+                                      <p:to>
+                                        <p:strVal val="visible"/>
+                                      </p:to>
+                                    </p:set>
+                                  </p:childTnLst>
+                                </p:cTn>
+                              </p:par>
+                              <p:par>
+                                <p:cTn id="15" presetID="1" presetClass="entr" presetSubtype="0" fill="hold" grpId="0" nodeType="withEffect">
+                                  <p:stCondLst>
+                                    <p:cond delay="0"/>
+                                  </p:stCondLst>
+                                  <p:childTnLst>
+                                    <p:set>
+                                      <p:cBhvr>
+                                        <p:cTn id="16" dur="1" fill="hold">
+                                          <p:stCondLst>
+                                            <p:cond delay="0"/>
+                                          </p:stCondLst>
+                                        </p:cTn>
+                                        <p:tgtEl>
+                                          <p:spTgt spid="21"/>
+                                        </p:tgtEl>
+                                        <p:attrNameLst>
+                                          <p:attrName>style.visibility</p:attrName>
+                                        </p:attrNameLst>
+                                      </p:cBhvr>
+                                      <p:to>
+                                        <p:strVal val="visible"/>
+                                      </p:to>
+                                    </p:set>
+                                  </p:childTnLst>
+                                </p:cTn>
+                              </p:par>
+                              <p:par>
+                                <p:cTn id="17" presetID="1" presetClass="entr" presetSubtype="0" fill="hold" grpId="0" nodeType="withEffect">
+                                  <p:stCondLst>
+                                    <p:cond delay="0"/>
+                                  </p:stCondLst>
+                                  <p:childTnLst>
+                                    <p:set>
+                                      <p:cBhvr>
+                                        <p:cTn id="18" dur="1" fill="hold">
+                                          <p:stCondLst>
+                                            <p:cond delay="0"/>
+                                          </p:stCondLst>
+                                        </p:cTn>
+                                        <p:tgtEl>
+                                          <p:spTgt spid="22"/>
+                                        </p:tgtEl>
+                                        <p:attrNameLst>
+                                          <p:attrName>style.visibility</p:attrName>
+                                        </p:attrNameLst>
+                                      </p:cBhvr>
+                                      <p:to>
+                                        <p:strVal val="visible"/>
+                                      </p:to>
+                                    </p:set>
+                                  </p:childTnLst>
+                                </p:cTn>
+                              </p:par>
+                              <p:par>
+                                <p:cTn id="19" presetID="1" presetClass="entr" presetSubtype="0" fill="hold" grpId="0" nodeType="withEffect">
+                                  <p:stCondLst>
+                                    <p:cond delay="0"/>
+                                  </p:stCondLst>
+                                  <p:childTnLst>
+                                    <p:set>
+                                      <p:cBhvr>
+                                        <p:cTn id="20" dur="1" fill="hold">
+                                          <p:stCondLst>
+                                            <p:cond delay="0"/>
+                                          </p:stCondLst>
+                                        </p:cTn>
+                                        <p:tgtEl>
+                                          <p:spTgt spid="23"/>
+                                        </p:tgtEl>
+                                        <p:attrNameLst>
+                                          <p:attrName>style.visibility</p:attrName>
+                                        </p:attrNameLst>
+                                      </p:cBhvr>
+                                      <p:to>
+                                        <p:strVal val="visible"/>
+                                      </p:to>
+                                    </p:set>
+                                  </p:childTnLst>
+                                </p:cTn>
+                              </p:par>
+                              <p:par>
+                                <p:cTn id="21" presetID="1" presetClass="entr" presetSubtype="0" fill="hold" grpId="0" nodeType="withEffect">
+                                  <p:stCondLst>
+                                    <p:cond delay="0"/>
+                                  </p:stCondLst>
+                                  <p:childTnLst>
+                                    <p:set>
+                                      <p:cBhvr>
+                                        <p:cTn id="22" dur="1" fill="hold">
+                                          <p:stCondLst>
+                                            <p:cond delay="0"/>
+                                          </p:stCondLst>
+                                        </p:cTn>
+                                        <p:tgtEl>
+                                          <p:spTgt spid="24"/>
+                                        </p:tgtEl>
+                                        <p:attrNameLst>
+                                          <p:attrName>style.visibility</p:attrName>
+                                        </p:attrNameLst>
+                                      </p:cBhvr>
+                                      <p:to>
+                                        <p:strVal val="visible"/>
+                                      </p:to>
+                                    </p:set>
+                                  </p:childTnLst>
+                                </p:cTn>
+                              </p:par>
+                              <p:par>
+                                <p:cTn id="23" presetID="1" presetClass="entr" presetSubtype="0" fill="hold" grpId="0" nodeType="withEffect">
+                                  <p:stCondLst>
+                                    <p:cond delay="0"/>
+                                  </p:stCondLst>
+                                  <p:childTnLst>
+                                    <p:set>
+                                      <p:cBhvr>
+                                        <p:cTn id="24" dur="1" fill="hold">
+                                          <p:stCondLst>
+                                            <p:cond delay="0"/>
+                                          </p:stCondLst>
+                                        </p:cTn>
+                                        <p:tgtEl>
+                                          <p:spTgt spid="25"/>
+                                        </p:tgtEl>
+                                        <p:attrNameLst>
+                                          <p:attrName>style.visibility</p:attrName>
+                                        </p:attrNameLst>
+                                      </p:cBhvr>
+                                      <p:to>
+                                        <p:strVal val="visible"/>
+                                      </p:to>
+                                    </p:set>
+                                  </p:childTnLst>
+                                </p:cTn>
+                              </p:par>
+                              <p:par>
+                                <p:cTn id="25" presetID="1" presetClass="entr" presetSubtype="0" fill="hold" grpId="0" nodeType="withEffect">
+                                  <p:stCondLst>
+                                    <p:cond delay="0"/>
+                                  </p:stCondLst>
+                                  <p:childTnLst>
+                                    <p:set>
+                                      <p:cBhvr>
+                                        <p:cTn id="26" dur="1" fill="hold">
+                                          <p:stCondLst>
+                                            <p:cond delay="0"/>
+                                          </p:stCondLst>
+                                        </p:cTn>
+                                        <p:tgtEl>
+                                          <p:spTgt spid="26"/>
+                                        </p:tgtEl>
+                                        <p:attrNameLst>
+                                          <p:attrName>style.visibility</p:attrName>
+                                        </p:attrNameLst>
+                                      </p:cBhvr>
+                                      <p:to>
+                                        <p:strVal val="visible"/>
+                                      </p:to>
+                                    </p:set>
+                                  </p:childTnLst>
+                                </p:cTn>
+                              </p:par>
+                              <p:par>
+                                <p:cTn id="27" presetID="1" presetClass="entr" presetSubtype="0" fill="hold" nodeType="withEffect">
+                                  <p:stCondLst>
+                                    <p:cond delay="0"/>
+                                  </p:stCondLst>
+                                  <p:childTnLst>
+                                    <p:set>
+                                      <p:cBhvr>
+                                        <p:cTn id="28" dur="1" fill="hold">
+                                          <p:stCondLst>
+                                            <p:cond delay="0"/>
+                                          </p:stCondLst>
+                                        </p:cTn>
+                                        <p:tgtEl>
+                                          <p:spTgt spid="55"/>
+                                        </p:tgtEl>
+                                        <p:attrNameLst>
+                                          <p:attrName>style.visibility</p:attrName>
+                                        </p:attrNameLst>
+                                      </p:cBhvr>
+                                      <p:to>
+                                        <p:strVal val="visible"/>
+                                      </p:to>
+                                    </p:set>
+                                  </p:childTnLst>
+                                </p:cTn>
+                              </p:par>
+                              <p:par>
+                                <p:cTn id="29" presetID="1" presetClass="entr" presetSubtype="0" fill="hold" nodeType="withEffect">
+                                  <p:stCondLst>
+                                    <p:cond delay="0"/>
+                                  </p:stCondLst>
+                                  <p:childTnLst>
+                                    <p:set>
+                                      <p:cBhvr>
+                                        <p:cTn id="30" dur="1" fill="hold">
+                                          <p:stCondLst>
+                                            <p:cond delay="0"/>
+                                          </p:stCondLst>
+                                        </p:cTn>
+                                        <p:tgtEl>
+                                          <p:spTgt spid="53"/>
+                                        </p:tgtEl>
+                                        <p:attrNameLst>
+                                          <p:attrName>style.visibility</p:attrName>
+                                        </p:attrNameLst>
+                                      </p:cBhvr>
+                                      <p:to>
+                                        <p:strVal val="visible"/>
+                                      </p:to>
+                                    </p:set>
+                                  </p:childTnLst>
+                                </p:cTn>
+                              </p:par>
+                              <p:par>
+                                <p:cTn id="31" presetID="1" presetClass="entr" presetSubtype="0" fill="hold" nodeType="withEffect">
+                                  <p:stCondLst>
+                                    <p:cond delay="0"/>
+                                  </p:stCondLst>
+                                  <p:childTnLst>
+                                    <p:set>
+                                      <p:cBhvr>
+                                        <p:cTn id="32" dur="1" fill="hold">
+                                          <p:stCondLst>
+                                            <p:cond delay="0"/>
+                                          </p:stCondLst>
+                                        </p:cTn>
+                                        <p:tgtEl>
+                                          <p:spTgt spid="51"/>
+                                        </p:tgtEl>
+                                        <p:attrNameLst>
+                                          <p:attrName>style.visibility</p:attrName>
+                                        </p:attrNameLst>
+                                      </p:cBhvr>
+                                      <p:to>
+                                        <p:strVal val="visible"/>
+                                      </p:to>
+                                    </p:set>
+                                  </p:childTnLst>
+                                </p:cTn>
+                              </p:par>
+                              <p:par>
+                                <p:cTn id="33" presetID="1" presetClass="entr" presetSubtype="0" fill="hold" nodeType="withEffect">
+                                  <p:stCondLst>
+                                    <p:cond delay="0"/>
+                                  </p:stCondLst>
+                                  <p:childTnLst>
+                                    <p:set>
+                                      <p:cBhvr>
+                                        <p:cTn id="34" dur="1" fill="hold">
+                                          <p:stCondLst>
+                                            <p:cond delay="0"/>
+                                          </p:stCondLst>
+                                        </p:cTn>
+                                        <p:tgtEl>
+                                          <p:spTgt spid="49"/>
+                                        </p:tgtEl>
+                                        <p:attrNameLst>
+                                          <p:attrName>style.visibility</p:attrName>
+                                        </p:attrNameLst>
+                                      </p:cBhvr>
+                                      <p:to>
+                                        <p:strVal val="visible"/>
+                                      </p:to>
+                                    </p:set>
+                                  </p:childTnLst>
+                                </p:cTn>
+                              </p:par>
+                              <p:par>
+                                <p:cTn id="35" presetID="1" presetClass="entr" presetSubtype="0" fill="hold" nodeType="withEffect">
+                                  <p:stCondLst>
+                                    <p:cond delay="0"/>
+                                  </p:stCondLst>
+                                  <p:childTnLst>
+                                    <p:set>
+                                      <p:cBhvr>
+                                        <p:cTn id="36" dur="1" fill="hold">
+                                          <p:stCondLst>
+                                            <p:cond delay="0"/>
+                                          </p:stCondLst>
+                                        </p:cTn>
+                                        <p:tgtEl>
+                                          <p:spTgt spid="47"/>
+                                        </p:tgtEl>
+                                        <p:attrNameLst>
+                                          <p:attrName>style.visibility</p:attrName>
+                                        </p:attrNameLst>
+                                      </p:cBhvr>
+                                      <p:to>
+                                        <p:strVal val="visible"/>
+                                      </p:to>
+                                    </p:set>
+                                  </p:childTnLst>
+                                </p:cTn>
+                              </p:par>
+                              <p:par>
+                                <p:cTn id="37" presetID="1" presetClass="entr" presetSubtype="0" fill="hold" nodeType="withEffect">
+                                  <p:stCondLst>
+                                    <p:cond delay="0"/>
+                                  </p:stCondLst>
+                                  <p:childTnLst>
+                                    <p:set>
+                                      <p:cBhvr>
+                                        <p:cTn id="38" dur="1" fill="hold">
+                                          <p:stCondLst>
+                                            <p:cond delay="0"/>
+                                          </p:stCondLst>
+                                        </p:cTn>
+                                        <p:tgtEl>
+                                          <p:spTgt spid="42"/>
+                                        </p:tgtEl>
+                                        <p:attrNameLst>
+                                          <p:attrName>style.visibility</p:attrName>
+                                        </p:attrNameLst>
+                                      </p:cBhvr>
+                                      <p:to>
+                                        <p:strVal val="visible"/>
+                                      </p:to>
+                                    </p:set>
+                                  </p:childTnLst>
+                                </p:cTn>
+                              </p:par>
+                              <p:par>
+                                <p:cTn id="39" presetID="1" presetClass="entr" presetSubtype="0" fill="hold" nodeType="withEffect">
+                                  <p:stCondLst>
+                                    <p:cond delay="0"/>
+                                  </p:stCondLst>
+                                  <p:childTnLst>
+                                    <p:set>
+                                      <p:cBhvr>
+                                        <p:cTn id="40" dur="1" fill="hold">
+                                          <p:stCondLst>
+                                            <p:cond delay="0"/>
+                                          </p:stCondLst>
+                                        </p:cTn>
+                                        <p:tgtEl>
+                                          <p:spTgt spid="40"/>
+                                        </p:tgtEl>
+                                        <p:attrNameLst>
+                                          <p:attrName>style.visibility</p:attrName>
+                                        </p:attrNameLst>
+                                      </p:cBhvr>
+                                      <p:to>
+                                        <p:strVal val="visible"/>
+                                      </p:to>
+                                    </p:set>
+                                  </p:childTnLst>
+                                </p:cTn>
+                              </p:par>
+                              <p:par>
+                                <p:cTn id="41" presetID="1" presetClass="entr" presetSubtype="0" fill="hold" nodeType="withEffect">
+                                  <p:stCondLst>
+                                    <p:cond delay="0"/>
+                                  </p:stCondLst>
+                                  <p:childTnLst>
+                                    <p:set>
+                                      <p:cBhvr>
+                                        <p:cTn id="42" dur="1" fill="hold">
+                                          <p:stCondLst>
+                                            <p:cond delay="0"/>
+                                          </p:stCondLst>
+                                        </p:cTn>
+                                        <p:tgtEl>
+                                          <p:spTgt spid="38"/>
+                                        </p:tgtEl>
+                                        <p:attrNameLst>
+                                          <p:attrName>style.visibility</p:attrName>
+                                        </p:attrNameLst>
+                                      </p:cBhvr>
+                                      <p:to>
+                                        <p:strVal val="visible"/>
+                                      </p:to>
+                                    </p:set>
+                                  </p:childTnLst>
+                                </p:cTn>
+                              </p:par>
+                              <p:par>
+                                <p:cTn id="43" presetID="1" presetClass="entr" presetSubtype="0" fill="hold" nodeType="withEffect">
+                                  <p:stCondLst>
+                                    <p:cond delay="0"/>
+                                  </p:stCondLst>
+                                  <p:childTnLst>
+                                    <p:set>
+                                      <p:cBhvr>
+                                        <p:cTn id="44" dur="1" fill="hold">
+                                          <p:stCondLst>
+                                            <p:cond delay="0"/>
+                                          </p:stCondLst>
+                                        </p:cTn>
+                                        <p:tgtEl>
+                                          <p:spTgt spid="36"/>
+                                        </p:tgtEl>
+                                        <p:attrNameLst>
+                                          <p:attrName>style.visibility</p:attrName>
+                                        </p:attrNameLst>
+                                      </p:cBhvr>
+                                      <p:to>
+                                        <p:strVal val="visible"/>
+                                      </p:to>
+                                    </p:set>
+                                  </p:childTnLst>
+                                </p:cTn>
+                              </p:par>
+                              <p:par>
+                                <p:cTn id="45" presetID="1" presetClass="entr" presetSubtype="0" fill="hold" nodeType="withEffect">
+                                  <p:stCondLst>
+                                    <p:cond delay="0"/>
+                                  </p:stCondLst>
+                                  <p:childTnLst>
+                                    <p:set>
+                                      <p:cBhvr>
+                                        <p:cTn id="46" dur="1" fill="hold">
+                                          <p:stCondLst>
+                                            <p:cond delay="0"/>
+                                          </p:stCondLst>
+                                        </p:cTn>
+                                        <p:tgtEl>
+                                          <p:spTgt spid="34"/>
+                                        </p:tgtEl>
+                                        <p:attrNameLst>
+                                          <p:attrName>style.visibility</p:attrName>
+                                        </p:attrNameLst>
+                                      </p:cBhvr>
+                                      <p:to>
+                                        <p:strVal val="visible"/>
+                                      </p:to>
+                                    </p:set>
+                                  </p:childTnLst>
+                                </p:cTn>
+                              </p:par>
+                              <p:par>
+                                <p:cTn id="47" presetID="1" presetClass="entr" presetSubtype="0" fill="hold" nodeType="withEffect">
+                                  <p:stCondLst>
+                                    <p:cond delay="0"/>
+                                  </p:stCondLst>
+                                  <p:childTnLst>
+                                    <p:set>
+                                      <p:cBhvr>
+                                        <p:cTn id="48" dur="1" fill="hold">
+                                          <p:stCondLst>
+                                            <p:cond delay="0"/>
+                                          </p:stCondLst>
+                                        </p:cTn>
+                                        <p:tgtEl>
+                                          <p:spTgt spid="28"/>
+                                        </p:tgtEl>
+                                        <p:attrNameLst>
+                                          <p:attrName>style.visibility</p:attrName>
+                                        </p:attrNameLst>
+                                      </p:cBhvr>
+                                      <p:to>
+                                        <p:strVal val="visible"/>
+                                      </p:to>
+                                    </p:set>
+                                  </p:childTnLst>
+                                </p:cTn>
+                              </p:par>
+                              <p:par>
+                                <p:cTn id="49" presetID="1" presetClass="entr" presetSubtype="0" fill="hold" grpId="0" nodeType="withEffect">
+                                  <p:stCondLst>
+                                    <p:cond delay="0"/>
+                                  </p:stCondLst>
+                                  <p:childTnLst>
+                                    <p:set>
+                                      <p:cBhvr>
+                                        <p:cTn id="50" dur="1" fill="hold">
+                                          <p:stCondLst>
+                                            <p:cond delay="0"/>
+                                          </p:stCondLst>
+                                        </p:cTn>
+                                        <p:tgtEl>
+                                          <p:spTgt spid="4"/>
+                                        </p:tgtEl>
+                                        <p:attrNameLst>
+                                          <p:attrName>style.visibility</p:attrName>
+                                        </p:attrNameLst>
+                                      </p:cBhvr>
+                                      <p:to>
+                                        <p:strVal val="visible"/>
+                                      </p:to>
+                                    </p:set>
+                                  </p:childTnLst>
+                                </p:cTn>
+                              </p:par>
+                              <p:par>
+                                <p:cTn id="51" presetID="1" presetClass="entr" presetSubtype="0" fill="hold" grpId="0" nodeType="withEffect">
+                                  <p:stCondLst>
+                                    <p:cond delay="0"/>
+                                  </p:stCondLst>
+                                  <p:childTnLst>
+                                    <p:set>
+                                      <p:cBhvr>
+                                        <p:cTn id="52" dur="1" fill="hold">
+                                          <p:stCondLst>
+                                            <p:cond delay="0"/>
+                                          </p:stCondLst>
+                                        </p:cTn>
+                                        <p:tgtEl>
+                                          <p:spTgt spid="5"/>
+                                        </p:tgtEl>
+                                        <p:attrNameLst>
+                                          <p:attrName>style.visibility</p:attrName>
+                                        </p:attrNameLst>
+                                      </p:cBhvr>
+                                      <p:to>
+                                        <p:strVal val="visible"/>
+                                      </p:to>
+                                    </p:set>
+                                  </p:childTnLst>
+                                </p:cTn>
+                              </p:par>
+                              <p:par>
+                                <p:cTn id="53" presetID="1" presetClass="entr" presetSubtype="0" fill="hold" grpId="0" nodeType="withEffect">
+                                  <p:stCondLst>
+                                    <p:cond delay="0"/>
+                                  </p:stCondLst>
+                                  <p:childTnLst>
+                                    <p:set>
+                                      <p:cBhvr>
+                                        <p:cTn id="54" dur="1" fill="hold">
+                                          <p:stCondLst>
+                                            <p:cond delay="0"/>
+                                          </p:stCondLst>
+                                        </p:cTn>
+                                        <p:tgtEl>
+                                          <p:spTgt spid="6"/>
+                                        </p:tgtEl>
+                                        <p:attrNameLst>
+                                          <p:attrName>style.visibility</p:attrName>
+                                        </p:attrNameLst>
+                                      </p:cBhvr>
+                                      <p:to>
+                                        <p:strVal val="visible"/>
+                                      </p:to>
+                                    </p:set>
+                                  </p:childTnLst>
+                                </p:cTn>
+                              </p:par>
+                              <p:par>
+                                <p:cTn id="55" presetID="1" presetClass="entr" presetSubtype="0" fill="hold" grpId="0" nodeType="withEffect">
+                                  <p:stCondLst>
+                                    <p:cond delay="0"/>
+                                  </p:stCondLst>
+                                  <p:childTnLst>
+                                    <p:set>
+                                      <p:cBhvr>
+                                        <p:cTn id="56" dur="1" fill="hold">
+                                          <p:stCondLst>
+                                            <p:cond delay="0"/>
+                                          </p:stCondLst>
+                                        </p:cTn>
+                                        <p:tgtEl>
+                                          <p:spTgt spid="8"/>
+                                        </p:tgtEl>
+                                        <p:attrNameLst>
+                                          <p:attrName>style.visibility</p:attrName>
+                                        </p:attrNameLst>
+                                      </p:cBhvr>
+                                      <p:to>
+                                        <p:strVal val="visible"/>
+                                      </p:to>
+                                    </p:set>
+                                  </p:childTnLst>
+                                </p:cTn>
+                              </p:par>
+                              <p:par>
+                                <p:cTn id="57" presetID="1" presetClass="entr" presetSubtype="0" fill="hold" grpId="0" nodeType="withEffect">
+                                  <p:stCondLst>
+                                    <p:cond delay="0"/>
+                                  </p:stCondLst>
+                                  <p:childTnLst>
+                                    <p:set>
+                                      <p:cBhvr>
+                                        <p:cTn id="58" dur="1" fill="hold">
+                                          <p:stCondLst>
+                                            <p:cond delay="0"/>
+                                          </p:stCondLst>
+                                        </p:cTn>
+                                        <p:tgtEl>
+                                          <p:spTgt spid="9"/>
+                                        </p:tgtEl>
+                                        <p:attrNameLst>
+                                          <p:attrName>style.visibility</p:attrName>
+                                        </p:attrNameLst>
+                                      </p:cBhvr>
+                                      <p:to>
+                                        <p:strVal val="visible"/>
+                                      </p:to>
+                                    </p:set>
+                                  </p:childTnLst>
+                                </p:cTn>
+                              </p:par>
+                              <p:par>
+                                <p:cTn id="59" presetID="1" presetClass="entr" presetSubtype="0" fill="hold" grpId="0" nodeType="withEffect">
+                                  <p:stCondLst>
+                                    <p:cond delay="0"/>
+                                  </p:stCondLst>
+                                  <p:childTnLst>
+                                    <p:set>
+                                      <p:cBhvr>
+                                        <p:cTn id="60" dur="1" fill="hold">
+                                          <p:stCondLst>
+                                            <p:cond delay="0"/>
+                                          </p:stCondLst>
+                                        </p:cTn>
+                                        <p:tgtEl>
+                                          <p:spTgt spid="10"/>
+                                        </p:tgtEl>
+                                        <p:attrNameLst>
+                                          <p:attrName>style.visibility</p:attrName>
+                                        </p:attrNameLst>
+                                      </p:cBhvr>
+                                      <p:to>
+                                        <p:strVal val="visible"/>
+                                      </p:to>
+                                    </p:set>
+                                  </p:childTnLst>
+                                </p:cTn>
+                              </p:par>
+                              <p:par>
+                                <p:cTn id="61" presetID="1" presetClass="entr" presetSubtype="0" fill="hold" grpId="0" nodeType="withEffect">
+                                  <p:stCondLst>
+                                    <p:cond delay="0"/>
+                                  </p:stCondLst>
+                                  <p:childTnLst>
+                                    <p:set>
+                                      <p:cBhvr>
+                                        <p:cTn id="62" dur="1" fill="hold">
+                                          <p:stCondLst>
+                                            <p:cond delay="0"/>
+                                          </p:stCondLst>
+                                        </p:cTn>
+                                        <p:tgtEl>
+                                          <p:spTgt spid="12"/>
+                                        </p:tgtEl>
+                                        <p:attrNameLst>
+                                          <p:attrName>style.visibility</p:attrName>
+                                        </p:attrNameLst>
+                                      </p:cBhvr>
+                                      <p:to>
+                                        <p:strVal val="visible"/>
+                                      </p:to>
+                                    </p:set>
+                                  </p:childTnLst>
+                                </p:cTn>
+                              </p:par>
+                              <p:par>
+                                <p:cTn id="63" presetID="1" presetClass="entr" presetSubtype="0" fill="hold" grpId="0" nodeType="withEffect">
+                                  <p:stCondLst>
+                                    <p:cond delay="0"/>
+                                  </p:stCondLst>
+                                  <p:childTnLst>
+                                    <p:set>
+                                      <p:cBhvr>
+                                        <p:cTn id="64" dur="1" fill="hold">
+                                          <p:stCondLst>
+                                            <p:cond delay="0"/>
+                                          </p:stCondLst>
+                                        </p:cTn>
+                                        <p:tgtEl>
+                                          <p:spTgt spid="11"/>
+                                        </p:tgtEl>
+                                        <p:attrNameLst>
+                                          <p:attrName>style.visibility</p:attrName>
+                                        </p:attrNameLst>
+                                      </p:cBhvr>
+                                      <p:to>
+                                        <p:strVal val="visible"/>
+                                      </p:to>
+                                    </p:set>
+                                  </p:childTnLst>
+                                </p:cTn>
+                              </p:par>
+                              <p:par>
+                                <p:cTn id="65" presetID="1" presetClass="entr" presetSubtype="0" fill="hold" grpId="0" nodeType="withEffect">
+                                  <p:stCondLst>
+                                    <p:cond delay="0"/>
+                                  </p:stCondLst>
+                                  <p:childTnLst>
+                                    <p:set>
+                                      <p:cBhvr>
+                                        <p:cTn id="66" dur="1" fill="hold">
+                                          <p:stCondLst>
+                                            <p:cond delay="0"/>
+                                          </p:stCondLst>
+                                        </p:cTn>
+                                        <p:tgtEl>
+                                          <p:spTgt spid="13"/>
+                                        </p:tgtEl>
+                                        <p:attrNameLst>
+                                          <p:attrName>style.visibility</p:attrName>
+                                        </p:attrNameLst>
+                                      </p:cBhvr>
+                                      <p:to>
+                                        <p:strVal val="visible"/>
+                                      </p:to>
+                                    </p:set>
+                                  </p:childTnLst>
+                                </p:cTn>
+                              </p:par>
+                              <p:par>
+                                <p:cTn id="67" presetID="1" presetClass="entr" presetSubtype="0" fill="hold" grpId="0" nodeType="withEffect">
+                                  <p:stCondLst>
+                                    <p:cond delay="0"/>
+                                  </p:stCondLst>
+                                  <p:childTnLst>
+                                    <p:set>
+                                      <p:cBhvr>
+                                        <p:cTn id="68" dur="1" fill="hold">
+                                          <p:stCondLst>
+                                            <p:cond delay="0"/>
+                                          </p:stCondLst>
+                                        </p:cTn>
+                                        <p:tgtEl>
+                                          <p:spTgt spid="14"/>
+                                        </p:tgtEl>
+                                        <p:attrNameLst>
+                                          <p:attrName>style.visibility</p:attrName>
+                                        </p:attrNameLst>
+                                      </p:cBhvr>
+                                      <p:to>
+                                        <p:strVal val="visible"/>
+                                      </p:to>
+                                    </p:set>
+                                  </p:childTnLst>
+                                </p:cTn>
+                              </p:par>
+                              <p:par>
+                                <p:cTn id="69" presetID="1" presetClass="entr" presetSubtype="0" fill="hold" grpId="0" nodeType="withEffect">
+                                  <p:stCondLst>
+                                    <p:cond delay="0"/>
+                                  </p:stCondLst>
+                                  <p:childTnLst>
+                                    <p:set>
+                                      <p:cBhvr>
+                                        <p:cTn id="70" dur="1" fill="hold">
+                                          <p:stCondLst>
+                                            <p:cond delay="0"/>
+                                          </p:stCondLst>
+                                        </p:cTn>
+                                        <p:tgtEl>
+                                          <p:spTgt spid="15"/>
+                                        </p:tgtEl>
+                                        <p:attrNameLst>
+                                          <p:attrName>style.visibility</p:attrName>
+                                        </p:attrNameLst>
+                                      </p:cBhvr>
+                                      <p:to>
+                                        <p:strVal val="visible"/>
+                                      </p:to>
+                                    </p:set>
+                                  </p:childTnLst>
+                                </p:cTn>
+                              </p:par>
+                            </p:childTnLst>
+                          </p:cTn>
+                        </p:par>
+                      </p:childTnLst>
+                    </p:cTn>
+                  </p:par>
+                </p:childTnLst>
+              </p:cTn>
+              <p:prevCondLst>
+                <p:cond evt="onPrev" delay="0">
+                  <p:tgtEl>
+                    <p:sldTgt/>
+                  </p:tgtEl>
+                </p:cond>
+              </p:prevCondLst>
+              <p:nextCondLst>
+                <p:cond evt="onNext" delay="0">
+                  <p:tgtEl>
+                    <p:sldTgt/>
+                  </p:tgtEl>
+                </p:cond>
+              </p:nextCondLst>
+            </p:seq>
+          </p:childTnLst>
+        </p:cTn>
+      </p:par>
+    </p:tnLst>
+    <p:bldLst>
+      <p:bldP spid="4" grpId="0" animBg="1"/>
+      <p:bldP spid="5" grpId="0" animBg="1"/>
+      <p:bldP spid="6" grpId="0" animBg="1"/>
+      <p:bldP spid="8" grpId="0" animBg="1"/>
+      <p:bldP spid="9" grpId="0" animBg="1"/>
+      <p:bldP spid="10" grpId="0" animBg="1"/>
+      <p:bldP spid="11" grpId="0" animBg="1"/>
+      <p:bldP spid="12" grpId="0" animBg="1"/>
+      <p:bldP spid="13" grpId="0" animBg="1"/>
+      <p:bldP spid="14" grpId="0" animBg="1"/>
+      <p:bldP spid="15" grpId="0" animBg="1"/>
+      <p:bldP spid="16" grpId="0" animBg="1"/>
+      <p:bldP spid="17" grpId="0" animBg="1"/>
+      <p:bldP spid="18" grpId="0" animBg="1"/>
+      <p:bldP spid="19" grpId="0" animBg="1"/>
+      <p:bldP spid="20" grpId="0" animBg="1"/>
+      <p:bldP spid="21" grpId="0" animBg="1"/>
+      <p:bldP spid="22" grpId="0" animBg="1"/>
+      <p:bldP spid="23" grpId="0" animBg="1"/>
+      <p:bldP spid="24" grpId="0" animBg="1"/>
+      <p:bldP spid="25" grpId="0" animBg="1"/>
+      <p:bldP spid="26" grpId="0" animBg="1"/>
+    </p:bldLst>
+  </p:timing>
 </p:sld>
 </file>
 
@@ -8741,6 +9947,186 @@
           <p:cNvPr id="2" name="Titel 1">
             <a:extLst>
               <a:ext uri="{FF2B5EF4-FFF2-40B4-BE49-F238E27FC236}">
+                <a16:creationId xmlns:a16="http://schemas.microsoft.com/office/drawing/2014/main" id="{910C83C1-6899-408A-8118-947E4E60DF69}"/>
+              </a:ext>
+            </a:extLst>
+          </p:cNvPr>
+          <p:cNvSpPr>
+            <a:spLocks noGrp="1"/>
+          </p:cNvSpPr>
+          <p:nvPr>
+            <p:ph type="title"/>
+          </p:nvPr>
+        </p:nvSpPr>
+        <p:spPr/>
+        <p:txBody>
+          <a:bodyPr/>
+          <a:lstStyle/>
+          <a:p>
+            <a:r>
+              <a:rPr lang="de-CH" dirty="0"/>
+              <a:t>Vorgänge</a:t>
+            </a:r>
+          </a:p>
+        </p:txBody>
+      </p:sp>
+      <p:pic>
+        <p:nvPicPr>
+          <p:cNvPr id="4" name="Inhaltsplatzhalter 3">
+            <a:extLst>
+              <a:ext uri="{FF2B5EF4-FFF2-40B4-BE49-F238E27FC236}">
+                <a16:creationId xmlns:a16="http://schemas.microsoft.com/office/drawing/2014/main" id="{DBB84DD2-0FB1-4E4B-88CD-ADA80ADDD92E}"/>
+              </a:ext>
+            </a:extLst>
+          </p:cNvPr>
+          <p:cNvPicPr>
+            <a:picLocks noGrp="1" noChangeAspect="1"/>
+          </p:cNvPicPr>
+          <p:nvPr>
+            <p:ph idx="1"/>
+          </p:nvPr>
+        </p:nvPicPr>
+        <p:blipFill>
+          <a:blip r:embed="rId2"/>
+          <a:stretch>
+            <a:fillRect/>
+          </a:stretch>
+        </p:blipFill>
+        <p:spPr>
+          <a:xfrm>
+            <a:off x="1993257" y="1794860"/>
+            <a:ext cx="8041994" cy="4953868"/>
+          </a:xfrm>
+          <a:prstGeom prst="rect">
+            <a:avLst/>
+          </a:prstGeom>
+        </p:spPr>
+      </p:pic>
+    </p:spTree>
+    <p:extLst>
+      <p:ext uri="{BB962C8B-B14F-4D97-AF65-F5344CB8AC3E}">
+        <p14:creationId xmlns:p14="http://schemas.microsoft.com/office/powerpoint/2010/main" val="621398805"/>
+      </p:ext>
+    </p:extLst>
+  </p:cSld>
+  <p:clrMapOvr>
+    <a:masterClrMapping/>
+  </p:clrMapOvr>
+</p:sld>
+</file>
+
+<file path=ppt/slides/slide18.xml><?xml version="1.0" encoding="utf-8"?>
+<p:sld xmlns:a="http://schemas.openxmlformats.org/drawingml/2006/main" xmlns:r="http://schemas.openxmlformats.org/officeDocument/2006/relationships" xmlns:p="http://schemas.openxmlformats.org/presentationml/2006/main">
+  <p:cSld>
+    <p:spTree>
+      <p:nvGrpSpPr>
+        <p:cNvPr id="1" name=""/>
+        <p:cNvGrpSpPr/>
+        <p:nvPr/>
+      </p:nvGrpSpPr>
+      <p:grpSpPr>
+        <a:xfrm>
+          <a:off x="0" y="0"/>
+          <a:ext cx="0" cy="0"/>
+          <a:chOff x="0" y="0"/>
+          <a:chExt cx="0" cy="0"/>
+        </a:xfrm>
+      </p:grpSpPr>
+      <p:sp>
+        <p:nvSpPr>
+          <p:cNvPr id="2" name="Titel 1">
+            <a:extLst>
+              <a:ext uri="{FF2B5EF4-FFF2-40B4-BE49-F238E27FC236}">
+                <a16:creationId xmlns:a16="http://schemas.microsoft.com/office/drawing/2014/main" id="{84184131-124A-49A6-AB63-EBB7646CCB93}"/>
+              </a:ext>
+            </a:extLst>
+          </p:cNvPr>
+          <p:cNvSpPr>
+            <a:spLocks noGrp="1"/>
+          </p:cNvSpPr>
+          <p:nvPr>
+            <p:ph type="title"/>
+          </p:nvPr>
+        </p:nvSpPr>
+        <p:spPr/>
+        <p:txBody>
+          <a:bodyPr/>
+          <a:lstStyle/>
+          <a:p>
+            <a:r>
+              <a:rPr lang="de-CH" dirty="0"/>
+              <a:t>Vorgänge</a:t>
+            </a:r>
+          </a:p>
+        </p:txBody>
+      </p:sp>
+      <p:pic>
+        <p:nvPicPr>
+          <p:cNvPr id="4" name="Inhaltsplatzhalter 3">
+            <a:extLst>
+              <a:ext uri="{FF2B5EF4-FFF2-40B4-BE49-F238E27FC236}">
+                <a16:creationId xmlns:a16="http://schemas.microsoft.com/office/drawing/2014/main" id="{A07A1491-A9FB-43EC-921A-CF33363C6A48}"/>
+              </a:ext>
+            </a:extLst>
+          </p:cNvPr>
+          <p:cNvPicPr>
+            <a:picLocks noGrp="1" noChangeAspect="1"/>
+          </p:cNvPicPr>
+          <p:nvPr>
+            <p:ph idx="1"/>
+          </p:nvPr>
+        </p:nvPicPr>
+        <p:blipFill>
+          <a:blip r:embed="rId2"/>
+          <a:stretch>
+            <a:fillRect/>
+          </a:stretch>
+        </p:blipFill>
+        <p:spPr>
+          <a:xfrm>
+            <a:off x="2845804" y="1690688"/>
+            <a:ext cx="6124575" cy="5072335"/>
+          </a:xfrm>
+          <a:prstGeom prst="rect">
+            <a:avLst/>
+          </a:prstGeom>
+        </p:spPr>
+      </p:pic>
+    </p:spTree>
+    <p:extLst>
+      <p:ext uri="{BB962C8B-B14F-4D97-AF65-F5344CB8AC3E}">
+        <p14:creationId xmlns:p14="http://schemas.microsoft.com/office/powerpoint/2010/main" val="3531117813"/>
+      </p:ext>
+    </p:extLst>
+  </p:cSld>
+  <p:clrMapOvr>
+    <a:masterClrMapping/>
+  </p:clrMapOvr>
+</p:sld>
+</file>
+
+<file path=ppt/slides/slide19.xml><?xml version="1.0" encoding="utf-8"?>
+<p:sld xmlns:a="http://schemas.openxmlformats.org/drawingml/2006/main" xmlns:r="http://schemas.openxmlformats.org/officeDocument/2006/relationships" xmlns:p="http://schemas.openxmlformats.org/presentationml/2006/main">
+  <p:cSld>
+    <p:spTree>
+      <p:nvGrpSpPr>
+        <p:cNvPr id="1" name=""/>
+        <p:cNvGrpSpPr/>
+        <p:nvPr/>
+      </p:nvGrpSpPr>
+      <p:grpSpPr>
+        <a:xfrm>
+          <a:off x="0" y="0"/>
+          <a:ext cx="0" cy="0"/>
+          <a:chOff x="0" y="0"/>
+          <a:chExt cx="0" cy="0"/>
+        </a:xfrm>
+      </p:grpSpPr>
+      <p:sp>
+        <p:nvSpPr>
+          <p:cNvPr id="2" name="Titel 1">
+            <a:extLst>
+              <a:ext uri="{FF2B5EF4-FFF2-40B4-BE49-F238E27FC236}">
                 <a16:creationId xmlns:a16="http://schemas.microsoft.com/office/drawing/2014/main" id="{85182441-F78A-4894-8E2F-76EF1DD26C13}"/>
               </a:ext>
             </a:extLst>
@@ -9716,7 +11102,7 @@
               <a:buNone/>
             </a:pPr>
             <a:r>
-              <a:rPr lang="en-US" sz="2000" kern="1200">
+              <a:rPr lang="en-US" sz="2000" kern="1200" dirty="0">
                 <a:solidFill>
                   <a:srgbClr val="00D1F7"/>
                 </a:solidFill>
@@ -9726,14 +11112,6 @@
               </a:rPr>
               <a:t>www.dindialaekt.ch/ </a:t>
             </a:r>
-            <a:endParaRPr lang="en-US" sz="2000" kern="1200" dirty="0">
-              <a:solidFill>
-                <a:srgbClr val="00D1F7"/>
-              </a:solidFill>
-              <a:latin typeface="+mn-lt"/>
-              <a:ea typeface="+mn-ea"/>
-              <a:cs typeface="+mn-cs"/>
-            </a:endParaRPr>
           </a:p>
         </p:txBody>
       </p:sp>
@@ -10482,7 +11860,7 @@
           <a:p>
             <a:r>
               <a:rPr lang="de-CH" dirty="0"/>
-              <a:t>Beispiel Eingabe Schlecht</a:t>
+              <a:t>Beispiel Eingabe 2</a:t>
             </a:r>
           </a:p>
         </p:txBody>
@@ -10504,7 +11882,7 @@
           </p:nvPr>
         </p:nvPicPr>
         <p:blipFill>
-          <a:blip r:embed="rId3"/>
+          <a:blip r:embed="rId5"/>
           <a:stretch>
             <a:fillRect/>
           </a:stretch>
@@ -10622,7 +12000,7 @@
       <p:sp>
         <p:nvSpPr>
           <p:cNvPr id="3" name="Rechteck 2">
-            <a:hlinkClick r:id="rId4" action="ppaction://hlinkfile"/>
+            <a:hlinkClick r:id="rId6" action="ppaction://hlinkfile"/>
             <a:extLst>
               <a:ext uri="{FF2B5EF4-FFF2-40B4-BE49-F238E27FC236}">
                 <a16:creationId xmlns:a16="http://schemas.microsoft.com/office/drawing/2014/main" id="{65A83495-70B5-4EF0-90DA-683C437228AE}"/>
@@ -10699,22 +12077,21 @@
           <a:lstStyle/>
           <a:p>
             <a:r>
-              <a:rPr lang="de-CH" dirty="0"/>
-              <a:t>*D sage </a:t>
-            </a:r>
-            <a:r>
-              <a:rPr lang="de-CH" dirty="0" err="1"/>
-              <a:t>diä</a:t>
+              <a:rPr lang="de-CH" dirty="0" err="1"/>
+              <a:t>Diä</a:t>
+            </a:r>
+            <a:r>
+              <a:rPr lang="de-CH" dirty="0"/>
+              <a:t> sage </a:t>
+            </a:r>
+            <a:r>
+              <a:rPr lang="de-CH" dirty="0" err="1"/>
+              <a:t>wered</a:t>
             </a:r>
             <a:r>
               <a:rPr lang="de-CH" dirty="0"/>
               <a:t> </a:t>
             </a:r>
-            <a:r>
-              <a:rPr lang="de-CH" dirty="0" err="1"/>
-              <a:t>wärdid</a:t>
-            </a:r>
-            <a:endParaRPr lang="de-CH" dirty="0"/>
           </a:p>
         </p:txBody>
       </p:sp>
@@ -10747,8 +12124,28 @@
           <a:lstStyle/>
           <a:p>
             <a:r>
-              <a:rPr lang="de-CH" dirty="0"/>
-              <a:t>***</a:t>
+              <a:rPr lang="de-CH" dirty="0" err="1"/>
+              <a:t>em</a:t>
+            </a:r>
+            <a:r>
+              <a:rPr lang="de-CH" dirty="0"/>
+              <a:t> </a:t>
+            </a:r>
+            <a:r>
+              <a:rPr lang="de-CH" dirty="0" err="1"/>
+              <a:t>obed</a:t>
+            </a:r>
+            <a:r>
+              <a:rPr lang="de-CH" dirty="0"/>
+              <a:t> </a:t>
+            </a:r>
+            <a:r>
+              <a:rPr lang="de-CH" dirty="0" err="1"/>
+              <a:t>scho</a:t>
+            </a:r>
+            <a:r>
+              <a:rPr lang="de-CH" dirty="0"/>
+              <a:t> </a:t>
             </a:r>
           </a:p>
         </p:txBody>
@@ -10783,17 +12180,20 @@
           <a:p>
             <a:r>
               <a:rPr lang="de-CH" dirty="0" err="1"/>
-              <a:t>tänglet</a:t>
-            </a:r>
-            <a:r>
-              <a:rPr lang="de-CH" dirty="0"/>
-              <a:t> ins </a:t>
-            </a:r>
-            <a:r>
-              <a:rPr lang="de-CH" dirty="0" err="1"/>
               <a:t>grüschtet</a:t>
             </a:r>
-            <a:endParaRPr lang="de-CH" dirty="0"/>
+            <a:r>
+              <a:rPr lang="de-CH" dirty="0"/>
+              <a:t> und </a:t>
+            </a:r>
+            <a:r>
+              <a:rPr lang="de-CH" dirty="0" err="1"/>
+              <a:t>tängelet</a:t>
+            </a:r>
+            <a:r>
+              <a:rPr lang="de-CH" dirty="0"/>
+              <a:t> </a:t>
+            </a:r>
           </a:p>
         </p:txBody>
       </p:sp>
@@ -10827,7 +12227,7 @@
           <a:p>
             <a:r>
               <a:rPr lang="de-CH" dirty="0"/>
-              <a:t>Dass </a:t>
+              <a:t>dass </a:t>
             </a:r>
             <a:r>
               <a:rPr lang="de-CH" dirty="0" err="1"/>
@@ -10835,13 +12235,16 @@
             </a:r>
             <a:r>
               <a:rPr lang="de-CH" dirty="0"/>
-              <a:t> denn </a:t>
-            </a:r>
-            <a:r>
-              <a:rPr lang="de-CH" dirty="0" err="1"/>
-              <a:t>moore</a:t>
-            </a:r>
-            <a:endParaRPr lang="de-CH" dirty="0"/>
+              <a:t> de </a:t>
+            </a:r>
+            <a:r>
+              <a:rPr lang="de-CH" dirty="0" err="1"/>
+              <a:t>more</a:t>
+            </a:r>
+            <a:r>
+              <a:rPr lang="de-CH" dirty="0"/>
+              <a:t> </a:t>
+            </a:r>
           </a:p>
         </p:txBody>
       </p:sp>
@@ -10875,15 +12278,17 @@
           <a:p>
             <a:r>
               <a:rPr lang="de-CH" dirty="0" err="1"/>
-              <a:t>dess</a:t>
-            </a:r>
-            <a:r>
-              <a:rPr lang="de-CH" dirty="0"/>
-              <a:t> a </a:t>
-            </a:r>
-            <a:r>
-              <a:rPr lang="de-CH" dirty="0" err="1"/>
-              <a:t>morgete</a:t>
+              <a:t>desse</a:t>
+            </a:r>
+            <a:r>
+              <a:rPr lang="de-CH" dirty="0"/>
+              <a:t> mur-</a:t>
+            </a:r>
+          </a:p>
+          <a:p>
+            <a:r>
+              <a:rPr lang="de-CH" dirty="0" err="1"/>
+              <a:t>gete</a:t>
             </a:r>
             <a:r>
               <a:rPr lang="de-CH" dirty="0"/>
@@ -10900,6 +12305,44 @@
           </a:p>
         </p:txBody>
       </p:sp>
+      <p:pic>
+        <p:nvPicPr>
+          <p:cNvPr id="12" name="SDS_CD4_1_14_speaker1_4">
+            <a:hlinkClick r:id="" action="ppaction://media"/>
+            <a:extLst>
+              <a:ext uri="{FF2B5EF4-FFF2-40B4-BE49-F238E27FC236}">
+                <a16:creationId xmlns:a16="http://schemas.microsoft.com/office/drawing/2014/main" id="{761988C8-C30F-466C-BD3D-224DD6429A75}"/>
+              </a:ext>
+            </a:extLst>
+          </p:cNvPr>
+          <p:cNvPicPr>
+            <a:picLocks noChangeAspect="1"/>
+          </p:cNvPicPr>
+          <p:nvPr>
+            <a:audioFile r:link="rId2"/>
+            <p:extLst>
+              <p:ext uri="{DAA4B4D4-6D71-4841-9C94-3DE7FCFB9230}">
+                <p14:media xmlns:p14="http://schemas.microsoft.com/office/powerpoint/2010/main" r:embed="rId1"/>
+              </p:ext>
+            </p:extLst>
+          </p:nvPr>
+        </p:nvPicPr>
+        <p:blipFill>
+          <a:blip r:embed="rId7"/>
+          <a:stretch>
+            <a:fillRect/>
+          </a:stretch>
+        </p:blipFill>
+        <p:spPr>
+          <a:xfrm>
+            <a:off x="3766060" y="2000345"/>
+            <a:ext cx="304800" cy="304800"/>
+          </a:xfrm>
+          <a:prstGeom prst="rect">
+            <a:avLst/>
+          </a:prstGeom>
+        </p:spPr>
+      </p:pic>
     </p:spTree>
     <p:extLst>
       <p:ext uri="{BB962C8B-B14F-4D97-AF65-F5344CB8AC3E}">
@@ -10910,6 +12353,90 @@
   <p:clrMapOvr>
     <a:masterClrMapping/>
   </p:clrMapOvr>
+  <p:timing>
+    <p:tnLst>
+      <p:par>
+        <p:cTn id="1" dur="indefinite" restart="never" nodeType="tmRoot">
+          <p:childTnLst>
+            <p:seq concurrent="1" nextAc="seek">
+              <p:cTn id="2" dur="indefinite" nodeType="mainSeq">
+                <p:childTnLst>
+                  <p:par>
+                    <p:cTn id="3" fill="hold">
+                      <p:stCondLst>
+                        <p:cond delay="indefinite"/>
+                      </p:stCondLst>
+                      <p:childTnLst>
+                        <p:par>
+                          <p:cTn id="4" fill="hold">
+                            <p:stCondLst>
+                              <p:cond delay="0"/>
+                            </p:stCondLst>
+                            <p:childTnLst>
+                              <p:par>
+                                <p:cTn id="5" presetID="1" presetClass="mediacall" presetSubtype="0" fill="hold" nodeType="clickEffect">
+                                  <p:stCondLst>
+                                    <p:cond delay="0"/>
+                                  </p:stCondLst>
+                                  <p:childTnLst>
+                                    <p:cmd type="call" cmd="playFrom(0.0)">
+                                      <p:cBhvr>
+                                        <p:cTn id="6" dur="9665" fill="hold"/>
+                                        <p:tgtEl>
+                                          <p:spTgt spid="12"/>
+                                        </p:tgtEl>
+                                      </p:cBhvr>
+                                    </p:cmd>
+                                  </p:childTnLst>
+                                </p:cTn>
+                              </p:par>
+                            </p:childTnLst>
+                          </p:cTn>
+                        </p:par>
+                      </p:childTnLst>
+                    </p:cTn>
+                  </p:par>
+                </p:childTnLst>
+              </p:cTn>
+              <p:prevCondLst>
+                <p:cond evt="onPrev" delay="0">
+                  <p:tgtEl>
+                    <p:sldTgt/>
+                  </p:tgtEl>
+                </p:cond>
+              </p:prevCondLst>
+              <p:nextCondLst>
+                <p:cond evt="onNext" delay="0">
+                  <p:tgtEl>
+                    <p:sldTgt/>
+                  </p:tgtEl>
+                </p:cond>
+              </p:nextCondLst>
+            </p:seq>
+            <p:audio>
+              <p:cMediaNode vol="80000">
+                <p:cTn id="7" fill="hold" display="0">
+                  <p:stCondLst>
+                    <p:cond delay="indefinite"/>
+                  </p:stCondLst>
+                  <p:endCondLst>
+                    <p:cond evt="onStopAudio" delay="0">
+                      <p:tgtEl>
+                        <p:sldTgt/>
+                      </p:tgtEl>
+                    </p:cond>
+                  </p:endCondLst>
+                </p:cTn>
+                <p:tgtEl>
+                  <p:spTgt spid="12"/>
+                </p:tgtEl>
+              </p:cMediaNode>
+            </p:audio>
+          </p:childTnLst>
+        </p:cTn>
+      </p:par>
+    </p:tnLst>
+  </p:timing>
 </p:sld>
 </file>
 

--- a/doc/IP5_Presentation.pptx
+++ b/doc/IP5_Presentation.pptx
@@ -5,7 +5,7 @@
     <p:sldMasterId id="2147483648" r:id="rId1"/>
   </p:sldMasterIdLst>
   <p:notesMasterIdLst>
-    <p:notesMasterId r:id="rId21"/>
+    <p:notesMasterId r:id="rId22"/>
   </p:notesMasterIdLst>
   <p:sldIdLst>
     <p:sldId id="256" r:id="rId2"/>
@@ -27,6 +27,7 @@
     <p:sldId id="275" r:id="rId18"/>
     <p:sldId id="276" r:id="rId19"/>
     <p:sldId id="258" r:id="rId20"/>
+    <p:sldId id="278" r:id="rId21"/>
   </p:sldIdLst>
   <p:sldSz cx="12192000" cy="6858000"/>
   <p:notesSz cx="6858000" cy="9144000"/>
@@ -1234,10 +1235,9 @@
               <a:t>resultat</a:t>
             </a:r>
             <a:r>
-              <a:rPr lang="de-CH"/>
+              <a:rPr lang="de-CH" dirty="0"/>
               <a:t> kombinieren</a:t>
             </a:r>
-            <a:endParaRPr lang="de-CH" dirty="0"/>
           </a:p>
           <a:p>
             <a:r>
@@ -1320,6 +1320,270 @@
     <p:extLst>
       <p:ext uri="{BB962C8B-B14F-4D97-AF65-F5344CB8AC3E}">
         <p14:creationId xmlns:p14="http://schemas.microsoft.com/office/powerpoint/2010/main" val="4128937707"/>
+      </p:ext>
+    </p:extLst>
+  </p:cSld>
+  <p:clrMapOvr>
+    <a:masterClrMapping/>
+  </p:clrMapOvr>
+</p:notes>
+</file>
+
+<file path=ppt/notesSlides/notesSlide13.xml><?xml version="1.0" encoding="utf-8"?>
+<p:notes xmlns:a="http://schemas.openxmlformats.org/drawingml/2006/main" xmlns:r="http://schemas.openxmlformats.org/officeDocument/2006/relationships" xmlns:p="http://schemas.openxmlformats.org/presentationml/2006/main">
+  <p:cSld>
+    <p:spTree>
+      <p:nvGrpSpPr>
+        <p:cNvPr id="1" name=""/>
+        <p:cNvGrpSpPr/>
+        <p:nvPr/>
+      </p:nvGrpSpPr>
+      <p:grpSpPr>
+        <a:xfrm>
+          <a:off x="0" y="0"/>
+          <a:ext cx="0" cy="0"/>
+          <a:chOff x="0" y="0"/>
+          <a:chExt cx="0" cy="0"/>
+        </a:xfrm>
+      </p:grpSpPr>
+      <p:sp>
+        <p:nvSpPr>
+          <p:cNvPr id="2" name="Folienbildplatzhalter 1"/>
+          <p:cNvSpPr>
+            <a:spLocks noGrp="1" noRot="1" noChangeAspect="1"/>
+          </p:cNvSpPr>
+          <p:nvPr>
+            <p:ph type="sldImg"/>
+          </p:nvPr>
+        </p:nvSpPr>
+        <p:spPr/>
+      </p:sp>
+      <p:sp>
+        <p:nvSpPr>
+          <p:cNvPr id="3" name="Notizenplatzhalter 2"/>
+          <p:cNvSpPr>
+            <a:spLocks noGrp="1"/>
+          </p:cNvSpPr>
+          <p:nvPr>
+            <p:ph type="body" idx="1"/>
+          </p:nvPr>
+        </p:nvSpPr>
+        <p:spPr/>
+        <p:txBody>
+          <a:bodyPr/>
+          <a:lstStyle/>
+          <a:p>
+            <a:r>
+              <a:rPr lang="de-CH" dirty="0" err="1"/>
+              <a:t>Levenshtein</a:t>
+            </a:r>
+            <a:r>
+              <a:rPr lang="de-CH" dirty="0"/>
+              <a:t>/</a:t>
+            </a:r>
+            <a:r>
+              <a:rPr lang="de-CH" dirty="0" err="1"/>
+              <a:t>Editdistanz</a:t>
+            </a:r>
+            <a:r>
+              <a:rPr lang="de-CH" dirty="0"/>
+              <a:t> ist offensichtlich</a:t>
+            </a:r>
+          </a:p>
+          <a:p>
+            <a:r>
+              <a:rPr lang="de-CH" dirty="0"/>
+              <a:t>Je näher eine </a:t>
+            </a:r>
+            <a:r>
+              <a:rPr lang="de-CH" dirty="0" err="1"/>
+              <a:t>maschinenübersetzung</a:t>
+            </a:r>
+            <a:r>
+              <a:rPr lang="de-CH" dirty="0"/>
+              <a:t> an einer menschlichen, desto besser ist sie.</a:t>
+            </a:r>
+          </a:p>
+          <a:p>
+            <a:r>
+              <a:rPr lang="de-CH" dirty="0"/>
+              <a:t>Maschinenübersetzung = zu bewertender </a:t>
+            </a:r>
+            <a:r>
+              <a:rPr lang="de-CH" dirty="0" err="1"/>
+              <a:t>satz</a:t>
+            </a:r>
+            <a:endParaRPr lang="de-CH" dirty="0"/>
+          </a:p>
+          <a:p>
+            <a:r>
+              <a:rPr lang="de-CH" dirty="0"/>
+              <a:t>Referenzübersetzungen = alle anderen Sätze</a:t>
+            </a:r>
+          </a:p>
+          <a:p>
+            <a:r>
+              <a:rPr lang="de-CH" dirty="0"/>
+              <a:t>Alternativen und </a:t>
+            </a:r>
+            <a:r>
+              <a:rPr lang="de-CH" dirty="0" err="1"/>
+              <a:t>verbesserungen</a:t>
+            </a:r>
+            <a:r>
+              <a:rPr lang="de-CH" dirty="0"/>
+              <a:t> von bleu bekannt</a:t>
+            </a:r>
+          </a:p>
+          <a:p>
+            <a:r>
+              <a:rPr lang="de-CH" dirty="0"/>
+              <a:t>Wir verwenden </a:t>
+            </a:r>
+            <a:r>
+              <a:rPr lang="de-CH" dirty="0" err="1"/>
+              <a:t>smoothin</a:t>
+            </a:r>
+            <a:r>
+              <a:rPr lang="de-CH" dirty="0"/>
+              <a:t> </a:t>
+            </a:r>
+            <a:r>
+              <a:rPr lang="de-CH" dirty="0" err="1"/>
+              <a:t>function</a:t>
+            </a:r>
+            <a:r>
+              <a:rPr lang="de-CH" dirty="0"/>
+              <a:t> für bleu, verbessert Ergebnis bei einzelnen </a:t>
+            </a:r>
+            <a:r>
+              <a:rPr lang="de-CH" dirty="0" err="1"/>
+              <a:t>sätzen</a:t>
+            </a:r>
+            <a:endParaRPr lang="de-CH" dirty="0"/>
+          </a:p>
+          <a:p>
+            <a:endParaRPr lang="de-CH" dirty="0"/>
+          </a:p>
+          <a:p>
+            <a:endParaRPr lang="de-CH" dirty="0"/>
+          </a:p>
+        </p:txBody>
+      </p:sp>
+      <p:sp>
+        <p:nvSpPr>
+          <p:cNvPr id="4" name="Foliennummernplatzhalter 3"/>
+          <p:cNvSpPr>
+            <a:spLocks noGrp="1"/>
+          </p:cNvSpPr>
+          <p:nvPr>
+            <p:ph type="sldNum" sz="quarter" idx="10"/>
+          </p:nvPr>
+        </p:nvSpPr>
+        <p:spPr/>
+        <p:txBody>
+          <a:bodyPr/>
+          <a:lstStyle/>
+          <a:p>
+            <a:fld id="{E295798E-7BEE-4A25-96C8-F832B2F1E69A}" type="slidenum">
+              <a:rPr lang="de-CH" smtClean="0"/>
+              <a:t>19</a:t>
+            </a:fld>
+            <a:endParaRPr lang="de-CH"/>
+          </a:p>
+        </p:txBody>
+      </p:sp>
+    </p:spTree>
+    <p:extLst>
+      <p:ext uri="{BB962C8B-B14F-4D97-AF65-F5344CB8AC3E}">
+        <p14:creationId xmlns:p14="http://schemas.microsoft.com/office/powerpoint/2010/main" val="1625024937"/>
+      </p:ext>
+    </p:extLst>
+  </p:cSld>
+  <p:clrMapOvr>
+    <a:masterClrMapping/>
+  </p:clrMapOvr>
+</p:notes>
+</file>
+
+<file path=ppt/notesSlides/notesSlide14.xml><?xml version="1.0" encoding="utf-8"?>
+<p:notes xmlns:a="http://schemas.openxmlformats.org/drawingml/2006/main" xmlns:r="http://schemas.openxmlformats.org/officeDocument/2006/relationships" xmlns:p="http://schemas.openxmlformats.org/presentationml/2006/main">
+  <p:cSld>
+    <p:spTree>
+      <p:nvGrpSpPr>
+        <p:cNvPr id="1" name=""/>
+        <p:cNvGrpSpPr/>
+        <p:nvPr/>
+      </p:nvGrpSpPr>
+      <p:grpSpPr>
+        <a:xfrm>
+          <a:off x="0" y="0"/>
+          <a:ext cx="0" cy="0"/>
+          <a:chOff x="0" y="0"/>
+          <a:chExt cx="0" cy="0"/>
+        </a:xfrm>
+      </p:grpSpPr>
+      <p:sp>
+        <p:nvSpPr>
+          <p:cNvPr id="2" name="Folienbildplatzhalter 1"/>
+          <p:cNvSpPr>
+            <a:spLocks noGrp="1" noRot="1" noChangeAspect="1"/>
+          </p:cNvSpPr>
+          <p:nvPr>
+            <p:ph type="sldImg"/>
+          </p:nvPr>
+        </p:nvSpPr>
+        <p:spPr/>
+      </p:sp>
+      <p:sp>
+        <p:nvSpPr>
+          <p:cNvPr id="3" name="Notizenplatzhalter 2"/>
+          <p:cNvSpPr>
+            <a:spLocks noGrp="1"/>
+          </p:cNvSpPr>
+          <p:nvPr>
+            <p:ph type="body" idx="1"/>
+          </p:nvPr>
+        </p:nvSpPr>
+        <p:spPr/>
+        <p:txBody>
+          <a:bodyPr/>
+          <a:lstStyle/>
+          <a:p>
+            <a:r>
+              <a:rPr lang="de-CH" dirty="0"/>
+              <a:t>Übergang zwischen gut und schlecht fliessend</a:t>
+            </a:r>
+          </a:p>
+        </p:txBody>
+      </p:sp>
+      <p:sp>
+        <p:nvSpPr>
+          <p:cNvPr id="4" name="Foliennummernplatzhalter 3"/>
+          <p:cNvSpPr>
+            <a:spLocks noGrp="1"/>
+          </p:cNvSpPr>
+          <p:nvPr>
+            <p:ph type="sldNum" sz="quarter" idx="10"/>
+          </p:nvPr>
+        </p:nvSpPr>
+        <p:spPr/>
+        <p:txBody>
+          <a:bodyPr/>
+          <a:lstStyle/>
+          <a:p>
+            <a:fld id="{E295798E-7BEE-4A25-96C8-F832B2F1E69A}" type="slidenum">
+              <a:rPr lang="de-CH" smtClean="0"/>
+              <a:t>20</a:t>
+            </a:fld>
+            <a:endParaRPr lang="de-CH"/>
+          </a:p>
+        </p:txBody>
+      </p:sp>
+    </p:spTree>
+    <p:extLst>
+      <p:ext uri="{BB962C8B-B14F-4D97-AF65-F5344CB8AC3E}">
+        <p14:creationId xmlns:p14="http://schemas.microsoft.com/office/powerpoint/2010/main" val="2358610769"/>
       </p:ext>
     </p:extLst>
   </p:cSld>
@@ -9876,7 +10140,11 @@
           <a:bodyPr/>
           <a:lstStyle/>
           <a:p>
-            <a:endParaRPr lang="de-CH"/>
+            <a:r>
+              <a:rPr lang="de-CH" dirty="0" err="1"/>
+              <a:t>Wortalignierung</a:t>
+            </a:r>
+            <a:endParaRPr lang="de-CH" dirty="0"/>
           </a:p>
         </p:txBody>
       </p:sp>
@@ -10145,7 +10413,7 @@
           <a:p>
             <a:r>
               <a:rPr lang="de-CH" dirty="0"/>
-              <a:t>2. Iteration</a:t>
+              <a:t>Satzbewertung</a:t>
             </a:r>
           </a:p>
         </p:txBody>
@@ -10171,7 +10439,40 @@
           <a:bodyPr/>
           <a:lstStyle/>
           <a:p>
-            <a:endParaRPr lang="de-CH"/>
+            <a:r>
+              <a:rPr lang="de-CH" dirty="0"/>
+              <a:t>Sätze auf Ähnlichkeit überprüfen</a:t>
+            </a:r>
+          </a:p>
+          <a:p>
+            <a:r>
+              <a:rPr lang="de-CH" dirty="0"/>
+              <a:t>Problem bekannt aus Bewertung von Maschinenübersetzungen</a:t>
+            </a:r>
+          </a:p>
+          <a:p>
+            <a:r>
+              <a:rPr lang="de-CH" dirty="0"/>
+              <a:t>BLEU-Score ist de facto Standard</a:t>
+            </a:r>
+          </a:p>
+          <a:p>
+            <a:r>
+              <a:rPr lang="de-CH" dirty="0"/>
+              <a:t>«Maschinenübersetzung» wird mit mehreren «Referenzübersetzungen» verglichen</a:t>
+            </a:r>
+          </a:p>
+          <a:p>
+            <a:r>
+              <a:rPr lang="de-CH" dirty="0"/>
+              <a:t>Score zwischen 0 und 1</a:t>
+            </a:r>
+          </a:p>
+          <a:p>
+            <a:endParaRPr lang="de-CH" dirty="0"/>
+          </a:p>
+          <a:p>
+            <a:endParaRPr lang="de-CH" dirty="0"/>
           </a:p>
         </p:txBody>
       </p:sp>
@@ -10265,6 +10566,96 @@
     <p:extLst>
       <p:ext uri="{BB962C8B-B14F-4D97-AF65-F5344CB8AC3E}">
         <p14:creationId xmlns:p14="http://schemas.microsoft.com/office/powerpoint/2010/main" val="841493887"/>
+      </p:ext>
+    </p:extLst>
+  </p:cSld>
+  <p:clrMapOvr>
+    <a:masterClrMapping/>
+  </p:clrMapOvr>
+</p:sld>
+</file>
+
+<file path=ppt/slides/slide20.xml><?xml version="1.0" encoding="utf-8"?>
+<p:sld xmlns:a="http://schemas.openxmlformats.org/drawingml/2006/main" xmlns:r="http://schemas.openxmlformats.org/officeDocument/2006/relationships" xmlns:p="http://schemas.openxmlformats.org/presentationml/2006/main">
+  <p:cSld>
+    <p:spTree>
+      <p:nvGrpSpPr>
+        <p:cNvPr id="1" name=""/>
+        <p:cNvGrpSpPr/>
+        <p:nvPr/>
+      </p:nvGrpSpPr>
+      <p:grpSpPr>
+        <a:xfrm>
+          <a:off x="0" y="0"/>
+          <a:ext cx="0" cy="0"/>
+          <a:chOff x="0" y="0"/>
+          <a:chExt cx="0" cy="0"/>
+        </a:xfrm>
+      </p:grpSpPr>
+      <p:sp>
+        <p:nvSpPr>
+          <p:cNvPr id="2" name="Titel 1">
+            <a:extLst>
+              <a:ext uri="{FF2B5EF4-FFF2-40B4-BE49-F238E27FC236}">
+                <a16:creationId xmlns:a16="http://schemas.microsoft.com/office/drawing/2014/main" id="{FB173B4C-04D0-411B-A75C-3A144B2FF7DD}"/>
+              </a:ext>
+            </a:extLst>
+          </p:cNvPr>
+          <p:cNvSpPr>
+            <a:spLocks noGrp="1"/>
+          </p:cNvSpPr>
+          <p:nvPr>
+            <p:ph type="title"/>
+          </p:nvPr>
+        </p:nvSpPr>
+        <p:spPr/>
+        <p:txBody>
+          <a:bodyPr/>
+          <a:lstStyle/>
+          <a:p>
+            <a:r>
+              <a:rPr lang="de-CH" dirty="0"/>
+              <a:t>Filterung schlechter Sätze</a:t>
+            </a:r>
+          </a:p>
+        </p:txBody>
+      </p:sp>
+      <p:pic>
+        <p:nvPicPr>
+          <p:cNvPr id="4" name="Inhaltsplatzhalter 3">
+            <a:extLst>
+              <a:ext uri="{FF2B5EF4-FFF2-40B4-BE49-F238E27FC236}">
+                <a16:creationId xmlns:a16="http://schemas.microsoft.com/office/drawing/2014/main" id="{AD03D53A-5C7E-4D4B-975D-6EC775305B45}"/>
+              </a:ext>
+            </a:extLst>
+          </p:cNvPr>
+          <p:cNvPicPr>
+            <a:picLocks noGrp="1" noChangeAspect="1"/>
+          </p:cNvPicPr>
+          <p:nvPr>
+            <p:ph idx="1"/>
+          </p:nvPr>
+        </p:nvPicPr>
+        <p:blipFill>
+          <a:blip r:embed="rId3"/>
+          <a:stretch>
+            <a:fillRect/>
+          </a:stretch>
+        </p:blipFill>
+        <p:spPr>
+          <a:xfrm>
+            <a:off x="1945041" y="1331089"/>
+            <a:ext cx="7696669" cy="5694744"/>
+          </a:xfrm>
+          <a:prstGeom prst="rect">
+            <a:avLst/>
+          </a:prstGeom>
+        </p:spPr>
+      </p:pic>
+    </p:spTree>
+    <p:extLst>
+      <p:ext uri="{BB962C8B-B14F-4D97-AF65-F5344CB8AC3E}">
+        <p14:creationId xmlns:p14="http://schemas.microsoft.com/office/powerpoint/2010/main" val="410765628"/>
       </p:ext>
     </p:extLst>
   </p:cSld>

--- a/doc/IP5_Presentation.pptx
+++ b/doc/IP5_Presentation.pptx
@@ -5,7 +5,7 @@
     <p:sldMasterId id="2147483648" r:id="rId1"/>
   </p:sldMasterIdLst>
   <p:notesMasterIdLst>
-    <p:notesMasterId r:id="rId22"/>
+    <p:notesMasterId r:id="rId21"/>
   </p:notesMasterIdLst>
   <p:sldIdLst>
     <p:sldId id="256" r:id="rId2"/>
@@ -24,10 +24,9 @@
     <p:sldId id="277" r:id="rId15"/>
     <p:sldId id="271" r:id="rId16"/>
     <p:sldId id="272" r:id="rId17"/>
-    <p:sldId id="275" r:id="rId18"/>
-    <p:sldId id="276" r:id="rId19"/>
-    <p:sldId id="258" r:id="rId20"/>
-    <p:sldId id="278" r:id="rId21"/>
+    <p:sldId id="279" r:id="rId18"/>
+    <p:sldId id="258" r:id="rId19"/>
+    <p:sldId id="278" r:id="rId20"/>
   </p:sldIdLst>
   <p:sldSz cx="12192000" cy="6858000"/>
   <p:notesSz cx="6858000" cy="9144000"/>
@@ -1023,7 +1022,26 @@
           <a:p>
             <a:r>
               <a:rPr lang="de-CH" dirty="0"/>
-              <a:t>Reihenfolge, 1 zu n </a:t>
+              <a:t>Resultat: </a:t>
+            </a:r>
+            <a:r>
+              <a:rPr lang="de-CH" dirty="0" err="1"/>
+              <a:t>bipartiter</a:t>
+            </a:r>
+            <a:r>
+              <a:rPr lang="de-CH" dirty="0"/>
+              <a:t> </a:t>
+            </a:r>
+            <a:r>
+              <a:rPr lang="de-CH" dirty="0" err="1"/>
+              <a:t>graph</a:t>
+            </a:r>
+            <a:endParaRPr lang="de-CH" dirty="0"/>
+          </a:p>
+          <a:p>
+            <a:r>
+              <a:rPr lang="de-CH" dirty="0"/>
+              <a:t>Schwierigkeit: Reihenfolge unterschiedlich, 1 zu n </a:t>
             </a:r>
             <a:r>
               <a:rPr lang="de-CH" dirty="0" err="1"/>
@@ -1135,7 +1153,7 @@
           <a:p>
             <a:r>
               <a:rPr lang="de-CH" dirty="0"/>
-              <a:t>1 zu n existiert immer noch</a:t>
+              <a:t>Trotzdem nicht trivial: 1 zu n existiert immer noch</a:t>
             </a:r>
           </a:p>
         </p:txBody>
@@ -1487,7 +1505,7 @@
           <a:p>
             <a:fld id="{E295798E-7BEE-4A25-96C8-F832B2F1E69A}" type="slidenum">
               <a:rPr lang="de-CH" smtClean="0"/>
-              <a:t>19</a:t>
+              <a:t>18</a:t>
             </a:fld>
             <a:endParaRPr lang="de-CH"/>
           </a:p>
@@ -1574,7 +1592,7 @@
           <a:p>
             <a:fld id="{E295798E-7BEE-4A25-96C8-F832B2F1E69A}" type="slidenum">
               <a:rPr lang="de-CH" smtClean="0"/>
-              <a:t>20</a:t>
+              <a:t>19</a:t>
             </a:fld>
             <a:endParaRPr lang="de-CH"/>
           </a:p>
@@ -10215,7 +10233,7 @@
           <p:cNvPr id="2" name="Titel 1">
             <a:extLst>
               <a:ext uri="{FF2B5EF4-FFF2-40B4-BE49-F238E27FC236}">
-                <a16:creationId xmlns:a16="http://schemas.microsoft.com/office/drawing/2014/main" id="{910C83C1-6899-408A-8118-947E4E60DF69}"/>
+                <a16:creationId xmlns:a16="http://schemas.microsoft.com/office/drawing/2014/main" id="{AD4168A7-B308-4396-82C5-331C3A0BF3AE}"/>
               </a:ext>
             </a:extLst>
           </p:cNvPr>
@@ -10238,48 +10256,1872 @@
           </a:p>
         </p:txBody>
       </p:sp>
-      <p:pic>
-        <p:nvPicPr>
-          <p:cNvPr id="4" name="Inhaltsplatzhalter 3">
-            <a:extLst>
-              <a:ext uri="{FF2B5EF4-FFF2-40B4-BE49-F238E27FC236}">
-                <a16:creationId xmlns:a16="http://schemas.microsoft.com/office/drawing/2014/main" id="{DBB84DD2-0FB1-4E4B-88CD-ADA80ADDD92E}"/>
-              </a:ext>
-            </a:extLst>
-          </p:cNvPr>
-          <p:cNvPicPr>
-            <a:picLocks noGrp="1" noChangeAspect="1"/>
-          </p:cNvPicPr>
-          <p:nvPr>
-            <p:ph idx="1"/>
-          </p:nvPr>
-        </p:nvPicPr>
-        <p:blipFill>
-          <a:blip r:embed="rId2"/>
-          <a:stretch>
-            <a:fillRect/>
-          </a:stretch>
-        </p:blipFill>
+      <p:sp>
+        <p:nvSpPr>
+          <p:cNvPr id="4" name="Rechteck 3">
+            <a:extLst>
+              <a:ext uri="{FF2B5EF4-FFF2-40B4-BE49-F238E27FC236}">
+                <a16:creationId xmlns:a16="http://schemas.microsoft.com/office/drawing/2014/main" id="{6CD82731-2B3F-440B-BED7-02599AF3B5F4}"/>
+              </a:ext>
+            </a:extLst>
+          </p:cNvPr>
+          <p:cNvSpPr/>
+          <p:nvPr/>
+        </p:nvSpPr>
         <p:spPr>
           <a:xfrm>
-            <a:off x="1993257" y="1794860"/>
-            <a:ext cx="8041994" cy="4953868"/>
+            <a:off x="539189" y="1639255"/>
+            <a:ext cx="1590554" cy="636608"/>
           </a:xfrm>
           <a:prstGeom prst="rect">
             <a:avLst/>
           </a:prstGeom>
         </p:spPr>
-      </p:pic>
+        <p:style>
+          <a:lnRef idx="2">
+            <a:schemeClr val="accent1">
+              <a:shade val="50000"/>
+            </a:schemeClr>
+          </a:lnRef>
+          <a:fillRef idx="1">
+            <a:schemeClr val="accent1"/>
+          </a:fillRef>
+          <a:effectRef idx="0">
+            <a:schemeClr val="accent1"/>
+          </a:effectRef>
+          <a:fontRef idx="minor">
+            <a:schemeClr val="lt1"/>
+          </a:fontRef>
+        </p:style>
+        <p:txBody>
+          <a:bodyPr rtlCol="0" anchor="ctr"/>
+          <a:lstStyle/>
+          <a:p>
+            <a:pPr algn="ctr"/>
+            <a:r>
+              <a:rPr lang="de-CH" sz="2000" dirty="0"/>
+              <a:t>CSV</a:t>
+            </a:r>
+          </a:p>
+        </p:txBody>
+      </p:sp>
+      <p:sp>
+        <p:nvSpPr>
+          <p:cNvPr id="5" name="Rechteck 4">
+            <a:extLst>
+              <a:ext uri="{FF2B5EF4-FFF2-40B4-BE49-F238E27FC236}">
+                <a16:creationId xmlns:a16="http://schemas.microsoft.com/office/drawing/2014/main" id="{1971D165-511D-43C9-9752-A65EEAFF1EC3}"/>
+              </a:ext>
+            </a:extLst>
+          </p:cNvPr>
+          <p:cNvSpPr/>
+          <p:nvPr/>
+        </p:nvSpPr>
+        <p:spPr>
+          <a:xfrm>
+            <a:off x="3408745" y="1639255"/>
+            <a:ext cx="1770926" cy="636609"/>
+          </a:xfrm>
+          <a:prstGeom prst="rect">
+            <a:avLst/>
+          </a:prstGeom>
+        </p:spPr>
+        <p:style>
+          <a:lnRef idx="2">
+            <a:schemeClr val="accent1">
+              <a:shade val="50000"/>
+            </a:schemeClr>
+          </a:lnRef>
+          <a:fillRef idx="1">
+            <a:schemeClr val="accent1"/>
+          </a:fillRef>
+          <a:effectRef idx="0">
+            <a:schemeClr val="accent1"/>
+          </a:effectRef>
+          <a:fontRef idx="minor">
+            <a:schemeClr val="lt1"/>
+          </a:fontRef>
+        </p:style>
+        <p:txBody>
+          <a:bodyPr rtlCol="0" anchor="ctr"/>
+          <a:lstStyle/>
+          <a:p>
+            <a:pPr algn="ctr"/>
+            <a:r>
+              <a:rPr lang="de-CH" sz="2000" dirty="0"/>
+              <a:t>Liste von Satzgruppen</a:t>
+            </a:r>
+          </a:p>
+        </p:txBody>
+      </p:sp>
+      <p:sp>
+        <p:nvSpPr>
+          <p:cNvPr id="6" name="Rechteck 5">
+            <a:extLst>
+              <a:ext uri="{FF2B5EF4-FFF2-40B4-BE49-F238E27FC236}">
+                <a16:creationId xmlns:a16="http://schemas.microsoft.com/office/drawing/2014/main" id="{E481A187-4660-4F49-9123-99659103EFDE}"/>
+              </a:ext>
+            </a:extLst>
+          </p:cNvPr>
+          <p:cNvSpPr/>
+          <p:nvPr/>
+        </p:nvSpPr>
+        <p:spPr>
+          <a:xfrm>
+            <a:off x="539188" y="3342536"/>
+            <a:ext cx="1590554" cy="636608"/>
+          </a:xfrm>
+          <a:prstGeom prst="rect">
+            <a:avLst/>
+          </a:prstGeom>
+        </p:spPr>
+        <p:style>
+          <a:lnRef idx="2">
+            <a:schemeClr val="accent1">
+              <a:shade val="50000"/>
+            </a:schemeClr>
+          </a:lnRef>
+          <a:fillRef idx="1">
+            <a:schemeClr val="accent1"/>
+          </a:fillRef>
+          <a:effectRef idx="0">
+            <a:schemeClr val="accent1"/>
+          </a:effectRef>
+          <a:fontRef idx="minor">
+            <a:schemeClr val="lt1"/>
+          </a:fontRef>
+        </p:style>
+        <p:txBody>
+          <a:bodyPr rtlCol="0" anchor="ctr"/>
+          <a:lstStyle/>
+          <a:p>
+            <a:pPr algn="ctr"/>
+            <a:r>
+              <a:rPr lang="de-CH" sz="2000" dirty="0"/>
+              <a:t>Satzgruppe</a:t>
+            </a:r>
+          </a:p>
+        </p:txBody>
+      </p:sp>
+      <p:sp>
+        <p:nvSpPr>
+          <p:cNvPr id="7" name="Rechteck 6">
+            <a:extLst>
+              <a:ext uri="{FF2B5EF4-FFF2-40B4-BE49-F238E27FC236}">
+                <a16:creationId xmlns:a16="http://schemas.microsoft.com/office/drawing/2014/main" id="{1C7597F7-074C-4936-835F-0C40017C4B9B}"/>
+              </a:ext>
+            </a:extLst>
+          </p:cNvPr>
+          <p:cNvSpPr/>
+          <p:nvPr/>
+        </p:nvSpPr>
+        <p:spPr>
+          <a:xfrm>
+            <a:off x="3408745" y="3342535"/>
+            <a:ext cx="1770926" cy="636609"/>
+          </a:xfrm>
+          <a:prstGeom prst="rect">
+            <a:avLst/>
+          </a:prstGeom>
+        </p:spPr>
+        <p:style>
+          <a:lnRef idx="2">
+            <a:schemeClr val="accent1">
+              <a:shade val="50000"/>
+            </a:schemeClr>
+          </a:lnRef>
+          <a:fillRef idx="1">
+            <a:schemeClr val="accent1"/>
+          </a:fillRef>
+          <a:effectRef idx="0">
+            <a:schemeClr val="accent1"/>
+          </a:effectRef>
+          <a:fontRef idx="minor">
+            <a:schemeClr val="lt1"/>
+          </a:fontRef>
+        </p:style>
+        <p:txBody>
+          <a:bodyPr rtlCol="0" anchor="ctr"/>
+          <a:lstStyle/>
+          <a:p>
+            <a:pPr algn="ctr"/>
+            <a:r>
+              <a:rPr lang="de-CH" sz="2000" dirty="0"/>
+              <a:t>Bewertete Satzgruppe</a:t>
+            </a:r>
+          </a:p>
+        </p:txBody>
+      </p:sp>
+      <p:sp>
+        <p:nvSpPr>
+          <p:cNvPr id="8" name="Rechteck 7">
+            <a:extLst>
+              <a:ext uri="{FF2B5EF4-FFF2-40B4-BE49-F238E27FC236}">
+                <a16:creationId xmlns:a16="http://schemas.microsoft.com/office/drawing/2014/main" id="{275641A9-7A17-43EB-AD64-8FF0DEF47840}"/>
+              </a:ext>
+            </a:extLst>
+          </p:cNvPr>
+          <p:cNvSpPr/>
+          <p:nvPr/>
+        </p:nvSpPr>
+        <p:spPr>
+          <a:xfrm>
+            <a:off x="539188" y="5006050"/>
+            <a:ext cx="1590554" cy="636608"/>
+          </a:xfrm>
+          <a:prstGeom prst="rect">
+            <a:avLst/>
+          </a:prstGeom>
+        </p:spPr>
+        <p:style>
+          <a:lnRef idx="2">
+            <a:schemeClr val="accent1">
+              <a:shade val="50000"/>
+            </a:schemeClr>
+          </a:lnRef>
+          <a:fillRef idx="1">
+            <a:schemeClr val="accent1"/>
+          </a:fillRef>
+          <a:effectRef idx="0">
+            <a:schemeClr val="accent1"/>
+          </a:effectRef>
+          <a:fontRef idx="minor">
+            <a:schemeClr val="lt1"/>
+          </a:fontRef>
+        </p:style>
+        <p:txBody>
+          <a:bodyPr rtlCol="0" anchor="ctr"/>
+          <a:lstStyle/>
+          <a:p>
+            <a:pPr algn="ctr"/>
+            <a:r>
+              <a:rPr lang="de-CH" sz="2000" dirty="0"/>
+              <a:t>Bewertete Satzgruppe</a:t>
+            </a:r>
+          </a:p>
+        </p:txBody>
+      </p:sp>
+      <p:sp>
+        <p:nvSpPr>
+          <p:cNvPr id="9" name="Rechteck 8">
+            <a:extLst>
+              <a:ext uri="{FF2B5EF4-FFF2-40B4-BE49-F238E27FC236}">
+                <a16:creationId xmlns:a16="http://schemas.microsoft.com/office/drawing/2014/main" id="{36D9E5E8-FF3A-4EF0-A49B-977CFD0D4792}"/>
+              </a:ext>
+            </a:extLst>
+          </p:cNvPr>
+          <p:cNvSpPr/>
+          <p:nvPr/>
+        </p:nvSpPr>
+        <p:spPr>
+          <a:xfrm>
+            <a:off x="3408745" y="5006048"/>
+            <a:ext cx="1770926" cy="636609"/>
+          </a:xfrm>
+          <a:prstGeom prst="rect">
+            <a:avLst/>
+          </a:prstGeom>
+        </p:spPr>
+        <p:style>
+          <a:lnRef idx="2">
+            <a:schemeClr val="accent1">
+              <a:shade val="50000"/>
+            </a:schemeClr>
+          </a:lnRef>
+          <a:fillRef idx="1">
+            <a:schemeClr val="accent1"/>
+          </a:fillRef>
+          <a:effectRef idx="0">
+            <a:schemeClr val="accent1"/>
+          </a:effectRef>
+          <a:fontRef idx="minor">
+            <a:schemeClr val="lt1"/>
+          </a:fontRef>
+        </p:style>
+        <p:txBody>
+          <a:bodyPr rtlCol="0" anchor="ctr"/>
+          <a:lstStyle/>
+          <a:p>
+            <a:pPr algn="ctr"/>
+            <a:r>
+              <a:rPr lang="de-CH" sz="2000" dirty="0"/>
+              <a:t>Brauchbare Sätze</a:t>
+            </a:r>
+          </a:p>
+        </p:txBody>
+      </p:sp>
+      <p:sp>
+        <p:nvSpPr>
+          <p:cNvPr id="10" name="Rechteck 9">
+            <a:extLst>
+              <a:ext uri="{FF2B5EF4-FFF2-40B4-BE49-F238E27FC236}">
+                <a16:creationId xmlns:a16="http://schemas.microsoft.com/office/drawing/2014/main" id="{26CEBF6D-1810-4876-B95B-1A4CA45081C6}"/>
+              </a:ext>
+            </a:extLst>
+          </p:cNvPr>
+          <p:cNvSpPr/>
+          <p:nvPr/>
+        </p:nvSpPr>
+        <p:spPr>
+          <a:xfrm>
+            <a:off x="6095999" y="1639255"/>
+            <a:ext cx="2735482" cy="636608"/>
+          </a:xfrm>
+          <a:prstGeom prst="rect">
+            <a:avLst/>
+          </a:prstGeom>
+        </p:spPr>
+        <p:style>
+          <a:lnRef idx="2">
+            <a:schemeClr val="accent1">
+              <a:shade val="50000"/>
+            </a:schemeClr>
+          </a:lnRef>
+          <a:fillRef idx="1">
+            <a:schemeClr val="accent1"/>
+          </a:fillRef>
+          <a:effectRef idx="0">
+            <a:schemeClr val="accent1"/>
+          </a:effectRef>
+          <a:fontRef idx="minor">
+            <a:schemeClr val="lt1"/>
+          </a:fontRef>
+        </p:style>
+        <p:txBody>
+          <a:bodyPr rtlCol="0" anchor="ctr"/>
+          <a:lstStyle/>
+          <a:p>
+            <a:pPr algn="ctr"/>
+            <a:r>
+              <a:rPr lang="de-CH" sz="2000" dirty="0"/>
+              <a:t>Brauchbare Sätze</a:t>
+            </a:r>
+          </a:p>
+        </p:txBody>
+      </p:sp>
+      <p:sp>
+        <p:nvSpPr>
+          <p:cNvPr id="11" name="Rechteck 10">
+            <a:extLst>
+              <a:ext uri="{FF2B5EF4-FFF2-40B4-BE49-F238E27FC236}">
+                <a16:creationId xmlns:a16="http://schemas.microsoft.com/office/drawing/2014/main" id="{4E47D6CE-E7B8-4A6D-AFDA-11C888536844}"/>
+              </a:ext>
+            </a:extLst>
+          </p:cNvPr>
+          <p:cNvSpPr/>
+          <p:nvPr/>
+        </p:nvSpPr>
+        <p:spPr>
+          <a:xfrm>
+            <a:off x="10250343" y="1639255"/>
+            <a:ext cx="1678329" cy="636608"/>
+          </a:xfrm>
+          <a:prstGeom prst="rect">
+            <a:avLst/>
+          </a:prstGeom>
+        </p:spPr>
+        <p:style>
+          <a:lnRef idx="2">
+            <a:schemeClr val="accent1">
+              <a:shade val="50000"/>
+            </a:schemeClr>
+          </a:lnRef>
+          <a:fillRef idx="1">
+            <a:schemeClr val="accent1"/>
+          </a:fillRef>
+          <a:effectRef idx="0">
+            <a:schemeClr val="accent1"/>
+          </a:effectRef>
+          <a:fontRef idx="minor">
+            <a:schemeClr val="lt1"/>
+          </a:fontRef>
+        </p:style>
+        <p:txBody>
+          <a:bodyPr rtlCol="0" anchor="ctr"/>
+          <a:lstStyle/>
+          <a:p>
+            <a:pPr algn="ctr"/>
+            <a:r>
+              <a:rPr lang="de-CH" sz="2000" dirty="0"/>
+              <a:t>Alignment</a:t>
+            </a:r>
+          </a:p>
+        </p:txBody>
+      </p:sp>
+      <p:sp>
+        <p:nvSpPr>
+          <p:cNvPr id="12" name="Rechteck 11">
+            <a:extLst>
+              <a:ext uri="{FF2B5EF4-FFF2-40B4-BE49-F238E27FC236}">
+                <a16:creationId xmlns:a16="http://schemas.microsoft.com/office/drawing/2014/main" id="{F9CC7F5C-9A5C-4CA6-A17A-4D8B9B5F708C}"/>
+              </a:ext>
+            </a:extLst>
+          </p:cNvPr>
+          <p:cNvSpPr/>
+          <p:nvPr/>
+        </p:nvSpPr>
+        <p:spPr>
+          <a:xfrm>
+            <a:off x="6095998" y="3189170"/>
+            <a:ext cx="2735483" cy="943337"/>
+          </a:xfrm>
+          <a:prstGeom prst="rect">
+            <a:avLst/>
+          </a:prstGeom>
+        </p:spPr>
+        <p:style>
+          <a:lnRef idx="2">
+            <a:schemeClr val="accent1">
+              <a:shade val="50000"/>
+            </a:schemeClr>
+          </a:lnRef>
+          <a:fillRef idx="1">
+            <a:schemeClr val="accent1"/>
+          </a:fillRef>
+          <a:effectRef idx="0">
+            <a:schemeClr val="accent1"/>
+          </a:effectRef>
+          <a:fontRef idx="minor">
+            <a:schemeClr val="lt1"/>
+          </a:fontRef>
+        </p:style>
+        <p:txBody>
+          <a:bodyPr rtlCol="0" anchor="ctr"/>
+          <a:lstStyle/>
+          <a:p>
+            <a:pPr algn="ctr"/>
+            <a:r>
+              <a:rPr lang="de-CH" sz="2000" dirty="0"/>
+              <a:t>Bestehendes Alignment + weitere Satzgruppe</a:t>
+            </a:r>
+          </a:p>
+        </p:txBody>
+      </p:sp>
+      <p:sp>
+        <p:nvSpPr>
+          <p:cNvPr id="13" name="Rechteck 12">
+            <a:extLst>
+              <a:ext uri="{FF2B5EF4-FFF2-40B4-BE49-F238E27FC236}">
+                <a16:creationId xmlns:a16="http://schemas.microsoft.com/office/drawing/2014/main" id="{D6DDB343-E961-401E-9354-1A5064C72AB8}"/>
+              </a:ext>
+            </a:extLst>
+          </p:cNvPr>
+          <p:cNvSpPr/>
+          <p:nvPr/>
+        </p:nvSpPr>
+        <p:spPr>
+          <a:xfrm>
+            <a:off x="10250344" y="3342536"/>
+            <a:ext cx="1678329" cy="636608"/>
+          </a:xfrm>
+          <a:prstGeom prst="rect">
+            <a:avLst/>
+          </a:prstGeom>
+        </p:spPr>
+        <p:style>
+          <a:lnRef idx="2">
+            <a:schemeClr val="accent1">
+              <a:shade val="50000"/>
+            </a:schemeClr>
+          </a:lnRef>
+          <a:fillRef idx="1">
+            <a:schemeClr val="accent1"/>
+          </a:fillRef>
+          <a:effectRef idx="0">
+            <a:schemeClr val="accent1"/>
+          </a:effectRef>
+          <a:fontRef idx="minor">
+            <a:schemeClr val="lt1"/>
+          </a:fontRef>
+        </p:style>
+        <p:txBody>
+          <a:bodyPr rtlCol="0" anchor="ctr"/>
+          <a:lstStyle/>
+          <a:p>
+            <a:pPr algn="ctr"/>
+            <a:r>
+              <a:rPr lang="de-CH" sz="2000" dirty="0"/>
+              <a:t>Alignment</a:t>
+            </a:r>
+          </a:p>
+        </p:txBody>
+      </p:sp>
+      <p:sp>
+        <p:nvSpPr>
+          <p:cNvPr id="14" name="Rechteck 13">
+            <a:extLst>
+              <a:ext uri="{FF2B5EF4-FFF2-40B4-BE49-F238E27FC236}">
+                <a16:creationId xmlns:a16="http://schemas.microsoft.com/office/drawing/2014/main" id="{C0435902-98A3-4E1A-9637-36D5D974723A}"/>
+              </a:ext>
+            </a:extLst>
+          </p:cNvPr>
+          <p:cNvSpPr/>
+          <p:nvPr/>
+        </p:nvSpPr>
+        <p:spPr>
+          <a:xfrm>
+            <a:off x="6095998" y="4852683"/>
+            <a:ext cx="2735484" cy="943337"/>
+          </a:xfrm>
+          <a:prstGeom prst="rect">
+            <a:avLst/>
+          </a:prstGeom>
+        </p:spPr>
+        <p:style>
+          <a:lnRef idx="2">
+            <a:schemeClr val="accent1">
+              <a:shade val="50000"/>
+            </a:schemeClr>
+          </a:lnRef>
+          <a:fillRef idx="1">
+            <a:schemeClr val="accent1"/>
+          </a:fillRef>
+          <a:effectRef idx="0">
+            <a:schemeClr val="accent1"/>
+          </a:effectRef>
+          <a:fontRef idx="minor">
+            <a:schemeClr val="lt1"/>
+          </a:fontRef>
+        </p:style>
+        <p:txBody>
+          <a:bodyPr rtlCol="0" anchor="ctr"/>
+          <a:lstStyle/>
+          <a:p>
+            <a:pPr algn="ctr"/>
+            <a:r>
+              <a:rPr lang="de-CH" sz="2000" dirty="0"/>
+              <a:t>Satzgruppe mit verbesserungswürdigem Satz</a:t>
+            </a:r>
+          </a:p>
+        </p:txBody>
+      </p:sp>
+      <p:sp>
+        <p:nvSpPr>
+          <p:cNvPr id="15" name="Rechteck 14">
+            <a:extLst>
+              <a:ext uri="{FF2B5EF4-FFF2-40B4-BE49-F238E27FC236}">
+                <a16:creationId xmlns:a16="http://schemas.microsoft.com/office/drawing/2014/main" id="{E49BFFB0-A491-4FC9-BD51-0539E4B8D663}"/>
+              </a:ext>
+            </a:extLst>
+          </p:cNvPr>
+          <p:cNvSpPr/>
+          <p:nvPr/>
+        </p:nvSpPr>
+        <p:spPr>
+          <a:xfrm>
+            <a:off x="10250344" y="4852683"/>
+            <a:ext cx="1678329" cy="960698"/>
+          </a:xfrm>
+          <a:prstGeom prst="rect">
+            <a:avLst/>
+          </a:prstGeom>
+        </p:spPr>
+        <p:style>
+          <a:lnRef idx="2">
+            <a:schemeClr val="accent1">
+              <a:shade val="50000"/>
+            </a:schemeClr>
+          </a:lnRef>
+          <a:fillRef idx="1">
+            <a:schemeClr val="accent1"/>
+          </a:fillRef>
+          <a:effectRef idx="0">
+            <a:schemeClr val="accent1"/>
+          </a:effectRef>
+          <a:fontRef idx="minor">
+            <a:schemeClr val="lt1"/>
+          </a:fontRef>
+        </p:style>
+        <p:txBody>
+          <a:bodyPr rtlCol="0" anchor="ctr"/>
+          <a:lstStyle/>
+          <a:p>
+            <a:pPr algn="ctr"/>
+            <a:r>
+              <a:rPr lang="de-CH" sz="2000" dirty="0"/>
+              <a:t>Verbesserter Satz</a:t>
+            </a:r>
+          </a:p>
+        </p:txBody>
+      </p:sp>
+      <p:cxnSp>
+        <p:nvCxnSpPr>
+          <p:cNvPr id="17" name="Gerade Verbindung mit Pfeil 16">
+            <a:extLst>
+              <a:ext uri="{FF2B5EF4-FFF2-40B4-BE49-F238E27FC236}">
+                <a16:creationId xmlns:a16="http://schemas.microsoft.com/office/drawing/2014/main" id="{B4211535-6638-454D-979E-A1FE9D799873}"/>
+              </a:ext>
+            </a:extLst>
+          </p:cNvPr>
+          <p:cNvCxnSpPr>
+            <a:stCxn id="4" idx="3"/>
+            <a:endCxn id="5" idx="1"/>
+          </p:cNvCxnSpPr>
+          <p:nvPr/>
+        </p:nvCxnSpPr>
+        <p:spPr>
+          <a:xfrm>
+            <a:off x="2129743" y="1957559"/>
+            <a:ext cx="1279002" cy="1"/>
+          </a:xfrm>
+          <a:prstGeom prst="straightConnector1">
+            <a:avLst/>
+          </a:prstGeom>
+          <a:ln>
+            <a:tailEnd type="triangle"/>
+          </a:ln>
+        </p:spPr>
+        <p:style>
+          <a:lnRef idx="1">
+            <a:schemeClr val="accent1"/>
+          </a:lnRef>
+          <a:fillRef idx="0">
+            <a:schemeClr val="accent1"/>
+          </a:fillRef>
+          <a:effectRef idx="0">
+            <a:schemeClr val="accent1"/>
+          </a:effectRef>
+          <a:fontRef idx="minor">
+            <a:schemeClr val="tx1"/>
+          </a:fontRef>
+        </p:style>
+      </p:cxnSp>
+      <p:cxnSp>
+        <p:nvCxnSpPr>
+          <p:cNvPr id="19" name="Gerade Verbindung mit Pfeil 18">
+            <a:extLst>
+              <a:ext uri="{FF2B5EF4-FFF2-40B4-BE49-F238E27FC236}">
+                <a16:creationId xmlns:a16="http://schemas.microsoft.com/office/drawing/2014/main" id="{7A4C2BBF-0796-407A-9B6B-B9F940BF7DFD}"/>
+              </a:ext>
+            </a:extLst>
+          </p:cNvPr>
+          <p:cNvCxnSpPr>
+            <a:stCxn id="6" idx="3"/>
+            <a:endCxn id="7" idx="1"/>
+          </p:cNvCxnSpPr>
+          <p:nvPr/>
+        </p:nvCxnSpPr>
+        <p:spPr>
+          <a:xfrm>
+            <a:off x="2129742" y="3660840"/>
+            <a:ext cx="1279003" cy="0"/>
+          </a:xfrm>
+          <a:prstGeom prst="straightConnector1">
+            <a:avLst/>
+          </a:prstGeom>
+          <a:ln>
+            <a:tailEnd type="triangle"/>
+          </a:ln>
+        </p:spPr>
+        <p:style>
+          <a:lnRef idx="1">
+            <a:schemeClr val="accent1"/>
+          </a:lnRef>
+          <a:fillRef idx="0">
+            <a:schemeClr val="accent1"/>
+          </a:fillRef>
+          <a:effectRef idx="0">
+            <a:schemeClr val="accent1"/>
+          </a:effectRef>
+          <a:fontRef idx="minor">
+            <a:schemeClr val="tx1"/>
+          </a:fontRef>
+        </p:style>
+      </p:cxnSp>
+      <p:cxnSp>
+        <p:nvCxnSpPr>
+          <p:cNvPr id="21" name="Gerade Verbindung mit Pfeil 20">
+            <a:extLst>
+              <a:ext uri="{FF2B5EF4-FFF2-40B4-BE49-F238E27FC236}">
+                <a16:creationId xmlns:a16="http://schemas.microsoft.com/office/drawing/2014/main" id="{D4E50CB6-0D8D-4721-9848-6CD46C3F6783}"/>
+              </a:ext>
+            </a:extLst>
+          </p:cNvPr>
+          <p:cNvCxnSpPr>
+            <a:stCxn id="8" idx="3"/>
+            <a:endCxn id="9" idx="1"/>
+          </p:cNvCxnSpPr>
+          <p:nvPr/>
+        </p:nvCxnSpPr>
+        <p:spPr>
+          <a:xfrm flipV="1">
+            <a:off x="2129742" y="5324353"/>
+            <a:ext cx="1279003" cy="1"/>
+          </a:xfrm>
+          <a:prstGeom prst="straightConnector1">
+            <a:avLst/>
+          </a:prstGeom>
+          <a:ln>
+            <a:tailEnd type="triangle"/>
+          </a:ln>
+        </p:spPr>
+        <p:style>
+          <a:lnRef idx="1">
+            <a:schemeClr val="accent1"/>
+          </a:lnRef>
+          <a:fillRef idx="0">
+            <a:schemeClr val="accent1"/>
+          </a:fillRef>
+          <a:effectRef idx="0">
+            <a:schemeClr val="accent1"/>
+          </a:effectRef>
+          <a:fontRef idx="minor">
+            <a:schemeClr val="tx1"/>
+          </a:fontRef>
+        </p:style>
+      </p:cxnSp>
+      <p:cxnSp>
+        <p:nvCxnSpPr>
+          <p:cNvPr id="23" name="Gerade Verbindung mit Pfeil 22">
+            <a:extLst>
+              <a:ext uri="{FF2B5EF4-FFF2-40B4-BE49-F238E27FC236}">
+                <a16:creationId xmlns:a16="http://schemas.microsoft.com/office/drawing/2014/main" id="{335CB7BD-784B-484F-B688-A4B3114FFB4F}"/>
+              </a:ext>
+            </a:extLst>
+          </p:cNvPr>
+          <p:cNvCxnSpPr>
+            <a:stCxn id="10" idx="3"/>
+            <a:endCxn id="11" idx="1"/>
+          </p:cNvCxnSpPr>
+          <p:nvPr/>
+        </p:nvCxnSpPr>
+        <p:spPr>
+          <a:xfrm>
+            <a:off x="8831481" y="1957559"/>
+            <a:ext cx="1418862" cy="0"/>
+          </a:xfrm>
+          <a:prstGeom prst="straightConnector1">
+            <a:avLst/>
+          </a:prstGeom>
+          <a:ln>
+            <a:tailEnd type="triangle"/>
+          </a:ln>
+        </p:spPr>
+        <p:style>
+          <a:lnRef idx="1">
+            <a:schemeClr val="accent1"/>
+          </a:lnRef>
+          <a:fillRef idx="0">
+            <a:schemeClr val="accent1"/>
+          </a:fillRef>
+          <a:effectRef idx="0">
+            <a:schemeClr val="accent1"/>
+          </a:effectRef>
+          <a:fontRef idx="minor">
+            <a:schemeClr val="tx1"/>
+          </a:fontRef>
+        </p:style>
+      </p:cxnSp>
+      <p:cxnSp>
+        <p:nvCxnSpPr>
+          <p:cNvPr id="25" name="Gerade Verbindung mit Pfeil 24">
+            <a:extLst>
+              <a:ext uri="{FF2B5EF4-FFF2-40B4-BE49-F238E27FC236}">
+                <a16:creationId xmlns:a16="http://schemas.microsoft.com/office/drawing/2014/main" id="{8FE86025-482A-4897-B712-251D66A910CD}"/>
+              </a:ext>
+            </a:extLst>
+          </p:cNvPr>
+          <p:cNvCxnSpPr>
+            <a:stCxn id="12" idx="3"/>
+            <a:endCxn id="13" idx="1"/>
+          </p:cNvCxnSpPr>
+          <p:nvPr/>
+        </p:nvCxnSpPr>
+        <p:spPr>
+          <a:xfrm>
+            <a:off x="8831481" y="3660839"/>
+            <a:ext cx="1418863" cy="1"/>
+          </a:xfrm>
+          <a:prstGeom prst="straightConnector1">
+            <a:avLst/>
+          </a:prstGeom>
+          <a:ln>
+            <a:tailEnd type="triangle"/>
+          </a:ln>
+        </p:spPr>
+        <p:style>
+          <a:lnRef idx="1">
+            <a:schemeClr val="accent1"/>
+          </a:lnRef>
+          <a:fillRef idx="0">
+            <a:schemeClr val="accent1"/>
+          </a:fillRef>
+          <a:effectRef idx="0">
+            <a:schemeClr val="accent1"/>
+          </a:effectRef>
+          <a:fontRef idx="minor">
+            <a:schemeClr val="tx1"/>
+          </a:fontRef>
+        </p:style>
+      </p:cxnSp>
+      <p:cxnSp>
+        <p:nvCxnSpPr>
+          <p:cNvPr id="27" name="Gerade Verbindung mit Pfeil 26">
+            <a:extLst>
+              <a:ext uri="{FF2B5EF4-FFF2-40B4-BE49-F238E27FC236}">
+                <a16:creationId xmlns:a16="http://schemas.microsoft.com/office/drawing/2014/main" id="{BB740778-8CFF-4D11-842D-AC8F4D730AB1}"/>
+              </a:ext>
+            </a:extLst>
+          </p:cNvPr>
+          <p:cNvCxnSpPr>
+            <a:stCxn id="14" idx="3"/>
+            <a:endCxn id="15" idx="1"/>
+          </p:cNvCxnSpPr>
+          <p:nvPr/>
+        </p:nvCxnSpPr>
+        <p:spPr>
+          <a:xfrm>
+            <a:off x="8831482" y="5324352"/>
+            <a:ext cx="1418862" cy="8680"/>
+          </a:xfrm>
+          <a:prstGeom prst="straightConnector1">
+            <a:avLst/>
+          </a:prstGeom>
+          <a:ln>
+            <a:tailEnd type="triangle"/>
+          </a:ln>
+        </p:spPr>
+        <p:style>
+          <a:lnRef idx="1">
+            <a:schemeClr val="accent1"/>
+          </a:lnRef>
+          <a:fillRef idx="0">
+            <a:schemeClr val="accent1"/>
+          </a:fillRef>
+          <a:effectRef idx="0">
+            <a:schemeClr val="accent1"/>
+          </a:effectRef>
+          <a:fontRef idx="minor">
+            <a:schemeClr val="tx1"/>
+          </a:fontRef>
+        </p:style>
+      </p:cxnSp>
+      <p:sp>
+        <p:nvSpPr>
+          <p:cNvPr id="28" name="Textfeld 27">
+            <a:extLst>
+              <a:ext uri="{FF2B5EF4-FFF2-40B4-BE49-F238E27FC236}">
+                <a16:creationId xmlns:a16="http://schemas.microsoft.com/office/drawing/2014/main" id="{68321B1E-5155-4053-89FD-3F1537F09BBA}"/>
+              </a:ext>
+            </a:extLst>
+          </p:cNvPr>
+          <p:cNvSpPr txBox="1"/>
+          <p:nvPr/>
+        </p:nvSpPr>
+        <p:spPr>
+          <a:xfrm>
+            <a:off x="2285777" y="1639659"/>
+            <a:ext cx="966931" cy="369332"/>
+          </a:xfrm>
+          <a:prstGeom prst="rect">
+            <a:avLst/>
+          </a:prstGeom>
+          <a:noFill/>
+        </p:spPr>
+        <p:txBody>
+          <a:bodyPr wrap="none" rtlCol="0">
+            <a:spAutoFit/>
+          </a:bodyPr>
+          <a:lstStyle/>
+          <a:p>
+            <a:r>
+              <a:rPr lang="de-CH" dirty="0"/>
+              <a:t>Einlesen</a:t>
+            </a:r>
+          </a:p>
+        </p:txBody>
+      </p:sp>
+      <p:sp>
+        <p:nvSpPr>
+          <p:cNvPr id="29" name="Textfeld 28">
+            <a:extLst>
+              <a:ext uri="{FF2B5EF4-FFF2-40B4-BE49-F238E27FC236}">
+                <a16:creationId xmlns:a16="http://schemas.microsoft.com/office/drawing/2014/main" id="{A9A0903B-049C-4EE9-918F-677C6CD0F0D7}"/>
+              </a:ext>
+            </a:extLst>
+          </p:cNvPr>
+          <p:cNvSpPr txBox="1"/>
+          <p:nvPr/>
+        </p:nvSpPr>
+        <p:spPr>
+          <a:xfrm>
+            <a:off x="2222105" y="3302769"/>
+            <a:ext cx="1094274" cy="369332"/>
+          </a:xfrm>
+          <a:prstGeom prst="rect">
+            <a:avLst/>
+          </a:prstGeom>
+          <a:noFill/>
+        </p:spPr>
+        <p:txBody>
+          <a:bodyPr wrap="none" rtlCol="0">
+            <a:spAutoFit/>
+          </a:bodyPr>
+          <a:lstStyle/>
+          <a:p>
+            <a:r>
+              <a:rPr lang="de-CH" dirty="0"/>
+              <a:t>Bewerten</a:t>
+            </a:r>
+          </a:p>
+        </p:txBody>
+      </p:sp>
+      <p:sp>
+        <p:nvSpPr>
+          <p:cNvPr id="30" name="Textfeld 29">
+            <a:extLst>
+              <a:ext uri="{FF2B5EF4-FFF2-40B4-BE49-F238E27FC236}">
+                <a16:creationId xmlns:a16="http://schemas.microsoft.com/office/drawing/2014/main" id="{88036ED0-09B4-45BC-86AB-F38B8EAF8CBD}"/>
+              </a:ext>
+            </a:extLst>
+          </p:cNvPr>
+          <p:cNvSpPr txBox="1"/>
+          <p:nvPr/>
+        </p:nvSpPr>
+        <p:spPr>
+          <a:xfrm>
+            <a:off x="2375191" y="4961120"/>
+            <a:ext cx="788101" cy="369332"/>
+          </a:xfrm>
+          <a:prstGeom prst="rect">
+            <a:avLst/>
+          </a:prstGeom>
+          <a:noFill/>
+        </p:spPr>
+        <p:txBody>
+          <a:bodyPr wrap="none" rtlCol="0">
+            <a:spAutoFit/>
+          </a:bodyPr>
+          <a:lstStyle/>
+          <a:p>
+            <a:r>
+              <a:rPr lang="de-CH" dirty="0"/>
+              <a:t>Filtern</a:t>
+            </a:r>
+          </a:p>
+        </p:txBody>
+      </p:sp>
+      <p:sp>
+        <p:nvSpPr>
+          <p:cNvPr id="31" name="Textfeld 30">
+            <a:extLst>
+              <a:ext uri="{FF2B5EF4-FFF2-40B4-BE49-F238E27FC236}">
+                <a16:creationId xmlns:a16="http://schemas.microsoft.com/office/drawing/2014/main" id="{81E693A2-66E8-4704-900D-EDD8B3BBC022}"/>
+              </a:ext>
+            </a:extLst>
+          </p:cNvPr>
+          <p:cNvSpPr txBox="1"/>
+          <p:nvPr/>
+        </p:nvSpPr>
+        <p:spPr>
+          <a:xfrm>
+            <a:off x="8972390" y="1586646"/>
+            <a:ext cx="1137043" cy="369332"/>
+          </a:xfrm>
+          <a:prstGeom prst="rect">
+            <a:avLst/>
+          </a:prstGeom>
+          <a:noFill/>
+        </p:spPr>
+        <p:txBody>
+          <a:bodyPr wrap="none" rtlCol="0">
+            <a:spAutoFit/>
+          </a:bodyPr>
+          <a:lstStyle/>
+          <a:p>
+            <a:r>
+              <a:rPr lang="de-CH" dirty="0"/>
+              <a:t>Alignieren</a:t>
+            </a:r>
+          </a:p>
+        </p:txBody>
+      </p:sp>
+      <p:sp>
+        <p:nvSpPr>
+          <p:cNvPr id="32" name="Textfeld 31">
+            <a:extLst>
+              <a:ext uri="{FF2B5EF4-FFF2-40B4-BE49-F238E27FC236}">
+                <a16:creationId xmlns:a16="http://schemas.microsoft.com/office/drawing/2014/main" id="{1049DB19-C79B-4CAF-86B5-B04BF29154AB}"/>
+              </a:ext>
+            </a:extLst>
+          </p:cNvPr>
+          <p:cNvSpPr txBox="1"/>
+          <p:nvPr/>
+        </p:nvSpPr>
+        <p:spPr>
+          <a:xfrm>
+            <a:off x="8972390" y="3301186"/>
+            <a:ext cx="1137043" cy="369332"/>
+          </a:xfrm>
+          <a:prstGeom prst="rect">
+            <a:avLst/>
+          </a:prstGeom>
+          <a:noFill/>
+        </p:spPr>
+        <p:txBody>
+          <a:bodyPr wrap="none" rtlCol="0">
+            <a:spAutoFit/>
+          </a:bodyPr>
+          <a:lstStyle/>
+          <a:p>
+            <a:r>
+              <a:rPr lang="de-CH" dirty="0"/>
+              <a:t>Alignieren</a:t>
+            </a:r>
+          </a:p>
+        </p:txBody>
+      </p:sp>
+      <p:sp>
+        <p:nvSpPr>
+          <p:cNvPr id="33" name="Textfeld 32">
+            <a:extLst>
+              <a:ext uri="{FF2B5EF4-FFF2-40B4-BE49-F238E27FC236}">
+                <a16:creationId xmlns:a16="http://schemas.microsoft.com/office/drawing/2014/main" id="{89D24A72-22A7-4024-B7DD-5D7FF947E3F2}"/>
+              </a:ext>
+            </a:extLst>
+          </p:cNvPr>
+          <p:cNvSpPr txBox="1"/>
+          <p:nvPr/>
+        </p:nvSpPr>
+        <p:spPr>
+          <a:xfrm>
+            <a:off x="8831481" y="4902022"/>
+            <a:ext cx="1411348" cy="369332"/>
+          </a:xfrm>
+          <a:prstGeom prst="rect">
+            <a:avLst/>
+          </a:prstGeom>
+          <a:noFill/>
+        </p:spPr>
+        <p:txBody>
+          <a:bodyPr wrap="none" rtlCol="0">
+            <a:spAutoFit/>
+          </a:bodyPr>
+          <a:lstStyle/>
+          <a:p>
+            <a:r>
+              <a:rPr lang="de-CH" dirty="0"/>
+              <a:t>Interpolieren</a:t>
+            </a:r>
+          </a:p>
+        </p:txBody>
+      </p:sp>
     </p:spTree>
     <p:extLst>
       <p:ext uri="{BB962C8B-B14F-4D97-AF65-F5344CB8AC3E}">
-        <p14:creationId xmlns:p14="http://schemas.microsoft.com/office/powerpoint/2010/main" val="621398805"/>
+        <p14:creationId xmlns:p14="http://schemas.microsoft.com/office/powerpoint/2010/main" val="1812398618"/>
       </p:ext>
     </p:extLst>
   </p:cSld>
   <p:clrMapOvr>
     <a:masterClrMapping/>
   </p:clrMapOvr>
+  <p:timing>
+    <p:tnLst>
+      <p:par>
+        <p:cTn id="1" dur="indefinite" restart="never" nodeType="tmRoot">
+          <p:childTnLst>
+            <p:seq concurrent="1" nextAc="seek">
+              <p:cTn id="2" dur="indefinite" nodeType="mainSeq">
+                <p:childTnLst>
+                  <p:par>
+                    <p:cTn id="3" fill="hold">
+                      <p:stCondLst>
+                        <p:cond delay="indefinite"/>
+                      </p:stCondLst>
+                      <p:childTnLst>
+                        <p:par>
+                          <p:cTn id="4" fill="hold">
+                            <p:stCondLst>
+                              <p:cond delay="0"/>
+                            </p:stCondLst>
+                            <p:childTnLst>
+                              <p:par>
+                                <p:cTn id="5" presetID="1" presetClass="entr" presetSubtype="0" fill="hold" nodeType="clickEffect">
+                                  <p:stCondLst>
+                                    <p:cond delay="0"/>
+                                  </p:stCondLst>
+                                  <p:childTnLst>
+                                    <p:set>
+                                      <p:cBhvr>
+                                        <p:cTn id="6" dur="1" fill="hold">
+                                          <p:stCondLst>
+                                            <p:cond delay="0"/>
+                                          </p:stCondLst>
+                                        </p:cTn>
+                                        <p:tgtEl>
+                                          <p:spTgt spid="17"/>
+                                        </p:tgtEl>
+                                        <p:attrNameLst>
+                                          <p:attrName>style.visibility</p:attrName>
+                                        </p:attrNameLst>
+                                      </p:cBhvr>
+                                      <p:to>
+                                        <p:strVal val="visible"/>
+                                      </p:to>
+                                    </p:set>
+                                  </p:childTnLst>
+                                </p:cTn>
+                              </p:par>
+                              <p:par>
+                                <p:cTn id="7" presetID="1" presetClass="entr" presetSubtype="0" fill="hold" grpId="0" nodeType="withEffect">
+                                  <p:stCondLst>
+                                    <p:cond delay="0"/>
+                                  </p:stCondLst>
+                                  <p:childTnLst>
+                                    <p:set>
+                                      <p:cBhvr>
+                                        <p:cTn id="8" dur="1" fill="hold">
+                                          <p:stCondLst>
+                                            <p:cond delay="0"/>
+                                          </p:stCondLst>
+                                        </p:cTn>
+                                        <p:tgtEl>
+                                          <p:spTgt spid="4"/>
+                                        </p:tgtEl>
+                                        <p:attrNameLst>
+                                          <p:attrName>style.visibility</p:attrName>
+                                        </p:attrNameLst>
+                                      </p:cBhvr>
+                                      <p:to>
+                                        <p:strVal val="visible"/>
+                                      </p:to>
+                                    </p:set>
+                                  </p:childTnLst>
+                                </p:cTn>
+                              </p:par>
+                              <p:par>
+                                <p:cTn id="9" presetID="1" presetClass="entr" presetSubtype="0" fill="hold" grpId="0" nodeType="withEffect">
+                                  <p:stCondLst>
+                                    <p:cond delay="0"/>
+                                  </p:stCondLst>
+                                  <p:childTnLst>
+                                    <p:set>
+                                      <p:cBhvr>
+                                        <p:cTn id="10" dur="1" fill="hold">
+                                          <p:stCondLst>
+                                            <p:cond delay="0"/>
+                                          </p:stCondLst>
+                                        </p:cTn>
+                                        <p:tgtEl>
+                                          <p:spTgt spid="28"/>
+                                        </p:tgtEl>
+                                        <p:attrNameLst>
+                                          <p:attrName>style.visibility</p:attrName>
+                                        </p:attrNameLst>
+                                      </p:cBhvr>
+                                      <p:to>
+                                        <p:strVal val="visible"/>
+                                      </p:to>
+                                    </p:set>
+                                  </p:childTnLst>
+                                </p:cTn>
+                              </p:par>
+                              <p:par>
+                                <p:cTn id="11" presetID="1" presetClass="entr" presetSubtype="0" fill="hold" grpId="0" nodeType="withEffect">
+                                  <p:stCondLst>
+                                    <p:cond delay="0"/>
+                                  </p:stCondLst>
+                                  <p:childTnLst>
+                                    <p:set>
+                                      <p:cBhvr>
+                                        <p:cTn id="12" dur="1" fill="hold">
+                                          <p:stCondLst>
+                                            <p:cond delay="0"/>
+                                          </p:stCondLst>
+                                        </p:cTn>
+                                        <p:tgtEl>
+                                          <p:spTgt spid="5"/>
+                                        </p:tgtEl>
+                                        <p:attrNameLst>
+                                          <p:attrName>style.visibility</p:attrName>
+                                        </p:attrNameLst>
+                                      </p:cBhvr>
+                                      <p:to>
+                                        <p:strVal val="visible"/>
+                                      </p:to>
+                                    </p:set>
+                                  </p:childTnLst>
+                                </p:cTn>
+                              </p:par>
+                            </p:childTnLst>
+                          </p:cTn>
+                        </p:par>
+                      </p:childTnLst>
+                    </p:cTn>
+                  </p:par>
+                  <p:par>
+                    <p:cTn id="13" fill="hold">
+                      <p:stCondLst>
+                        <p:cond delay="indefinite"/>
+                      </p:stCondLst>
+                      <p:childTnLst>
+                        <p:par>
+                          <p:cTn id="14" fill="hold">
+                            <p:stCondLst>
+                              <p:cond delay="0"/>
+                            </p:stCondLst>
+                            <p:childTnLst>
+                              <p:par>
+                                <p:cTn id="15" presetID="1" presetClass="entr" presetSubtype="0" fill="hold" nodeType="clickEffect">
+                                  <p:stCondLst>
+                                    <p:cond delay="0"/>
+                                  </p:stCondLst>
+                                  <p:childTnLst>
+                                    <p:set>
+                                      <p:cBhvr>
+                                        <p:cTn id="16" dur="1" fill="hold">
+                                          <p:stCondLst>
+                                            <p:cond delay="0"/>
+                                          </p:stCondLst>
+                                        </p:cTn>
+                                        <p:tgtEl>
+                                          <p:spTgt spid="19"/>
+                                        </p:tgtEl>
+                                        <p:attrNameLst>
+                                          <p:attrName>style.visibility</p:attrName>
+                                        </p:attrNameLst>
+                                      </p:cBhvr>
+                                      <p:to>
+                                        <p:strVal val="visible"/>
+                                      </p:to>
+                                    </p:set>
+                                  </p:childTnLst>
+                                </p:cTn>
+                              </p:par>
+                              <p:par>
+                                <p:cTn id="17" presetID="1" presetClass="entr" presetSubtype="0" fill="hold" grpId="0" nodeType="withEffect">
+                                  <p:stCondLst>
+                                    <p:cond delay="0"/>
+                                  </p:stCondLst>
+                                  <p:childTnLst>
+                                    <p:set>
+                                      <p:cBhvr>
+                                        <p:cTn id="18" dur="1" fill="hold">
+                                          <p:stCondLst>
+                                            <p:cond delay="0"/>
+                                          </p:stCondLst>
+                                        </p:cTn>
+                                        <p:tgtEl>
+                                          <p:spTgt spid="29"/>
+                                        </p:tgtEl>
+                                        <p:attrNameLst>
+                                          <p:attrName>style.visibility</p:attrName>
+                                        </p:attrNameLst>
+                                      </p:cBhvr>
+                                      <p:to>
+                                        <p:strVal val="visible"/>
+                                      </p:to>
+                                    </p:set>
+                                  </p:childTnLst>
+                                </p:cTn>
+                              </p:par>
+                              <p:par>
+                                <p:cTn id="19" presetID="1" presetClass="entr" presetSubtype="0" fill="hold" grpId="0" nodeType="withEffect">
+                                  <p:stCondLst>
+                                    <p:cond delay="0"/>
+                                  </p:stCondLst>
+                                  <p:childTnLst>
+                                    <p:set>
+                                      <p:cBhvr>
+                                        <p:cTn id="20" dur="1" fill="hold">
+                                          <p:stCondLst>
+                                            <p:cond delay="0"/>
+                                          </p:stCondLst>
+                                        </p:cTn>
+                                        <p:tgtEl>
+                                          <p:spTgt spid="6"/>
+                                        </p:tgtEl>
+                                        <p:attrNameLst>
+                                          <p:attrName>style.visibility</p:attrName>
+                                        </p:attrNameLst>
+                                      </p:cBhvr>
+                                      <p:to>
+                                        <p:strVal val="visible"/>
+                                      </p:to>
+                                    </p:set>
+                                  </p:childTnLst>
+                                </p:cTn>
+                              </p:par>
+                              <p:par>
+                                <p:cTn id="21" presetID="1" presetClass="entr" presetSubtype="0" fill="hold" grpId="0" nodeType="withEffect">
+                                  <p:stCondLst>
+                                    <p:cond delay="0"/>
+                                  </p:stCondLst>
+                                  <p:childTnLst>
+                                    <p:set>
+                                      <p:cBhvr>
+                                        <p:cTn id="22" dur="1" fill="hold">
+                                          <p:stCondLst>
+                                            <p:cond delay="0"/>
+                                          </p:stCondLst>
+                                        </p:cTn>
+                                        <p:tgtEl>
+                                          <p:spTgt spid="7"/>
+                                        </p:tgtEl>
+                                        <p:attrNameLst>
+                                          <p:attrName>style.visibility</p:attrName>
+                                        </p:attrNameLst>
+                                      </p:cBhvr>
+                                      <p:to>
+                                        <p:strVal val="visible"/>
+                                      </p:to>
+                                    </p:set>
+                                  </p:childTnLst>
+                                </p:cTn>
+                              </p:par>
+                            </p:childTnLst>
+                          </p:cTn>
+                        </p:par>
+                      </p:childTnLst>
+                    </p:cTn>
+                  </p:par>
+                  <p:par>
+                    <p:cTn id="23" fill="hold">
+                      <p:stCondLst>
+                        <p:cond delay="indefinite"/>
+                      </p:stCondLst>
+                      <p:childTnLst>
+                        <p:par>
+                          <p:cTn id="24" fill="hold">
+                            <p:stCondLst>
+                              <p:cond delay="0"/>
+                            </p:stCondLst>
+                            <p:childTnLst>
+                              <p:par>
+                                <p:cTn id="25" presetID="1" presetClass="entr" presetSubtype="0" fill="hold" nodeType="clickEffect">
+                                  <p:stCondLst>
+                                    <p:cond delay="0"/>
+                                  </p:stCondLst>
+                                  <p:childTnLst>
+                                    <p:set>
+                                      <p:cBhvr>
+                                        <p:cTn id="26" dur="1" fill="hold">
+                                          <p:stCondLst>
+                                            <p:cond delay="0"/>
+                                          </p:stCondLst>
+                                        </p:cTn>
+                                        <p:tgtEl>
+                                          <p:spTgt spid="21"/>
+                                        </p:tgtEl>
+                                        <p:attrNameLst>
+                                          <p:attrName>style.visibility</p:attrName>
+                                        </p:attrNameLst>
+                                      </p:cBhvr>
+                                      <p:to>
+                                        <p:strVal val="visible"/>
+                                      </p:to>
+                                    </p:set>
+                                  </p:childTnLst>
+                                </p:cTn>
+                              </p:par>
+                              <p:par>
+                                <p:cTn id="27" presetID="1" presetClass="entr" presetSubtype="0" fill="hold" grpId="0" nodeType="withEffect">
+                                  <p:stCondLst>
+                                    <p:cond delay="0"/>
+                                  </p:stCondLst>
+                                  <p:childTnLst>
+                                    <p:set>
+                                      <p:cBhvr>
+                                        <p:cTn id="28" dur="1" fill="hold">
+                                          <p:stCondLst>
+                                            <p:cond delay="0"/>
+                                          </p:stCondLst>
+                                        </p:cTn>
+                                        <p:tgtEl>
+                                          <p:spTgt spid="30"/>
+                                        </p:tgtEl>
+                                        <p:attrNameLst>
+                                          <p:attrName>style.visibility</p:attrName>
+                                        </p:attrNameLst>
+                                      </p:cBhvr>
+                                      <p:to>
+                                        <p:strVal val="visible"/>
+                                      </p:to>
+                                    </p:set>
+                                  </p:childTnLst>
+                                </p:cTn>
+                              </p:par>
+                              <p:par>
+                                <p:cTn id="29" presetID="1" presetClass="entr" presetSubtype="0" fill="hold" grpId="0" nodeType="withEffect">
+                                  <p:stCondLst>
+                                    <p:cond delay="0"/>
+                                  </p:stCondLst>
+                                  <p:childTnLst>
+                                    <p:set>
+                                      <p:cBhvr>
+                                        <p:cTn id="30" dur="1" fill="hold">
+                                          <p:stCondLst>
+                                            <p:cond delay="0"/>
+                                          </p:stCondLst>
+                                        </p:cTn>
+                                        <p:tgtEl>
+                                          <p:spTgt spid="8"/>
+                                        </p:tgtEl>
+                                        <p:attrNameLst>
+                                          <p:attrName>style.visibility</p:attrName>
+                                        </p:attrNameLst>
+                                      </p:cBhvr>
+                                      <p:to>
+                                        <p:strVal val="visible"/>
+                                      </p:to>
+                                    </p:set>
+                                  </p:childTnLst>
+                                </p:cTn>
+                              </p:par>
+                              <p:par>
+                                <p:cTn id="31" presetID="1" presetClass="entr" presetSubtype="0" fill="hold" grpId="0" nodeType="withEffect">
+                                  <p:stCondLst>
+                                    <p:cond delay="0"/>
+                                  </p:stCondLst>
+                                  <p:childTnLst>
+                                    <p:set>
+                                      <p:cBhvr>
+                                        <p:cTn id="32" dur="1" fill="hold">
+                                          <p:stCondLst>
+                                            <p:cond delay="0"/>
+                                          </p:stCondLst>
+                                        </p:cTn>
+                                        <p:tgtEl>
+                                          <p:spTgt spid="9"/>
+                                        </p:tgtEl>
+                                        <p:attrNameLst>
+                                          <p:attrName>style.visibility</p:attrName>
+                                        </p:attrNameLst>
+                                      </p:cBhvr>
+                                      <p:to>
+                                        <p:strVal val="visible"/>
+                                      </p:to>
+                                    </p:set>
+                                  </p:childTnLst>
+                                </p:cTn>
+                              </p:par>
+                            </p:childTnLst>
+                          </p:cTn>
+                        </p:par>
+                      </p:childTnLst>
+                    </p:cTn>
+                  </p:par>
+                  <p:par>
+                    <p:cTn id="33" fill="hold">
+                      <p:stCondLst>
+                        <p:cond delay="indefinite"/>
+                      </p:stCondLst>
+                      <p:childTnLst>
+                        <p:par>
+                          <p:cTn id="34" fill="hold">
+                            <p:stCondLst>
+                              <p:cond delay="0"/>
+                            </p:stCondLst>
+                            <p:childTnLst>
+                              <p:par>
+                                <p:cTn id="35" presetID="1" presetClass="entr" presetSubtype="0" fill="hold" nodeType="clickEffect">
+                                  <p:stCondLst>
+                                    <p:cond delay="0"/>
+                                  </p:stCondLst>
+                                  <p:childTnLst>
+                                    <p:set>
+                                      <p:cBhvr>
+                                        <p:cTn id="36" dur="1" fill="hold">
+                                          <p:stCondLst>
+                                            <p:cond delay="0"/>
+                                          </p:stCondLst>
+                                        </p:cTn>
+                                        <p:tgtEl>
+                                          <p:spTgt spid="23"/>
+                                        </p:tgtEl>
+                                        <p:attrNameLst>
+                                          <p:attrName>style.visibility</p:attrName>
+                                        </p:attrNameLst>
+                                      </p:cBhvr>
+                                      <p:to>
+                                        <p:strVal val="visible"/>
+                                      </p:to>
+                                    </p:set>
+                                  </p:childTnLst>
+                                </p:cTn>
+                              </p:par>
+                              <p:par>
+                                <p:cTn id="37" presetID="1" presetClass="entr" presetSubtype="0" fill="hold" grpId="0" nodeType="withEffect">
+                                  <p:stCondLst>
+                                    <p:cond delay="0"/>
+                                  </p:stCondLst>
+                                  <p:childTnLst>
+                                    <p:set>
+                                      <p:cBhvr>
+                                        <p:cTn id="38" dur="1" fill="hold">
+                                          <p:stCondLst>
+                                            <p:cond delay="0"/>
+                                          </p:stCondLst>
+                                        </p:cTn>
+                                        <p:tgtEl>
+                                          <p:spTgt spid="31"/>
+                                        </p:tgtEl>
+                                        <p:attrNameLst>
+                                          <p:attrName>style.visibility</p:attrName>
+                                        </p:attrNameLst>
+                                      </p:cBhvr>
+                                      <p:to>
+                                        <p:strVal val="visible"/>
+                                      </p:to>
+                                    </p:set>
+                                  </p:childTnLst>
+                                </p:cTn>
+                              </p:par>
+                              <p:par>
+                                <p:cTn id="39" presetID="1" presetClass="entr" presetSubtype="0" fill="hold" grpId="0" nodeType="withEffect">
+                                  <p:stCondLst>
+                                    <p:cond delay="0"/>
+                                  </p:stCondLst>
+                                  <p:childTnLst>
+                                    <p:set>
+                                      <p:cBhvr>
+                                        <p:cTn id="40" dur="1" fill="hold">
+                                          <p:stCondLst>
+                                            <p:cond delay="0"/>
+                                          </p:stCondLst>
+                                        </p:cTn>
+                                        <p:tgtEl>
+                                          <p:spTgt spid="11"/>
+                                        </p:tgtEl>
+                                        <p:attrNameLst>
+                                          <p:attrName>style.visibility</p:attrName>
+                                        </p:attrNameLst>
+                                      </p:cBhvr>
+                                      <p:to>
+                                        <p:strVal val="visible"/>
+                                      </p:to>
+                                    </p:set>
+                                  </p:childTnLst>
+                                </p:cTn>
+                              </p:par>
+                              <p:par>
+                                <p:cTn id="41" presetID="1" presetClass="entr" presetSubtype="0" fill="hold" grpId="0" nodeType="withEffect">
+                                  <p:stCondLst>
+                                    <p:cond delay="0"/>
+                                  </p:stCondLst>
+                                  <p:childTnLst>
+                                    <p:set>
+                                      <p:cBhvr>
+                                        <p:cTn id="42" dur="1" fill="hold">
+                                          <p:stCondLst>
+                                            <p:cond delay="0"/>
+                                          </p:stCondLst>
+                                        </p:cTn>
+                                        <p:tgtEl>
+                                          <p:spTgt spid="10"/>
+                                        </p:tgtEl>
+                                        <p:attrNameLst>
+                                          <p:attrName>style.visibility</p:attrName>
+                                        </p:attrNameLst>
+                                      </p:cBhvr>
+                                      <p:to>
+                                        <p:strVal val="visible"/>
+                                      </p:to>
+                                    </p:set>
+                                  </p:childTnLst>
+                                </p:cTn>
+                              </p:par>
+                            </p:childTnLst>
+                          </p:cTn>
+                        </p:par>
+                      </p:childTnLst>
+                    </p:cTn>
+                  </p:par>
+                  <p:par>
+                    <p:cTn id="43" fill="hold">
+                      <p:stCondLst>
+                        <p:cond delay="indefinite"/>
+                      </p:stCondLst>
+                      <p:childTnLst>
+                        <p:par>
+                          <p:cTn id="44" fill="hold">
+                            <p:stCondLst>
+                              <p:cond delay="0"/>
+                            </p:stCondLst>
+                            <p:childTnLst>
+                              <p:par>
+                                <p:cTn id="45" presetID="1" presetClass="entr" presetSubtype="0" fill="hold" nodeType="clickEffect">
+                                  <p:stCondLst>
+                                    <p:cond delay="0"/>
+                                  </p:stCondLst>
+                                  <p:childTnLst>
+                                    <p:set>
+                                      <p:cBhvr>
+                                        <p:cTn id="46" dur="1" fill="hold">
+                                          <p:stCondLst>
+                                            <p:cond delay="0"/>
+                                          </p:stCondLst>
+                                        </p:cTn>
+                                        <p:tgtEl>
+                                          <p:spTgt spid="25"/>
+                                        </p:tgtEl>
+                                        <p:attrNameLst>
+                                          <p:attrName>style.visibility</p:attrName>
+                                        </p:attrNameLst>
+                                      </p:cBhvr>
+                                      <p:to>
+                                        <p:strVal val="visible"/>
+                                      </p:to>
+                                    </p:set>
+                                  </p:childTnLst>
+                                </p:cTn>
+                              </p:par>
+                              <p:par>
+                                <p:cTn id="47" presetID="1" presetClass="entr" presetSubtype="0" fill="hold" grpId="0" nodeType="withEffect">
+                                  <p:stCondLst>
+                                    <p:cond delay="0"/>
+                                  </p:stCondLst>
+                                  <p:childTnLst>
+                                    <p:set>
+                                      <p:cBhvr>
+                                        <p:cTn id="48" dur="1" fill="hold">
+                                          <p:stCondLst>
+                                            <p:cond delay="0"/>
+                                          </p:stCondLst>
+                                        </p:cTn>
+                                        <p:tgtEl>
+                                          <p:spTgt spid="32"/>
+                                        </p:tgtEl>
+                                        <p:attrNameLst>
+                                          <p:attrName>style.visibility</p:attrName>
+                                        </p:attrNameLst>
+                                      </p:cBhvr>
+                                      <p:to>
+                                        <p:strVal val="visible"/>
+                                      </p:to>
+                                    </p:set>
+                                  </p:childTnLst>
+                                </p:cTn>
+                              </p:par>
+                              <p:par>
+                                <p:cTn id="49" presetID="1" presetClass="entr" presetSubtype="0" fill="hold" grpId="0" nodeType="withEffect">
+                                  <p:stCondLst>
+                                    <p:cond delay="0"/>
+                                  </p:stCondLst>
+                                  <p:childTnLst>
+                                    <p:set>
+                                      <p:cBhvr>
+                                        <p:cTn id="50" dur="1" fill="hold">
+                                          <p:stCondLst>
+                                            <p:cond delay="0"/>
+                                          </p:stCondLst>
+                                        </p:cTn>
+                                        <p:tgtEl>
+                                          <p:spTgt spid="12"/>
+                                        </p:tgtEl>
+                                        <p:attrNameLst>
+                                          <p:attrName>style.visibility</p:attrName>
+                                        </p:attrNameLst>
+                                      </p:cBhvr>
+                                      <p:to>
+                                        <p:strVal val="visible"/>
+                                      </p:to>
+                                    </p:set>
+                                  </p:childTnLst>
+                                </p:cTn>
+                              </p:par>
+                              <p:par>
+                                <p:cTn id="51" presetID="1" presetClass="entr" presetSubtype="0" fill="hold" grpId="0" nodeType="withEffect">
+                                  <p:stCondLst>
+                                    <p:cond delay="0"/>
+                                  </p:stCondLst>
+                                  <p:childTnLst>
+                                    <p:set>
+                                      <p:cBhvr>
+                                        <p:cTn id="52" dur="1" fill="hold">
+                                          <p:stCondLst>
+                                            <p:cond delay="0"/>
+                                          </p:stCondLst>
+                                        </p:cTn>
+                                        <p:tgtEl>
+                                          <p:spTgt spid="13"/>
+                                        </p:tgtEl>
+                                        <p:attrNameLst>
+                                          <p:attrName>style.visibility</p:attrName>
+                                        </p:attrNameLst>
+                                      </p:cBhvr>
+                                      <p:to>
+                                        <p:strVal val="visible"/>
+                                      </p:to>
+                                    </p:set>
+                                  </p:childTnLst>
+                                </p:cTn>
+                              </p:par>
+                            </p:childTnLst>
+                          </p:cTn>
+                        </p:par>
+                      </p:childTnLst>
+                    </p:cTn>
+                  </p:par>
+                  <p:par>
+                    <p:cTn id="53" fill="hold">
+                      <p:stCondLst>
+                        <p:cond delay="indefinite"/>
+                      </p:stCondLst>
+                      <p:childTnLst>
+                        <p:par>
+                          <p:cTn id="54" fill="hold">
+                            <p:stCondLst>
+                              <p:cond delay="0"/>
+                            </p:stCondLst>
+                            <p:childTnLst>
+                              <p:par>
+                                <p:cTn id="55" presetID="1" presetClass="entr" presetSubtype="0" fill="hold" nodeType="clickEffect">
+                                  <p:stCondLst>
+                                    <p:cond delay="0"/>
+                                  </p:stCondLst>
+                                  <p:childTnLst>
+                                    <p:set>
+                                      <p:cBhvr>
+                                        <p:cTn id="56" dur="1" fill="hold">
+                                          <p:stCondLst>
+                                            <p:cond delay="0"/>
+                                          </p:stCondLst>
+                                        </p:cTn>
+                                        <p:tgtEl>
+                                          <p:spTgt spid="27"/>
+                                        </p:tgtEl>
+                                        <p:attrNameLst>
+                                          <p:attrName>style.visibility</p:attrName>
+                                        </p:attrNameLst>
+                                      </p:cBhvr>
+                                      <p:to>
+                                        <p:strVal val="visible"/>
+                                      </p:to>
+                                    </p:set>
+                                  </p:childTnLst>
+                                </p:cTn>
+                              </p:par>
+                              <p:par>
+                                <p:cTn id="57" presetID="1" presetClass="entr" presetSubtype="0" fill="hold" grpId="0" nodeType="withEffect">
+                                  <p:stCondLst>
+                                    <p:cond delay="0"/>
+                                  </p:stCondLst>
+                                  <p:childTnLst>
+                                    <p:set>
+                                      <p:cBhvr>
+                                        <p:cTn id="58" dur="1" fill="hold">
+                                          <p:stCondLst>
+                                            <p:cond delay="0"/>
+                                          </p:stCondLst>
+                                        </p:cTn>
+                                        <p:tgtEl>
+                                          <p:spTgt spid="33"/>
+                                        </p:tgtEl>
+                                        <p:attrNameLst>
+                                          <p:attrName>style.visibility</p:attrName>
+                                        </p:attrNameLst>
+                                      </p:cBhvr>
+                                      <p:to>
+                                        <p:strVal val="visible"/>
+                                      </p:to>
+                                    </p:set>
+                                  </p:childTnLst>
+                                </p:cTn>
+                              </p:par>
+                              <p:par>
+                                <p:cTn id="59" presetID="1" presetClass="entr" presetSubtype="0" fill="hold" grpId="0" nodeType="withEffect">
+                                  <p:stCondLst>
+                                    <p:cond delay="0"/>
+                                  </p:stCondLst>
+                                  <p:childTnLst>
+                                    <p:set>
+                                      <p:cBhvr>
+                                        <p:cTn id="60" dur="1" fill="hold">
+                                          <p:stCondLst>
+                                            <p:cond delay="0"/>
+                                          </p:stCondLst>
+                                        </p:cTn>
+                                        <p:tgtEl>
+                                          <p:spTgt spid="14"/>
+                                        </p:tgtEl>
+                                        <p:attrNameLst>
+                                          <p:attrName>style.visibility</p:attrName>
+                                        </p:attrNameLst>
+                                      </p:cBhvr>
+                                      <p:to>
+                                        <p:strVal val="visible"/>
+                                      </p:to>
+                                    </p:set>
+                                  </p:childTnLst>
+                                </p:cTn>
+                              </p:par>
+                              <p:par>
+                                <p:cTn id="61" presetID="1" presetClass="entr" presetSubtype="0" fill="hold" grpId="0" nodeType="withEffect">
+                                  <p:stCondLst>
+                                    <p:cond delay="0"/>
+                                  </p:stCondLst>
+                                  <p:childTnLst>
+                                    <p:set>
+                                      <p:cBhvr>
+                                        <p:cTn id="62" dur="1" fill="hold">
+                                          <p:stCondLst>
+                                            <p:cond delay="0"/>
+                                          </p:stCondLst>
+                                        </p:cTn>
+                                        <p:tgtEl>
+                                          <p:spTgt spid="15"/>
+                                        </p:tgtEl>
+                                        <p:attrNameLst>
+                                          <p:attrName>style.visibility</p:attrName>
+                                        </p:attrNameLst>
+                                      </p:cBhvr>
+                                      <p:to>
+                                        <p:strVal val="visible"/>
+                                      </p:to>
+                                    </p:set>
+                                  </p:childTnLst>
+                                </p:cTn>
+                              </p:par>
+                            </p:childTnLst>
+                          </p:cTn>
+                        </p:par>
+                      </p:childTnLst>
+                    </p:cTn>
+                  </p:par>
+                </p:childTnLst>
+              </p:cTn>
+              <p:prevCondLst>
+                <p:cond evt="onPrev" delay="0">
+                  <p:tgtEl>
+                    <p:sldTgt/>
+                  </p:tgtEl>
+                </p:cond>
+              </p:prevCondLst>
+              <p:nextCondLst>
+                <p:cond evt="onNext" delay="0">
+                  <p:tgtEl>
+                    <p:sldTgt/>
+                  </p:tgtEl>
+                </p:cond>
+              </p:nextCondLst>
+            </p:seq>
+          </p:childTnLst>
+        </p:cTn>
+      </p:par>
+    </p:tnLst>
+    <p:bldLst>
+      <p:bldP spid="4" grpId="0" animBg="1"/>
+      <p:bldP spid="5" grpId="0" animBg="1"/>
+      <p:bldP spid="6" grpId="0" animBg="1"/>
+      <p:bldP spid="7" grpId="0" animBg="1"/>
+      <p:bldP spid="8" grpId="0" animBg="1"/>
+      <p:bldP spid="9" grpId="0" animBg="1"/>
+      <p:bldP spid="10" grpId="0" animBg="1"/>
+      <p:bldP spid="11" grpId="0" animBg="1"/>
+      <p:bldP spid="12" grpId="0" animBg="1"/>
+      <p:bldP spid="13" grpId="0" animBg="1"/>
+      <p:bldP spid="14" grpId="0" animBg="1"/>
+      <p:bldP spid="15" grpId="0" animBg="1"/>
+      <p:bldP spid="28" grpId="0"/>
+      <p:bldP spid="29" grpId="0"/>
+      <p:bldP spid="30" grpId="0"/>
+      <p:bldP spid="31" grpId="0"/>
+      <p:bldP spid="32" grpId="0"/>
+      <p:bldP spid="33" grpId="0"/>
+    </p:bldLst>
+  </p:timing>
 </p:sld>
 </file>
 
@@ -10305,96 +12147,6 @@
           <p:cNvPr id="2" name="Titel 1">
             <a:extLst>
               <a:ext uri="{FF2B5EF4-FFF2-40B4-BE49-F238E27FC236}">
-                <a16:creationId xmlns:a16="http://schemas.microsoft.com/office/drawing/2014/main" id="{84184131-124A-49A6-AB63-EBB7646CCB93}"/>
-              </a:ext>
-            </a:extLst>
-          </p:cNvPr>
-          <p:cNvSpPr>
-            <a:spLocks noGrp="1"/>
-          </p:cNvSpPr>
-          <p:nvPr>
-            <p:ph type="title"/>
-          </p:nvPr>
-        </p:nvSpPr>
-        <p:spPr/>
-        <p:txBody>
-          <a:bodyPr/>
-          <a:lstStyle/>
-          <a:p>
-            <a:r>
-              <a:rPr lang="de-CH" dirty="0"/>
-              <a:t>Vorgänge</a:t>
-            </a:r>
-          </a:p>
-        </p:txBody>
-      </p:sp>
-      <p:pic>
-        <p:nvPicPr>
-          <p:cNvPr id="4" name="Inhaltsplatzhalter 3">
-            <a:extLst>
-              <a:ext uri="{FF2B5EF4-FFF2-40B4-BE49-F238E27FC236}">
-                <a16:creationId xmlns:a16="http://schemas.microsoft.com/office/drawing/2014/main" id="{A07A1491-A9FB-43EC-921A-CF33363C6A48}"/>
-              </a:ext>
-            </a:extLst>
-          </p:cNvPr>
-          <p:cNvPicPr>
-            <a:picLocks noGrp="1" noChangeAspect="1"/>
-          </p:cNvPicPr>
-          <p:nvPr>
-            <p:ph idx="1"/>
-          </p:nvPr>
-        </p:nvPicPr>
-        <p:blipFill>
-          <a:blip r:embed="rId2"/>
-          <a:stretch>
-            <a:fillRect/>
-          </a:stretch>
-        </p:blipFill>
-        <p:spPr>
-          <a:xfrm>
-            <a:off x="2845804" y="1690688"/>
-            <a:ext cx="6124575" cy="5072335"/>
-          </a:xfrm>
-          <a:prstGeom prst="rect">
-            <a:avLst/>
-          </a:prstGeom>
-        </p:spPr>
-      </p:pic>
-    </p:spTree>
-    <p:extLst>
-      <p:ext uri="{BB962C8B-B14F-4D97-AF65-F5344CB8AC3E}">
-        <p14:creationId xmlns:p14="http://schemas.microsoft.com/office/powerpoint/2010/main" val="3531117813"/>
-      </p:ext>
-    </p:extLst>
-  </p:cSld>
-  <p:clrMapOvr>
-    <a:masterClrMapping/>
-  </p:clrMapOvr>
-</p:sld>
-</file>
-
-<file path=ppt/slides/slide19.xml><?xml version="1.0" encoding="utf-8"?>
-<p:sld xmlns:a="http://schemas.openxmlformats.org/drawingml/2006/main" xmlns:r="http://schemas.openxmlformats.org/officeDocument/2006/relationships" xmlns:p="http://schemas.openxmlformats.org/presentationml/2006/main">
-  <p:cSld>
-    <p:spTree>
-      <p:nvGrpSpPr>
-        <p:cNvPr id="1" name=""/>
-        <p:cNvGrpSpPr/>
-        <p:nvPr/>
-      </p:nvGrpSpPr>
-      <p:grpSpPr>
-        <a:xfrm>
-          <a:off x="0" y="0"/>
-          <a:ext cx="0" cy="0"/>
-          <a:chOff x="0" y="0"/>
-          <a:chExt cx="0" cy="0"/>
-        </a:xfrm>
-      </p:grpSpPr>
-      <p:sp>
-        <p:nvSpPr>
-          <p:cNvPr id="2" name="Titel 1">
-            <a:extLst>
-              <a:ext uri="{FF2B5EF4-FFF2-40B4-BE49-F238E27FC236}">
                 <a16:creationId xmlns:a16="http://schemas.microsoft.com/office/drawing/2014/main" id="{85182441-F78A-4894-8E2F-76EF1DD26C13}"/>
               </a:ext>
             </a:extLst>
@@ -10489,93 +12241,7 @@
 </p:sld>
 </file>
 
-<file path=ppt/slides/slide2.xml><?xml version="1.0" encoding="utf-8"?>
-<p:sld xmlns:a="http://schemas.openxmlformats.org/drawingml/2006/main" xmlns:r="http://schemas.openxmlformats.org/officeDocument/2006/relationships" xmlns:p="http://schemas.openxmlformats.org/presentationml/2006/main">
-  <p:cSld>
-    <p:spTree>
-      <p:nvGrpSpPr>
-        <p:cNvPr id="1" name=""/>
-        <p:cNvGrpSpPr/>
-        <p:nvPr/>
-      </p:nvGrpSpPr>
-      <p:grpSpPr>
-        <a:xfrm>
-          <a:off x="0" y="0"/>
-          <a:ext cx="0" cy="0"/>
-          <a:chOff x="0" y="0"/>
-          <a:chExt cx="0" cy="0"/>
-        </a:xfrm>
-      </p:grpSpPr>
-      <p:sp>
-        <p:nvSpPr>
-          <p:cNvPr id="2" name="Titel 1">
-            <a:extLst>
-              <a:ext uri="{FF2B5EF4-FFF2-40B4-BE49-F238E27FC236}">
-                <a16:creationId xmlns:a16="http://schemas.microsoft.com/office/drawing/2014/main" id="{CAF0B2A2-51E7-4973-9C1D-BC0552F986E5}"/>
-              </a:ext>
-            </a:extLst>
-          </p:cNvPr>
-          <p:cNvSpPr>
-            <a:spLocks noGrp="1"/>
-          </p:cNvSpPr>
-          <p:nvPr>
-            <p:ph type="title"/>
-          </p:nvPr>
-        </p:nvSpPr>
-        <p:spPr/>
-        <p:txBody>
-          <a:bodyPr/>
-          <a:lstStyle/>
-          <a:p>
-            <a:endParaRPr lang="de-CH"/>
-          </a:p>
-        </p:txBody>
-      </p:sp>
-      <p:sp>
-        <p:nvSpPr>
-          <p:cNvPr id="3" name="Inhaltsplatzhalter 2">
-            <a:extLst>
-              <a:ext uri="{FF2B5EF4-FFF2-40B4-BE49-F238E27FC236}">
-                <a16:creationId xmlns:a16="http://schemas.microsoft.com/office/drawing/2014/main" id="{EA30134E-E5BD-45E6-A4B2-D1CE5188BE60}"/>
-              </a:ext>
-            </a:extLst>
-          </p:cNvPr>
-          <p:cNvSpPr>
-            <a:spLocks noGrp="1"/>
-          </p:cNvSpPr>
-          <p:nvPr>
-            <p:ph idx="1"/>
-          </p:nvPr>
-        </p:nvSpPr>
-        <p:spPr/>
-        <p:txBody>
-          <a:bodyPr/>
-          <a:lstStyle/>
-          <a:p>
-            <a:r>
-              <a:rPr lang="de-CH" dirty="0"/>
-              <a:t>Inhaltsverzeichnis</a:t>
-            </a:r>
-          </a:p>
-          <a:p>
-            <a:endParaRPr lang="de-CH" dirty="0"/>
-          </a:p>
-        </p:txBody>
-      </p:sp>
-    </p:spTree>
-    <p:extLst>
-      <p:ext uri="{BB962C8B-B14F-4D97-AF65-F5344CB8AC3E}">
-        <p14:creationId xmlns:p14="http://schemas.microsoft.com/office/powerpoint/2010/main" val="841493887"/>
-      </p:ext>
-    </p:extLst>
-  </p:cSld>
-  <p:clrMapOvr>
-    <a:masterClrMapping/>
-  </p:clrMapOvr>
-</p:sld>
-</file>
-
-<file path=ppt/slides/slide20.xml><?xml version="1.0" encoding="utf-8"?>
+<file path=ppt/slides/slide19.xml><?xml version="1.0" encoding="utf-8"?>
 <p:sld xmlns:a="http://schemas.openxmlformats.org/drawingml/2006/main" xmlns:r="http://schemas.openxmlformats.org/officeDocument/2006/relationships" xmlns:p="http://schemas.openxmlformats.org/presentationml/2006/main">
   <p:cSld>
     <p:spTree>
@@ -10656,6 +12322,92 @@
     <p:extLst>
       <p:ext uri="{BB962C8B-B14F-4D97-AF65-F5344CB8AC3E}">
         <p14:creationId xmlns:p14="http://schemas.microsoft.com/office/powerpoint/2010/main" val="410765628"/>
+      </p:ext>
+    </p:extLst>
+  </p:cSld>
+  <p:clrMapOvr>
+    <a:masterClrMapping/>
+  </p:clrMapOvr>
+</p:sld>
+</file>
+
+<file path=ppt/slides/slide2.xml><?xml version="1.0" encoding="utf-8"?>
+<p:sld xmlns:a="http://schemas.openxmlformats.org/drawingml/2006/main" xmlns:r="http://schemas.openxmlformats.org/officeDocument/2006/relationships" xmlns:p="http://schemas.openxmlformats.org/presentationml/2006/main">
+  <p:cSld>
+    <p:spTree>
+      <p:nvGrpSpPr>
+        <p:cNvPr id="1" name=""/>
+        <p:cNvGrpSpPr/>
+        <p:nvPr/>
+      </p:nvGrpSpPr>
+      <p:grpSpPr>
+        <a:xfrm>
+          <a:off x="0" y="0"/>
+          <a:ext cx="0" cy="0"/>
+          <a:chOff x="0" y="0"/>
+          <a:chExt cx="0" cy="0"/>
+        </a:xfrm>
+      </p:grpSpPr>
+      <p:sp>
+        <p:nvSpPr>
+          <p:cNvPr id="2" name="Titel 1">
+            <a:extLst>
+              <a:ext uri="{FF2B5EF4-FFF2-40B4-BE49-F238E27FC236}">
+                <a16:creationId xmlns:a16="http://schemas.microsoft.com/office/drawing/2014/main" id="{CAF0B2A2-51E7-4973-9C1D-BC0552F986E5}"/>
+              </a:ext>
+            </a:extLst>
+          </p:cNvPr>
+          <p:cNvSpPr>
+            <a:spLocks noGrp="1"/>
+          </p:cNvSpPr>
+          <p:nvPr>
+            <p:ph type="title"/>
+          </p:nvPr>
+        </p:nvSpPr>
+        <p:spPr/>
+        <p:txBody>
+          <a:bodyPr/>
+          <a:lstStyle/>
+          <a:p>
+            <a:endParaRPr lang="de-CH"/>
+          </a:p>
+        </p:txBody>
+      </p:sp>
+      <p:sp>
+        <p:nvSpPr>
+          <p:cNvPr id="3" name="Inhaltsplatzhalter 2">
+            <a:extLst>
+              <a:ext uri="{FF2B5EF4-FFF2-40B4-BE49-F238E27FC236}">
+                <a16:creationId xmlns:a16="http://schemas.microsoft.com/office/drawing/2014/main" id="{EA30134E-E5BD-45E6-A4B2-D1CE5188BE60}"/>
+              </a:ext>
+            </a:extLst>
+          </p:cNvPr>
+          <p:cNvSpPr>
+            <a:spLocks noGrp="1"/>
+          </p:cNvSpPr>
+          <p:nvPr>
+            <p:ph idx="1"/>
+          </p:nvPr>
+        </p:nvSpPr>
+        <p:spPr/>
+        <p:txBody>
+          <a:bodyPr/>
+          <a:lstStyle/>
+          <a:p>
+            <a:r>
+              <a:rPr lang="de-CH" dirty="0"/>
+              <a:t>Inhaltsverzeichnis</a:t>
+            </a:r>
+          </a:p>
+          <a:p>
+            <a:endParaRPr lang="de-CH" dirty="0"/>
+          </a:p>
+        </p:txBody>
+      </p:sp>
+    </p:spTree>
+    <p:extLst>
+      <p:ext uri="{BB962C8B-B14F-4D97-AF65-F5344CB8AC3E}">
+        <p14:creationId xmlns:p14="http://schemas.microsoft.com/office/powerpoint/2010/main" val="841493887"/>
       </p:ext>
     </p:extLst>
   </p:cSld>

--- a/doc/IP5_Presentation.pptx
+++ b/doc/IP5_Presentation.pptx
@@ -5,7 +5,7 @@
     <p:sldMasterId id="2147483648" r:id="rId1"/>
   </p:sldMasterIdLst>
   <p:notesMasterIdLst>
-    <p:notesMasterId r:id="rId21"/>
+    <p:notesMasterId r:id="rId26"/>
   </p:notesMasterIdLst>
   <p:sldIdLst>
     <p:sldId id="256" r:id="rId2"/>
@@ -24,9 +24,14 @@
     <p:sldId id="277" r:id="rId15"/>
     <p:sldId id="271" r:id="rId16"/>
     <p:sldId id="272" r:id="rId17"/>
-    <p:sldId id="279" r:id="rId18"/>
-    <p:sldId id="258" r:id="rId19"/>
-    <p:sldId id="278" r:id="rId20"/>
+    <p:sldId id="280" r:id="rId18"/>
+    <p:sldId id="281" r:id="rId19"/>
+    <p:sldId id="279" r:id="rId20"/>
+    <p:sldId id="258" r:id="rId21"/>
+    <p:sldId id="278" r:id="rId22"/>
+    <p:sldId id="282" r:id="rId23"/>
+    <p:sldId id="283" r:id="rId24"/>
+    <p:sldId id="284" r:id="rId25"/>
   </p:sldIdLst>
   <p:sldSz cx="12192000" cy="6858000"/>
   <p:notesSz cx="6858000" cy="9144000"/>
@@ -1393,74 +1398,7 @@
           <a:p>
             <a:r>
               <a:rPr lang="de-CH" dirty="0" err="1"/>
-              <a:t>Levenshtein</a:t>
-            </a:r>
-            <a:r>
-              <a:rPr lang="de-CH" dirty="0"/>
-              <a:t>/</a:t>
-            </a:r>
-            <a:r>
-              <a:rPr lang="de-CH" dirty="0" err="1"/>
-              <a:t>Editdistanz</a:t>
-            </a:r>
-            <a:r>
-              <a:rPr lang="de-CH" dirty="0"/>
-              <a:t> ist offensichtlich</a:t>
-            </a:r>
-          </a:p>
-          <a:p>
-            <a:r>
-              <a:rPr lang="de-CH" dirty="0"/>
-              <a:t>Je näher eine </a:t>
-            </a:r>
-            <a:r>
-              <a:rPr lang="de-CH" dirty="0" err="1"/>
-              <a:t>maschinenübersetzung</a:t>
-            </a:r>
-            <a:r>
-              <a:rPr lang="de-CH" dirty="0"/>
-              <a:t> an einer menschlichen, desto besser ist sie.</a:t>
-            </a:r>
-          </a:p>
-          <a:p>
-            <a:r>
-              <a:rPr lang="de-CH" dirty="0"/>
-              <a:t>Maschinenübersetzung = zu bewertender </a:t>
-            </a:r>
-            <a:r>
-              <a:rPr lang="de-CH" dirty="0" err="1"/>
-              <a:t>satz</a:t>
-            </a:r>
-            <a:endParaRPr lang="de-CH" dirty="0"/>
-          </a:p>
-          <a:p>
-            <a:r>
-              <a:rPr lang="de-CH" dirty="0"/>
-              <a:t>Referenzübersetzungen = alle anderen Sätze</a:t>
-            </a:r>
-          </a:p>
-          <a:p>
-            <a:r>
-              <a:rPr lang="de-CH" dirty="0"/>
-              <a:t>Alternativen und </a:t>
-            </a:r>
-            <a:r>
-              <a:rPr lang="de-CH" dirty="0" err="1"/>
-              <a:t>verbesserungen</a:t>
-            </a:r>
-            <a:r>
-              <a:rPr lang="de-CH" dirty="0"/>
-              <a:t> von bleu bekannt</a:t>
-            </a:r>
-          </a:p>
-          <a:p>
-            <a:r>
-              <a:rPr lang="de-CH" dirty="0"/>
-              <a:t>Wir verwenden </a:t>
-            </a:r>
-            <a:r>
-              <a:rPr lang="de-CH" dirty="0" err="1"/>
-              <a:t>smoothin</a:t>
+              <a:t>Json</a:t>
             </a:r>
             <a:r>
               <a:rPr lang="de-CH" dirty="0"/>
@@ -1468,15 +1406,7 @@
             </a:r>
             <a:r>
               <a:rPr lang="de-CH" dirty="0" err="1"/>
-              <a:t>function</a:t>
-            </a:r>
-            <a:r>
-              <a:rPr lang="de-CH" dirty="0"/>
-              <a:t> für bleu, verbessert Ergebnis bei einzelnen </a:t>
-            </a:r>
-            <a:r>
-              <a:rPr lang="de-CH" dirty="0" err="1"/>
-              <a:t>sätzen</a:t>
+              <a:t>format</a:t>
             </a:r>
             <a:endParaRPr lang="de-CH" dirty="0"/>
           </a:p>
@@ -1505,7 +1435,7 @@
           <a:p>
             <a:fld id="{E295798E-7BEE-4A25-96C8-F832B2F1E69A}" type="slidenum">
               <a:rPr lang="de-CH" smtClean="0"/>
-              <a:t>18</a:t>
+              <a:t>17</a:t>
             </a:fld>
             <a:endParaRPr lang="de-CH"/>
           </a:p>
@@ -1514,7 +1444,7 @@
     </p:spTree>
     <p:extLst>
       <p:ext uri="{BB962C8B-B14F-4D97-AF65-F5344CB8AC3E}">
-        <p14:creationId xmlns:p14="http://schemas.microsoft.com/office/powerpoint/2010/main" val="1625024937"/>
+        <p14:creationId xmlns:p14="http://schemas.microsoft.com/office/powerpoint/2010/main" val="974972154"/>
       </p:ext>
     </p:extLst>
   </p:cSld>
@@ -1570,7 +1500,13 @@
           <a:p>
             <a:r>
               <a:rPr lang="de-CH" dirty="0"/>
-              <a:t>Übergang zwischen gut und schlecht fliessend</a:t>
+              <a:t>Auslassungen sollen ersetzt werden,</a:t>
+            </a:r>
+          </a:p>
+          <a:p>
+            <a:r>
+              <a:rPr lang="de-CH" dirty="0"/>
+              <a:t>Passendes Wort muss gefunden werden</a:t>
             </a:r>
           </a:p>
         </p:txBody>
@@ -1592,7 +1528,347 @@
           <a:p>
             <a:fld id="{E295798E-7BEE-4A25-96C8-F832B2F1E69A}" type="slidenum">
               <a:rPr lang="de-CH" smtClean="0"/>
-              <a:t>19</a:t>
+              <a:t>18</a:t>
+            </a:fld>
+            <a:endParaRPr lang="de-CH"/>
+          </a:p>
+        </p:txBody>
+      </p:sp>
+    </p:spTree>
+    <p:extLst>
+      <p:ext uri="{BB962C8B-B14F-4D97-AF65-F5344CB8AC3E}">
+        <p14:creationId xmlns:p14="http://schemas.microsoft.com/office/powerpoint/2010/main" val="3999478022"/>
+      </p:ext>
+    </p:extLst>
+  </p:cSld>
+  <p:clrMapOvr>
+    <a:masterClrMapping/>
+  </p:clrMapOvr>
+</p:notes>
+</file>
+
+<file path=ppt/notesSlides/notesSlide15.xml><?xml version="1.0" encoding="utf-8"?>
+<p:notes xmlns:a="http://schemas.openxmlformats.org/drawingml/2006/main" xmlns:r="http://schemas.openxmlformats.org/officeDocument/2006/relationships" xmlns:p="http://schemas.openxmlformats.org/presentationml/2006/main">
+  <p:cSld>
+    <p:spTree>
+      <p:nvGrpSpPr>
+        <p:cNvPr id="1" name=""/>
+        <p:cNvGrpSpPr/>
+        <p:nvPr/>
+      </p:nvGrpSpPr>
+      <p:grpSpPr>
+        <a:xfrm>
+          <a:off x="0" y="0"/>
+          <a:ext cx="0" cy="0"/>
+          <a:chOff x="0" y="0"/>
+          <a:chExt cx="0" cy="0"/>
+        </a:xfrm>
+      </p:grpSpPr>
+      <p:sp>
+        <p:nvSpPr>
+          <p:cNvPr id="2" name="Folienbildplatzhalter 1"/>
+          <p:cNvSpPr>
+            <a:spLocks noGrp="1" noRot="1" noChangeAspect="1"/>
+          </p:cNvSpPr>
+          <p:nvPr>
+            <p:ph type="sldImg"/>
+          </p:nvPr>
+        </p:nvSpPr>
+        <p:spPr/>
+      </p:sp>
+      <p:sp>
+        <p:nvSpPr>
+          <p:cNvPr id="3" name="Notizenplatzhalter 2"/>
+          <p:cNvSpPr>
+            <a:spLocks noGrp="1"/>
+          </p:cNvSpPr>
+          <p:nvPr>
+            <p:ph type="body" idx="1"/>
+          </p:nvPr>
+        </p:nvSpPr>
+        <p:spPr/>
+        <p:txBody>
+          <a:bodyPr/>
+          <a:lstStyle/>
+          <a:p>
+            <a:r>
+              <a:rPr lang="de-CH" dirty="0" err="1"/>
+              <a:t>Levenshtein</a:t>
+            </a:r>
+            <a:r>
+              <a:rPr lang="de-CH" dirty="0"/>
+              <a:t>/</a:t>
+            </a:r>
+            <a:r>
+              <a:rPr lang="de-CH" dirty="0" err="1"/>
+              <a:t>Editdistanz</a:t>
+            </a:r>
+            <a:r>
+              <a:rPr lang="de-CH" dirty="0"/>
+              <a:t> ist offensichtlich</a:t>
+            </a:r>
+          </a:p>
+          <a:p>
+            <a:r>
+              <a:rPr lang="de-CH" dirty="0"/>
+              <a:t>Je näher eine </a:t>
+            </a:r>
+            <a:r>
+              <a:rPr lang="de-CH" dirty="0" err="1"/>
+              <a:t>maschinenübersetzung</a:t>
+            </a:r>
+            <a:r>
+              <a:rPr lang="de-CH" dirty="0"/>
+              <a:t> an einer menschlichen, desto besser ist sie.</a:t>
+            </a:r>
+          </a:p>
+          <a:p>
+            <a:r>
+              <a:rPr lang="de-CH" dirty="0"/>
+              <a:t>Maschinenübersetzung = zu bewertender </a:t>
+            </a:r>
+            <a:r>
+              <a:rPr lang="de-CH" dirty="0" err="1"/>
+              <a:t>satz</a:t>
+            </a:r>
+            <a:endParaRPr lang="de-CH" dirty="0"/>
+          </a:p>
+          <a:p>
+            <a:r>
+              <a:rPr lang="de-CH" dirty="0"/>
+              <a:t>Referenzübersetzungen = alle anderen Sätze</a:t>
+            </a:r>
+          </a:p>
+          <a:p>
+            <a:r>
+              <a:rPr lang="de-CH" dirty="0"/>
+              <a:t>Alternativen und </a:t>
+            </a:r>
+            <a:r>
+              <a:rPr lang="de-CH" dirty="0" err="1"/>
+              <a:t>verbesserungen</a:t>
+            </a:r>
+            <a:r>
+              <a:rPr lang="de-CH" dirty="0"/>
+              <a:t> von bleu bekannt</a:t>
+            </a:r>
+          </a:p>
+          <a:p>
+            <a:r>
+              <a:rPr lang="de-CH" dirty="0"/>
+              <a:t>Wir verwenden </a:t>
+            </a:r>
+            <a:r>
+              <a:rPr lang="de-CH" dirty="0" err="1"/>
+              <a:t>smoothin</a:t>
+            </a:r>
+            <a:r>
+              <a:rPr lang="de-CH" dirty="0"/>
+              <a:t> </a:t>
+            </a:r>
+            <a:r>
+              <a:rPr lang="de-CH" dirty="0" err="1"/>
+              <a:t>function</a:t>
+            </a:r>
+            <a:r>
+              <a:rPr lang="de-CH" dirty="0"/>
+              <a:t> für bleu, verbessert Ergebnis bei einzelnen </a:t>
+            </a:r>
+            <a:r>
+              <a:rPr lang="de-CH" dirty="0" err="1"/>
+              <a:t>sätzen</a:t>
+            </a:r>
+            <a:endParaRPr lang="de-CH" dirty="0"/>
+          </a:p>
+          <a:p>
+            <a:endParaRPr lang="de-CH" dirty="0"/>
+          </a:p>
+          <a:p>
+            <a:endParaRPr lang="de-CH" dirty="0"/>
+          </a:p>
+        </p:txBody>
+      </p:sp>
+      <p:sp>
+        <p:nvSpPr>
+          <p:cNvPr id="4" name="Foliennummernplatzhalter 3"/>
+          <p:cNvSpPr>
+            <a:spLocks noGrp="1"/>
+          </p:cNvSpPr>
+          <p:nvPr>
+            <p:ph type="sldNum" sz="quarter" idx="10"/>
+          </p:nvPr>
+        </p:nvSpPr>
+        <p:spPr/>
+        <p:txBody>
+          <a:bodyPr/>
+          <a:lstStyle/>
+          <a:p>
+            <a:fld id="{E295798E-7BEE-4A25-96C8-F832B2F1E69A}" type="slidenum">
+              <a:rPr lang="de-CH" smtClean="0"/>
+              <a:t>20</a:t>
+            </a:fld>
+            <a:endParaRPr lang="de-CH"/>
+          </a:p>
+        </p:txBody>
+      </p:sp>
+    </p:spTree>
+    <p:extLst>
+      <p:ext uri="{BB962C8B-B14F-4D97-AF65-F5344CB8AC3E}">
+        <p14:creationId xmlns:p14="http://schemas.microsoft.com/office/powerpoint/2010/main" val="1625024937"/>
+      </p:ext>
+    </p:extLst>
+  </p:cSld>
+  <p:clrMapOvr>
+    <a:masterClrMapping/>
+  </p:clrMapOvr>
+</p:notes>
+</file>
+
+<file path=ppt/notesSlides/notesSlide16.xml><?xml version="1.0" encoding="utf-8"?>
+<p:notes xmlns:a="http://schemas.openxmlformats.org/drawingml/2006/main" xmlns:r="http://schemas.openxmlformats.org/officeDocument/2006/relationships" xmlns:p="http://schemas.openxmlformats.org/presentationml/2006/main">
+  <p:cSld>
+    <p:spTree>
+      <p:nvGrpSpPr>
+        <p:cNvPr id="1" name=""/>
+        <p:cNvGrpSpPr/>
+        <p:nvPr/>
+      </p:nvGrpSpPr>
+      <p:grpSpPr>
+        <a:xfrm>
+          <a:off x="0" y="0"/>
+          <a:ext cx="0" cy="0"/>
+          <a:chOff x="0" y="0"/>
+          <a:chExt cx="0" cy="0"/>
+        </a:xfrm>
+      </p:grpSpPr>
+      <p:sp>
+        <p:nvSpPr>
+          <p:cNvPr id="2" name="Folienbildplatzhalter 1"/>
+          <p:cNvSpPr>
+            <a:spLocks noGrp="1" noRot="1" noChangeAspect="1"/>
+          </p:cNvSpPr>
+          <p:nvPr>
+            <p:ph type="sldImg"/>
+          </p:nvPr>
+        </p:nvSpPr>
+        <p:spPr/>
+      </p:sp>
+      <p:sp>
+        <p:nvSpPr>
+          <p:cNvPr id="3" name="Notizenplatzhalter 2"/>
+          <p:cNvSpPr>
+            <a:spLocks noGrp="1"/>
+          </p:cNvSpPr>
+          <p:nvPr>
+            <p:ph type="body" idx="1"/>
+          </p:nvPr>
+        </p:nvSpPr>
+        <p:spPr/>
+        <p:txBody>
+          <a:bodyPr/>
+          <a:lstStyle/>
+          <a:p>
+            <a:r>
+              <a:rPr lang="de-CH" dirty="0"/>
+              <a:t>Übergang zwischen gut und schlecht ist fliessend</a:t>
+            </a:r>
+          </a:p>
+          <a:p>
+            <a:r>
+              <a:rPr lang="de-CH" dirty="0"/>
+              <a:t>Die meisten </a:t>
+            </a:r>
+            <a:r>
+              <a:rPr lang="de-CH" dirty="0" err="1"/>
+              <a:t>sätze</a:t>
+            </a:r>
+            <a:r>
+              <a:rPr lang="de-CH" dirty="0"/>
+              <a:t> sind gut, wenig </a:t>
+            </a:r>
+            <a:r>
+              <a:rPr lang="de-CH" dirty="0" err="1"/>
+              <a:t>Outlier</a:t>
+            </a:r>
+            <a:endParaRPr lang="de-CH" dirty="0"/>
+          </a:p>
+          <a:p>
+            <a:r>
+              <a:rPr lang="de-CH" dirty="0"/>
+              <a:t>Minimalwert festlegen zwischen 0.3 und 0.7; 0.5 empfohlen</a:t>
+            </a:r>
+          </a:p>
+          <a:p>
+            <a:endParaRPr lang="de-CH" dirty="0"/>
+          </a:p>
+          <a:p>
+            <a:r>
+              <a:rPr lang="de-CH" dirty="0"/>
+              <a:t>Alternativen:</a:t>
+            </a:r>
+          </a:p>
+          <a:p>
+            <a:r>
+              <a:rPr lang="de-CH" dirty="0"/>
+              <a:t>Statistik: über Durchschnitt und Standardabweichung (wenig daten und nicht normalverteilt)</a:t>
+            </a:r>
+          </a:p>
+          <a:p>
+            <a:r>
+              <a:rPr lang="de-CH" dirty="0"/>
+              <a:t>Eindimensionales </a:t>
+            </a:r>
+            <a:r>
+              <a:rPr lang="de-CH" dirty="0" err="1"/>
+              <a:t>clustering</a:t>
+            </a:r>
+            <a:r>
+              <a:rPr lang="de-CH" dirty="0"/>
+              <a:t> (sehr komplexer </a:t>
+            </a:r>
+            <a:r>
+              <a:rPr lang="de-CH" dirty="0" err="1"/>
+              <a:t>ansatz</a:t>
+            </a:r>
+            <a:r>
+              <a:rPr lang="de-CH" dirty="0"/>
+              <a:t>)</a:t>
+            </a:r>
+          </a:p>
+          <a:p>
+            <a:r>
+              <a:rPr lang="de-CH" dirty="0"/>
+              <a:t>Iterativ schlechter </a:t>
+            </a:r>
+            <a:r>
+              <a:rPr lang="de-CH" dirty="0" err="1"/>
+              <a:t>satz</a:t>
+            </a:r>
+            <a:r>
+              <a:rPr lang="de-CH" dirty="0"/>
+              <a:t> verwerfen, sehen ob sich durchschnitt verbessert</a:t>
+            </a:r>
+          </a:p>
+        </p:txBody>
+      </p:sp>
+      <p:sp>
+        <p:nvSpPr>
+          <p:cNvPr id="4" name="Foliennummernplatzhalter 3"/>
+          <p:cNvSpPr>
+            <a:spLocks noGrp="1"/>
+          </p:cNvSpPr>
+          <p:nvPr>
+            <p:ph type="sldNum" sz="quarter" idx="10"/>
+          </p:nvPr>
+        </p:nvSpPr>
+        <p:spPr/>
+        <p:txBody>
+          <a:bodyPr/>
+          <a:lstStyle/>
+          <a:p>
+            <a:fld id="{E295798E-7BEE-4A25-96C8-F832B2F1E69A}" type="slidenum">
+              <a:rPr lang="de-CH" smtClean="0"/>
+              <a:t>21</a:t>
             </a:fld>
             <a:endParaRPr lang="de-CH"/>
           </a:p>
@@ -1602,6 +1878,367 @@
     <p:extLst>
       <p:ext uri="{BB962C8B-B14F-4D97-AF65-F5344CB8AC3E}">
         <p14:creationId xmlns:p14="http://schemas.microsoft.com/office/powerpoint/2010/main" val="2358610769"/>
+      </p:ext>
+    </p:extLst>
+  </p:cSld>
+  <p:clrMapOvr>
+    <a:masterClrMapping/>
+  </p:clrMapOvr>
+</p:notes>
+</file>
+
+<file path=ppt/notesSlides/notesSlide17.xml><?xml version="1.0" encoding="utf-8"?>
+<p:notes xmlns:a="http://schemas.openxmlformats.org/drawingml/2006/main" xmlns:r="http://schemas.openxmlformats.org/officeDocument/2006/relationships" xmlns:p="http://schemas.openxmlformats.org/presentationml/2006/main">
+  <p:cSld>
+    <p:spTree>
+      <p:nvGrpSpPr>
+        <p:cNvPr id="1" name=""/>
+        <p:cNvGrpSpPr/>
+        <p:nvPr/>
+      </p:nvGrpSpPr>
+      <p:grpSpPr>
+        <a:xfrm>
+          <a:off x="0" y="0"/>
+          <a:ext cx="0" cy="0"/>
+          <a:chOff x="0" y="0"/>
+          <a:chExt cx="0" cy="0"/>
+        </a:xfrm>
+      </p:grpSpPr>
+      <p:sp>
+        <p:nvSpPr>
+          <p:cNvPr id="2" name="Folienbildplatzhalter 1"/>
+          <p:cNvSpPr>
+            <a:spLocks noGrp="1" noRot="1" noChangeAspect="1"/>
+          </p:cNvSpPr>
+          <p:nvPr>
+            <p:ph type="sldImg"/>
+          </p:nvPr>
+        </p:nvSpPr>
+        <p:spPr/>
+      </p:sp>
+      <p:sp>
+        <p:nvSpPr>
+          <p:cNvPr id="3" name="Notizenplatzhalter 2"/>
+          <p:cNvSpPr>
+            <a:spLocks noGrp="1"/>
+          </p:cNvSpPr>
+          <p:nvPr>
+            <p:ph type="body" idx="1"/>
+          </p:nvPr>
+        </p:nvSpPr>
+        <p:spPr/>
+        <p:txBody>
+          <a:bodyPr/>
+          <a:lstStyle/>
+          <a:p>
+            <a:r>
+              <a:rPr lang="de-CH" dirty="0"/>
+              <a:t>Was mach ein </a:t>
+            </a:r>
+            <a:r>
+              <a:rPr lang="de-CH" dirty="0" err="1"/>
+              <a:t>satzaligner</a:t>
+            </a:r>
+            <a:r>
+              <a:rPr lang="de-CH" dirty="0"/>
+              <a:t>? </a:t>
+            </a:r>
+          </a:p>
+          <a:p>
+            <a:r>
+              <a:rPr lang="de-CH" dirty="0"/>
+              <a:t>Zusammengehörige Sätze aus übersetzten Texten finden. Satzreihenfolge ändert sich nicht.</a:t>
+            </a:r>
+          </a:p>
+          <a:p>
+            <a:r>
+              <a:rPr lang="de-CH" dirty="0"/>
+              <a:t>Wortstellung bleibt stabil -&gt;</a:t>
+            </a:r>
+            <a:r>
+              <a:rPr lang="de-CH" dirty="0" err="1"/>
+              <a:t>satzaligner</a:t>
+            </a:r>
+            <a:r>
+              <a:rPr lang="de-CH" dirty="0"/>
+              <a:t> verwenden, </a:t>
+            </a:r>
+            <a:r>
+              <a:rPr lang="de-CH" dirty="0" err="1"/>
+              <a:t>wortaligner</a:t>
+            </a:r>
+            <a:r>
+              <a:rPr lang="de-CH" dirty="0"/>
+              <a:t> zu flexibel (können eine ganze Kategorie von Fehlern mehr machen)</a:t>
+            </a:r>
+          </a:p>
+          <a:p>
+            <a:r>
+              <a:rPr lang="de-CH" dirty="0"/>
+              <a:t>WIE </a:t>
+            </a:r>
+            <a:r>
+              <a:rPr lang="de-CH" dirty="0" err="1"/>
+              <a:t>satzaligner</a:t>
+            </a:r>
+            <a:r>
+              <a:rPr lang="de-CH" dirty="0"/>
+              <a:t> verwenden?</a:t>
+            </a:r>
+          </a:p>
+        </p:txBody>
+      </p:sp>
+      <p:sp>
+        <p:nvSpPr>
+          <p:cNvPr id="4" name="Foliennummernplatzhalter 3"/>
+          <p:cNvSpPr>
+            <a:spLocks noGrp="1"/>
+          </p:cNvSpPr>
+          <p:nvPr>
+            <p:ph type="sldNum" sz="quarter" idx="10"/>
+          </p:nvPr>
+        </p:nvSpPr>
+        <p:spPr/>
+        <p:txBody>
+          <a:bodyPr/>
+          <a:lstStyle/>
+          <a:p>
+            <a:fld id="{E295798E-7BEE-4A25-96C8-F832B2F1E69A}" type="slidenum">
+              <a:rPr lang="de-CH" smtClean="0"/>
+              <a:t>22</a:t>
+            </a:fld>
+            <a:endParaRPr lang="de-CH"/>
+          </a:p>
+        </p:txBody>
+      </p:sp>
+    </p:spTree>
+    <p:extLst>
+      <p:ext uri="{BB962C8B-B14F-4D97-AF65-F5344CB8AC3E}">
+        <p14:creationId xmlns:p14="http://schemas.microsoft.com/office/powerpoint/2010/main" val="1092170749"/>
+      </p:ext>
+    </p:extLst>
+  </p:cSld>
+  <p:clrMapOvr>
+    <a:masterClrMapping/>
+  </p:clrMapOvr>
+</p:notes>
+</file>
+
+<file path=ppt/notesSlides/notesSlide18.xml><?xml version="1.0" encoding="utf-8"?>
+<p:notes xmlns:a="http://schemas.openxmlformats.org/drawingml/2006/main" xmlns:r="http://schemas.openxmlformats.org/officeDocument/2006/relationships" xmlns:p="http://schemas.openxmlformats.org/presentationml/2006/main">
+  <p:cSld>
+    <p:spTree>
+      <p:nvGrpSpPr>
+        <p:cNvPr id="1" name=""/>
+        <p:cNvGrpSpPr/>
+        <p:nvPr/>
+      </p:nvGrpSpPr>
+      <p:grpSpPr>
+        <a:xfrm>
+          <a:off x="0" y="0"/>
+          <a:ext cx="0" cy="0"/>
+          <a:chOff x="0" y="0"/>
+          <a:chExt cx="0" cy="0"/>
+        </a:xfrm>
+      </p:grpSpPr>
+      <p:sp>
+        <p:nvSpPr>
+          <p:cNvPr id="2" name="Folienbildplatzhalter 1"/>
+          <p:cNvSpPr>
+            <a:spLocks noGrp="1" noRot="1" noChangeAspect="1"/>
+          </p:cNvSpPr>
+          <p:nvPr>
+            <p:ph type="sldImg"/>
+          </p:nvPr>
+        </p:nvSpPr>
+        <p:spPr/>
+      </p:sp>
+      <p:sp>
+        <p:nvSpPr>
+          <p:cNvPr id="3" name="Notizenplatzhalter 2"/>
+          <p:cNvSpPr>
+            <a:spLocks noGrp="1"/>
+          </p:cNvSpPr>
+          <p:nvPr>
+            <p:ph type="body" idx="1"/>
+          </p:nvPr>
+        </p:nvSpPr>
+        <p:spPr/>
+        <p:txBody>
+          <a:bodyPr/>
+          <a:lstStyle/>
+          <a:p>
+            <a:r>
+              <a:rPr lang="de-CH" dirty="0"/>
+              <a:t>Champ:</a:t>
+            </a:r>
+          </a:p>
+          <a:p>
+            <a:r>
+              <a:rPr lang="de-CH" dirty="0"/>
+              <a:t>Welche Wörter gehören zusammen? (</a:t>
+            </a:r>
+            <a:r>
+              <a:rPr lang="de-CH" dirty="0" err="1"/>
+              <a:t>wörterbuch</a:t>
+            </a:r>
+            <a:r>
+              <a:rPr lang="de-CH" dirty="0"/>
+              <a:t>) </a:t>
+            </a:r>
+            <a:r>
+              <a:rPr lang="de-CH" dirty="0" err="1"/>
+              <a:t>sätze</a:t>
+            </a:r>
+            <a:r>
+              <a:rPr lang="de-CH" dirty="0"/>
+              <a:t> mit zusammengehörigen </a:t>
+            </a:r>
+            <a:r>
+              <a:rPr lang="de-CH" dirty="0" err="1"/>
+              <a:t>wörtern</a:t>
+            </a:r>
+            <a:r>
+              <a:rPr lang="de-CH" dirty="0"/>
+              <a:t> gehören zusammen</a:t>
+            </a:r>
+          </a:p>
+          <a:p>
+            <a:r>
+              <a:rPr lang="de-CH" dirty="0"/>
+              <a:t>Kein </a:t>
+            </a:r>
+            <a:r>
+              <a:rPr lang="de-CH" dirty="0" err="1"/>
+              <a:t>wörterbuch</a:t>
+            </a:r>
+            <a:r>
+              <a:rPr lang="de-CH" dirty="0"/>
+              <a:t> vorhanden, funktioniert nicht</a:t>
+            </a:r>
+          </a:p>
+          <a:p>
+            <a:r>
+              <a:rPr lang="de-CH" dirty="0" err="1"/>
+              <a:t>Hun</a:t>
+            </a:r>
+            <a:r>
+              <a:rPr lang="de-CH" dirty="0"/>
+              <a:t>:</a:t>
+            </a:r>
+          </a:p>
+          <a:p>
+            <a:pPr marL="228600" indent="-228600">
+              <a:buAutoNum type="arabicPeriod"/>
+            </a:pPr>
+            <a:r>
+              <a:rPr lang="de-CH" dirty="0"/>
+              <a:t>Iteration: </a:t>
+            </a:r>
+            <a:r>
+              <a:rPr lang="de-CH" dirty="0" err="1"/>
+              <a:t>alignment</a:t>
+            </a:r>
+            <a:r>
+              <a:rPr lang="de-CH" dirty="0"/>
+              <a:t> über satzlänge</a:t>
+            </a:r>
+          </a:p>
+          <a:p>
+            <a:pPr marL="0" indent="0">
+              <a:buNone/>
+            </a:pPr>
+            <a:r>
+              <a:rPr lang="de-CH" dirty="0"/>
+              <a:t>Wörterbuch generieren</a:t>
+            </a:r>
+          </a:p>
+          <a:p>
+            <a:pPr marL="0" indent="0">
+              <a:buNone/>
+            </a:pPr>
+            <a:r>
+              <a:rPr lang="de-CH" dirty="0"/>
+              <a:t>2. Iteration: wie </a:t>
+            </a:r>
+            <a:r>
+              <a:rPr lang="de-CH" dirty="0" err="1"/>
+              <a:t>champollion</a:t>
+            </a:r>
+            <a:endParaRPr lang="de-CH" dirty="0"/>
+          </a:p>
+          <a:p>
+            <a:pPr marL="0" indent="0">
+              <a:buNone/>
+            </a:pPr>
+            <a:r>
+              <a:rPr lang="de-CH" dirty="0"/>
+              <a:t>Bleu:</a:t>
+            </a:r>
+          </a:p>
+          <a:p>
+            <a:pPr marL="0" indent="0">
+              <a:buNone/>
+            </a:pPr>
+            <a:r>
+              <a:rPr lang="de-CH" dirty="0"/>
+              <a:t>Bleuscore zwischen zusammengehörigen </a:t>
+            </a:r>
+            <a:r>
+              <a:rPr lang="de-CH" dirty="0" err="1"/>
+              <a:t>sätzen</a:t>
+            </a:r>
+            <a:r>
+              <a:rPr lang="de-CH" dirty="0"/>
+              <a:t> maximieren</a:t>
+            </a:r>
+          </a:p>
+          <a:p>
+            <a:pPr marL="0" indent="0">
+              <a:buNone/>
+            </a:pPr>
+            <a:r>
+              <a:rPr lang="de-CH" dirty="0"/>
+              <a:t>(normalerweise muss erst eine </a:t>
+            </a:r>
+            <a:r>
+              <a:rPr lang="de-CH" dirty="0" err="1"/>
+              <a:t>satz</a:t>
+            </a:r>
+            <a:r>
+              <a:rPr lang="de-CH" dirty="0"/>
+              <a:t> maschinenübersetzt werden, da sonst bleu zwei unterschiedliche sprachen vergleicht)</a:t>
+            </a:r>
+          </a:p>
+        </p:txBody>
+      </p:sp>
+      <p:sp>
+        <p:nvSpPr>
+          <p:cNvPr id="4" name="Foliennummernplatzhalter 3"/>
+          <p:cNvSpPr>
+            <a:spLocks noGrp="1"/>
+          </p:cNvSpPr>
+          <p:nvPr>
+            <p:ph type="sldNum" sz="quarter" idx="10"/>
+          </p:nvPr>
+        </p:nvSpPr>
+        <p:spPr/>
+        <p:txBody>
+          <a:bodyPr/>
+          <a:lstStyle/>
+          <a:p>
+            <a:fld id="{E295798E-7BEE-4A25-96C8-F832B2F1E69A}" type="slidenum">
+              <a:rPr lang="de-CH" smtClean="0"/>
+              <a:t>23</a:t>
+            </a:fld>
+            <a:endParaRPr lang="de-CH"/>
+          </a:p>
+        </p:txBody>
+      </p:sp>
+    </p:spTree>
+    <p:extLst>
+      <p:ext uri="{BB962C8B-B14F-4D97-AF65-F5344CB8AC3E}">
+        <p14:creationId xmlns:p14="http://schemas.microsoft.com/office/powerpoint/2010/main" val="1101200234"/>
       </p:ext>
     </p:extLst>
   </p:cSld>
@@ -10233,6 +10870,919 @@
           <p:cNvPr id="2" name="Titel 1">
             <a:extLst>
               <a:ext uri="{FF2B5EF4-FFF2-40B4-BE49-F238E27FC236}">
+                <a16:creationId xmlns:a16="http://schemas.microsoft.com/office/drawing/2014/main" id="{453A1084-D263-4A3C-B029-D5E8F44A19D7}"/>
+              </a:ext>
+            </a:extLst>
+          </p:cNvPr>
+          <p:cNvSpPr>
+            <a:spLocks noGrp="1"/>
+          </p:cNvSpPr>
+          <p:nvPr>
+            <p:ph type="title"/>
+          </p:nvPr>
+        </p:nvSpPr>
+        <p:spPr/>
+        <p:txBody>
+          <a:bodyPr/>
+          <a:lstStyle/>
+          <a:p>
+            <a:r>
+              <a:rPr lang="de-CH" dirty="0" err="1"/>
+              <a:t>Wortalignierung</a:t>
+            </a:r>
+            <a:r>
+              <a:rPr lang="de-CH" dirty="0"/>
+              <a:t> - Resultat</a:t>
+            </a:r>
+          </a:p>
+        </p:txBody>
+      </p:sp>
+      <p:sp>
+        <p:nvSpPr>
+          <p:cNvPr id="3" name="Inhaltsplatzhalter 2">
+            <a:extLst>
+              <a:ext uri="{FF2B5EF4-FFF2-40B4-BE49-F238E27FC236}">
+                <a16:creationId xmlns:a16="http://schemas.microsoft.com/office/drawing/2014/main" id="{B801956E-3A5D-47C5-8717-9F8768E231C3}"/>
+              </a:ext>
+            </a:extLst>
+          </p:cNvPr>
+          <p:cNvSpPr>
+            <a:spLocks noGrp="1"/>
+          </p:cNvSpPr>
+          <p:nvPr>
+            <p:ph idx="1"/>
+          </p:nvPr>
+        </p:nvSpPr>
+        <p:spPr/>
+        <p:txBody>
+          <a:bodyPr>
+            <a:normAutofit fontScale="62500" lnSpcReduction="20000"/>
+          </a:bodyPr>
+          <a:lstStyle/>
+          <a:p>
+            <a:pPr marL="0" indent="0">
+              <a:buNone/>
+            </a:pPr>
+            <a:r>
+              <a:rPr lang="de-CH" dirty="0"/>
+              <a:t>[</a:t>
+            </a:r>
+          </a:p>
+          <a:p>
+            <a:pPr marL="0" indent="0">
+              <a:buNone/>
+            </a:pPr>
+            <a:r>
+              <a:rPr lang="de-CH" dirty="0"/>
+              <a:t>	["im"],</a:t>
+            </a:r>
+          </a:p>
+          <a:p>
+            <a:pPr marL="0" indent="0">
+              <a:buNone/>
+            </a:pPr>
+            <a:r>
+              <a:rPr lang="de-CH" dirty="0"/>
+              <a:t>	["</a:t>
+            </a:r>
+            <a:r>
+              <a:rPr lang="de-CH" dirty="0" err="1"/>
+              <a:t>winter</a:t>
+            </a:r>
+            <a:r>
+              <a:rPr lang="de-CH" dirty="0"/>
+              <a:t>"],</a:t>
+            </a:r>
+          </a:p>
+          <a:p>
+            <a:pPr marL="0" indent="0">
+              <a:buNone/>
+            </a:pPr>
+            <a:r>
+              <a:rPr lang="de-CH" dirty="0"/>
+              <a:t>	["</a:t>
+            </a:r>
+            <a:r>
+              <a:rPr lang="de-CH" dirty="0" err="1"/>
+              <a:t>momè</a:t>
+            </a:r>
+            <a:r>
+              <a:rPr lang="de-CH" dirty="0"/>
+              <a:t>", "</a:t>
+            </a:r>
+            <a:r>
+              <a:rPr lang="de-CH" dirty="0" err="1"/>
+              <a:t>mue</a:t>
+            </a:r>
+            <a:r>
+              <a:rPr lang="de-CH" dirty="0"/>
+              <a:t> </a:t>
+            </a:r>
+            <a:r>
+              <a:rPr lang="de-CH" dirty="0" err="1"/>
+              <a:t>me</a:t>
+            </a:r>
+            <a:r>
+              <a:rPr lang="de-CH" dirty="0"/>
+              <a:t>", "</a:t>
+            </a:r>
+            <a:r>
+              <a:rPr lang="de-CH" dirty="0" err="1"/>
+              <a:t>mome</a:t>
+            </a:r>
+            <a:r>
+              <a:rPr lang="de-CH" dirty="0"/>
+              <a:t>", "</a:t>
+            </a:r>
+            <a:r>
+              <a:rPr lang="de-CH" dirty="0" err="1"/>
+              <a:t>mueme</a:t>
+            </a:r>
+            <a:r>
+              <a:rPr lang="de-CH" dirty="0"/>
+              <a:t>"],</a:t>
+            </a:r>
+          </a:p>
+          <a:p>
+            <a:pPr marL="0" indent="0">
+              <a:buNone/>
+            </a:pPr>
+            <a:r>
+              <a:rPr lang="de-CH" dirty="0"/>
+              <a:t>	["</a:t>
+            </a:r>
+            <a:r>
+              <a:rPr lang="de-CH" dirty="0" err="1"/>
+              <a:t>jo</a:t>
+            </a:r>
+            <a:r>
+              <a:rPr lang="de-CH" dirty="0"/>
+              <a:t>", "ja"],</a:t>
+            </a:r>
+          </a:p>
+          <a:p>
+            <a:pPr marL="0" indent="0">
+              <a:buNone/>
+            </a:pPr>
+            <a:r>
+              <a:rPr lang="de-CH" dirty="0"/>
+              <a:t>	["</a:t>
+            </a:r>
+            <a:r>
+              <a:rPr lang="de-CH" dirty="0" err="1"/>
+              <a:t>nömme</a:t>
+            </a:r>
+            <a:r>
+              <a:rPr lang="de-CH" dirty="0"/>
+              <a:t>", "</a:t>
+            </a:r>
+            <a:r>
+              <a:rPr lang="de-CH" dirty="0" err="1"/>
+              <a:t>nüme</a:t>
+            </a:r>
+            <a:r>
+              <a:rPr lang="de-CH" dirty="0"/>
+              <a:t>", "</a:t>
+            </a:r>
+            <a:r>
+              <a:rPr lang="de-CH" dirty="0" err="1"/>
+              <a:t>nümme</a:t>
+            </a:r>
+            <a:r>
+              <a:rPr lang="de-CH" dirty="0"/>
+              <a:t>"],</a:t>
+            </a:r>
+          </a:p>
+          <a:p>
+            <a:pPr marL="0" indent="0">
+              <a:buNone/>
+            </a:pPr>
+            <a:r>
+              <a:rPr lang="de-CH" dirty="0"/>
+              <a:t>	["</a:t>
+            </a:r>
+            <a:r>
+              <a:rPr lang="de-CH" dirty="0" err="1"/>
+              <a:t>graase</a:t>
+            </a:r>
+            <a:r>
+              <a:rPr lang="de-CH" dirty="0"/>
+              <a:t>", "grase"],</a:t>
+            </a:r>
+          </a:p>
+          <a:p>
+            <a:pPr marL="0" indent="0">
+              <a:buNone/>
+            </a:pPr>
+            <a:r>
+              <a:rPr lang="de-CH" dirty="0"/>
+              <a:t>	["</a:t>
+            </a:r>
+            <a:r>
+              <a:rPr lang="de-CH" dirty="0" err="1"/>
+              <a:t>dä</a:t>
+            </a:r>
+            <a:r>
+              <a:rPr lang="de-CH" dirty="0"/>
+              <a:t>", "de", "denn"],</a:t>
+            </a:r>
+          </a:p>
+          <a:p>
+            <a:pPr marL="0" indent="0">
+              <a:buNone/>
+            </a:pPr>
+            <a:r>
+              <a:rPr lang="de-CH" dirty="0"/>
+              <a:t>	["</a:t>
+            </a:r>
+            <a:r>
+              <a:rPr lang="de-CH" dirty="0" err="1"/>
+              <a:t>goopme</a:t>
+            </a:r>
+            <a:r>
+              <a:rPr lang="de-CH" dirty="0"/>
+              <a:t>", "</a:t>
+            </a:r>
+            <a:r>
+              <a:rPr lang="de-CH" dirty="0" err="1"/>
+              <a:t>goht</a:t>
+            </a:r>
+            <a:r>
+              <a:rPr lang="de-CH" dirty="0"/>
+              <a:t> </a:t>
+            </a:r>
+            <a:r>
+              <a:rPr lang="de-CH" dirty="0" err="1"/>
+              <a:t>me</a:t>
+            </a:r>
+            <a:r>
+              <a:rPr lang="de-CH" dirty="0"/>
+              <a:t>", "</a:t>
+            </a:r>
+            <a:r>
+              <a:rPr lang="de-CH" dirty="0" err="1"/>
+              <a:t>gohtmä</a:t>
+            </a:r>
+            <a:r>
+              <a:rPr lang="de-CH" dirty="0"/>
+              <a:t>" "</a:t>
+            </a:r>
+            <a:r>
+              <a:rPr lang="de-CH" dirty="0" err="1"/>
+              <a:t>got</a:t>
+            </a:r>
+            <a:r>
+              <a:rPr lang="de-CH" dirty="0"/>
+              <a:t> </a:t>
+            </a:r>
+            <a:r>
+              <a:rPr lang="de-CH" dirty="0" err="1"/>
+              <a:t>me</a:t>
+            </a:r>
+            <a:r>
+              <a:rPr lang="de-CH" dirty="0"/>
+              <a:t>"],</a:t>
+            </a:r>
+          </a:p>
+          <a:p>
+            <a:pPr marL="0" indent="0">
+              <a:buNone/>
+            </a:pPr>
+            <a:r>
+              <a:rPr lang="de-CH" dirty="0"/>
+              <a:t>	["</a:t>
+            </a:r>
+            <a:r>
+              <a:rPr lang="de-CH" dirty="0" err="1"/>
+              <a:t>uf</a:t>
+            </a:r>
+            <a:r>
+              <a:rPr lang="de-CH" dirty="0"/>
+              <a:t>", "</a:t>
+            </a:r>
+            <a:r>
+              <a:rPr lang="de-CH" dirty="0" err="1"/>
+              <a:t>uf</a:t>
+            </a:r>
+            <a:r>
+              <a:rPr lang="de-CH" dirty="0"/>
+              <a:t> d", "</a:t>
+            </a:r>
+            <a:r>
+              <a:rPr lang="de-CH" dirty="0" err="1"/>
+              <a:t>uft</a:t>
+            </a:r>
+            <a:r>
+              <a:rPr lang="de-CH" dirty="0"/>
+              <a:t>"],</a:t>
+            </a:r>
+          </a:p>
+          <a:p>
+            <a:pPr marL="0" indent="0">
+              <a:buNone/>
+            </a:pPr>
+            <a:r>
+              <a:rPr lang="de-CH" dirty="0"/>
+              <a:t>	["</a:t>
+            </a:r>
+            <a:r>
+              <a:rPr lang="de-CH" dirty="0" err="1"/>
+              <a:t>püni</a:t>
+            </a:r>
+            <a:r>
+              <a:rPr lang="de-CH" dirty="0"/>
+              <a:t>", "</a:t>
+            </a:r>
+            <a:r>
+              <a:rPr lang="de-CH" dirty="0" err="1"/>
+              <a:t>bühni</a:t>
+            </a:r>
+            <a:r>
+              <a:rPr lang="de-CH" dirty="0"/>
+              <a:t>"],</a:t>
+            </a:r>
+          </a:p>
+          <a:p>
+            <a:pPr marL="0" indent="0">
+              <a:buNone/>
+            </a:pPr>
+            <a:r>
+              <a:rPr lang="de-CH" dirty="0"/>
+              <a:t>	["</a:t>
+            </a:r>
+            <a:r>
+              <a:rPr lang="de-CH" dirty="0" err="1"/>
+              <a:t>ue</a:t>
+            </a:r>
+            <a:r>
+              <a:rPr lang="de-CH" dirty="0"/>
+              <a:t>"]</a:t>
+            </a:r>
+          </a:p>
+          <a:p>
+            <a:pPr marL="0" indent="0">
+              <a:buNone/>
+            </a:pPr>
+            <a:r>
+              <a:rPr lang="de-CH" dirty="0"/>
+              <a:t>]</a:t>
+            </a:r>
+          </a:p>
+        </p:txBody>
+      </p:sp>
+    </p:spTree>
+    <p:extLst>
+      <p:ext uri="{BB962C8B-B14F-4D97-AF65-F5344CB8AC3E}">
+        <p14:creationId xmlns:p14="http://schemas.microsoft.com/office/powerpoint/2010/main" val="2194011357"/>
+      </p:ext>
+    </p:extLst>
+  </p:cSld>
+  <p:clrMapOvr>
+    <a:masterClrMapping/>
+  </p:clrMapOvr>
+</p:sld>
+</file>
+
+<file path=ppt/slides/slide18.xml><?xml version="1.0" encoding="utf-8"?>
+<p:sld xmlns:a="http://schemas.openxmlformats.org/drawingml/2006/main" xmlns:r="http://schemas.openxmlformats.org/officeDocument/2006/relationships" xmlns:p="http://schemas.openxmlformats.org/presentationml/2006/main">
+  <p:cSld>
+    <p:spTree>
+      <p:nvGrpSpPr>
+        <p:cNvPr id="1" name=""/>
+        <p:cNvGrpSpPr/>
+        <p:nvPr/>
+      </p:nvGrpSpPr>
+      <p:grpSpPr>
+        <a:xfrm>
+          <a:off x="0" y="0"/>
+          <a:ext cx="0" cy="0"/>
+          <a:chOff x="0" y="0"/>
+          <a:chExt cx="0" cy="0"/>
+        </a:xfrm>
+      </p:grpSpPr>
+      <p:sp>
+        <p:nvSpPr>
+          <p:cNvPr id="2" name="Titel 1">
+            <a:extLst>
+              <a:ext uri="{FF2B5EF4-FFF2-40B4-BE49-F238E27FC236}">
+                <a16:creationId xmlns:a16="http://schemas.microsoft.com/office/drawing/2014/main" id="{C0B13EE2-EE44-490A-9F0E-492A5EDB5952}"/>
+              </a:ext>
+            </a:extLst>
+          </p:cNvPr>
+          <p:cNvSpPr>
+            <a:spLocks noGrp="1"/>
+          </p:cNvSpPr>
+          <p:nvPr>
+            <p:ph type="title"/>
+          </p:nvPr>
+        </p:nvSpPr>
+        <p:spPr/>
+        <p:txBody>
+          <a:bodyPr/>
+          <a:lstStyle/>
+          <a:p>
+            <a:r>
+              <a:rPr lang="de-CH" dirty="0"/>
+              <a:t>Interpolation</a:t>
+            </a:r>
+          </a:p>
+        </p:txBody>
+      </p:sp>
+      <p:sp>
+        <p:nvSpPr>
+          <p:cNvPr id="3" name="Inhaltsplatzhalter 2">
+            <a:extLst>
+              <a:ext uri="{FF2B5EF4-FFF2-40B4-BE49-F238E27FC236}">
+                <a16:creationId xmlns:a16="http://schemas.microsoft.com/office/drawing/2014/main" id="{4E4D937E-A8DE-4027-A0C4-A7015B145EF6}"/>
+              </a:ext>
+            </a:extLst>
+          </p:cNvPr>
+          <p:cNvSpPr>
+            <a:spLocks noGrp="1"/>
+          </p:cNvSpPr>
+          <p:nvPr>
+            <p:ph idx="1"/>
+          </p:nvPr>
+        </p:nvSpPr>
+        <p:spPr/>
+        <p:txBody>
+          <a:bodyPr/>
+          <a:lstStyle/>
+          <a:p>
+            <a:pPr marL="514350" indent="-514350">
+              <a:buFont typeface="+mj-lt"/>
+              <a:buAutoNum type="arabicPeriod"/>
+            </a:pPr>
+            <a:r>
+              <a:rPr lang="de-CH" dirty="0" err="1"/>
+              <a:t>Nacher</a:t>
+            </a:r>
+            <a:r>
+              <a:rPr lang="de-CH" dirty="0"/>
+              <a:t> </a:t>
+            </a:r>
+            <a:r>
+              <a:rPr lang="de-CH" dirty="0" err="1"/>
+              <a:t>heisis</a:t>
+            </a:r>
+            <a:r>
+              <a:rPr lang="de-CH" dirty="0"/>
+              <a:t> </a:t>
+            </a:r>
+            <a:r>
+              <a:rPr lang="de-CH" dirty="0" err="1"/>
+              <a:t>uusenageretschöplet</a:t>
+            </a:r>
+            <a:r>
+              <a:rPr lang="de-CH" dirty="0"/>
+              <a:t> </a:t>
+            </a:r>
+            <a:r>
+              <a:rPr lang="de-CH" dirty="0" err="1"/>
+              <a:t>ond</a:t>
+            </a:r>
+            <a:r>
+              <a:rPr lang="de-CH" dirty="0">
+                <a:highlight>
+                  <a:srgbClr val="FFFF00"/>
+                </a:highlight>
+              </a:rPr>
+              <a:t> *** </a:t>
+            </a:r>
+            <a:r>
+              <a:rPr lang="de-CH" dirty="0" err="1"/>
+              <a:t>zämebonge</a:t>
+            </a:r>
+            <a:r>
+              <a:rPr lang="de-CH" dirty="0"/>
+              <a:t> weder </a:t>
+            </a:r>
+            <a:r>
+              <a:rPr lang="de-CH" dirty="0" err="1"/>
+              <a:t>us</a:t>
+            </a:r>
+            <a:r>
+              <a:rPr lang="de-CH" dirty="0"/>
+              <a:t> weder </a:t>
+            </a:r>
+            <a:r>
+              <a:rPr lang="de-CH" dirty="0" err="1"/>
+              <a:t>of</a:t>
+            </a:r>
+            <a:r>
+              <a:rPr lang="de-CH" dirty="0"/>
+              <a:t> </a:t>
+            </a:r>
+            <a:r>
+              <a:rPr lang="de-CH" dirty="0" err="1"/>
+              <a:t>d'Reite</a:t>
+            </a:r>
+            <a:r>
+              <a:rPr lang="de-CH" dirty="0"/>
+              <a:t> </a:t>
+            </a:r>
+            <a:r>
+              <a:rPr lang="de-CH" dirty="0" err="1"/>
+              <a:t>uecheto</a:t>
+            </a:r>
+            <a:r>
+              <a:rPr lang="de-CH" dirty="0"/>
+              <a:t> </a:t>
+            </a:r>
+            <a:r>
+              <a:rPr lang="de-CH" dirty="0" err="1"/>
+              <a:t>od'Frocht</a:t>
+            </a:r>
+            <a:r>
+              <a:rPr lang="de-CH" dirty="0"/>
+              <a:t> </a:t>
+            </a:r>
+            <a:r>
+              <a:rPr lang="de-CH" dirty="0" err="1"/>
+              <a:t>heisi</a:t>
+            </a:r>
+            <a:r>
+              <a:rPr lang="de-CH" dirty="0"/>
+              <a:t> am Bode </a:t>
+            </a:r>
+            <a:r>
+              <a:rPr lang="de-CH" dirty="0" err="1"/>
+              <a:t>usegrächet</a:t>
+            </a:r>
+            <a:r>
+              <a:rPr lang="de-CH" dirty="0"/>
+              <a:t> </a:t>
+            </a:r>
+            <a:r>
+              <a:rPr lang="de-CH" dirty="0" err="1"/>
+              <a:t>ond</a:t>
+            </a:r>
+            <a:r>
+              <a:rPr lang="de-CH" dirty="0"/>
+              <a:t> </a:t>
+            </a:r>
+            <a:r>
+              <a:rPr lang="de-CH" dirty="0" err="1"/>
+              <a:t>nachere</a:t>
+            </a:r>
+            <a:r>
+              <a:rPr lang="de-CH" dirty="0"/>
+              <a:t> na </a:t>
+            </a:r>
+            <a:r>
+              <a:rPr lang="de-CH" dirty="0" err="1"/>
+              <a:t>Huufe</a:t>
+            </a:r>
+            <a:r>
+              <a:rPr lang="de-CH" dirty="0"/>
+              <a:t> </a:t>
+            </a:r>
+            <a:r>
+              <a:rPr lang="de-CH" dirty="0" err="1"/>
+              <a:t>geschtossed</a:t>
+            </a:r>
+            <a:r>
+              <a:rPr lang="de-CH" dirty="0"/>
+              <a:t>. </a:t>
+            </a:r>
+          </a:p>
+          <a:p>
+            <a:pPr marL="514350" indent="-514350">
+              <a:buFont typeface="+mj-lt"/>
+              <a:buAutoNum type="arabicPeriod"/>
+            </a:pPr>
+            <a:r>
+              <a:rPr lang="de-CH" dirty="0" err="1"/>
+              <a:t>nächäär</a:t>
+            </a:r>
+            <a:r>
+              <a:rPr lang="de-CH" dirty="0"/>
+              <a:t> </a:t>
+            </a:r>
+            <a:r>
+              <a:rPr lang="de-CH" dirty="0" err="1"/>
+              <a:t>heisis</a:t>
+            </a:r>
+            <a:r>
+              <a:rPr lang="de-CH" dirty="0"/>
+              <a:t> </a:t>
+            </a:r>
+            <a:r>
+              <a:rPr lang="de-CH" dirty="0" err="1"/>
+              <a:t>userenangere</a:t>
+            </a:r>
+            <a:r>
+              <a:rPr lang="de-CH" dirty="0"/>
+              <a:t> </a:t>
+            </a:r>
+            <a:r>
+              <a:rPr lang="de-CH" dirty="0" err="1"/>
+              <a:t>gschüttlet</a:t>
+            </a:r>
+            <a:r>
+              <a:rPr lang="de-CH" dirty="0"/>
+              <a:t> und </a:t>
+            </a:r>
+            <a:r>
+              <a:rPr lang="de-CH" dirty="0" err="1">
+                <a:highlight>
+                  <a:srgbClr val="FFFF00"/>
+                </a:highlight>
+              </a:rPr>
+              <a:t>Burdine</a:t>
+            </a:r>
+            <a:r>
+              <a:rPr lang="de-CH" dirty="0"/>
+              <a:t> </a:t>
+            </a:r>
+            <a:r>
+              <a:rPr lang="de-CH" dirty="0" err="1"/>
+              <a:t>zämme</a:t>
+            </a:r>
+            <a:r>
+              <a:rPr lang="de-CH" dirty="0"/>
+              <a:t> </a:t>
+            </a:r>
+            <a:r>
+              <a:rPr lang="de-CH" dirty="0" err="1"/>
+              <a:t>bunge</a:t>
+            </a:r>
+            <a:r>
+              <a:rPr lang="de-CH" dirty="0"/>
+              <a:t> wider </a:t>
+            </a:r>
+            <a:r>
+              <a:rPr lang="de-CH" dirty="0" err="1"/>
+              <a:t>us</a:t>
+            </a:r>
+            <a:r>
+              <a:rPr lang="de-CH" dirty="0"/>
+              <a:t> wider </a:t>
+            </a:r>
+            <a:r>
+              <a:rPr lang="de-CH" dirty="0" err="1"/>
+              <a:t>ufd</a:t>
+            </a:r>
+            <a:r>
+              <a:rPr lang="de-CH" dirty="0"/>
+              <a:t> </a:t>
+            </a:r>
+            <a:r>
+              <a:rPr lang="de-CH" dirty="0" err="1"/>
+              <a:t>Reiti</a:t>
+            </a:r>
+            <a:r>
+              <a:rPr lang="de-CH" dirty="0"/>
+              <a:t> </a:t>
+            </a:r>
+            <a:r>
+              <a:rPr lang="de-CH" dirty="0" err="1"/>
+              <a:t>ufetoo</a:t>
+            </a:r>
+            <a:r>
+              <a:rPr lang="de-CH" dirty="0"/>
+              <a:t> </a:t>
+            </a:r>
+            <a:r>
+              <a:rPr lang="de-CH" dirty="0" err="1"/>
+              <a:t>ud</a:t>
+            </a:r>
+            <a:r>
+              <a:rPr lang="de-CH" dirty="0"/>
+              <a:t> Frucht </a:t>
+            </a:r>
+            <a:r>
+              <a:rPr lang="de-CH" dirty="0" err="1"/>
+              <a:t>heisi</a:t>
+            </a:r>
+            <a:r>
+              <a:rPr lang="de-CH" dirty="0"/>
+              <a:t> am Bode </a:t>
+            </a:r>
+            <a:r>
+              <a:rPr lang="de-CH" dirty="0" err="1"/>
+              <a:t>usegrächet</a:t>
+            </a:r>
+            <a:r>
+              <a:rPr lang="de-CH" dirty="0"/>
+              <a:t> und </a:t>
+            </a:r>
+            <a:r>
+              <a:rPr lang="de-CH" dirty="0" err="1"/>
+              <a:t>nächäär</a:t>
+            </a:r>
+            <a:r>
+              <a:rPr lang="de-CH" dirty="0"/>
+              <a:t> </a:t>
+            </a:r>
+            <a:r>
+              <a:rPr lang="de-CH" dirty="0" err="1"/>
+              <a:t>ane</a:t>
+            </a:r>
+            <a:r>
+              <a:rPr lang="de-CH" dirty="0"/>
+              <a:t> </a:t>
+            </a:r>
+            <a:r>
+              <a:rPr lang="de-CH" dirty="0" err="1"/>
+              <a:t>Huufe</a:t>
+            </a:r>
+            <a:r>
+              <a:rPr lang="de-CH" dirty="0"/>
+              <a:t> </a:t>
+            </a:r>
+            <a:r>
+              <a:rPr lang="de-CH" dirty="0" err="1"/>
+              <a:t>gschtoosse</a:t>
+            </a:r>
+            <a:r>
+              <a:rPr lang="de-CH" dirty="0"/>
+              <a:t> </a:t>
+            </a:r>
+          </a:p>
+          <a:p>
+            <a:pPr marL="514350" indent="-514350">
+              <a:buFont typeface="+mj-lt"/>
+              <a:buAutoNum type="arabicPeriod"/>
+            </a:pPr>
+            <a:r>
+              <a:rPr lang="de-CH" dirty="0" err="1"/>
+              <a:t>Nachhäär</a:t>
+            </a:r>
+            <a:r>
+              <a:rPr lang="de-CH" dirty="0"/>
+              <a:t> </a:t>
+            </a:r>
+            <a:r>
+              <a:rPr lang="de-CH" dirty="0" err="1"/>
+              <a:t>héysis</a:t>
+            </a:r>
+            <a:r>
+              <a:rPr lang="de-CH" dirty="0"/>
+              <a:t> </a:t>
+            </a:r>
+            <a:r>
+              <a:rPr lang="de-CH" dirty="0" err="1"/>
+              <a:t>usenangèrègschüttlet</a:t>
+            </a:r>
+            <a:r>
+              <a:rPr lang="de-CH" dirty="0"/>
+              <a:t> und </a:t>
+            </a:r>
+            <a:r>
+              <a:rPr lang="de-CH" dirty="0" err="1">
+                <a:highlight>
+                  <a:srgbClr val="FFFF00"/>
+                </a:highlight>
+              </a:rPr>
+              <a:t>Puurdine</a:t>
+            </a:r>
+            <a:r>
+              <a:rPr lang="de-CH" dirty="0"/>
+              <a:t> </a:t>
+            </a:r>
+            <a:r>
+              <a:rPr lang="de-CH" dirty="0" err="1"/>
+              <a:t>zämepunge</a:t>
+            </a:r>
+            <a:r>
+              <a:rPr lang="de-CH" dirty="0"/>
+              <a:t> wider </a:t>
+            </a:r>
+            <a:r>
+              <a:rPr lang="de-CH" dirty="0" err="1"/>
+              <a:t>us</a:t>
+            </a:r>
+            <a:r>
+              <a:rPr lang="de-CH" dirty="0"/>
+              <a:t> wider </a:t>
+            </a:r>
+            <a:r>
+              <a:rPr lang="de-CH" dirty="0" err="1"/>
+              <a:t>uft</a:t>
+            </a:r>
+            <a:r>
+              <a:rPr lang="de-CH" dirty="0"/>
+              <a:t> </a:t>
+            </a:r>
+            <a:r>
+              <a:rPr lang="de-CH" dirty="0" err="1"/>
+              <a:t>Reyti</a:t>
+            </a:r>
+            <a:r>
+              <a:rPr lang="de-CH" dirty="0"/>
+              <a:t> </a:t>
+            </a:r>
+            <a:r>
+              <a:rPr lang="de-CH" dirty="0" err="1"/>
+              <a:t>uechetoo</a:t>
+            </a:r>
+            <a:r>
+              <a:rPr lang="de-CH" dirty="0"/>
+              <a:t> u </a:t>
+            </a:r>
+            <a:r>
+              <a:rPr lang="de-CH" dirty="0" err="1"/>
+              <a:t>Pfrucht</a:t>
+            </a:r>
+            <a:r>
+              <a:rPr lang="de-CH" dirty="0"/>
+              <a:t> </a:t>
+            </a:r>
+            <a:r>
+              <a:rPr lang="de-CH" dirty="0" err="1"/>
+              <a:t>heysi</a:t>
+            </a:r>
+            <a:r>
+              <a:rPr lang="de-CH" dirty="0"/>
+              <a:t> am Bode </a:t>
+            </a:r>
+            <a:r>
+              <a:rPr lang="de-CH" dirty="0" err="1"/>
+              <a:t>usegrächet</a:t>
+            </a:r>
+            <a:r>
+              <a:rPr lang="de-CH" dirty="0"/>
+              <a:t> </a:t>
+            </a:r>
+            <a:r>
+              <a:rPr lang="de-CH" dirty="0" err="1"/>
+              <a:t>unt</a:t>
+            </a:r>
+            <a:r>
+              <a:rPr lang="de-CH" dirty="0"/>
+              <a:t> </a:t>
+            </a:r>
+            <a:r>
+              <a:rPr lang="de-CH" dirty="0" err="1"/>
+              <a:t>nachhäär</a:t>
+            </a:r>
+            <a:r>
+              <a:rPr lang="de-CH" dirty="0"/>
+              <a:t> </a:t>
+            </a:r>
+            <a:r>
+              <a:rPr lang="de-CH" dirty="0" err="1"/>
+              <a:t>ane</a:t>
+            </a:r>
+            <a:r>
+              <a:rPr lang="de-CH" dirty="0"/>
+              <a:t> </a:t>
+            </a:r>
+            <a:r>
+              <a:rPr lang="de-CH" dirty="0" err="1"/>
+              <a:t>Huuffe</a:t>
+            </a:r>
+            <a:r>
+              <a:rPr lang="de-CH" dirty="0"/>
+              <a:t> </a:t>
+            </a:r>
+            <a:r>
+              <a:rPr lang="de-CH" dirty="0" err="1"/>
+              <a:t>gschtoosse</a:t>
+            </a:r>
+            <a:endParaRPr lang="de-CH" dirty="0"/>
+          </a:p>
+          <a:p>
+            <a:endParaRPr lang="de-CH" dirty="0"/>
+          </a:p>
+        </p:txBody>
+      </p:sp>
+    </p:spTree>
+    <p:extLst>
+      <p:ext uri="{BB962C8B-B14F-4D97-AF65-F5344CB8AC3E}">
+        <p14:creationId xmlns:p14="http://schemas.microsoft.com/office/powerpoint/2010/main" val="1812104766"/>
+      </p:ext>
+    </p:extLst>
+  </p:cSld>
+  <p:clrMapOvr>
+    <a:masterClrMapping/>
+  </p:clrMapOvr>
+</p:sld>
+</file>
+
+<file path=ppt/slides/slide19.xml><?xml version="1.0" encoding="utf-8"?>
+<p:sld xmlns:a="http://schemas.openxmlformats.org/drawingml/2006/main" xmlns:r="http://schemas.openxmlformats.org/officeDocument/2006/relationships" xmlns:p="http://schemas.openxmlformats.org/presentationml/2006/main">
+  <p:cSld>
+    <p:spTree>
+      <p:nvGrpSpPr>
+        <p:cNvPr id="1" name=""/>
+        <p:cNvGrpSpPr/>
+        <p:nvPr/>
+      </p:nvGrpSpPr>
+      <p:grpSpPr>
+        <a:xfrm>
+          <a:off x="0" y="0"/>
+          <a:ext cx="0" cy="0"/>
+          <a:chOff x="0" y="0"/>
+          <a:chExt cx="0" cy="0"/>
+        </a:xfrm>
+      </p:grpSpPr>
+      <p:sp>
+        <p:nvSpPr>
+          <p:cNvPr id="2" name="Titel 1">
+            <a:extLst>
+              <a:ext uri="{FF2B5EF4-FFF2-40B4-BE49-F238E27FC236}">
                 <a16:creationId xmlns:a16="http://schemas.microsoft.com/office/drawing/2014/main" id="{AD4168A7-B308-4396-82C5-331C3A0BF3AE}"/>
               </a:ext>
             </a:extLst>
@@ -12125,7 +13675,7 @@
 </p:sld>
 </file>
 
-<file path=ppt/slides/slide18.xml><?xml version="1.0" encoding="utf-8"?>
+<file path=ppt/slides/slide2.xml><?xml version="1.0" encoding="utf-8"?>
 <p:sld xmlns:a="http://schemas.openxmlformats.org/drawingml/2006/main" xmlns:r="http://schemas.openxmlformats.org/officeDocument/2006/relationships" xmlns:p="http://schemas.openxmlformats.org/presentationml/2006/main">
   <p:cSld>
     <p:spTree>
@@ -12147,6 +13697,92 @@
           <p:cNvPr id="2" name="Titel 1">
             <a:extLst>
               <a:ext uri="{FF2B5EF4-FFF2-40B4-BE49-F238E27FC236}">
+                <a16:creationId xmlns:a16="http://schemas.microsoft.com/office/drawing/2014/main" id="{CAF0B2A2-51E7-4973-9C1D-BC0552F986E5}"/>
+              </a:ext>
+            </a:extLst>
+          </p:cNvPr>
+          <p:cNvSpPr>
+            <a:spLocks noGrp="1"/>
+          </p:cNvSpPr>
+          <p:nvPr>
+            <p:ph type="title"/>
+          </p:nvPr>
+        </p:nvSpPr>
+        <p:spPr/>
+        <p:txBody>
+          <a:bodyPr/>
+          <a:lstStyle/>
+          <a:p>
+            <a:endParaRPr lang="de-CH"/>
+          </a:p>
+        </p:txBody>
+      </p:sp>
+      <p:sp>
+        <p:nvSpPr>
+          <p:cNvPr id="3" name="Inhaltsplatzhalter 2">
+            <a:extLst>
+              <a:ext uri="{FF2B5EF4-FFF2-40B4-BE49-F238E27FC236}">
+                <a16:creationId xmlns:a16="http://schemas.microsoft.com/office/drawing/2014/main" id="{EA30134E-E5BD-45E6-A4B2-D1CE5188BE60}"/>
+              </a:ext>
+            </a:extLst>
+          </p:cNvPr>
+          <p:cNvSpPr>
+            <a:spLocks noGrp="1"/>
+          </p:cNvSpPr>
+          <p:nvPr>
+            <p:ph idx="1"/>
+          </p:nvPr>
+        </p:nvSpPr>
+        <p:spPr/>
+        <p:txBody>
+          <a:bodyPr/>
+          <a:lstStyle/>
+          <a:p>
+            <a:r>
+              <a:rPr lang="de-CH" dirty="0"/>
+              <a:t>Inhaltsverzeichnis</a:t>
+            </a:r>
+          </a:p>
+          <a:p>
+            <a:endParaRPr lang="de-CH" dirty="0"/>
+          </a:p>
+        </p:txBody>
+      </p:sp>
+    </p:spTree>
+    <p:extLst>
+      <p:ext uri="{BB962C8B-B14F-4D97-AF65-F5344CB8AC3E}">
+        <p14:creationId xmlns:p14="http://schemas.microsoft.com/office/powerpoint/2010/main" val="841493887"/>
+      </p:ext>
+    </p:extLst>
+  </p:cSld>
+  <p:clrMapOvr>
+    <a:masterClrMapping/>
+  </p:clrMapOvr>
+</p:sld>
+</file>
+
+<file path=ppt/slides/slide20.xml><?xml version="1.0" encoding="utf-8"?>
+<p:sld xmlns:a="http://schemas.openxmlformats.org/drawingml/2006/main" xmlns:r="http://schemas.openxmlformats.org/officeDocument/2006/relationships" xmlns:p="http://schemas.openxmlformats.org/presentationml/2006/main">
+  <p:cSld>
+    <p:spTree>
+      <p:nvGrpSpPr>
+        <p:cNvPr id="1" name=""/>
+        <p:cNvGrpSpPr/>
+        <p:nvPr/>
+      </p:nvGrpSpPr>
+      <p:grpSpPr>
+        <a:xfrm>
+          <a:off x="0" y="0"/>
+          <a:ext cx="0" cy="0"/>
+          <a:chOff x="0" y="0"/>
+          <a:chExt cx="0" cy="0"/>
+        </a:xfrm>
+      </p:grpSpPr>
+      <p:sp>
+        <p:nvSpPr>
+          <p:cNvPr id="2" name="Titel 1">
+            <a:extLst>
+              <a:ext uri="{FF2B5EF4-FFF2-40B4-BE49-F238E27FC236}">
                 <a16:creationId xmlns:a16="http://schemas.microsoft.com/office/drawing/2014/main" id="{85182441-F78A-4894-8E2F-76EF1DD26C13}"/>
               </a:ext>
             </a:extLst>
@@ -12241,7 +13877,7 @@
 </p:sld>
 </file>
 
-<file path=ppt/slides/slide19.xml><?xml version="1.0" encoding="utf-8"?>
+<file path=ppt/slides/slide21.xml><?xml version="1.0" encoding="utf-8"?>
 <p:sld xmlns:a="http://schemas.openxmlformats.org/drawingml/2006/main" xmlns:r="http://schemas.openxmlformats.org/officeDocument/2006/relationships" xmlns:p="http://schemas.openxmlformats.org/presentationml/2006/main">
   <p:cSld>
     <p:spTree>
@@ -12331,7 +13967,7 @@
 </p:sld>
 </file>
 
-<file path=ppt/slides/slide2.xml><?xml version="1.0" encoding="utf-8"?>
+<file path=ppt/slides/slide22.xml><?xml version="1.0" encoding="utf-8"?>
 <p:sld xmlns:a="http://schemas.openxmlformats.org/drawingml/2006/main" xmlns:r="http://schemas.openxmlformats.org/officeDocument/2006/relationships" xmlns:p="http://schemas.openxmlformats.org/presentationml/2006/main">
   <p:cSld>
     <p:spTree>
@@ -12353,7 +13989,7 @@
           <p:cNvPr id="2" name="Titel 1">
             <a:extLst>
               <a:ext uri="{FF2B5EF4-FFF2-40B4-BE49-F238E27FC236}">
-                <a16:creationId xmlns:a16="http://schemas.microsoft.com/office/drawing/2014/main" id="{CAF0B2A2-51E7-4973-9C1D-BC0552F986E5}"/>
+                <a16:creationId xmlns:a16="http://schemas.microsoft.com/office/drawing/2014/main" id="{7A9512A6-1D1E-4765-A333-364062B67BB2}"/>
               </a:ext>
             </a:extLst>
           </p:cNvPr>
@@ -12369,7 +14005,10 @@
           <a:bodyPr/>
           <a:lstStyle/>
           <a:p>
-            <a:endParaRPr lang="de-CH"/>
+            <a:r>
+              <a:rPr lang="de-CH" dirty="0"/>
+              <a:t>Alignierung</a:t>
+            </a:r>
           </a:p>
         </p:txBody>
       </p:sp>
@@ -12378,7 +14017,7 @@
           <p:cNvPr id="3" name="Inhaltsplatzhalter 2">
             <a:extLst>
               <a:ext uri="{FF2B5EF4-FFF2-40B4-BE49-F238E27FC236}">
-                <a16:creationId xmlns:a16="http://schemas.microsoft.com/office/drawing/2014/main" id="{EA30134E-E5BD-45E6-A4B2-D1CE5188BE60}"/>
+                <a16:creationId xmlns:a16="http://schemas.microsoft.com/office/drawing/2014/main" id="{28490159-D934-40D4-844F-643F89D8F37C}"/>
               </a:ext>
             </a:extLst>
           </p:cNvPr>
@@ -12389,25 +14028,1091 @@
             <p:ph idx="1"/>
           </p:nvPr>
         </p:nvSpPr>
-        <p:spPr/>
+        <p:spPr>
+          <a:xfrm>
+            <a:off x="838200" y="1825625"/>
+            <a:ext cx="10515600" cy="1325563"/>
+          </a:xfrm>
+        </p:spPr>
         <p:txBody>
           <a:bodyPr/>
           <a:lstStyle/>
           <a:p>
             <a:r>
-              <a:rPr lang="de-CH" dirty="0"/>
-              <a:t>Inhaltsverzeichnis</a:t>
-            </a:r>
-          </a:p>
-          <a:p>
+              <a:rPr lang="de-CH" dirty="0" err="1"/>
+              <a:t>Wortalignierung</a:t>
+            </a:r>
+            <a:r>
+              <a:rPr lang="de-CH" dirty="0"/>
+              <a:t> vs. </a:t>
+            </a:r>
+            <a:r>
+              <a:rPr lang="de-CH" dirty="0" err="1"/>
+              <a:t>Satzalignierung</a:t>
+            </a:r>
             <a:endParaRPr lang="de-CH" dirty="0"/>
           </a:p>
-        </p:txBody>
-      </p:sp>
+          <a:p>
+            <a:r>
+              <a:rPr lang="de-CH" dirty="0"/>
+              <a:t>Unser Problem gleicht Satzalignierungsproblem</a:t>
+            </a:r>
+          </a:p>
+          <a:p>
+            <a:endParaRPr lang="de-CH" dirty="0"/>
+          </a:p>
+        </p:txBody>
+      </p:sp>
+      <p:sp>
+        <p:nvSpPr>
+          <p:cNvPr id="4" name="Textfeld 3">
+            <a:extLst>
+              <a:ext uri="{FF2B5EF4-FFF2-40B4-BE49-F238E27FC236}">
+                <a16:creationId xmlns:a16="http://schemas.microsoft.com/office/drawing/2014/main" id="{D255E202-8018-40BF-A7C3-2F3F48A4F52C}"/>
+              </a:ext>
+            </a:extLst>
+          </p:cNvPr>
+          <p:cNvSpPr txBox="1"/>
+          <p:nvPr/>
+        </p:nvSpPr>
+        <p:spPr>
+          <a:xfrm>
+            <a:off x="2451203" y="4430772"/>
+            <a:ext cx="2066591" cy="1569660"/>
+          </a:xfrm>
+          <a:prstGeom prst="rect">
+            <a:avLst/>
+          </a:prstGeom>
+          <a:noFill/>
+        </p:spPr>
+        <p:txBody>
+          <a:bodyPr wrap="none" rtlCol="0">
+            <a:spAutoFit/>
+          </a:bodyPr>
+          <a:lstStyle/>
+          <a:p>
+            <a:r>
+              <a:rPr lang="de-CH" sz="3200" dirty="0"/>
+              <a:t>D a</a:t>
+            </a:r>
+          </a:p>
+          <a:p>
+            <a:r>
+              <a:rPr lang="de-CH" sz="3200" dirty="0"/>
+              <a:t>h ä m </a:t>
+            </a:r>
+            <a:r>
+              <a:rPr lang="de-CH" sz="3200" dirty="0" err="1"/>
+              <a:t>m</a:t>
+            </a:r>
+            <a:r>
+              <a:rPr lang="de-CH" sz="3200" dirty="0"/>
+              <a:t> e r</a:t>
+            </a:r>
+          </a:p>
+          <a:p>
+            <a:r>
+              <a:rPr lang="de-CH" sz="3200" dirty="0"/>
+              <a:t>x e h</a:t>
+            </a:r>
+          </a:p>
+        </p:txBody>
+      </p:sp>
+      <p:sp>
+        <p:nvSpPr>
+          <p:cNvPr id="5" name="Textfeld 4">
+            <a:extLst>
+              <a:ext uri="{FF2B5EF4-FFF2-40B4-BE49-F238E27FC236}">
+                <a16:creationId xmlns:a16="http://schemas.microsoft.com/office/drawing/2014/main" id="{5A791852-E3B6-43B1-B325-85F0507FE4B2}"/>
+              </a:ext>
+            </a:extLst>
+          </p:cNvPr>
+          <p:cNvSpPr txBox="1"/>
+          <p:nvPr/>
+        </p:nvSpPr>
+        <p:spPr>
+          <a:xfrm>
+            <a:off x="7692098" y="4430772"/>
+            <a:ext cx="1309974" cy="2062103"/>
+          </a:xfrm>
+          <a:prstGeom prst="rect">
+            <a:avLst/>
+          </a:prstGeom>
+          <a:noFill/>
+        </p:spPr>
+        <p:txBody>
+          <a:bodyPr wrap="none" rtlCol="0">
+            <a:spAutoFit/>
+          </a:bodyPr>
+          <a:lstStyle/>
+          <a:p>
+            <a:r>
+              <a:rPr lang="de-CH" sz="3200" dirty="0"/>
+              <a:t>D a s</a:t>
+            </a:r>
+          </a:p>
+          <a:p>
+            <a:r>
+              <a:rPr lang="de-CH" sz="3200" dirty="0"/>
+              <a:t>h ä n d</a:t>
+            </a:r>
+          </a:p>
+          <a:p>
+            <a:r>
+              <a:rPr lang="de-CH" sz="3200" dirty="0"/>
+              <a:t>m e r</a:t>
+            </a:r>
+          </a:p>
+          <a:p>
+            <a:r>
+              <a:rPr lang="de-CH" sz="3200" dirty="0"/>
+              <a:t>g s e h</a:t>
+            </a:r>
+          </a:p>
+        </p:txBody>
+      </p:sp>
+      <p:sp>
+        <p:nvSpPr>
+          <p:cNvPr id="6" name="Geschweifte Klammer links 5">
+            <a:extLst>
+              <a:ext uri="{FF2B5EF4-FFF2-40B4-BE49-F238E27FC236}">
+                <a16:creationId xmlns:a16="http://schemas.microsoft.com/office/drawing/2014/main" id="{C5279728-88C2-4435-8C8B-FEF0B302FDD3}"/>
+              </a:ext>
+            </a:extLst>
+          </p:cNvPr>
+          <p:cNvSpPr/>
+          <p:nvPr/>
+        </p:nvSpPr>
+        <p:spPr>
+          <a:xfrm>
+            <a:off x="2080813" y="4503134"/>
+            <a:ext cx="254643" cy="1582817"/>
+          </a:xfrm>
+          <a:prstGeom prst="leftBrace">
+            <a:avLst/>
+          </a:prstGeom>
+        </p:spPr>
+        <p:style>
+          <a:lnRef idx="1">
+            <a:schemeClr val="accent1"/>
+          </a:lnRef>
+          <a:fillRef idx="0">
+            <a:schemeClr val="accent1"/>
+          </a:fillRef>
+          <a:effectRef idx="0">
+            <a:schemeClr val="accent1"/>
+          </a:effectRef>
+          <a:fontRef idx="minor">
+            <a:schemeClr val="tx1"/>
+          </a:fontRef>
+        </p:style>
+        <p:txBody>
+          <a:bodyPr rtlCol="0" anchor="ctr"/>
+          <a:lstStyle/>
+          <a:p>
+            <a:pPr algn="ctr"/>
+            <a:endParaRPr lang="de-CH"/>
+          </a:p>
+        </p:txBody>
+      </p:sp>
+      <p:sp>
+        <p:nvSpPr>
+          <p:cNvPr id="7" name="Textfeld 6">
+            <a:extLst>
+              <a:ext uri="{FF2B5EF4-FFF2-40B4-BE49-F238E27FC236}">
+                <a16:creationId xmlns:a16="http://schemas.microsoft.com/office/drawing/2014/main" id="{F303D913-E319-4383-B35F-F6A646A160B9}"/>
+              </a:ext>
+            </a:extLst>
+          </p:cNvPr>
+          <p:cNvSpPr txBox="1"/>
+          <p:nvPr/>
+        </p:nvSpPr>
+        <p:spPr>
+          <a:xfrm>
+            <a:off x="838200" y="5109876"/>
+            <a:ext cx="1073114" cy="369332"/>
+          </a:xfrm>
+          <a:prstGeom prst="rect">
+            <a:avLst/>
+          </a:prstGeom>
+          <a:noFill/>
+        </p:spPr>
+        <p:txBody>
+          <a:bodyPr wrap="none" rtlCol="0">
+            <a:spAutoFit/>
+          </a:bodyPr>
+          <a:lstStyle/>
+          <a:p>
+            <a:r>
+              <a:rPr lang="de-CH" dirty="0"/>
+              <a:t>Abschnitt</a:t>
+            </a:r>
+          </a:p>
+        </p:txBody>
+      </p:sp>
+      <p:sp>
+        <p:nvSpPr>
+          <p:cNvPr id="8" name="Geschweifte Klammer links 7">
+            <a:extLst>
+              <a:ext uri="{FF2B5EF4-FFF2-40B4-BE49-F238E27FC236}">
+                <a16:creationId xmlns:a16="http://schemas.microsoft.com/office/drawing/2014/main" id="{73163FA2-8196-4F7F-A606-563B5CD519B5}"/>
+              </a:ext>
+            </a:extLst>
+          </p:cNvPr>
+          <p:cNvSpPr/>
+          <p:nvPr/>
+        </p:nvSpPr>
+        <p:spPr>
+          <a:xfrm rot="5400000">
+            <a:off x="8008234" y="3948976"/>
+            <a:ext cx="355922" cy="804440"/>
+          </a:xfrm>
+          <a:prstGeom prst="leftBrace">
+            <a:avLst/>
+          </a:prstGeom>
+        </p:spPr>
+        <p:style>
+          <a:lnRef idx="1">
+            <a:schemeClr val="accent1"/>
+          </a:lnRef>
+          <a:fillRef idx="0">
+            <a:schemeClr val="accent1"/>
+          </a:fillRef>
+          <a:effectRef idx="0">
+            <a:schemeClr val="accent1"/>
+          </a:effectRef>
+          <a:fontRef idx="minor">
+            <a:schemeClr val="tx1"/>
+          </a:fontRef>
+        </p:style>
+        <p:txBody>
+          <a:bodyPr rtlCol="0" anchor="ctr"/>
+          <a:lstStyle/>
+          <a:p>
+            <a:pPr algn="ctr"/>
+            <a:endParaRPr lang="de-CH"/>
+          </a:p>
+        </p:txBody>
+      </p:sp>
+      <p:sp>
+        <p:nvSpPr>
+          <p:cNvPr id="9" name="Textfeld 8">
+            <a:extLst>
+              <a:ext uri="{FF2B5EF4-FFF2-40B4-BE49-F238E27FC236}">
+                <a16:creationId xmlns:a16="http://schemas.microsoft.com/office/drawing/2014/main" id="{FE419C04-852B-4277-AE1E-AC8F76C355B5}"/>
+              </a:ext>
+            </a:extLst>
+          </p:cNvPr>
+          <p:cNvSpPr txBox="1"/>
+          <p:nvPr/>
+        </p:nvSpPr>
+        <p:spPr>
+          <a:xfrm>
+            <a:off x="7902559" y="3795243"/>
+            <a:ext cx="567271" cy="369332"/>
+          </a:xfrm>
+          <a:prstGeom prst="rect">
+            <a:avLst/>
+          </a:prstGeom>
+          <a:noFill/>
+        </p:spPr>
+        <p:txBody>
+          <a:bodyPr wrap="none" rtlCol="0">
+            <a:spAutoFit/>
+          </a:bodyPr>
+          <a:lstStyle/>
+          <a:p>
+            <a:r>
+              <a:rPr lang="de-CH" dirty="0"/>
+              <a:t>Satz</a:t>
+            </a:r>
+          </a:p>
+        </p:txBody>
+      </p:sp>
+      <p:sp>
+        <p:nvSpPr>
+          <p:cNvPr id="10" name="Textfeld 9">
+            <a:extLst>
+              <a:ext uri="{FF2B5EF4-FFF2-40B4-BE49-F238E27FC236}">
+                <a16:creationId xmlns:a16="http://schemas.microsoft.com/office/drawing/2014/main" id="{9798D47D-B96E-4F85-9C11-C00DD336DEEF}"/>
+              </a:ext>
+            </a:extLst>
+          </p:cNvPr>
+          <p:cNvSpPr txBox="1"/>
+          <p:nvPr/>
+        </p:nvSpPr>
+        <p:spPr>
+          <a:xfrm>
+            <a:off x="2451203" y="3522147"/>
+            <a:ext cx="852156" cy="369332"/>
+          </a:xfrm>
+          <a:prstGeom prst="rect">
+            <a:avLst/>
+          </a:prstGeom>
+          <a:noFill/>
+        </p:spPr>
+        <p:txBody>
+          <a:bodyPr wrap="none" rtlCol="0">
+            <a:spAutoFit/>
+          </a:bodyPr>
+          <a:lstStyle/>
+          <a:p>
+            <a:r>
+              <a:rPr lang="de-CH" dirty="0"/>
+              <a:t>Wörter</a:t>
+            </a:r>
+          </a:p>
+        </p:txBody>
+      </p:sp>
+      <p:cxnSp>
+        <p:nvCxnSpPr>
+          <p:cNvPr id="12" name="Gerade Verbindung mit Pfeil 11">
+            <a:extLst>
+              <a:ext uri="{FF2B5EF4-FFF2-40B4-BE49-F238E27FC236}">
+                <a16:creationId xmlns:a16="http://schemas.microsoft.com/office/drawing/2014/main" id="{1B1C99A5-EC7D-423D-82CD-C5CF415C5BEE}"/>
+              </a:ext>
+            </a:extLst>
+          </p:cNvPr>
+          <p:cNvCxnSpPr>
+            <a:stCxn id="10" idx="2"/>
+          </p:cNvCxnSpPr>
+          <p:nvPr/>
+        </p:nvCxnSpPr>
+        <p:spPr>
+          <a:xfrm flipH="1">
+            <a:off x="2673752" y="3891479"/>
+            <a:ext cx="203529" cy="637678"/>
+          </a:xfrm>
+          <a:prstGeom prst="straightConnector1">
+            <a:avLst/>
+          </a:prstGeom>
+          <a:ln>
+            <a:tailEnd type="triangle"/>
+          </a:ln>
+        </p:spPr>
+        <p:style>
+          <a:lnRef idx="1">
+            <a:schemeClr val="accent1"/>
+          </a:lnRef>
+          <a:fillRef idx="0">
+            <a:schemeClr val="accent1"/>
+          </a:fillRef>
+          <a:effectRef idx="0">
+            <a:schemeClr val="accent1"/>
+          </a:effectRef>
+          <a:fontRef idx="minor">
+            <a:schemeClr val="tx1"/>
+          </a:fontRef>
+        </p:style>
+      </p:cxnSp>
+      <p:cxnSp>
+        <p:nvCxnSpPr>
+          <p:cNvPr id="14" name="Gerade Verbindung mit Pfeil 13">
+            <a:extLst>
+              <a:ext uri="{FF2B5EF4-FFF2-40B4-BE49-F238E27FC236}">
+                <a16:creationId xmlns:a16="http://schemas.microsoft.com/office/drawing/2014/main" id="{37C88DCB-48FF-40B8-BA3E-E96820CAD3BB}"/>
+              </a:ext>
+            </a:extLst>
+          </p:cNvPr>
+          <p:cNvCxnSpPr>
+            <a:stCxn id="10" idx="2"/>
+          </p:cNvCxnSpPr>
+          <p:nvPr/>
+        </p:nvCxnSpPr>
+        <p:spPr>
+          <a:xfrm>
+            <a:off x="2877281" y="3891479"/>
+            <a:ext cx="108987" cy="637678"/>
+          </a:xfrm>
+          <a:prstGeom prst="straightConnector1">
+            <a:avLst/>
+          </a:prstGeom>
+          <a:ln>
+            <a:tailEnd type="triangle"/>
+          </a:ln>
+        </p:spPr>
+        <p:style>
+          <a:lnRef idx="1">
+            <a:schemeClr val="accent1"/>
+          </a:lnRef>
+          <a:fillRef idx="0">
+            <a:schemeClr val="accent1"/>
+          </a:fillRef>
+          <a:effectRef idx="0">
+            <a:schemeClr val="accent1"/>
+          </a:effectRef>
+          <a:fontRef idx="minor">
+            <a:schemeClr val="tx1"/>
+          </a:fontRef>
+        </p:style>
+      </p:cxnSp>
     </p:spTree>
     <p:extLst>
       <p:ext uri="{BB962C8B-B14F-4D97-AF65-F5344CB8AC3E}">
-        <p14:creationId xmlns:p14="http://schemas.microsoft.com/office/powerpoint/2010/main" val="841493887"/>
+        <p14:creationId xmlns:p14="http://schemas.microsoft.com/office/powerpoint/2010/main" val="3662083301"/>
+      </p:ext>
+    </p:extLst>
+  </p:cSld>
+  <p:clrMapOvr>
+    <a:masterClrMapping/>
+  </p:clrMapOvr>
+  <p:timing>
+    <p:tnLst>
+      <p:par>
+        <p:cTn id="1" dur="indefinite" restart="never" nodeType="tmRoot">
+          <p:childTnLst>
+            <p:seq concurrent="1" nextAc="seek">
+              <p:cTn id="2" dur="indefinite" nodeType="mainSeq">
+                <p:childTnLst>
+                  <p:par>
+                    <p:cTn id="3" fill="hold">
+                      <p:stCondLst>
+                        <p:cond delay="indefinite"/>
+                      </p:stCondLst>
+                      <p:childTnLst>
+                        <p:par>
+                          <p:cTn id="4" fill="hold">
+                            <p:stCondLst>
+                              <p:cond delay="0"/>
+                            </p:stCondLst>
+                            <p:childTnLst>
+                              <p:par>
+                                <p:cTn id="5" presetID="1" presetClass="entr" presetSubtype="0" fill="hold" grpId="0" nodeType="clickEffect">
+                                  <p:stCondLst>
+                                    <p:cond delay="0"/>
+                                  </p:stCondLst>
+                                  <p:childTnLst>
+                                    <p:set>
+                                      <p:cBhvr>
+                                        <p:cTn id="6" dur="1" fill="hold">
+                                          <p:stCondLst>
+                                            <p:cond delay="0"/>
+                                          </p:stCondLst>
+                                        </p:cTn>
+                                        <p:tgtEl>
+                                          <p:spTgt spid="3">
+                                            <p:txEl>
+                                              <p:pRg st="0" end="0"/>
+                                            </p:txEl>
+                                          </p:spTgt>
+                                        </p:tgtEl>
+                                        <p:attrNameLst>
+                                          <p:attrName>style.visibility</p:attrName>
+                                        </p:attrNameLst>
+                                      </p:cBhvr>
+                                      <p:to>
+                                        <p:strVal val="visible"/>
+                                      </p:to>
+                                    </p:set>
+                                  </p:childTnLst>
+                                </p:cTn>
+                              </p:par>
+                            </p:childTnLst>
+                          </p:cTn>
+                        </p:par>
+                      </p:childTnLst>
+                    </p:cTn>
+                  </p:par>
+                  <p:par>
+                    <p:cTn id="7" fill="hold">
+                      <p:stCondLst>
+                        <p:cond delay="indefinite"/>
+                      </p:stCondLst>
+                      <p:childTnLst>
+                        <p:par>
+                          <p:cTn id="8" fill="hold">
+                            <p:stCondLst>
+                              <p:cond delay="0"/>
+                            </p:stCondLst>
+                            <p:childTnLst>
+                              <p:par>
+                                <p:cTn id="9" presetID="1" presetClass="entr" presetSubtype="0" fill="hold" grpId="0" nodeType="clickEffect">
+                                  <p:stCondLst>
+                                    <p:cond delay="0"/>
+                                  </p:stCondLst>
+                                  <p:childTnLst>
+                                    <p:set>
+                                      <p:cBhvr>
+                                        <p:cTn id="10" dur="1" fill="hold">
+                                          <p:stCondLst>
+                                            <p:cond delay="0"/>
+                                          </p:stCondLst>
+                                        </p:cTn>
+                                        <p:tgtEl>
+                                          <p:spTgt spid="3">
+                                            <p:txEl>
+                                              <p:pRg st="1" end="1"/>
+                                            </p:txEl>
+                                          </p:spTgt>
+                                        </p:tgtEl>
+                                        <p:attrNameLst>
+                                          <p:attrName>style.visibility</p:attrName>
+                                        </p:attrNameLst>
+                                      </p:cBhvr>
+                                      <p:to>
+                                        <p:strVal val="visible"/>
+                                      </p:to>
+                                    </p:set>
+                                  </p:childTnLst>
+                                </p:cTn>
+                              </p:par>
+                            </p:childTnLst>
+                          </p:cTn>
+                        </p:par>
+                      </p:childTnLst>
+                    </p:cTn>
+                  </p:par>
+                  <p:par>
+                    <p:cTn id="11" fill="hold">
+                      <p:stCondLst>
+                        <p:cond delay="indefinite"/>
+                      </p:stCondLst>
+                      <p:childTnLst>
+                        <p:par>
+                          <p:cTn id="12" fill="hold">
+                            <p:stCondLst>
+                              <p:cond delay="0"/>
+                            </p:stCondLst>
+                            <p:childTnLst>
+                              <p:par>
+                                <p:cTn id="13" presetID="1" presetClass="entr" presetSubtype="0" fill="hold" grpId="0" nodeType="clickEffect">
+                                  <p:stCondLst>
+                                    <p:cond delay="0"/>
+                                  </p:stCondLst>
+                                  <p:childTnLst>
+                                    <p:set>
+                                      <p:cBhvr>
+                                        <p:cTn id="14" dur="1" fill="hold">
+                                          <p:stCondLst>
+                                            <p:cond delay="0"/>
+                                          </p:stCondLst>
+                                        </p:cTn>
+                                        <p:tgtEl>
+                                          <p:spTgt spid="5"/>
+                                        </p:tgtEl>
+                                        <p:attrNameLst>
+                                          <p:attrName>style.visibility</p:attrName>
+                                        </p:attrNameLst>
+                                      </p:cBhvr>
+                                      <p:to>
+                                        <p:strVal val="visible"/>
+                                      </p:to>
+                                    </p:set>
+                                  </p:childTnLst>
+                                </p:cTn>
+                              </p:par>
+                              <p:par>
+                                <p:cTn id="15" presetID="1" presetClass="entr" presetSubtype="0" fill="hold" grpId="0" nodeType="withEffect">
+                                  <p:stCondLst>
+                                    <p:cond delay="0"/>
+                                  </p:stCondLst>
+                                  <p:childTnLst>
+                                    <p:set>
+                                      <p:cBhvr>
+                                        <p:cTn id="16" dur="1" fill="hold">
+                                          <p:stCondLst>
+                                            <p:cond delay="0"/>
+                                          </p:stCondLst>
+                                        </p:cTn>
+                                        <p:tgtEl>
+                                          <p:spTgt spid="4"/>
+                                        </p:tgtEl>
+                                        <p:attrNameLst>
+                                          <p:attrName>style.visibility</p:attrName>
+                                        </p:attrNameLst>
+                                      </p:cBhvr>
+                                      <p:to>
+                                        <p:strVal val="visible"/>
+                                      </p:to>
+                                    </p:set>
+                                  </p:childTnLst>
+                                </p:cTn>
+                              </p:par>
+                            </p:childTnLst>
+                          </p:cTn>
+                        </p:par>
+                      </p:childTnLst>
+                    </p:cTn>
+                  </p:par>
+                  <p:par>
+                    <p:cTn id="17" fill="hold">
+                      <p:stCondLst>
+                        <p:cond delay="indefinite"/>
+                      </p:stCondLst>
+                      <p:childTnLst>
+                        <p:par>
+                          <p:cTn id="18" fill="hold">
+                            <p:stCondLst>
+                              <p:cond delay="0"/>
+                            </p:stCondLst>
+                            <p:childTnLst>
+                              <p:par>
+                                <p:cTn id="19" presetID="1" presetClass="entr" presetSubtype="0" fill="hold" grpId="0" nodeType="clickEffect">
+                                  <p:stCondLst>
+                                    <p:cond delay="0"/>
+                                  </p:stCondLst>
+                                  <p:childTnLst>
+                                    <p:set>
+                                      <p:cBhvr>
+                                        <p:cTn id="20" dur="1" fill="hold">
+                                          <p:stCondLst>
+                                            <p:cond delay="0"/>
+                                          </p:stCondLst>
+                                        </p:cTn>
+                                        <p:tgtEl>
+                                          <p:spTgt spid="10"/>
+                                        </p:tgtEl>
+                                        <p:attrNameLst>
+                                          <p:attrName>style.visibility</p:attrName>
+                                        </p:attrNameLst>
+                                      </p:cBhvr>
+                                      <p:to>
+                                        <p:strVal val="visible"/>
+                                      </p:to>
+                                    </p:set>
+                                  </p:childTnLst>
+                                </p:cTn>
+                              </p:par>
+                              <p:par>
+                                <p:cTn id="21" presetID="1" presetClass="entr" presetSubtype="0" fill="hold" nodeType="withEffect">
+                                  <p:stCondLst>
+                                    <p:cond delay="0"/>
+                                  </p:stCondLst>
+                                  <p:childTnLst>
+                                    <p:set>
+                                      <p:cBhvr>
+                                        <p:cTn id="22" dur="1" fill="hold">
+                                          <p:stCondLst>
+                                            <p:cond delay="0"/>
+                                          </p:stCondLst>
+                                        </p:cTn>
+                                        <p:tgtEl>
+                                          <p:spTgt spid="14"/>
+                                        </p:tgtEl>
+                                        <p:attrNameLst>
+                                          <p:attrName>style.visibility</p:attrName>
+                                        </p:attrNameLst>
+                                      </p:cBhvr>
+                                      <p:to>
+                                        <p:strVal val="visible"/>
+                                      </p:to>
+                                    </p:set>
+                                  </p:childTnLst>
+                                </p:cTn>
+                              </p:par>
+                              <p:par>
+                                <p:cTn id="23" presetID="1" presetClass="entr" presetSubtype="0" fill="hold" nodeType="withEffect">
+                                  <p:stCondLst>
+                                    <p:cond delay="0"/>
+                                  </p:stCondLst>
+                                  <p:childTnLst>
+                                    <p:set>
+                                      <p:cBhvr>
+                                        <p:cTn id="24" dur="1" fill="hold">
+                                          <p:stCondLst>
+                                            <p:cond delay="0"/>
+                                          </p:stCondLst>
+                                        </p:cTn>
+                                        <p:tgtEl>
+                                          <p:spTgt spid="12"/>
+                                        </p:tgtEl>
+                                        <p:attrNameLst>
+                                          <p:attrName>style.visibility</p:attrName>
+                                        </p:attrNameLst>
+                                      </p:cBhvr>
+                                      <p:to>
+                                        <p:strVal val="visible"/>
+                                      </p:to>
+                                    </p:set>
+                                  </p:childTnLst>
+                                </p:cTn>
+                              </p:par>
+                            </p:childTnLst>
+                          </p:cTn>
+                        </p:par>
+                      </p:childTnLst>
+                    </p:cTn>
+                  </p:par>
+                  <p:par>
+                    <p:cTn id="25" fill="hold">
+                      <p:stCondLst>
+                        <p:cond delay="indefinite"/>
+                      </p:stCondLst>
+                      <p:childTnLst>
+                        <p:par>
+                          <p:cTn id="26" fill="hold">
+                            <p:stCondLst>
+                              <p:cond delay="0"/>
+                            </p:stCondLst>
+                            <p:childTnLst>
+                              <p:par>
+                                <p:cTn id="27" presetID="1" presetClass="entr" presetSubtype="0" fill="hold" grpId="0" nodeType="clickEffect">
+                                  <p:stCondLst>
+                                    <p:cond delay="0"/>
+                                  </p:stCondLst>
+                                  <p:childTnLst>
+                                    <p:set>
+                                      <p:cBhvr>
+                                        <p:cTn id="28" dur="1" fill="hold">
+                                          <p:stCondLst>
+                                            <p:cond delay="0"/>
+                                          </p:stCondLst>
+                                        </p:cTn>
+                                        <p:tgtEl>
+                                          <p:spTgt spid="9"/>
+                                        </p:tgtEl>
+                                        <p:attrNameLst>
+                                          <p:attrName>style.visibility</p:attrName>
+                                        </p:attrNameLst>
+                                      </p:cBhvr>
+                                      <p:to>
+                                        <p:strVal val="visible"/>
+                                      </p:to>
+                                    </p:set>
+                                  </p:childTnLst>
+                                </p:cTn>
+                              </p:par>
+                              <p:par>
+                                <p:cTn id="29" presetID="1" presetClass="entr" presetSubtype="0" fill="hold" grpId="0" nodeType="withEffect">
+                                  <p:stCondLst>
+                                    <p:cond delay="0"/>
+                                  </p:stCondLst>
+                                  <p:childTnLst>
+                                    <p:set>
+                                      <p:cBhvr>
+                                        <p:cTn id="30" dur="1" fill="hold">
+                                          <p:stCondLst>
+                                            <p:cond delay="0"/>
+                                          </p:stCondLst>
+                                        </p:cTn>
+                                        <p:tgtEl>
+                                          <p:spTgt spid="8"/>
+                                        </p:tgtEl>
+                                        <p:attrNameLst>
+                                          <p:attrName>style.visibility</p:attrName>
+                                        </p:attrNameLst>
+                                      </p:cBhvr>
+                                      <p:to>
+                                        <p:strVal val="visible"/>
+                                      </p:to>
+                                    </p:set>
+                                  </p:childTnLst>
+                                </p:cTn>
+                              </p:par>
+                            </p:childTnLst>
+                          </p:cTn>
+                        </p:par>
+                      </p:childTnLst>
+                    </p:cTn>
+                  </p:par>
+                  <p:par>
+                    <p:cTn id="31" fill="hold">
+                      <p:stCondLst>
+                        <p:cond delay="indefinite"/>
+                      </p:stCondLst>
+                      <p:childTnLst>
+                        <p:par>
+                          <p:cTn id="32" fill="hold">
+                            <p:stCondLst>
+                              <p:cond delay="0"/>
+                            </p:stCondLst>
+                            <p:childTnLst>
+                              <p:par>
+                                <p:cTn id="33" presetID="1" presetClass="entr" presetSubtype="0" fill="hold" grpId="0" nodeType="clickEffect">
+                                  <p:stCondLst>
+                                    <p:cond delay="0"/>
+                                  </p:stCondLst>
+                                  <p:childTnLst>
+                                    <p:set>
+                                      <p:cBhvr>
+                                        <p:cTn id="34" dur="1" fill="hold">
+                                          <p:stCondLst>
+                                            <p:cond delay="0"/>
+                                          </p:stCondLst>
+                                        </p:cTn>
+                                        <p:tgtEl>
+                                          <p:spTgt spid="6"/>
+                                        </p:tgtEl>
+                                        <p:attrNameLst>
+                                          <p:attrName>style.visibility</p:attrName>
+                                        </p:attrNameLst>
+                                      </p:cBhvr>
+                                      <p:to>
+                                        <p:strVal val="visible"/>
+                                      </p:to>
+                                    </p:set>
+                                  </p:childTnLst>
+                                </p:cTn>
+                              </p:par>
+                              <p:par>
+                                <p:cTn id="35" presetID="1" presetClass="entr" presetSubtype="0" fill="hold" grpId="0" nodeType="withEffect">
+                                  <p:stCondLst>
+                                    <p:cond delay="0"/>
+                                  </p:stCondLst>
+                                  <p:childTnLst>
+                                    <p:set>
+                                      <p:cBhvr>
+                                        <p:cTn id="36" dur="1" fill="hold">
+                                          <p:stCondLst>
+                                            <p:cond delay="0"/>
+                                          </p:stCondLst>
+                                        </p:cTn>
+                                        <p:tgtEl>
+                                          <p:spTgt spid="7"/>
+                                        </p:tgtEl>
+                                        <p:attrNameLst>
+                                          <p:attrName>style.visibility</p:attrName>
+                                        </p:attrNameLst>
+                                      </p:cBhvr>
+                                      <p:to>
+                                        <p:strVal val="visible"/>
+                                      </p:to>
+                                    </p:set>
+                                  </p:childTnLst>
+                                </p:cTn>
+                              </p:par>
+                            </p:childTnLst>
+                          </p:cTn>
+                        </p:par>
+                      </p:childTnLst>
+                    </p:cTn>
+                  </p:par>
+                </p:childTnLst>
+              </p:cTn>
+              <p:prevCondLst>
+                <p:cond evt="onPrev" delay="0">
+                  <p:tgtEl>
+                    <p:sldTgt/>
+                  </p:tgtEl>
+                </p:cond>
+              </p:prevCondLst>
+              <p:nextCondLst>
+                <p:cond evt="onNext" delay="0">
+                  <p:tgtEl>
+                    <p:sldTgt/>
+                  </p:tgtEl>
+                </p:cond>
+              </p:nextCondLst>
+            </p:seq>
+          </p:childTnLst>
+        </p:cTn>
+      </p:par>
+    </p:tnLst>
+    <p:bldLst>
+      <p:bldP spid="3" grpId="0" build="p"/>
+      <p:bldP spid="4" grpId="0"/>
+      <p:bldP spid="5" grpId="0"/>
+      <p:bldP spid="6" grpId="0" animBg="1"/>
+      <p:bldP spid="7" grpId="0"/>
+      <p:bldP spid="8" grpId="0" animBg="1"/>
+      <p:bldP spid="9" grpId="0"/>
+      <p:bldP spid="10" grpId="0"/>
+    </p:bldLst>
+  </p:timing>
+</p:sld>
+</file>
+
+<file path=ppt/slides/slide23.xml><?xml version="1.0" encoding="utf-8"?>
+<p:sld xmlns:a="http://schemas.openxmlformats.org/drawingml/2006/main" xmlns:r="http://schemas.openxmlformats.org/officeDocument/2006/relationships" xmlns:p="http://schemas.openxmlformats.org/presentationml/2006/main">
+  <p:cSld>
+    <p:spTree>
+      <p:nvGrpSpPr>
+        <p:cNvPr id="1" name=""/>
+        <p:cNvGrpSpPr/>
+        <p:nvPr/>
+      </p:nvGrpSpPr>
+      <p:grpSpPr>
+        <a:xfrm>
+          <a:off x="0" y="0"/>
+          <a:ext cx="0" cy="0"/>
+          <a:chOff x="0" y="0"/>
+          <a:chExt cx="0" cy="0"/>
+        </a:xfrm>
+      </p:grpSpPr>
+      <p:sp>
+        <p:nvSpPr>
+          <p:cNvPr id="2" name="Titel 1">
+            <a:extLst>
+              <a:ext uri="{FF2B5EF4-FFF2-40B4-BE49-F238E27FC236}">
+                <a16:creationId xmlns:a16="http://schemas.microsoft.com/office/drawing/2014/main" id="{C41A932F-EFB6-48DD-A556-47399421608F}"/>
+              </a:ext>
+            </a:extLst>
+          </p:cNvPr>
+          <p:cNvSpPr>
+            <a:spLocks noGrp="1"/>
+          </p:cNvSpPr>
+          <p:nvPr>
+            <p:ph type="title"/>
+          </p:nvPr>
+        </p:nvSpPr>
+        <p:spPr/>
+        <p:txBody>
+          <a:bodyPr/>
+          <a:lstStyle/>
+          <a:p>
+            <a:r>
+              <a:rPr lang="de-CH" dirty="0" err="1"/>
+              <a:t>Satzaligner</a:t>
+            </a:r>
+            <a:endParaRPr lang="de-CH" dirty="0"/>
+          </a:p>
+        </p:txBody>
+      </p:sp>
+      <p:sp>
+        <p:nvSpPr>
+          <p:cNvPr id="3" name="Inhaltsplatzhalter 2">
+            <a:extLst>
+              <a:ext uri="{FF2B5EF4-FFF2-40B4-BE49-F238E27FC236}">
+                <a16:creationId xmlns:a16="http://schemas.microsoft.com/office/drawing/2014/main" id="{CE8EF818-C28B-46CF-9422-B0F9E19F81F2}"/>
+              </a:ext>
+            </a:extLst>
+          </p:cNvPr>
+          <p:cNvSpPr>
+            <a:spLocks noGrp="1"/>
+          </p:cNvSpPr>
+          <p:nvPr>
+            <p:ph idx="1"/>
+          </p:nvPr>
+        </p:nvSpPr>
+        <p:spPr/>
+        <p:txBody>
+          <a:bodyPr/>
+          <a:lstStyle/>
+          <a:p>
+            <a:pPr marL="0" indent="0">
+              <a:buNone/>
+            </a:pPr>
+            <a:r>
+              <a:rPr lang="de-CH" dirty="0"/>
+              <a:t>Kriterien für Satzzusammengehörigkeit:</a:t>
+            </a:r>
+          </a:p>
+          <a:p>
+            <a:r>
+              <a:rPr lang="de-CH" dirty="0"/>
+              <a:t>Zusammengehörige Wörter - Wörterbuch (Champollion)</a:t>
+            </a:r>
+          </a:p>
+          <a:p>
+            <a:r>
+              <a:rPr lang="de-CH" dirty="0"/>
+              <a:t>Satzlänge (</a:t>
+            </a:r>
+            <a:r>
+              <a:rPr lang="de-CH" dirty="0" err="1"/>
+              <a:t>Hunalign</a:t>
+            </a:r>
+            <a:r>
+              <a:rPr lang="de-CH" dirty="0"/>
+              <a:t>)</a:t>
+            </a:r>
+          </a:p>
+          <a:p>
+            <a:r>
+              <a:rPr lang="de-CH" dirty="0"/>
+              <a:t>Satzähnlichkeit (</a:t>
+            </a:r>
+            <a:r>
+              <a:rPr lang="de-CH" dirty="0" err="1"/>
+              <a:t>Bleualign</a:t>
+            </a:r>
+            <a:r>
+              <a:rPr lang="de-CH" dirty="0"/>
+              <a:t>)</a:t>
+            </a:r>
+          </a:p>
+          <a:p>
+            <a:endParaRPr lang="de-CH" dirty="0"/>
+          </a:p>
+        </p:txBody>
+      </p:sp>
+    </p:spTree>
+    <p:extLst>
+      <p:ext uri="{BB962C8B-B14F-4D97-AF65-F5344CB8AC3E}">
+        <p14:creationId xmlns:p14="http://schemas.microsoft.com/office/powerpoint/2010/main" val="1860960098"/>
+      </p:ext>
+    </p:extLst>
+  </p:cSld>
+  <p:clrMapOvr>
+    <a:masterClrMapping/>
+  </p:clrMapOvr>
+</p:sld>
+</file>
+
+<file path=ppt/slides/slide24.xml><?xml version="1.0" encoding="utf-8"?>
+<p:sld xmlns:a="http://schemas.openxmlformats.org/drawingml/2006/main" xmlns:r="http://schemas.openxmlformats.org/officeDocument/2006/relationships" xmlns:p="http://schemas.openxmlformats.org/presentationml/2006/main">
+  <p:cSld>
+    <p:spTree>
+      <p:nvGrpSpPr>
+        <p:cNvPr id="1" name=""/>
+        <p:cNvGrpSpPr/>
+        <p:nvPr/>
+      </p:nvGrpSpPr>
+      <p:grpSpPr>
+        <a:xfrm>
+          <a:off x="0" y="0"/>
+          <a:ext cx="0" cy="0"/>
+          <a:chOff x="0" y="0"/>
+          <a:chExt cx="0" cy="0"/>
+        </a:xfrm>
+      </p:grpSpPr>
+      <p:sp>
+        <p:nvSpPr>
+          <p:cNvPr id="2" name="Titel 1">
+            <a:extLst>
+              <a:ext uri="{FF2B5EF4-FFF2-40B4-BE49-F238E27FC236}">
+                <a16:creationId xmlns:a16="http://schemas.microsoft.com/office/drawing/2014/main" id="{F42E0D39-263D-453D-98D0-EDC0A0A138A3}"/>
+              </a:ext>
+            </a:extLst>
+          </p:cNvPr>
+          <p:cNvSpPr>
+            <a:spLocks noGrp="1"/>
+          </p:cNvSpPr>
+          <p:nvPr>
+            <p:ph type="title"/>
+          </p:nvPr>
+        </p:nvSpPr>
+        <p:spPr/>
+        <p:txBody>
+          <a:bodyPr/>
+          <a:lstStyle/>
+          <a:p>
+            <a:r>
+              <a:rPr lang="de-CH" dirty="0"/>
+              <a:t>Paarbildung</a:t>
+            </a:r>
+          </a:p>
+        </p:txBody>
+      </p:sp>
+      <p:sp>
+        <p:nvSpPr>
+          <p:cNvPr id="3" name="Inhaltsplatzhalter 2">
+            <a:extLst>
+              <a:ext uri="{FF2B5EF4-FFF2-40B4-BE49-F238E27FC236}">
+                <a16:creationId xmlns:a16="http://schemas.microsoft.com/office/drawing/2014/main" id="{978BA35E-D7C9-48A8-8569-0090D34930A8}"/>
+              </a:ext>
+            </a:extLst>
+          </p:cNvPr>
+          <p:cNvSpPr>
+            <a:spLocks noGrp="1"/>
+          </p:cNvSpPr>
+          <p:nvPr>
+            <p:ph idx="1"/>
+          </p:nvPr>
+        </p:nvSpPr>
+        <p:spPr/>
+        <p:txBody>
+          <a:bodyPr/>
+          <a:lstStyle/>
+          <a:p>
+            <a:endParaRPr lang="de-CH"/>
+          </a:p>
+        </p:txBody>
+      </p:sp>
+    </p:spTree>
+    <p:extLst>
+      <p:ext uri="{BB962C8B-B14F-4D97-AF65-F5344CB8AC3E}">
+        <p14:creationId xmlns:p14="http://schemas.microsoft.com/office/powerpoint/2010/main" val="3763030133"/>
       </p:ext>
     </p:extLst>
   </p:cSld>

--- a/doc/IP5_Presentation.pptx
+++ b/doc/IP5_Presentation.pptx
@@ -5,7 +5,7 @@
     <p:sldMasterId id="2147483648" r:id="rId1"/>
   </p:sldMasterIdLst>
   <p:notesMasterIdLst>
-    <p:notesMasterId r:id="rId26"/>
+    <p:notesMasterId r:id="rId29"/>
   </p:notesMasterIdLst>
   <p:sldIdLst>
     <p:sldId id="256" r:id="rId2"/>
@@ -31,7 +31,10 @@
     <p:sldId id="278" r:id="rId22"/>
     <p:sldId id="282" r:id="rId23"/>
     <p:sldId id="283" r:id="rId24"/>
-    <p:sldId id="284" r:id="rId25"/>
+    <p:sldId id="286" r:id="rId25"/>
+    <p:sldId id="287" r:id="rId26"/>
+    <p:sldId id="285" r:id="rId27"/>
+    <p:sldId id="284" r:id="rId28"/>
   </p:sldIdLst>
   <p:sldSz cx="12192000" cy="6858000"/>
   <p:notesSz cx="6858000" cy="9144000"/>
@@ -1933,7 +1936,7 @@
           <a:p>
             <a:r>
               <a:rPr lang="de-CH" dirty="0"/>
-              <a:t>Was mach ein </a:t>
+              <a:t>Was macht ein </a:t>
             </a:r>
             <a:r>
               <a:rPr lang="de-CH" dirty="0" err="1"/>
@@ -1984,6 +1987,31 @@
             <a:r>
               <a:rPr lang="de-CH" dirty="0"/>
               <a:t> verwenden?</a:t>
+            </a:r>
+          </a:p>
+          <a:p>
+            <a:endParaRPr lang="de-CH" dirty="0"/>
+          </a:p>
+          <a:p>
+            <a:r>
+              <a:rPr lang="de-CH" dirty="0"/>
+              <a:t>((</a:t>
+            </a:r>
+            <a:r>
+              <a:rPr lang="de-CH" dirty="0" err="1"/>
+              <a:t>fastalign</a:t>
+            </a:r>
+            <a:r>
+              <a:rPr lang="de-CH" dirty="0"/>
+              <a:t> als </a:t>
+            </a:r>
+            <a:r>
+              <a:rPr lang="de-CH" dirty="0" err="1"/>
+              <a:t>wortaligner</a:t>
+            </a:r>
+            <a:r>
+              <a:rPr lang="de-CH" dirty="0"/>
+              <a:t> möglich))</a:t>
             </a:r>
           </a:p>
         </p:txBody>
@@ -2248,6 +2276,233 @@
 </p:notes>
 </file>
 
+<file path=ppt/notesSlides/notesSlide19.xml><?xml version="1.0" encoding="utf-8"?>
+<p:notes xmlns:a="http://schemas.openxmlformats.org/drawingml/2006/main" xmlns:r="http://schemas.openxmlformats.org/officeDocument/2006/relationships" xmlns:p="http://schemas.openxmlformats.org/presentationml/2006/main">
+  <p:cSld>
+    <p:spTree>
+      <p:nvGrpSpPr>
+        <p:cNvPr id="1" name=""/>
+        <p:cNvGrpSpPr/>
+        <p:nvPr/>
+      </p:nvGrpSpPr>
+      <p:grpSpPr>
+        <a:xfrm>
+          <a:off x="0" y="0"/>
+          <a:ext cx="0" cy="0"/>
+          <a:chOff x="0" y="0"/>
+          <a:chExt cx="0" cy="0"/>
+        </a:xfrm>
+      </p:grpSpPr>
+      <p:sp>
+        <p:nvSpPr>
+          <p:cNvPr id="2" name="Folienbildplatzhalter 1"/>
+          <p:cNvSpPr>
+            <a:spLocks noGrp="1" noRot="1" noChangeAspect="1"/>
+          </p:cNvSpPr>
+          <p:nvPr>
+            <p:ph type="sldImg"/>
+          </p:nvPr>
+        </p:nvSpPr>
+        <p:spPr/>
+      </p:sp>
+      <p:sp>
+        <p:nvSpPr>
+          <p:cNvPr id="3" name="Notizenplatzhalter 2"/>
+          <p:cNvSpPr>
+            <a:spLocks noGrp="1"/>
+          </p:cNvSpPr>
+          <p:nvPr>
+            <p:ph type="body" idx="1"/>
+          </p:nvPr>
+        </p:nvSpPr>
+        <p:spPr/>
+        <p:txBody>
+          <a:bodyPr/>
+          <a:lstStyle/>
+          <a:p>
+            <a:r>
+              <a:rPr lang="de-CH" dirty="0" err="1"/>
+              <a:t>Levenshtein</a:t>
+            </a:r>
+            <a:r>
+              <a:rPr lang="de-CH" dirty="0"/>
+              <a:t>: Eigene </a:t>
+            </a:r>
+            <a:r>
+              <a:rPr lang="de-CH" dirty="0" err="1"/>
+              <a:t>gewichtungen</a:t>
+            </a:r>
+            <a:r>
+              <a:rPr lang="de-CH" dirty="0"/>
+              <a:t>: i – y | e – ä : 0.2</a:t>
+            </a:r>
+          </a:p>
+          <a:p>
+            <a:r>
+              <a:rPr lang="de-CH" dirty="0"/>
+              <a:t>(normalisiert) </a:t>
+            </a:r>
+            <a:r>
+              <a:rPr lang="de-CH" dirty="0" err="1"/>
+              <a:t>Levenschtein</a:t>
+            </a:r>
+            <a:r>
+              <a:rPr lang="de-CH" dirty="0"/>
+              <a:t>: 0 = gleich; 1 = komplett unterschiedlich</a:t>
+            </a:r>
+          </a:p>
+          <a:p>
+            <a:r>
+              <a:rPr lang="de-CH" dirty="0"/>
+              <a:t>Grenzwert muss gefunden werden</a:t>
+            </a:r>
+          </a:p>
+          <a:p>
+            <a:endParaRPr lang="de-CH" dirty="0"/>
+          </a:p>
+          <a:p>
+            <a:r>
+              <a:rPr lang="de-CH" dirty="0" err="1"/>
+              <a:t>Metaphone</a:t>
+            </a:r>
+            <a:r>
+              <a:rPr lang="de-CH" dirty="0"/>
+              <a:t>: indexiert </a:t>
+            </a:r>
+            <a:r>
+              <a:rPr lang="de-CH" dirty="0" err="1"/>
+              <a:t>wörter</a:t>
+            </a:r>
+            <a:r>
+              <a:rPr lang="de-CH" dirty="0"/>
+              <a:t> nach </a:t>
+            </a:r>
+            <a:r>
+              <a:rPr lang="de-CH" dirty="0" err="1"/>
+              <a:t>lautähnlichkeit</a:t>
+            </a:r>
+            <a:r>
+              <a:rPr lang="de-CH" dirty="0"/>
+              <a:t>, nur englisch, </a:t>
+            </a:r>
+            <a:r>
+              <a:rPr lang="de-CH" dirty="0" err="1"/>
+              <a:t>verbesserung</a:t>
+            </a:r>
+            <a:r>
+              <a:rPr lang="de-CH" dirty="0"/>
+              <a:t> von </a:t>
+            </a:r>
+            <a:r>
+              <a:rPr lang="de-CH" dirty="0" err="1"/>
+              <a:t>soudex</a:t>
+            </a:r>
+            <a:r>
+              <a:rPr lang="de-CH" dirty="0"/>
+              <a:t>, was für Namen konzipiert ist</a:t>
+            </a:r>
+          </a:p>
+          <a:p>
+            <a:r>
+              <a:rPr lang="de-CH" dirty="0"/>
+              <a:t>Double </a:t>
+            </a:r>
+            <a:r>
+              <a:rPr lang="de-CH" dirty="0" err="1"/>
+              <a:t>metaphone</a:t>
+            </a:r>
+            <a:r>
+              <a:rPr lang="de-CH" dirty="0"/>
+              <a:t>: unterstützt mehr sprachen. gleich? Ja/nein; nein ist nicht aussagekräftig</a:t>
+            </a:r>
+          </a:p>
+          <a:p>
+            <a:endParaRPr lang="de-CH" dirty="0"/>
+          </a:p>
+          <a:p>
+            <a:r>
+              <a:rPr lang="de-CH" dirty="0"/>
+              <a:t>Bleu: für </a:t>
+            </a:r>
+            <a:r>
+              <a:rPr lang="de-CH" dirty="0" err="1"/>
+              <a:t>dokumente</a:t>
+            </a:r>
+            <a:r>
+              <a:rPr lang="de-CH" dirty="0"/>
+              <a:t> konzipiert, für </a:t>
+            </a:r>
+            <a:r>
+              <a:rPr lang="de-CH" dirty="0" err="1"/>
+              <a:t>einzelnesätze</a:t>
+            </a:r>
+            <a:r>
+              <a:rPr lang="de-CH" dirty="0"/>
+              <a:t> nur dank </a:t>
+            </a:r>
+            <a:r>
+              <a:rPr lang="de-CH" dirty="0" err="1"/>
+              <a:t>smoothing</a:t>
+            </a:r>
+            <a:r>
+              <a:rPr lang="de-CH" dirty="0"/>
+              <a:t> </a:t>
+            </a:r>
+            <a:r>
+              <a:rPr lang="de-CH" dirty="0" err="1"/>
+              <a:t>funktion</a:t>
+            </a:r>
+            <a:r>
+              <a:rPr lang="de-CH" dirty="0"/>
+              <a:t> verwendbar, für einzelne </a:t>
+            </a:r>
+            <a:r>
+              <a:rPr lang="de-CH" dirty="0" err="1"/>
+              <a:t>wörter</a:t>
+            </a:r>
+            <a:r>
+              <a:rPr lang="de-CH" dirty="0"/>
+              <a:t> nicht gedacht</a:t>
+            </a:r>
+          </a:p>
+        </p:txBody>
+      </p:sp>
+      <p:sp>
+        <p:nvSpPr>
+          <p:cNvPr id="4" name="Foliennummernplatzhalter 3"/>
+          <p:cNvSpPr>
+            <a:spLocks noGrp="1"/>
+          </p:cNvSpPr>
+          <p:nvPr>
+            <p:ph type="sldNum" sz="quarter" idx="10"/>
+          </p:nvPr>
+        </p:nvSpPr>
+        <p:spPr/>
+        <p:txBody>
+          <a:bodyPr/>
+          <a:lstStyle/>
+          <a:p>
+            <a:fld id="{E295798E-7BEE-4A25-96C8-F832B2F1E69A}" type="slidenum">
+              <a:rPr lang="de-CH" smtClean="0"/>
+              <a:t>25</a:t>
+            </a:fld>
+            <a:endParaRPr lang="de-CH"/>
+          </a:p>
+        </p:txBody>
+      </p:sp>
+    </p:spTree>
+    <p:extLst>
+      <p:ext uri="{BB962C8B-B14F-4D97-AF65-F5344CB8AC3E}">
+        <p14:creationId xmlns:p14="http://schemas.microsoft.com/office/powerpoint/2010/main" val="2072490386"/>
+      </p:ext>
+    </p:extLst>
+  </p:cSld>
+  <p:clrMapOvr>
+    <a:masterClrMapping/>
+  </p:clrMapOvr>
+</p:notes>
+</file>
+
 <file path=ppt/notesSlides/notesSlide2.xml><?xml version="1.0" encoding="utf-8"?>
 <p:notes xmlns:a="http://schemas.openxmlformats.org/drawingml/2006/main" xmlns:r="http://schemas.openxmlformats.org/officeDocument/2006/relationships" xmlns:p="http://schemas.openxmlformats.org/presentationml/2006/main">
   <p:cSld>
@@ -2364,6 +2619,107 @@
     <p:extLst>
       <p:ext uri="{BB962C8B-B14F-4D97-AF65-F5344CB8AC3E}">
         <p14:creationId xmlns:p14="http://schemas.microsoft.com/office/powerpoint/2010/main" val="2628772706"/>
+      </p:ext>
+    </p:extLst>
+  </p:cSld>
+  <p:clrMapOvr>
+    <a:masterClrMapping/>
+  </p:clrMapOvr>
+</p:notes>
+</file>
+
+<file path=ppt/notesSlides/notesSlide20.xml><?xml version="1.0" encoding="utf-8"?>
+<p:notes xmlns:a="http://schemas.openxmlformats.org/drawingml/2006/main" xmlns:r="http://schemas.openxmlformats.org/officeDocument/2006/relationships" xmlns:p="http://schemas.openxmlformats.org/presentationml/2006/main">
+  <p:cSld>
+    <p:spTree>
+      <p:nvGrpSpPr>
+        <p:cNvPr id="1" name=""/>
+        <p:cNvGrpSpPr/>
+        <p:nvPr/>
+      </p:nvGrpSpPr>
+      <p:grpSpPr>
+        <a:xfrm>
+          <a:off x="0" y="0"/>
+          <a:ext cx="0" cy="0"/>
+          <a:chOff x="0" y="0"/>
+          <a:chExt cx="0" cy="0"/>
+        </a:xfrm>
+      </p:grpSpPr>
+      <p:sp>
+        <p:nvSpPr>
+          <p:cNvPr id="2" name="Folienbildplatzhalter 1"/>
+          <p:cNvSpPr>
+            <a:spLocks noGrp="1" noRot="1" noChangeAspect="1"/>
+          </p:cNvSpPr>
+          <p:nvPr>
+            <p:ph type="sldImg"/>
+          </p:nvPr>
+        </p:nvSpPr>
+        <p:spPr/>
+      </p:sp>
+      <p:sp>
+        <p:nvSpPr>
+          <p:cNvPr id="3" name="Notizenplatzhalter 2"/>
+          <p:cNvSpPr>
+            <a:spLocks noGrp="1"/>
+          </p:cNvSpPr>
+          <p:nvPr>
+            <p:ph type="body" idx="1"/>
+          </p:nvPr>
+        </p:nvSpPr>
+        <p:spPr/>
+        <p:txBody>
+          <a:bodyPr/>
+          <a:lstStyle/>
+          <a:p>
+            <a:r>
+              <a:rPr lang="de-CH" dirty="0"/>
+              <a:t>Grenzwert von 0.45: rote </a:t>
+            </a:r>
+            <a:r>
+              <a:rPr lang="de-CH" dirty="0" err="1"/>
+              <a:t>linie</a:t>
+            </a:r>
+            <a:endParaRPr lang="de-CH" dirty="0"/>
+          </a:p>
+          <a:p>
+            <a:endParaRPr lang="de-CH" dirty="0"/>
+          </a:p>
+          <a:p>
+            <a:r>
+              <a:rPr lang="de-CH" dirty="0"/>
+              <a:t>Tieferer Wert macht </a:t>
+            </a:r>
+          </a:p>
+        </p:txBody>
+      </p:sp>
+      <p:sp>
+        <p:nvSpPr>
+          <p:cNvPr id="4" name="Foliennummernplatzhalter 3"/>
+          <p:cNvSpPr>
+            <a:spLocks noGrp="1"/>
+          </p:cNvSpPr>
+          <p:nvPr>
+            <p:ph type="sldNum" sz="quarter" idx="10"/>
+          </p:nvPr>
+        </p:nvSpPr>
+        <p:spPr/>
+        <p:txBody>
+          <a:bodyPr/>
+          <a:lstStyle/>
+          <a:p>
+            <a:fld id="{E295798E-7BEE-4A25-96C8-F832B2F1E69A}" type="slidenum">
+              <a:rPr lang="de-CH" smtClean="0"/>
+              <a:t>26</a:t>
+            </a:fld>
+            <a:endParaRPr lang="de-CH"/>
+          </a:p>
+        </p:txBody>
+      </p:sp>
+    </p:spTree>
+    <p:extLst>
+      <p:ext uri="{BB962C8B-B14F-4D97-AF65-F5344CB8AC3E}">
+        <p14:creationId xmlns:p14="http://schemas.microsoft.com/office/powerpoint/2010/main" val="632488081"/>
       </p:ext>
     </p:extLst>
   </p:cSld>
@@ -15061,6 +15417,622 @@
           <p:cNvPr id="2" name="Titel 1">
             <a:extLst>
               <a:ext uri="{FF2B5EF4-FFF2-40B4-BE49-F238E27FC236}">
+                <a16:creationId xmlns:a16="http://schemas.microsoft.com/office/drawing/2014/main" id="{2982DB03-6346-4FBE-8A71-3EEB41D34C39}"/>
+              </a:ext>
+            </a:extLst>
+          </p:cNvPr>
+          <p:cNvSpPr>
+            <a:spLocks noGrp="1"/>
+          </p:cNvSpPr>
+          <p:nvPr>
+            <p:ph type="title"/>
+          </p:nvPr>
+        </p:nvSpPr>
+        <p:spPr/>
+        <p:txBody>
+          <a:bodyPr/>
+          <a:lstStyle/>
+          <a:p>
+            <a:r>
+              <a:rPr lang="de-CH" dirty="0"/>
+              <a:t>Alignment - Filterung</a:t>
+            </a:r>
+          </a:p>
+        </p:txBody>
+      </p:sp>
+      <p:sp>
+        <p:nvSpPr>
+          <p:cNvPr id="3" name="Inhaltsplatzhalter 2">
+            <a:extLst>
+              <a:ext uri="{FF2B5EF4-FFF2-40B4-BE49-F238E27FC236}">
+                <a16:creationId xmlns:a16="http://schemas.microsoft.com/office/drawing/2014/main" id="{C0E140F1-EABB-44AC-8F77-035CC2035B28}"/>
+              </a:ext>
+            </a:extLst>
+          </p:cNvPr>
+          <p:cNvSpPr>
+            <a:spLocks noGrp="1"/>
+          </p:cNvSpPr>
+          <p:nvPr>
+            <p:ph idx="1"/>
+          </p:nvPr>
+        </p:nvSpPr>
+        <p:spPr/>
+        <p:txBody>
+          <a:bodyPr/>
+          <a:lstStyle/>
+          <a:p>
+            <a:r>
+              <a:rPr lang="de-CH" dirty="0"/>
+              <a:t>Tools sind nicht perfekt</a:t>
+            </a:r>
+          </a:p>
+          <a:p>
+            <a:r>
+              <a:rPr lang="de-CH" dirty="0"/>
+              <a:t>Transkriptionen können Fehler beinhalten / unvollständig sein</a:t>
+            </a:r>
+          </a:p>
+          <a:p>
+            <a:r>
+              <a:rPr lang="de-CH" dirty="0"/>
+              <a:t>Fehlerhafte Wortpaarungen schleichen sich ein</a:t>
+            </a:r>
+          </a:p>
+          <a:p>
+            <a:r>
+              <a:rPr lang="de-CH" sz="1600" dirty="0">
+                <a:latin typeface="Consolas" panose="020B0609020204030204" pitchFamily="49" charset="0"/>
+              </a:rPr>
+              <a:t>["</a:t>
+            </a:r>
+            <a:r>
+              <a:rPr lang="de-CH" sz="1600" dirty="0" err="1">
+                <a:highlight>
+                  <a:srgbClr val="00FFFF"/>
+                </a:highlight>
+                <a:latin typeface="Consolas" panose="020B0609020204030204" pitchFamily="49" charset="0"/>
+              </a:rPr>
+              <a:t>druf</a:t>
+            </a:r>
+            <a:r>
+              <a:rPr lang="de-CH" sz="1600" dirty="0">
+                <a:highlight>
+                  <a:srgbClr val="00FFFF"/>
+                </a:highlight>
+                <a:latin typeface="Consolas" panose="020B0609020204030204" pitchFamily="49" charset="0"/>
+              </a:rPr>
+              <a:t> los</a:t>
+            </a:r>
+            <a:r>
+              <a:rPr lang="de-CH" sz="1600" dirty="0">
+                <a:latin typeface="Consolas" panose="020B0609020204030204" pitchFamily="49" charset="0"/>
+              </a:rPr>
+              <a:t>", "</a:t>
+            </a:r>
+            <a:r>
+              <a:rPr lang="de-CH" sz="1600" dirty="0" err="1">
+                <a:highlight>
+                  <a:srgbClr val="FF0000"/>
+                </a:highlight>
+                <a:latin typeface="Consolas" panose="020B0609020204030204" pitchFamily="49" charset="0"/>
+              </a:rPr>
+              <a:t>druf</a:t>
+            </a:r>
+            <a:r>
+              <a:rPr lang="de-CH" sz="1600" dirty="0">
+                <a:highlight>
+                  <a:srgbClr val="FF0000"/>
+                </a:highlight>
+                <a:latin typeface="Consolas" panose="020B0609020204030204" pitchFamily="49" charset="0"/>
+              </a:rPr>
+              <a:t> los </a:t>
+            </a:r>
+            <a:r>
+              <a:rPr lang="de-CH" sz="1600" dirty="0" err="1">
+                <a:highlight>
+                  <a:srgbClr val="FF0000"/>
+                </a:highlight>
+                <a:latin typeface="Consolas" panose="020B0609020204030204" pitchFamily="49" charset="0"/>
+              </a:rPr>
+              <a:t>ch</a:t>
+            </a:r>
+            <a:r>
+              <a:rPr lang="de-CH" sz="1600" dirty="0">
+                <a:latin typeface="Consolas" panose="020B0609020204030204" pitchFamily="49" charset="0"/>
+              </a:rPr>
+              <a:t>", "</a:t>
+            </a:r>
+            <a:r>
+              <a:rPr lang="de-CH" sz="1600" dirty="0" err="1">
+                <a:highlight>
+                  <a:srgbClr val="00FF00"/>
+                </a:highlight>
+                <a:latin typeface="Consolas" panose="020B0609020204030204" pitchFamily="49" charset="0"/>
+              </a:rPr>
+              <a:t>druflos</a:t>
+            </a:r>
+            <a:r>
+              <a:rPr lang="de-CH" sz="1600" dirty="0">
+                <a:highlight>
+                  <a:srgbClr val="00FF00"/>
+                </a:highlight>
+                <a:latin typeface="Consolas" panose="020B0609020204030204" pitchFamily="49" charset="0"/>
+              </a:rPr>
+              <a:t> maie</a:t>
+            </a:r>
+            <a:r>
+              <a:rPr lang="de-CH" sz="1600" dirty="0">
+                <a:latin typeface="Consolas" panose="020B0609020204030204" pitchFamily="49" charset="0"/>
+              </a:rPr>
+              <a:t>", "</a:t>
+            </a:r>
+            <a:r>
+              <a:rPr lang="de-CH" sz="1600" dirty="0" err="1">
+                <a:highlight>
+                  <a:srgbClr val="00FFFF"/>
+                </a:highlight>
+                <a:latin typeface="Consolas" panose="020B0609020204030204" pitchFamily="49" charset="0"/>
+              </a:rPr>
+              <a:t>druflos</a:t>
+            </a:r>
+            <a:r>
+              <a:rPr lang="de-CH" sz="1600" dirty="0">
+                <a:latin typeface="Consolas" panose="020B0609020204030204" pitchFamily="49" charset="0"/>
+              </a:rPr>
+              <a:t>", "</a:t>
+            </a:r>
+            <a:r>
+              <a:rPr lang="de-CH" sz="1600" dirty="0" err="1">
+                <a:highlight>
+                  <a:srgbClr val="00FF00"/>
+                </a:highlight>
+                <a:latin typeface="Consolas" panose="020B0609020204030204" pitchFamily="49" charset="0"/>
+              </a:rPr>
+              <a:t>druflosmäie</a:t>
+            </a:r>
+            <a:r>
+              <a:rPr lang="de-CH" sz="1600" dirty="0">
+                <a:latin typeface="Consolas" panose="020B0609020204030204" pitchFamily="49" charset="0"/>
+              </a:rPr>
+              <a:t>", "</a:t>
+            </a:r>
+            <a:r>
+              <a:rPr lang="de-CH" sz="1600" dirty="0">
+                <a:highlight>
+                  <a:srgbClr val="00FF00"/>
+                </a:highlight>
+                <a:latin typeface="Consolas" panose="020B0609020204030204" pitchFamily="49" charset="0"/>
+              </a:rPr>
+              <a:t>druff </a:t>
+            </a:r>
+            <a:r>
+              <a:rPr lang="de-CH" sz="1600" dirty="0" err="1">
+                <a:highlight>
+                  <a:srgbClr val="00FF00"/>
+                </a:highlight>
+                <a:latin typeface="Consolas" panose="020B0609020204030204" pitchFamily="49" charset="0"/>
+              </a:rPr>
+              <a:t>losmäie</a:t>
+            </a:r>
+            <a:r>
+              <a:rPr lang="de-CH" sz="1600" dirty="0">
+                <a:latin typeface="Consolas" panose="020B0609020204030204" pitchFamily="49" charset="0"/>
+              </a:rPr>
+              <a:t>"]</a:t>
+            </a:r>
+          </a:p>
+          <a:p>
+            <a:r>
+              <a:rPr lang="de-CH" dirty="0"/>
+              <a:t>Gleichbedeutende Wörter sind sich ähnlich</a:t>
+            </a:r>
+          </a:p>
+          <a:p>
+            <a:r>
+              <a:rPr lang="de-CH" dirty="0"/>
+              <a:t>Ist ein Wortpaar sich unähnlich, ist es vermutlich falsch</a:t>
+            </a:r>
+          </a:p>
+        </p:txBody>
+      </p:sp>
+    </p:spTree>
+    <p:extLst>
+      <p:ext uri="{BB962C8B-B14F-4D97-AF65-F5344CB8AC3E}">
+        <p14:creationId xmlns:p14="http://schemas.microsoft.com/office/powerpoint/2010/main" val="943004170"/>
+      </p:ext>
+    </p:extLst>
+  </p:cSld>
+  <p:clrMapOvr>
+    <a:masterClrMapping/>
+  </p:clrMapOvr>
+</p:sld>
+</file>
+
+<file path=ppt/slides/slide25.xml><?xml version="1.0" encoding="utf-8"?>
+<p:sld xmlns:a="http://schemas.openxmlformats.org/drawingml/2006/main" xmlns:r="http://schemas.openxmlformats.org/officeDocument/2006/relationships" xmlns:p="http://schemas.openxmlformats.org/presentationml/2006/main">
+  <p:cSld>
+    <p:spTree>
+      <p:nvGrpSpPr>
+        <p:cNvPr id="1" name=""/>
+        <p:cNvGrpSpPr/>
+        <p:nvPr/>
+      </p:nvGrpSpPr>
+      <p:grpSpPr>
+        <a:xfrm>
+          <a:off x="0" y="0"/>
+          <a:ext cx="0" cy="0"/>
+          <a:chOff x="0" y="0"/>
+          <a:chExt cx="0" cy="0"/>
+        </a:xfrm>
+      </p:grpSpPr>
+      <p:sp>
+        <p:nvSpPr>
+          <p:cNvPr id="2" name="Titel 1">
+            <a:extLst>
+              <a:ext uri="{FF2B5EF4-FFF2-40B4-BE49-F238E27FC236}">
+                <a16:creationId xmlns:a16="http://schemas.microsoft.com/office/drawing/2014/main" id="{9FC6A3A8-4AF4-4647-9A06-E253A98521B1}"/>
+              </a:ext>
+            </a:extLst>
+          </p:cNvPr>
+          <p:cNvSpPr>
+            <a:spLocks noGrp="1"/>
+          </p:cNvSpPr>
+          <p:nvPr>
+            <p:ph type="title"/>
+          </p:nvPr>
+        </p:nvSpPr>
+        <p:spPr/>
+        <p:txBody>
+          <a:bodyPr/>
+          <a:lstStyle/>
+          <a:p>
+            <a:r>
+              <a:rPr lang="de-CH" dirty="0"/>
+              <a:t>Wortähnlichkeit</a:t>
+            </a:r>
+          </a:p>
+        </p:txBody>
+      </p:sp>
+      <p:sp>
+        <p:nvSpPr>
+          <p:cNvPr id="3" name="Inhaltsplatzhalter 2">
+            <a:extLst>
+              <a:ext uri="{FF2B5EF4-FFF2-40B4-BE49-F238E27FC236}">
+                <a16:creationId xmlns:a16="http://schemas.microsoft.com/office/drawing/2014/main" id="{85A0F246-2E41-4554-9B12-924CB46CB692}"/>
+              </a:ext>
+            </a:extLst>
+          </p:cNvPr>
+          <p:cNvSpPr>
+            <a:spLocks noGrp="1"/>
+          </p:cNvSpPr>
+          <p:nvPr>
+            <p:ph idx="1"/>
+          </p:nvPr>
+        </p:nvSpPr>
+        <p:spPr/>
+        <p:txBody>
+          <a:bodyPr/>
+          <a:lstStyle/>
+          <a:p>
+            <a:r>
+              <a:rPr lang="de-CH" dirty="0"/>
+              <a:t>Gewichtete Damerau-</a:t>
+            </a:r>
+            <a:r>
+              <a:rPr lang="de-CH" dirty="0" err="1"/>
+              <a:t>Levenshtein</a:t>
+            </a:r>
+            <a:r>
+              <a:rPr lang="de-CH" dirty="0"/>
+              <a:t> Distanz</a:t>
+            </a:r>
+          </a:p>
+          <a:p>
+            <a:r>
+              <a:rPr lang="de-CH" dirty="0"/>
+              <a:t>Double </a:t>
+            </a:r>
+            <a:r>
+              <a:rPr lang="de-CH" dirty="0" err="1"/>
+              <a:t>Metaphone</a:t>
+            </a:r>
+            <a:r>
+              <a:rPr lang="de-CH" dirty="0"/>
+              <a:t>: Lautähnlichkeit</a:t>
+            </a:r>
+          </a:p>
+        </p:txBody>
+      </p:sp>
+    </p:spTree>
+    <p:extLst>
+      <p:ext uri="{BB962C8B-B14F-4D97-AF65-F5344CB8AC3E}">
+        <p14:creationId xmlns:p14="http://schemas.microsoft.com/office/powerpoint/2010/main" val="3832955513"/>
+      </p:ext>
+    </p:extLst>
+  </p:cSld>
+  <p:clrMapOvr>
+    <a:masterClrMapping/>
+  </p:clrMapOvr>
+</p:sld>
+</file>
+
+<file path=ppt/slides/slide26.xml><?xml version="1.0" encoding="utf-8"?>
+<p:sld xmlns:a="http://schemas.openxmlformats.org/drawingml/2006/main" xmlns:r="http://schemas.openxmlformats.org/officeDocument/2006/relationships" xmlns:p="http://schemas.openxmlformats.org/presentationml/2006/main">
+  <p:cSld>
+    <p:spTree>
+      <p:nvGrpSpPr>
+        <p:cNvPr id="1" name=""/>
+        <p:cNvGrpSpPr/>
+        <p:nvPr/>
+      </p:nvGrpSpPr>
+      <p:grpSpPr>
+        <a:xfrm>
+          <a:off x="0" y="0"/>
+          <a:ext cx="0" cy="0"/>
+          <a:chOff x="0" y="0"/>
+          <a:chExt cx="0" cy="0"/>
+        </a:xfrm>
+      </p:grpSpPr>
+      <p:sp>
+        <p:nvSpPr>
+          <p:cNvPr id="2" name="Titel 1">
+            <a:extLst>
+              <a:ext uri="{FF2B5EF4-FFF2-40B4-BE49-F238E27FC236}">
+                <a16:creationId xmlns:a16="http://schemas.microsoft.com/office/drawing/2014/main" id="{71BCFD36-3B89-43B7-843A-1F31CDF5BBF5}"/>
+              </a:ext>
+            </a:extLst>
+          </p:cNvPr>
+          <p:cNvSpPr>
+            <a:spLocks noGrp="1"/>
+          </p:cNvSpPr>
+          <p:nvPr>
+            <p:ph type="title"/>
+          </p:nvPr>
+        </p:nvSpPr>
+        <p:spPr/>
+        <p:txBody>
+          <a:bodyPr/>
+          <a:lstStyle/>
+          <a:p>
+            <a:endParaRPr lang="de-CH"/>
+          </a:p>
+        </p:txBody>
+      </p:sp>
+      <p:pic>
+        <p:nvPicPr>
+          <p:cNvPr id="7" name="Inhaltsplatzhalter 6">
+            <a:extLst>
+              <a:ext uri="{FF2B5EF4-FFF2-40B4-BE49-F238E27FC236}">
+                <a16:creationId xmlns:a16="http://schemas.microsoft.com/office/drawing/2014/main" id="{2B33DE0D-EFAF-4ECF-BDF3-CA5B7E707550}"/>
+              </a:ext>
+            </a:extLst>
+          </p:cNvPr>
+          <p:cNvPicPr>
+            <a:picLocks noGrp="1" noChangeAspect="1"/>
+          </p:cNvPicPr>
+          <p:nvPr>
+            <p:ph idx="1"/>
+          </p:nvPr>
+        </p:nvPicPr>
+        <p:blipFill>
+          <a:blip r:embed="rId3"/>
+          <a:stretch>
+            <a:fillRect/>
+          </a:stretch>
+        </p:blipFill>
+        <p:spPr>
+          <a:xfrm>
+            <a:off x="1211557" y="0"/>
+            <a:ext cx="8522752" cy="6759690"/>
+          </a:xfrm>
+          <a:prstGeom prst="rect">
+            <a:avLst/>
+          </a:prstGeom>
+        </p:spPr>
+      </p:pic>
+      <p:cxnSp>
+        <p:nvCxnSpPr>
+          <p:cNvPr id="9" name="Gerader Verbinder 8">
+            <a:extLst>
+              <a:ext uri="{FF2B5EF4-FFF2-40B4-BE49-F238E27FC236}">
+                <a16:creationId xmlns:a16="http://schemas.microsoft.com/office/drawing/2014/main" id="{631F41E2-91D7-4637-88E8-948A076E5577}"/>
+              </a:ext>
+            </a:extLst>
+          </p:cNvPr>
+          <p:cNvCxnSpPr/>
+          <p:nvPr/>
+        </p:nvCxnSpPr>
+        <p:spPr>
+          <a:xfrm>
+            <a:off x="1817226" y="2595623"/>
+            <a:ext cx="3680749" cy="350134"/>
+          </a:xfrm>
+          <a:prstGeom prst="line">
+            <a:avLst/>
+          </a:prstGeom>
+          <a:ln w="57150">
+            <a:solidFill>
+              <a:srgbClr val="C00000"/>
+            </a:solidFill>
+          </a:ln>
+        </p:spPr>
+        <p:style>
+          <a:lnRef idx="1">
+            <a:schemeClr val="accent1"/>
+          </a:lnRef>
+          <a:fillRef idx="0">
+            <a:schemeClr val="accent1"/>
+          </a:fillRef>
+          <a:effectRef idx="0">
+            <a:schemeClr val="accent1"/>
+          </a:effectRef>
+          <a:fontRef idx="minor">
+            <a:schemeClr val="tx1"/>
+          </a:fontRef>
+        </p:style>
+      </p:cxnSp>
+      <p:cxnSp>
+        <p:nvCxnSpPr>
+          <p:cNvPr id="11" name="Gerader Verbinder 10">
+            <a:extLst>
+              <a:ext uri="{FF2B5EF4-FFF2-40B4-BE49-F238E27FC236}">
+                <a16:creationId xmlns:a16="http://schemas.microsoft.com/office/drawing/2014/main" id="{176B77B7-52BE-41FF-A3C3-4399217C1F8E}"/>
+              </a:ext>
+            </a:extLst>
+          </p:cNvPr>
+          <p:cNvCxnSpPr/>
+          <p:nvPr/>
+        </p:nvCxnSpPr>
+        <p:spPr>
+          <a:xfrm flipH="1">
+            <a:off x="6991109" y="1357132"/>
+            <a:ext cx="1250066" cy="1157468"/>
+          </a:xfrm>
+          <a:prstGeom prst="line">
+            <a:avLst/>
+          </a:prstGeom>
+          <a:ln w="57150">
+            <a:solidFill>
+              <a:srgbClr val="C00000"/>
+            </a:solidFill>
+          </a:ln>
+        </p:spPr>
+        <p:style>
+          <a:lnRef idx="1">
+            <a:schemeClr val="accent1"/>
+          </a:lnRef>
+          <a:fillRef idx="0">
+            <a:schemeClr val="accent1"/>
+          </a:fillRef>
+          <a:effectRef idx="0">
+            <a:schemeClr val="accent1"/>
+          </a:effectRef>
+          <a:fontRef idx="minor">
+            <a:schemeClr val="tx1"/>
+          </a:fontRef>
+        </p:style>
+      </p:cxnSp>
+      <p:cxnSp>
+        <p:nvCxnSpPr>
+          <p:cNvPr id="13" name="Gerader Verbinder 12">
+            <a:extLst>
+              <a:ext uri="{FF2B5EF4-FFF2-40B4-BE49-F238E27FC236}">
+                <a16:creationId xmlns:a16="http://schemas.microsoft.com/office/drawing/2014/main" id="{85DAA568-4561-4C54-84B7-B2E8BA369C9D}"/>
+              </a:ext>
+            </a:extLst>
+          </p:cNvPr>
+          <p:cNvCxnSpPr>
+            <a:cxnSpLocks/>
+          </p:cNvCxnSpPr>
+          <p:nvPr/>
+        </p:nvCxnSpPr>
+        <p:spPr>
+          <a:xfrm flipH="1">
+            <a:off x="8958806" y="2419109"/>
+            <a:ext cx="567159" cy="729205"/>
+          </a:xfrm>
+          <a:prstGeom prst="line">
+            <a:avLst/>
+          </a:prstGeom>
+          <a:ln w="19050">
+            <a:solidFill>
+              <a:srgbClr val="C00000"/>
+            </a:solidFill>
+          </a:ln>
+        </p:spPr>
+        <p:style>
+          <a:lnRef idx="1">
+            <a:schemeClr val="accent1"/>
+          </a:lnRef>
+          <a:fillRef idx="0">
+            <a:schemeClr val="accent1"/>
+          </a:fillRef>
+          <a:effectRef idx="0">
+            <a:schemeClr val="accent1"/>
+          </a:effectRef>
+          <a:fontRef idx="minor">
+            <a:schemeClr val="tx1"/>
+          </a:fontRef>
+        </p:style>
+      </p:cxnSp>
+      <p:cxnSp>
+        <p:nvCxnSpPr>
+          <p:cNvPr id="15" name="Gerader Verbinder 14">
+            <a:extLst>
+              <a:ext uri="{FF2B5EF4-FFF2-40B4-BE49-F238E27FC236}">
+                <a16:creationId xmlns:a16="http://schemas.microsoft.com/office/drawing/2014/main" id="{E24C8F82-F0A8-41D4-AC6D-768A03DF4EDD}"/>
+              </a:ext>
+            </a:extLst>
+          </p:cNvPr>
+          <p:cNvCxnSpPr>
+            <a:cxnSpLocks/>
+          </p:cNvCxnSpPr>
+          <p:nvPr/>
+        </p:nvCxnSpPr>
+        <p:spPr>
+          <a:xfrm>
+            <a:off x="9039828" y="2419109"/>
+            <a:ext cx="486137" cy="729205"/>
+          </a:xfrm>
+          <a:prstGeom prst="line">
+            <a:avLst/>
+          </a:prstGeom>
+          <a:ln w="19050">
+            <a:solidFill>
+              <a:srgbClr val="C00000"/>
+            </a:solidFill>
+          </a:ln>
+        </p:spPr>
+        <p:style>
+          <a:lnRef idx="1">
+            <a:schemeClr val="accent1"/>
+          </a:lnRef>
+          <a:fillRef idx="0">
+            <a:schemeClr val="accent1"/>
+          </a:fillRef>
+          <a:effectRef idx="0">
+            <a:schemeClr val="accent1"/>
+          </a:effectRef>
+          <a:fontRef idx="minor">
+            <a:schemeClr val="tx1"/>
+          </a:fontRef>
+        </p:style>
+      </p:cxnSp>
+    </p:spTree>
+    <p:extLst>
+      <p:ext uri="{BB962C8B-B14F-4D97-AF65-F5344CB8AC3E}">
+        <p14:creationId xmlns:p14="http://schemas.microsoft.com/office/powerpoint/2010/main" val="2861002473"/>
+      </p:ext>
+    </p:extLst>
+  </p:cSld>
+  <p:clrMapOvr>
+    <a:masterClrMapping/>
+  </p:clrMapOvr>
+</p:sld>
+</file>
+
+<file path=ppt/slides/slide27.xml><?xml version="1.0" encoding="utf-8"?>
+<p:sld xmlns:a="http://schemas.openxmlformats.org/drawingml/2006/main" xmlns:r="http://schemas.openxmlformats.org/officeDocument/2006/relationships" xmlns:p="http://schemas.openxmlformats.org/presentationml/2006/main">
+  <p:cSld>
+    <p:spTree>
+      <p:nvGrpSpPr>
+        <p:cNvPr id="1" name=""/>
+        <p:cNvGrpSpPr/>
+        <p:nvPr/>
+      </p:nvGrpSpPr>
+      <p:grpSpPr>
+        <a:xfrm>
+          <a:off x="0" y="0"/>
+          <a:ext cx="0" cy="0"/>
+          <a:chOff x="0" y="0"/>
+          <a:chExt cx="0" cy="0"/>
+        </a:xfrm>
+      </p:grpSpPr>
+      <p:sp>
+        <p:nvSpPr>
+          <p:cNvPr id="2" name="Titel 1">
+            <a:extLst>
+              <a:ext uri="{FF2B5EF4-FFF2-40B4-BE49-F238E27FC236}">
                 <a16:creationId xmlns:a16="http://schemas.microsoft.com/office/drawing/2014/main" id="{F42E0D39-263D-453D-98D0-EDC0A0A138A3}"/>
               </a:ext>
             </a:extLst>

--- a/doc/IP5_Presentation.pptx
+++ b/doc/IP5_Presentation.pptx
@@ -5,36 +5,35 @@
     <p:sldMasterId id="2147483648" r:id="rId1"/>
   </p:sldMasterIdLst>
   <p:notesMasterIdLst>
-    <p:notesMasterId r:id="rId29"/>
+    <p:notesMasterId r:id="rId28"/>
   </p:notesMasterIdLst>
   <p:sldIdLst>
     <p:sldId id="256" r:id="rId2"/>
-    <p:sldId id="261" r:id="rId3"/>
-    <p:sldId id="257" r:id="rId4"/>
-    <p:sldId id="259" r:id="rId5"/>
-    <p:sldId id="260" r:id="rId6"/>
-    <p:sldId id="262" r:id="rId7"/>
-    <p:sldId id="263" r:id="rId8"/>
-    <p:sldId id="264" r:id="rId9"/>
-    <p:sldId id="265" r:id="rId10"/>
-    <p:sldId id="266" r:id="rId11"/>
-    <p:sldId id="267" r:id="rId12"/>
-    <p:sldId id="269" r:id="rId13"/>
-    <p:sldId id="274" r:id="rId14"/>
-    <p:sldId id="277" r:id="rId15"/>
-    <p:sldId id="271" r:id="rId16"/>
-    <p:sldId id="272" r:id="rId17"/>
-    <p:sldId id="280" r:id="rId18"/>
-    <p:sldId id="281" r:id="rId19"/>
-    <p:sldId id="279" r:id="rId20"/>
-    <p:sldId id="258" r:id="rId21"/>
-    <p:sldId id="278" r:id="rId22"/>
-    <p:sldId id="282" r:id="rId23"/>
-    <p:sldId id="283" r:id="rId24"/>
-    <p:sldId id="286" r:id="rId25"/>
-    <p:sldId id="287" r:id="rId26"/>
-    <p:sldId id="285" r:id="rId27"/>
-    <p:sldId id="284" r:id="rId28"/>
+    <p:sldId id="260" r:id="rId3"/>
+    <p:sldId id="262" r:id="rId4"/>
+    <p:sldId id="263" r:id="rId5"/>
+    <p:sldId id="264" r:id="rId6"/>
+    <p:sldId id="265" r:id="rId7"/>
+    <p:sldId id="266" r:id="rId8"/>
+    <p:sldId id="267" r:id="rId9"/>
+    <p:sldId id="269" r:id="rId10"/>
+    <p:sldId id="274" r:id="rId11"/>
+    <p:sldId id="277" r:id="rId12"/>
+    <p:sldId id="271" r:id="rId13"/>
+    <p:sldId id="272" r:id="rId14"/>
+    <p:sldId id="280" r:id="rId15"/>
+    <p:sldId id="281" r:id="rId16"/>
+    <p:sldId id="279" r:id="rId17"/>
+    <p:sldId id="258" r:id="rId18"/>
+    <p:sldId id="278" r:id="rId19"/>
+    <p:sldId id="282" r:id="rId20"/>
+    <p:sldId id="283" r:id="rId21"/>
+    <p:sldId id="286" r:id="rId22"/>
+    <p:sldId id="287" r:id="rId23"/>
+    <p:sldId id="285" r:id="rId24"/>
+    <p:sldId id="284" r:id="rId25"/>
+    <p:sldId id="288" r:id="rId26"/>
+    <p:sldId id="289" r:id="rId27"/>
   </p:sldIdLst>
   <p:sldSz cx="12192000" cy="6858000"/>
   <p:notesSz cx="6858000" cy="9144000"/>
@@ -858,79 +857,10 @@
           <a:lstStyle/>
           <a:p>
             <a:r>
-              <a:rPr lang="de-CH" dirty="0"/>
-              <a:t>Im Rahmen des vom Schweizerischen </a:t>
-            </a:r>
-            <a:r>
-              <a:rPr lang="de-CH" dirty="0" err="1"/>
-              <a:t>Nationalfods</a:t>
-            </a:r>
-            <a:r>
-              <a:rPr lang="de-CH" dirty="0"/>
-              <a:t> geförderten Agora-Project «Citizen </a:t>
-            </a:r>
-            <a:r>
-              <a:rPr lang="de-CH" dirty="0" err="1"/>
-              <a:t>Linguistics</a:t>
-            </a:r>
-            <a:r>
-              <a:rPr lang="de-CH" dirty="0"/>
-              <a:t>: </a:t>
-            </a:r>
-            <a:r>
-              <a:rPr lang="de-CH" dirty="0" err="1"/>
-              <a:t>Locate</a:t>
-            </a:r>
-            <a:r>
-              <a:rPr lang="de-CH" dirty="0"/>
-              <a:t> </a:t>
-            </a:r>
-            <a:r>
-              <a:rPr lang="de-CH" dirty="0" err="1"/>
-              <a:t>that</a:t>
-            </a:r>
-            <a:r>
-              <a:rPr lang="de-CH" dirty="0"/>
-              <a:t> </a:t>
-            </a:r>
-            <a:r>
-              <a:rPr lang="de-CH" dirty="0" err="1"/>
-              <a:t>dialect</a:t>
-            </a:r>
-            <a:r>
-              <a:rPr lang="de-CH" dirty="0"/>
-              <a:t>!» ist die Website www.dindialaekt.ch/ entstanden. </a:t>
-            </a:r>
-          </a:p>
-          <a:p>
-            <a:r>
-              <a:rPr lang="de-CH" dirty="0"/>
-              <a:t>Unter dem Begriff Citizen Science versteht man die aktive Beteiligung der Bevölkerung an der wissenschaftlichen Forschung.</a:t>
-            </a:r>
-          </a:p>
-          <a:p>
-            <a:r>
-              <a:rPr lang="de-CH" dirty="0"/>
-              <a:t>Auf dieser Website können Benutzer unter Anderem folgenden Task erledigen: </a:t>
-            </a:r>
-          </a:p>
-          <a:p>
-            <a:r>
-              <a:rPr lang="de-CH" dirty="0"/>
-              <a:t>• Transkription schweizerdeutschen Audiofiles </a:t>
-            </a:r>
-          </a:p>
-          <a:p>
-            <a:r>
-              <a:rPr lang="de-CH" dirty="0"/>
-              <a:t>• Identifizieren von Dialekten mittels Lokalisierung auf einer Karte </a:t>
-            </a:r>
-          </a:p>
-          <a:p>
-            <a:r>
-              <a:rPr lang="de-CH" dirty="0"/>
-              <a:t>• Übersetzung von schweizerdeutschen zu hochdeutschen Texten </a:t>
-            </a:r>
+              <a:rPr lang="de-CH" dirty="0" err="1"/>
+              <a:t>fabio</a:t>
+            </a:r>
+            <a:endParaRPr lang="de-CH" dirty="0"/>
           </a:p>
         </p:txBody>
       </p:sp>
@@ -951,7 +881,7 @@
           <a:p>
             <a:fld id="{E295798E-7BEE-4A25-96C8-F832B2F1E69A}" type="slidenum">
               <a:rPr lang="de-CH" smtClean="0"/>
-              <a:t>5</a:t>
+              <a:t>1</a:t>
             </a:fld>
             <a:endParaRPr lang="de-CH"/>
           </a:p>
@@ -960,7 +890,7 @@
     </p:spTree>
     <p:extLst>
       <p:ext uri="{BB962C8B-B14F-4D97-AF65-F5344CB8AC3E}">
-        <p14:creationId xmlns:p14="http://schemas.microsoft.com/office/powerpoint/2010/main" val="1948098643"/>
+        <p14:creationId xmlns:p14="http://schemas.microsoft.com/office/powerpoint/2010/main" val="1544092969"/>
       </p:ext>
     </p:extLst>
   </p:cSld>
@@ -1015,47 +945,25 @@
           <a:lstStyle/>
           <a:p>
             <a:r>
-              <a:rPr lang="de-CH" dirty="0"/>
-              <a:t>Zusammengehörigkeit der Wörter in zwei </a:t>
-            </a:r>
-            <a:r>
-              <a:rPr lang="de-CH" dirty="0" err="1"/>
-              <a:t>sätzen</a:t>
-            </a:r>
-            <a:r>
-              <a:rPr lang="de-CH" dirty="0"/>
-              <a:t> unterschiedlicher Sprachen</a:t>
-            </a:r>
-          </a:p>
-          <a:p>
-            <a:r>
-              <a:rPr lang="de-CH" dirty="0"/>
-              <a:t>Resultat: </a:t>
-            </a:r>
-            <a:r>
-              <a:rPr lang="de-CH" dirty="0" err="1"/>
-              <a:t>bipartiter</a:t>
-            </a:r>
-            <a:r>
-              <a:rPr lang="de-CH" dirty="0"/>
-              <a:t> </a:t>
-            </a:r>
-            <a:r>
-              <a:rPr lang="de-CH" dirty="0" err="1"/>
-              <a:t>graph</a:t>
+              <a:rPr lang="de-CH" dirty="0" err="1"/>
+              <a:t>matthias</a:t>
             </a:r>
             <a:endParaRPr lang="de-CH" dirty="0"/>
           </a:p>
           <a:p>
             <a:r>
               <a:rPr lang="de-CH" dirty="0"/>
-              <a:t>Schwierigkeit: Reihenfolge unterschiedlich, 1 zu n </a:t>
-            </a:r>
-            <a:r>
-              <a:rPr lang="de-CH" dirty="0" err="1"/>
-              <a:t>beziehung</a:t>
-            </a:r>
+              <a:t>Bewertung zwischen 0 und 1</a:t>
+            </a:r>
+          </a:p>
+          <a:p>
             <a:endParaRPr lang="de-CH" dirty="0"/>
+          </a:p>
+          <a:p>
+            <a:r>
+              <a:rPr lang="de-CH" dirty="0"/>
+              <a:t>Filterung berücksichtigt nur die numerische Bewertung des Satzes</a:t>
+            </a:r>
           </a:p>
         </p:txBody>
       </p:sp>
@@ -1076,7 +984,7 @@
           <a:p>
             <a:fld id="{E295798E-7BEE-4A25-96C8-F832B2F1E69A}" type="slidenum">
               <a:rPr lang="de-CH" smtClean="0"/>
-              <a:t>14</a:t>
+              <a:t>10</a:t>
             </a:fld>
             <a:endParaRPr lang="de-CH"/>
           </a:p>
@@ -1085,7 +993,7 @@
     </p:spTree>
     <p:extLst>
       <p:ext uri="{BB962C8B-B14F-4D97-AF65-F5344CB8AC3E}">
-        <p14:creationId xmlns:p14="http://schemas.microsoft.com/office/powerpoint/2010/main" val="1421288029"/>
+        <p14:creationId xmlns:p14="http://schemas.microsoft.com/office/powerpoint/2010/main" val="3801347383"/>
       </p:ext>
     </p:extLst>
   </p:cSld>
@@ -1140,29 +1048,54 @@
           <a:lstStyle/>
           <a:p>
             <a:r>
-              <a:rPr lang="de-CH" dirty="0"/>
-              <a:t>Transkription A ist «</a:t>
-            </a:r>
-            <a:r>
-              <a:rPr lang="de-CH" dirty="0" err="1"/>
-              <a:t>übersetzung</a:t>
-            </a:r>
-            <a:r>
-              <a:rPr lang="de-CH" dirty="0"/>
-              <a:t>» von Transkription B</a:t>
-            </a:r>
-          </a:p>
-          <a:p>
-            <a:r>
-              <a:rPr lang="de-CH" dirty="0"/>
-              <a:t>Reihenfolge stabil, nutzen wir aus</a:t>
-            </a:r>
-          </a:p>
-          <a:p>
-            <a:r>
-              <a:rPr lang="de-CH" dirty="0"/>
-              <a:t>Trotzdem nicht trivial: 1 zu n existiert immer noch</a:t>
-            </a:r>
+              <a:rPr lang="de-CH" dirty="0" err="1"/>
+              <a:t>fabio</a:t>
+            </a:r>
+            <a:endParaRPr lang="de-CH" dirty="0"/>
+          </a:p>
+          <a:p>
+            <a:r>
+              <a:rPr lang="de-CH" dirty="0"/>
+              <a:t>Zusammengehörigkeit der Wörter in zwei </a:t>
+            </a:r>
+            <a:r>
+              <a:rPr lang="de-CH" dirty="0" err="1"/>
+              <a:t>sätzen</a:t>
+            </a:r>
+            <a:r>
+              <a:rPr lang="de-CH" dirty="0"/>
+              <a:t> unterschiedlicher Sprachen</a:t>
+            </a:r>
+          </a:p>
+          <a:p>
+            <a:r>
+              <a:rPr lang="de-CH" dirty="0"/>
+              <a:t>Resultat: </a:t>
+            </a:r>
+            <a:r>
+              <a:rPr lang="de-CH" dirty="0" err="1"/>
+              <a:t>bipartiter</a:t>
+            </a:r>
+            <a:r>
+              <a:rPr lang="de-CH" dirty="0"/>
+              <a:t> </a:t>
+            </a:r>
+            <a:r>
+              <a:rPr lang="de-CH" dirty="0" err="1"/>
+              <a:t>graph</a:t>
+            </a:r>
+            <a:endParaRPr lang="de-CH" dirty="0"/>
+          </a:p>
+          <a:p>
+            <a:r>
+              <a:rPr lang="de-CH" dirty="0"/>
+              <a:t>Schwierigkeit: Reihenfolge unterschiedlich, 1 zu n </a:t>
+            </a:r>
+            <a:r>
+              <a:rPr lang="de-CH" dirty="0" err="1"/>
+              <a:t>beziehung</a:t>
+            </a:r>
+            <a:endParaRPr lang="de-CH" dirty="0"/>
           </a:p>
         </p:txBody>
       </p:sp>
@@ -1183,7 +1116,7 @@
           <a:p>
             <a:fld id="{E295798E-7BEE-4A25-96C8-F832B2F1E69A}" type="slidenum">
               <a:rPr lang="de-CH" smtClean="0"/>
-              <a:t>15</a:t>
+              <a:t>11</a:t>
             </a:fld>
             <a:endParaRPr lang="de-CH"/>
           </a:p>
@@ -1192,7 +1125,7 @@
     </p:spTree>
     <p:extLst>
       <p:ext uri="{BB962C8B-B14F-4D97-AF65-F5344CB8AC3E}">
-        <p14:creationId xmlns:p14="http://schemas.microsoft.com/office/powerpoint/2010/main" val="4010010587"/>
+        <p14:creationId xmlns:p14="http://schemas.microsoft.com/office/powerpoint/2010/main" val="1421288029"/>
       </p:ext>
     </p:extLst>
   </p:cSld>
@@ -1248,74 +1181,34 @@
           <a:p>
             <a:r>
               <a:rPr lang="de-CH" dirty="0"/>
-              <a:t>Mehr als 2 zusammengehörige Sätze</a:t>
-            </a:r>
-          </a:p>
-          <a:p>
-            <a:r>
-              <a:rPr lang="de-CH" dirty="0"/>
-              <a:t>Satzpaare bilden, </a:t>
-            </a:r>
-            <a:r>
-              <a:rPr lang="de-CH" dirty="0" err="1"/>
-              <a:t>resultat</a:t>
-            </a:r>
-            <a:r>
-              <a:rPr lang="de-CH" dirty="0"/>
-              <a:t> kombinieren</a:t>
-            </a:r>
-          </a:p>
-          <a:p>
-            <a:r>
-              <a:rPr lang="de-CH" dirty="0"/>
-              <a:t>Kombination von a-b </a:t>
-            </a:r>
-            <a:r>
-              <a:rPr lang="de-CH" dirty="0" err="1"/>
-              <a:t>alignment</a:t>
-            </a:r>
-            <a:r>
-              <a:rPr lang="de-CH" dirty="0"/>
-              <a:t> und b-c </a:t>
-            </a:r>
-            <a:r>
-              <a:rPr lang="de-CH" dirty="0" err="1"/>
-              <a:t>alignment</a:t>
-            </a:r>
-            <a:r>
-              <a:rPr lang="de-CH" dirty="0"/>
-              <a:t> in einen </a:t>
-            </a:r>
-            <a:r>
-              <a:rPr lang="de-CH" dirty="0" err="1"/>
-              <a:t>graphen</a:t>
-            </a:r>
-            <a:endParaRPr lang="de-CH" dirty="0"/>
-          </a:p>
-          <a:p>
-            <a:r>
-              <a:rPr lang="de-CH" dirty="0"/>
-              <a:t>Wörter sind knoten</a:t>
-            </a:r>
-          </a:p>
-          <a:p>
-            <a:r>
-              <a:rPr lang="de-CH" dirty="0"/>
-              <a:t>(Zusammenhangs)</a:t>
-            </a:r>
-            <a:r>
-              <a:rPr lang="de-CH" dirty="0" err="1"/>
-              <a:t>komponenten</a:t>
-            </a:r>
-            <a:r>
-              <a:rPr lang="de-CH" dirty="0"/>
-              <a:t> sind </a:t>
-            </a:r>
-            <a:r>
-              <a:rPr lang="de-CH" dirty="0" err="1"/>
-              <a:t>wortgruppen</a:t>
-            </a:r>
-            <a:endParaRPr lang="de-CH" dirty="0"/>
+              <a:t>Fabio</a:t>
+            </a:r>
+          </a:p>
+          <a:p>
+            <a:r>
+              <a:rPr lang="de-CH" dirty="0"/>
+              <a:t>Transkription A ist «</a:t>
+            </a:r>
+            <a:r>
+              <a:rPr lang="de-CH" dirty="0" err="1"/>
+              <a:t>übersetzung</a:t>
+            </a:r>
+            <a:r>
+              <a:rPr lang="de-CH" dirty="0"/>
+              <a:t>» von Transkription B</a:t>
+            </a:r>
+          </a:p>
+          <a:p>
+            <a:r>
+              <a:rPr lang="de-CH" dirty="0"/>
+              <a:t>Reihenfolge stabil, nutzen wir aus</a:t>
+            </a:r>
+          </a:p>
+          <a:p>
+            <a:r>
+              <a:rPr lang="de-CH" dirty="0"/>
+              <a:t>Trotzdem nicht trivial: 1 zu n existiert immer noch</a:t>
+            </a:r>
           </a:p>
         </p:txBody>
       </p:sp>
@@ -1336,7 +1229,7 @@
           <a:p>
             <a:fld id="{E295798E-7BEE-4A25-96C8-F832B2F1E69A}" type="slidenum">
               <a:rPr lang="de-CH" smtClean="0"/>
-              <a:t>16</a:t>
+              <a:t>12</a:t>
             </a:fld>
             <a:endParaRPr lang="de-CH"/>
           </a:p>
@@ -1345,7 +1238,7 @@
     </p:spTree>
     <p:extLst>
       <p:ext uri="{BB962C8B-B14F-4D97-AF65-F5344CB8AC3E}">
-        <p14:creationId xmlns:p14="http://schemas.microsoft.com/office/powerpoint/2010/main" val="4128937707"/>
+        <p14:creationId xmlns:p14="http://schemas.microsoft.com/office/powerpoint/2010/main" val="4010010587"/>
       </p:ext>
     </p:extLst>
   </p:cSld>
@@ -1400,23 +1293,80 @@
           <a:lstStyle/>
           <a:p>
             <a:r>
-              <a:rPr lang="de-CH" dirty="0" err="1"/>
-              <a:t>Json</a:t>
-            </a:r>
-            <a:r>
-              <a:rPr lang="de-CH" dirty="0"/>
-              <a:t> </a:t>
-            </a:r>
-            <a:r>
-              <a:rPr lang="de-CH" dirty="0" err="1"/>
-              <a:t>format</a:t>
+              <a:rPr lang="de-CH" dirty="0"/>
+              <a:t>Fabio</a:t>
+            </a:r>
+          </a:p>
+          <a:p>
+            <a:r>
+              <a:rPr lang="de-CH" dirty="0"/>
+              <a:t>Mehr als 2 zusammengehörige Sätze</a:t>
+            </a:r>
+          </a:p>
+          <a:p>
+            <a:r>
+              <a:rPr lang="de-CH" dirty="0"/>
+              <a:t>Satzpaare bilden, </a:t>
+            </a:r>
+            <a:r>
+              <a:rPr lang="de-CH" dirty="0" err="1"/>
+              <a:t>resultat</a:t>
+            </a:r>
+            <a:r>
+              <a:rPr lang="de-CH" dirty="0"/>
+              <a:t> kombinieren</a:t>
+            </a:r>
+          </a:p>
+          <a:p>
+            <a:r>
+              <a:rPr lang="de-CH" dirty="0"/>
+              <a:t>Kombination von a-b </a:t>
+            </a:r>
+            <a:r>
+              <a:rPr lang="de-CH" dirty="0" err="1"/>
+              <a:t>alignment</a:t>
+            </a:r>
+            <a:r>
+              <a:rPr lang="de-CH" dirty="0"/>
+              <a:t> und b-c </a:t>
+            </a:r>
+            <a:r>
+              <a:rPr lang="de-CH" dirty="0" err="1"/>
+              <a:t>alignment</a:t>
+            </a:r>
+            <a:r>
+              <a:rPr lang="de-CH" dirty="0"/>
+              <a:t> in einen </a:t>
+            </a:r>
+            <a:r>
+              <a:rPr lang="de-CH" dirty="0" err="1"/>
+              <a:t>graphen</a:t>
             </a:r>
             <a:endParaRPr lang="de-CH" dirty="0"/>
           </a:p>
           <a:p>
-            <a:endParaRPr lang="de-CH" dirty="0"/>
-          </a:p>
-          <a:p>
+            <a:r>
+              <a:rPr lang="de-CH" dirty="0"/>
+              <a:t>Wörter sind knoten</a:t>
+            </a:r>
+          </a:p>
+          <a:p>
+            <a:r>
+              <a:rPr lang="de-CH" dirty="0"/>
+              <a:t>(Zusammenhangs)</a:t>
+            </a:r>
+            <a:r>
+              <a:rPr lang="de-CH" dirty="0" err="1"/>
+              <a:t>komponenten</a:t>
+            </a:r>
+            <a:r>
+              <a:rPr lang="de-CH" dirty="0"/>
+              <a:t> sind </a:t>
+            </a:r>
+            <a:r>
+              <a:rPr lang="de-CH" dirty="0" err="1"/>
+              <a:t>wortgruppen</a:t>
+            </a:r>
             <a:endParaRPr lang="de-CH" dirty="0"/>
           </a:p>
         </p:txBody>
@@ -1438,7 +1388,7 @@
           <a:p>
             <a:fld id="{E295798E-7BEE-4A25-96C8-F832B2F1E69A}" type="slidenum">
               <a:rPr lang="de-CH" smtClean="0"/>
-              <a:t>17</a:t>
+              <a:t>13</a:t>
             </a:fld>
             <a:endParaRPr lang="de-CH"/>
           </a:p>
@@ -1447,7 +1397,7 @@
     </p:spTree>
     <p:extLst>
       <p:ext uri="{BB962C8B-B14F-4D97-AF65-F5344CB8AC3E}">
-        <p14:creationId xmlns:p14="http://schemas.microsoft.com/office/powerpoint/2010/main" val="974972154"/>
+        <p14:creationId xmlns:p14="http://schemas.microsoft.com/office/powerpoint/2010/main" val="4128937707"/>
       </p:ext>
     </p:extLst>
   </p:cSld>
@@ -1503,14 +1453,29 @@
           <a:p>
             <a:r>
               <a:rPr lang="de-CH" dirty="0"/>
-              <a:t>Auslassungen sollen ersetzt werden,</a:t>
-            </a:r>
-          </a:p>
-          <a:p>
-            <a:r>
-              <a:rPr lang="de-CH" dirty="0"/>
-              <a:t>Passendes Wort muss gefunden werden</a:t>
-            </a:r>
+              <a:t>Fabio</a:t>
+            </a:r>
+          </a:p>
+          <a:p>
+            <a:r>
+              <a:rPr lang="de-CH" dirty="0" err="1"/>
+              <a:t>Json</a:t>
+            </a:r>
+            <a:r>
+              <a:rPr lang="de-CH" dirty="0"/>
+              <a:t> </a:t>
+            </a:r>
+            <a:r>
+              <a:rPr lang="de-CH" dirty="0" err="1"/>
+              <a:t>format</a:t>
+            </a:r>
+            <a:endParaRPr lang="de-CH" dirty="0"/>
+          </a:p>
+          <a:p>
+            <a:endParaRPr lang="de-CH" dirty="0"/>
+          </a:p>
+          <a:p>
+            <a:endParaRPr lang="de-CH" dirty="0"/>
           </a:p>
         </p:txBody>
       </p:sp>
@@ -1531,7 +1496,7 @@
           <a:p>
             <a:fld id="{E295798E-7BEE-4A25-96C8-F832B2F1E69A}" type="slidenum">
               <a:rPr lang="de-CH" smtClean="0"/>
-              <a:t>18</a:t>
+              <a:t>14</a:t>
             </a:fld>
             <a:endParaRPr lang="de-CH"/>
           </a:p>
@@ -1540,7 +1505,7 @@
     </p:spTree>
     <p:extLst>
       <p:ext uri="{BB962C8B-B14F-4D97-AF65-F5344CB8AC3E}">
-        <p14:creationId xmlns:p14="http://schemas.microsoft.com/office/powerpoint/2010/main" val="3999478022"/>
+        <p14:creationId xmlns:p14="http://schemas.microsoft.com/office/powerpoint/2010/main" val="974972154"/>
       </p:ext>
     </p:extLst>
   </p:cSld>
@@ -1595,99 +1560,21 @@
           <a:lstStyle/>
           <a:p>
             <a:r>
-              <a:rPr lang="de-CH" dirty="0" err="1"/>
-              <a:t>Levenshtein</a:t>
-            </a:r>
-            <a:r>
-              <a:rPr lang="de-CH" dirty="0"/>
-              <a:t>/</a:t>
-            </a:r>
-            <a:r>
-              <a:rPr lang="de-CH" dirty="0" err="1"/>
-              <a:t>Editdistanz</a:t>
-            </a:r>
-            <a:r>
-              <a:rPr lang="de-CH" dirty="0"/>
-              <a:t> ist offensichtlich</a:t>
-            </a:r>
-          </a:p>
-          <a:p>
-            <a:r>
-              <a:rPr lang="de-CH" dirty="0"/>
-              <a:t>Je näher eine </a:t>
-            </a:r>
-            <a:r>
-              <a:rPr lang="de-CH" dirty="0" err="1"/>
-              <a:t>maschinenübersetzung</a:t>
-            </a:r>
-            <a:r>
-              <a:rPr lang="de-CH" dirty="0"/>
-              <a:t> an einer menschlichen, desto besser ist sie.</a:t>
-            </a:r>
-          </a:p>
-          <a:p>
-            <a:r>
-              <a:rPr lang="de-CH" dirty="0"/>
-              <a:t>Maschinenübersetzung = zu bewertender </a:t>
-            </a:r>
-            <a:r>
-              <a:rPr lang="de-CH" dirty="0" err="1"/>
-              <a:t>satz</a:t>
-            </a:r>
-            <a:endParaRPr lang="de-CH" dirty="0"/>
-          </a:p>
-          <a:p>
-            <a:r>
-              <a:rPr lang="de-CH" dirty="0"/>
-              <a:t>Referenzübersetzungen = alle anderen Sätze</a:t>
-            </a:r>
-          </a:p>
-          <a:p>
-            <a:r>
-              <a:rPr lang="de-CH" dirty="0"/>
-              <a:t>Alternativen und </a:t>
-            </a:r>
-            <a:r>
-              <a:rPr lang="de-CH" dirty="0" err="1"/>
-              <a:t>verbesserungen</a:t>
-            </a:r>
-            <a:r>
-              <a:rPr lang="de-CH" dirty="0"/>
-              <a:t> von bleu bekannt</a:t>
-            </a:r>
-          </a:p>
-          <a:p>
-            <a:r>
-              <a:rPr lang="de-CH" dirty="0"/>
-              <a:t>Wir verwenden </a:t>
-            </a:r>
-            <a:r>
-              <a:rPr lang="de-CH" dirty="0" err="1"/>
-              <a:t>smoothin</a:t>
-            </a:r>
-            <a:r>
-              <a:rPr lang="de-CH" dirty="0"/>
-              <a:t> </a:t>
-            </a:r>
-            <a:r>
-              <a:rPr lang="de-CH" dirty="0" err="1"/>
-              <a:t>function</a:t>
-            </a:r>
-            <a:r>
-              <a:rPr lang="de-CH" dirty="0"/>
-              <a:t> für bleu, verbessert Ergebnis bei einzelnen </a:t>
-            </a:r>
-            <a:r>
-              <a:rPr lang="de-CH" dirty="0" err="1"/>
-              <a:t>sätzen</a:t>
-            </a:r>
-            <a:endParaRPr lang="de-CH" dirty="0"/>
-          </a:p>
-          <a:p>
-            <a:endParaRPr lang="de-CH" dirty="0"/>
-          </a:p>
-          <a:p>
-            <a:endParaRPr lang="de-CH" dirty="0"/>
+              <a:rPr lang="de-CH" dirty="0"/>
+              <a:t>Matthias</a:t>
+            </a:r>
+          </a:p>
+          <a:p>
+            <a:r>
+              <a:rPr lang="de-CH" dirty="0"/>
+              <a:t>Auslassungen sollen ersetzt werden,</a:t>
+            </a:r>
+          </a:p>
+          <a:p>
+            <a:r>
+              <a:rPr lang="de-CH" dirty="0"/>
+              <a:t>Passendes Wort muss gefunden werden</a:t>
+            </a:r>
           </a:p>
         </p:txBody>
       </p:sp>
@@ -1708,7 +1595,7 @@
           <a:p>
             <a:fld id="{E295798E-7BEE-4A25-96C8-F832B2F1E69A}" type="slidenum">
               <a:rPr lang="de-CH" smtClean="0"/>
-              <a:t>20</a:t>
+              <a:t>15</a:t>
             </a:fld>
             <a:endParaRPr lang="de-CH"/>
           </a:p>
@@ -1717,7 +1604,7 @@
     </p:spTree>
     <p:extLst>
       <p:ext uri="{BB962C8B-B14F-4D97-AF65-F5344CB8AC3E}">
-        <p14:creationId xmlns:p14="http://schemas.microsoft.com/office/powerpoint/2010/main" val="1625024937"/>
+        <p14:creationId xmlns:p14="http://schemas.microsoft.com/office/powerpoint/2010/main" val="3999478022"/>
       </p:ext>
     </p:extLst>
   </p:cSld>
@@ -1772,85 +1659,10 @@
           <a:lstStyle/>
           <a:p>
             <a:r>
-              <a:rPr lang="de-CH" dirty="0"/>
-              <a:t>Übergang zwischen gut und schlecht ist fliessend</a:t>
-            </a:r>
-          </a:p>
-          <a:p>
-            <a:r>
-              <a:rPr lang="de-CH" dirty="0"/>
-              <a:t>Die meisten </a:t>
-            </a:r>
-            <a:r>
-              <a:rPr lang="de-CH" dirty="0" err="1"/>
-              <a:t>sätze</a:t>
-            </a:r>
-            <a:r>
-              <a:rPr lang="de-CH" dirty="0"/>
-              <a:t> sind gut, wenig </a:t>
-            </a:r>
-            <a:r>
-              <a:rPr lang="de-CH" dirty="0" err="1"/>
-              <a:t>Outlier</a:t>
+              <a:rPr lang="de-CH" dirty="0" err="1"/>
+              <a:t>fabio</a:t>
             </a:r>
             <a:endParaRPr lang="de-CH" dirty="0"/>
-          </a:p>
-          <a:p>
-            <a:r>
-              <a:rPr lang="de-CH" dirty="0"/>
-              <a:t>Minimalwert festlegen zwischen 0.3 und 0.7; 0.5 empfohlen</a:t>
-            </a:r>
-          </a:p>
-          <a:p>
-            <a:endParaRPr lang="de-CH" dirty="0"/>
-          </a:p>
-          <a:p>
-            <a:r>
-              <a:rPr lang="de-CH" dirty="0"/>
-              <a:t>Alternativen:</a:t>
-            </a:r>
-          </a:p>
-          <a:p>
-            <a:r>
-              <a:rPr lang="de-CH" dirty="0"/>
-              <a:t>Statistik: über Durchschnitt und Standardabweichung (wenig daten und nicht normalverteilt)</a:t>
-            </a:r>
-          </a:p>
-          <a:p>
-            <a:r>
-              <a:rPr lang="de-CH" dirty="0"/>
-              <a:t>Eindimensionales </a:t>
-            </a:r>
-            <a:r>
-              <a:rPr lang="de-CH" dirty="0" err="1"/>
-              <a:t>clustering</a:t>
-            </a:r>
-            <a:r>
-              <a:rPr lang="de-CH" dirty="0"/>
-              <a:t> (sehr komplexer </a:t>
-            </a:r>
-            <a:r>
-              <a:rPr lang="de-CH" dirty="0" err="1"/>
-              <a:t>ansatz</a:t>
-            </a:r>
-            <a:r>
-              <a:rPr lang="de-CH" dirty="0"/>
-              <a:t>)</a:t>
-            </a:r>
-          </a:p>
-          <a:p>
-            <a:r>
-              <a:rPr lang="de-CH" dirty="0"/>
-              <a:t>Iterativ schlechter </a:t>
-            </a:r>
-            <a:r>
-              <a:rPr lang="de-CH" dirty="0" err="1"/>
-              <a:t>satz</a:t>
-            </a:r>
-            <a:r>
-              <a:rPr lang="de-CH" dirty="0"/>
-              <a:t> verwerfen, sehen ob sich durchschnitt verbessert</a:t>
-            </a:r>
           </a:p>
         </p:txBody>
       </p:sp>
@@ -1871,7 +1683,7 @@
           <a:p>
             <a:fld id="{E295798E-7BEE-4A25-96C8-F832B2F1E69A}" type="slidenum">
               <a:rPr lang="de-CH" smtClean="0"/>
-              <a:t>21</a:t>
+              <a:t>16</a:t>
             </a:fld>
             <a:endParaRPr lang="de-CH"/>
           </a:p>
@@ -1880,7 +1692,7 @@
     </p:spTree>
     <p:extLst>
       <p:ext uri="{BB962C8B-B14F-4D97-AF65-F5344CB8AC3E}">
-        <p14:creationId xmlns:p14="http://schemas.microsoft.com/office/powerpoint/2010/main" val="2358610769"/>
+        <p14:creationId xmlns:p14="http://schemas.microsoft.com/office/powerpoint/2010/main" val="3767068095"/>
       </p:ext>
     </p:extLst>
   </p:cSld>
@@ -1936,83 +1748,117 @@
           <a:p>
             <a:r>
               <a:rPr lang="de-CH" dirty="0"/>
-              <a:t>Was macht ein </a:t>
-            </a:r>
-            <a:r>
-              <a:rPr lang="de-CH" dirty="0" err="1"/>
-              <a:t>satzaligner</a:t>
-            </a:r>
-            <a:r>
-              <a:rPr lang="de-CH" dirty="0"/>
-              <a:t>? </a:t>
-            </a:r>
-          </a:p>
-          <a:p>
-            <a:r>
-              <a:rPr lang="de-CH" dirty="0"/>
-              <a:t>Zusammengehörige Sätze aus übersetzten Texten finden. Satzreihenfolge ändert sich nicht.</a:t>
-            </a:r>
-          </a:p>
-          <a:p>
-            <a:r>
-              <a:rPr lang="de-CH" dirty="0"/>
-              <a:t>Wortstellung bleibt stabil -&gt;</a:t>
-            </a:r>
-            <a:r>
-              <a:rPr lang="de-CH" dirty="0" err="1"/>
-              <a:t>satzaligner</a:t>
-            </a:r>
-            <a:r>
-              <a:rPr lang="de-CH" dirty="0"/>
-              <a:t> verwenden, </a:t>
-            </a:r>
-            <a:r>
-              <a:rPr lang="de-CH" dirty="0" err="1"/>
-              <a:t>wortaligner</a:t>
-            </a:r>
-            <a:r>
-              <a:rPr lang="de-CH" dirty="0"/>
-              <a:t> zu flexibel (können eine ganze Kategorie von Fehlern mehr machen)</a:t>
-            </a:r>
-          </a:p>
-          <a:p>
-            <a:r>
-              <a:rPr lang="de-CH" dirty="0"/>
-              <a:t>WIE </a:t>
-            </a:r>
-            <a:r>
-              <a:rPr lang="de-CH" dirty="0" err="1"/>
-              <a:t>satzaligner</a:t>
-            </a:r>
-            <a:r>
-              <a:rPr lang="de-CH" dirty="0"/>
-              <a:t> verwenden?</a:t>
-            </a:r>
-          </a:p>
-          <a:p>
+              <a:t>Matthias</a:t>
+            </a:r>
+          </a:p>
+          <a:p>
+            <a:r>
+              <a:rPr lang="de-CH" dirty="0" err="1"/>
+              <a:t>Levenshtein</a:t>
+            </a:r>
+            <a:r>
+              <a:rPr lang="de-CH" dirty="0"/>
+              <a:t>/</a:t>
+            </a:r>
+            <a:r>
+              <a:rPr lang="de-CH" dirty="0" err="1"/>
+              <a:t>Editdistanz</a:t>
+            </a:r>
+            <a:r>
+              <a:rPr lang="de-CH" dirty="0"/>
+              <a:t> ist offensichtlicher </a:t>
+            </a:r>
+            <a:r>
+              <a:rPr lang="de-CH" dirty="0" err="1"/>
+              <a:t>ansatz</a:t>
+            </a:r>
+            <a:r>
+              <a:rPr lang="de-CH" dirty="0"/>
+              <a:t> für </a:t>
+            </a:r>
+            <a:r>
+              <a:rPr lang="de-CH" dirty="0" err="1"/>
+              <a:t>ähnlichkeit</a:t>
+            </a:r>
             <a:endParaRPr lang="de-CH" dirty="0"/>
           </a:p>
           <a:p>
             <a:r>
               <a:rPr lang="de-CH" dirty="0"/>
-              <a:t>((</a:t>
-            </a:r>
-            <a:r>
-              <a:rPr lang="de-CH" dirty="0" err="1"/>
-              <a:t>fastalign</a:t>
-            </a:r>
-            <a:r>
-              <a:rPr lang="de-CH" dirty="0"/>
-              <a:t> als </a:t>
-            </a:r>
-            <a:r>
-              <a:rPr lang="de-CH" dirty="0" err="1"/>
-              <a:t>wortaligner</a:t>
-            </a:r>
-            <a:r>
-              <a:rPr lang="de-CH" dirty="0"/>
-              <a:t> möglich))</a:t>
-            </a:r>
+              <a:t>Je näher eine </a:t>
+            </a:r>
+            <a:r>
+              <a:rPr lang="de-CH" dirty="0" err="1"/>
+              <a:t>maschinenübersetzung</a:t>
+            </a:r>
+            <a:r>
+              <a:rPr lang="de-CH" dirty="0"/>
+              <a:t> an einer menschlichen, desto besser ist sie.</a:t>
+            </a:r>
+          </a:p>
+          <a:p>
+            <a:r>
+              <a:rPr lang="de-CH" dirty="0"/>
+              <a:t>Maschinenübersetzung = zu bewertender </a:t>
+            </a:r>
+            <a:r>
+              <a:rPr lang="de-CH" dirty="0" err="1"/>
+              <a:t>satz</a:t>
+            </a:r>
+            <a:endParaRPr lang="de-CH" dirty="0"/>
+          </a:p>
+          <a:p>
+            <a:r>
+              <a:rPr lang="de-CH" dirty="0"/>
+              <a:t>Referenzübersetzungen = alle anderen Sätze</a:t>
+            </a:r>
+          </a:p>
+          <a:p>
+            <a:r>
+              <a:rPr lang="de-CH" dirty="0"/>
+              <a:t>Alternativen und </a:t>
+            </a:r>
+            <a:r>
+              <a:rPr lang="de-CH" dirty="0" err="1"/>
+              <a:t>verbesserungen</a:t>
+            </a:r>
+            <a:r>
+              <a:rPr lang="de-CH" dirty="0"/>
+              <a:t> von bleu bekannt(METEOR, LEPOR)</a:t>
+            </a:r>
+          </a:p>
+          <a:p>
+            <a:r>
+              <a:rPr lang="de-CH" dirty="0"/>
+              <a:t>Wir verwenden </a:t>
+            </a:r>
+            <a:r>
+              <a:rPr lang="de-CH" dirty="0" err="1"/>
+              <a:t>smoothin</a:t>
+            </a:r>
+            <a:r>
+              <a:rPr lang="de-CH" dirty="0"/>
+              <a:t> </a:t>
+            </a:r>
+            <a:r>
+              <a:rPr lang="de-CH" dirty="0" err="1"/>
+              <a:t>function</a:t>
+            </a:r>
+            <a:r>
+              <a:rPr lang="de-CH" dirty="0"/>
+              <a:t> für bleu, verbessert Ergebnis bei einzelnen </a:t>
+            </a:r>
+            <a:r>
+              <a:rPr lang="de-CH" dirty="0" err="1"/>
+              <a:t>sätzen</a:t>
+            </a:r>
+            <a:endParaRPr lang="de-CH" dirty="0"/>
+          </a:p>
+          <a:p>
+            <a:endParaRPr lang="de-CH" dirty="0"/>
+          </a:p>
+          <a:p>
+            <a:endParaRPr lang="de-CH" dirty="0"/>
           </a:p>
         </p:txBody>
       </p:sp>
@@ -2033,7 +1879,7 @@
           <a:p>
             <a:fld id="{E295798E-7BEE-4A25-96C8-F832B2F1E69A}" type="slidenum">
               <a:rPr lang="de-CH" smtClean="0"/>
-              <a:t>22</a:t>
+              <a:t>17</a:t>
             </a:fld>
             <a:endParaRPr lang="de-CH"/>
           </a:p>
@@ -2042,7 +1888,7 @@
     </p:spTree>
     <p:extLst>
       <p:ext uri="{BB962C8B-B14F-4D97-AF65-F5344CB8AC3E}">
-        <p14:creationId xmlns:p14="http://schemas.microsoft.com/office/powerpoint/2010/main" val="1092170749"/>
+        <p14:creationId xmlns:p14="http://schemas.microsoft.com/office/powerpoint/2010/main" val="1625024937"/>
       </p:ext>
     </p:extLst>
   </p:cSld>
@@ -2098,21 +1944,19 @@
           <a:p>
             <a:r>
               <a:rPr lang="de-CH" dirty="0"/>
-              <a:t>Champ:</a:t>
-            </a:r>
-          </a:p>
-          <a:p>
-            <a:r>
-              <a:rPr lang="de-CH" dirty="0"/>
-              <a:t>Welche Wörter gehören zusammen? (</a:t>
-            </a:r>
-            <a:r>
-              <a:rPr lang="de-CH" dirty="0" err="1"/>
-              <a:t>wörterbuch</a:t>
-            </a:r>
-            <a:r>
-              <a:rPr lang="de-CH" dirty="0"/>
-              <a:t>) </a:t>
+              <a:t>Matthias</a:t>
+            </a:r>
+          </a:p>
+          <a:p>
+            <a:r>
+              <a:rPr lang="de-CH" dirty="0"/>
+              <a:t>Übergang zwischen gut und schlecht ist fliessend</a:t>
+            </a:r>
+          </a:p>
+          <a:p>
+            <a:r>
+              <a:rPr lang="de-CH" dirty="0"/>
+              <a:t>Die meisten </a:t>
             </a:r>
             <a:r>
               <a:rPr lang="de-CH" dirty="0" err="1"/>
@@ -2120,114 +1964,61 @@
             </a:r>
             <a:r>
               <a:rPr lang="de-CH" dirty="0"/>
-              <a:t> mit zusammengehörigen </a:t>
-            </a:r>
-            <a:r>
-              <a:rPr lang="de-CH" dirty="0" err="1"/>
-              <a:t>wörtern</a:t>
-            </a:r>
-            <a:r>
-              <a:rPr lang="de-CH" dirty="0"/>
-              <a:t> gehören zusammen</a:t>
-            </a:r>
-          </a:p>
-          <a:p>
-            <a:r>
-              <a:rPr lang="de-CH" dirty="0"/>
-              <a:t>Kein </a:t>
-            </a:r>
-            <a:r>
-              <a:rPr lang="de-CH" dirty="0" err="1"/>
-              <a:t>wörterbuch</a:t>
-            </a:r>
-            <a:r>
-              <a:rPr lang="de-CH" dirty="0"/>
-              <a:t> vorhanden, funktioniert nicht</a:t>
-            </a:r>
-          </a:p>
-          <a:p>
-            <a:r>
-              <a:rPr lang="de-CH" dirty="0" err="1"/>
-              <a:t>Hun</a:t>
-            </a:r>
-            <a:r>
-              <a:rPr lang="de-CH" dirty="0"/>
-              <a:t>:</a:t>
-            </a:r>
-          </a:p>
-          <a:p>
-            <a:pPr marL="228600" indent="-228600">
-              <a:buAutoNum type="arabicPeriod"/>
-            </a:pPr>
-            <a:r>
-              <a:rPr lang="de-CH" dirty="0"/>
-              <a:t>Iteration: </a:t>
-            </a:r>
-            <a:r>
-              <a:rPr lang="de-CH" dirty="0" err="1"/>
-              <a:t>alignment</a:t>
-            </a:r>
-            <a:r>
-              <a:rPr lang="de-CH" dirty="0"/>
-              <a:t> über satzlänge</a:t>
-            </a:r>
-          </a:p>
-          <a:p>
-            <a:pPr marL="0" indent="0">
-              <a:buNone/>
-            </a:pPr>
-            <a:r>
-              <a:rPr lang="de-CH" dirty="0"/>
-              <a:t>Wörterbuch generieren</a:t>
-            </a:r>
-          </a:p>
-          <a:p>
-            <a:pPr marL="0" indent="0">
-              <a:buNone/>
-            </a:pPr>
-            <a:r>
-              <a:rPr lang="de-CH" dirty="0"/>
-              <a:t>2. Iteration: wie </a:t>
-            </a:r>
-            <a:r>
-              <a:rPr lang="de-CH" dirty="0" err="1"/>
-              <a:t>champollion</a:t>
+              <a:t> sind gut, wenig </a:t>
+            </a:r>
+            <a:r>
+              <a:rPr lang="de-CH" dirty="0" err="1"/>
+              <a:t>Outlier</a:t>
             </a:r>
             <a:endParaRPr lang="de-CH" dirty="0"/>
           </a:p>
           <a:p>
-            <a:pPr marL="0" indent="0">
-              <a:buNone/>
-            </a:pPr>
-            <a:r>
-              <a:rPr lang="de-CH" dirty="0"/>
-              <a:t>Bleu:</a:t>
-            </a:r>
-          </a:p>
-          <a:p>
-            <a:pPr marL="0" indent="0">
-              <a:buNone/>
-            </a:pPr>
-            <a:r>
-              <a:rPr lang="de-CH" dirty="0"/>
-              <a:t>Bleuscore zwischen zusammengehörigen </a:t>
-            </a:r>
-            <a:r>
-              <a:rPr lang="de-CH" dirty="0" err="1"/>
-              <a:t>sätzen</a:t>
-            </a:r>
-            <a:r>
-              <a:rPr lang="de-CH" dirty="0"/>
-              <a:t> maximieren</a:t>
-            </a:r>
-          </a:p>
-          <a:p>
-            <a:pPr marL="0" indent="0">
-              <a:buNone/>
-            </a:pPr>
-            <a:r>
-              <a:rPr lang="de-CH" dirty="0"/>
-              <a:t>(normalerweise muss erst eine </a:t>
+            <a:r>
+              <a:rPr lang="de-CH" dirty="0"/>
+              <a:t>Minimalwert festlegen zwischen 0.3 und 0.7; 0.5 empfohlen</a:t>
+            </a:r>
+          </a:p>
+          <a:p>
+            <a:endParaRPr lang="de-CH" dirty="0"/>
+          </a:p>
+          <a:p>
+            <a:r>
+              <a:rPr lang="de-CH" dirty="0"/>
+              <a:t>Alternativen:</a:t>
+            </a:r>
+          </a:p>
+          <a:p>
+            <a:r>
+              <a:rPr lang="de-CH" dirty="0"/>
+              <a:t>Statistik: über Durchschnitt und Standardabweichung (wenig daten und nicht normalverteilt)</a:t>
+            </a:r>
+          </a:p>
+          <a:p>
+            <a:r>
+              <a:rPr lang="de-CH" dirty="0"/>
+              <a:t>Eindimensionales </a:t>
+            </a:r>
+            <a:r>
+              <a:rPr lang="de-CH" dirty="0" err="1"/>
+              <a:t>clustering</a:t>
+            </a:r>
+            <a:r>
+              <a:rPr lang="de-CH" dirty="0"/>
+              <a:t> (sehr komplexer </a:t>
+            </a:r>
+            <a:r>
+              <a:rPr lang="de-CH" dirty="0" err="1"/>
+              <a:t>ansatz</a:t>
+            </a:r>
+            <a:r>
+              <a:rPr lang="de-CH" dirty="0"/>
+              <a:t>)</a:t>
+            </a:r>
+          </a:p>
+          <a:p>
+            <a:r>
+              <a:rPr lang="de-CH" dirty="0"/>
+              <a:t>Iterativ schlechter </a:t>
             </a:r>
             <a:r>
               <a:rPr lang="de-CH" dirty="0" err="1"/>
@@ -2235,7 +2026,7 @@
             </a:r>
             <a:r>
               <a:rPr lang="de-CH" dirty="0"/>
-              <a:t> maschinenübersetzt werden, da sonst bleu zwei unterschiedliche sprachen vergleicht)</a:t>
+              <a:t> verwerfen, sehen ob sich durchschnitt verbessert</a:t>
             </a:r>
           </a:p>
         </p:txBody>
@@ -2257,7 +2048,7 @@
           <a:p>
             <a:fld id="{E295798E-7BEE-4A25-96C8-F832B2F1E69A}" type="slidenum">
               <a:rPr lang="de-CH" smtClean="0"/>
-              <a:t>23</a:t>
+              <a:t>18</a:t>
             </a:fld>
             <a:endParaRPr lang="de-CH"/>
           </a:p>
@@ -2266,7 +2057,7 @@
     </p:spTree>
     <p:extLst>
       <p:ext uri="{BB962C8B-B14F-4D97-AF65-F5344CB8AC3E}">
-        <p14:creationId xmlns:p14="http://schemas.microsoft.com/office/powerpoint/2010/main" val="1101200234"/>
+        <p14:creationId xmlns:p14="http://schemas.microsoft.com/office/powerpoint/2010/main" val="2358610769"/>
       </p:ext>
     </p:extLst>
   </p:cSld>
@@ -2321,40 +2112,64 @@
           <a:lstStyle/>
           <a:p>
             <a:r>
-              <a:rPr lang="de-CH" dirty="0" err="1"/>
-              <a:t>Levenshtein</a:t>
-            </a:r>
-            <a:r>
-              <a:rPr lang="de-CH" dirty="0"/>
-              <a:t>: Eigene </a:t>
-            </a:r>
-            <a:r>
-              <a:rPr lang="de-CH" dirty="0" err="1"/>
-              <a:t>gewichtungen</a:t>
-            </a:r>
-            <a:r>
-              <a:rPr lang="de-CH" dirty="0"/>
-              <a:t>: i – y | e – ä : 0.2</a:t>
-            </a:r>
-          </a:p>
-          <a:p>
-            <a:r>
-              <a:rPr lang="de-CH" dirty="0"/>
-              <a:t>(normalisiert) </a:t>
-            </a:r>
-            <a:r>
-              <a:rPr lang="de-CH" dirty="0" err="1"/>
-              <a:t>Levenschtein</a:t>
-            </a:r>
-            <a:r>
-              <a:rPr lang="de-CH" dirty="0"/>
-              <a:t>: 0 = gleich; 1 = komplett unterschiedlich</a:t>
-            </a:r>
-          </a:p>
-          <a:p>
-            <a:r>
-              <a:rPr lang="de-CH" dirty="0"/>
-              <a:t>Grenzwert muss gefunden werden</a:t>
+              <a:rPr lang="de-CH" dirty="0"/>
+              <a:t>Fabio</a:t>
+            </a:r>
+          </a:p>
+          <a:p>
+            <a:r>
+              <a:rPr lang="de-CH" dirty="0"/>
+              <a:t>Was macht ein </a:t>
+            </a:r>
+            <a:r>
+              <a:rPr lang="de-CH" dirty="0" err="1"/>
+              <a:t>satzaligner</a:t>
+            </a:r>
+            <a:r>
+              <a:rPr lang="de-CH" dirty="0"/>
+              <a:t>? </a:t>
+            </a:r>
+          </a:p>
+          <a:p>
+            <a:r>
+              <a:rPr lang="de-CH" dirty="0"/>
+              <a:t>Zusammengehörige Sätze aus übersetzten Texten finden. Satzreihenfolge ändert sich nicht.</a:t>
+            </a:r>
+          </a:p>
+          <a:p>
+            <a:r>
+              <a:rPr lang="de-CH" dirty="0"/>
+              <a:t>Wortstellung bleibt stabil -&gt;</a:t>
+            </a:r>
+            <a:r>
+              <a:rPr lang="de-CH" dirty="0" err="1"/>
+              <a:t>satzaligner</a:t>
+            </a:r>
+            <a:r>
+              <a:rPr lang="de-CH" dirty="0"/>
+              <a:t> verwenden, </a:t>
+            </a:r>
+            <a:r>
+              <a:rPr lang="de-CH" dirty="0" err="1"/>
+              <a:t>wortaligner</a:t>
+            </a:r>
+            <a:r>
+              <a:rPr lang="de-CH" dirty="0"/>
+              <a:t> zu flexibel (können eine ganze Kategorie von Fehlern mehr machen)</a:t>
+            </a:r>
+          </a:p>
+          <a:p>
+            <a:r>
+              <a:rPr lang="de-CH" dirty="0"/>
+              <a:t>WIE </a:t>
+            </a:r>
+            <a:r>
+              <a:rPr lang="de-CH" dirty="0" err="1"/>
+              <a:t>satzaligner</a:t>
+            </a:r>
+            <a:r>
+              <a:rPr lang="de-CH" dirty="0"/>
+              <a:t> verwenden?</a:t>
             </a:r>
           </a:p>
           <a:p>
@@ -2362,107 +2177,24 @@
           </a:p>
           <a:p>
             <a:r>
-              <a:rPr lang="de-CH" dirty="0" err="1"/>
-              <a:t>Metaphone</a:t>
-            </a:r>
-            <a:r>
-              <a:rPr lang="de-CH" dirty="0"/>
-              <a:t>: indexiert </a:t>
-            </a:r>
-            <a:r>
-              <a:rPr lang="de-CH" dirty="0" err="1"/>
-              <a:t>wörter</a:t>
-            </a:r>
-            <a:r>
-              <a:rPr lang="de-CH" dirty="0"/>
-              <a:t> nach </a:t>
-            </a:r>
-            <a:r>
-              <a:rPr lang="de-CH" dirty="0" err="1"/>
-              <a:t>lautähnlichkeit</a:t>
-            </a:r>
-            <a:r>
-              <a:rPr lang="de-CH" dirty="0"/>
-              <a:t>, nur englisch, </a:t>
-            </a:r>
-            <a:r>
-              <a:rPr lang="de-CH" dirty="0" err="1"/>
-              <a:t>verbesserung</a:t>
-            </a:r>
-            <a:r>
-              <a:rPr lang="de-CH" dirty="0"/>
-              <a:t> von </a:t>
-            </a:r>
-            <a:r>
-              <a:rPr lang="de-CH" dirty="0" err="1"/>
-              <a:t>soudex</a:t>
-            </a:r>
-            <a:r>
-              <a:rPr lang="de-CH" dirty="0"/>
-              <a:t>, was für Namen konzipiert ist</a:t>
-            </a:r>
-          </a:p>
-          <a:p>
-            <a:r>
-              <a:rPr lang="de-CH" dirty="0"/>
-              <a:t>Double </a:t>
-            </a:r>
-            <a:r>
-              <a:rPr lang="de-CH" dirty="0" err="1"/>
-              <a:t>metaphone</a:t>
-            </a:r>
-            <a:r>
-              <a:rPr lang="de-CH" dirty="0"/>
-              <a:t>: unterstützt mehr sprachen. gleich? Ja/nein; nein ist nicht aussagekräftig</a:t>
-            </a:r>
-          </a:p>
-          <a:p>
-            <a:endParaRPr lang="de-CH" dirty="0"/>
-          </a:p>
-          <a:p>
-            <a:r>
-              <a:rPr lang="de-CH" dirty="0"/>
-              <a:t>Bleu: für </a:t>
-            </a:r>
-            <a:r>
-              <a:rPr lang="de-CH" dirty="0" err="1"/>
-              <a:t>dokumente</a:t>
-            </a:r>
-            <a:r>
-              <a:rPr lang="de-CH" dirty="0"/>
-              <a:t> konzipiert, für </a:t>
-            </a:r>
-            <a:r>
-              <a:rPr lang="de-CH" dirty="0" err="1"/>
-              <a:t>einzelnesätze</a:t>
-            </a:r>
-            <a:r>
-              <a:rPr lang="de-CH" dirty="0"/>
-              <a:t> nur dank </a:t>
-            </a:r>
-            <a:r>
-              <a:rPr lang="de-CH" dirty="0" err="1"/>
-              <a:t>smoothing</a:t>
-            </a:r>
-            <a:r>
-              <a:rPr lang="de-CH" dirty="0"/>
-              <a:t> </a:t>
-            </a:r>
-            <a:r>
-              <a:rPr lang="de-CH" dirty="0" err="1"/>
-              <a:t>funktion</a:t>
-            </a:r>
-            <a:r>
-              <a:rPr lang="de-CH" dirty="0"/>
-              <a:t> verwendbar, für einzelne </a:t>
-            </a:r>
-            <a:r>
-              <a:rPr lang="de-CH" dirty="0" err="1"/>
-              <a:t>wörter</a:t>
-            </a:r>
-            <a:r>
-              <a:rPr lang="de-CH" dirty="0"/>
-              <a:t> nicht gedacht</a:t>
+              <a:rPr lang="de-CH" dirty="0"/>
+              <a:t>((</a:t>
+            </a:r>
+            <a:r>
+              <a:rPr lang="de-CH" dirty="0" err="1"/>
+              <a:t>fastalign</a:t>
+            </a:r>
+            <a:r>
+              <a:rPr lang="de-CH" dirty="0"/>
+              <a:t> als </a:t>
+            </a:r>
+            <a:r>
+              <a:rPr lang="de-CH" dirty="0" err="1"/>
+              <a:t>wortaligner</a:t>
+            </a:r>
+            <a:r>
+              <a:rPr lang="de-CH" dirty="0"/>
+              <a:t> möglich))</a:t>
             </a:r>
           </a:p>
         </p:txBody>
@@ -2484,7 +2216,7 @@
           <a:p>
             <a:fld id="{E295798E-7BEE-4A25-96C8-F832B2F1E69A}" type="slidenum">
               <a:rPr lang="de-CH" smtClean="0"/>
-              <a:t>25</a:t>
+              <a:t>19</a:t>
             </a:fld>
             <a:endParaRPr lang="de-CH"/>
           </a:p>
@@ -2493,7 +2225,7 @@
     </p:spTree>
     <p:extLst>
       <p:ext uri="{BB962C8B-B14F-4D97-AF65-F5344CB8AC3E}">
-        <p14:creationId xmlns:p14="http://schemas.microsoft.com/office/powerpoint/2010/main" val="2072490386"/>
+        <p14:creationId xmlns:p14="http://schemas.microsoft.com/office/powerpoint/2010/main" val="1092170749"/>
       </p:ext>
     </p:extLst>
   </p:cSld>
@@ -2548,12 +2280,27 @@
           <a:lstStyle/>
           <a:p>
             <a:r>
-              <a:rPr lang="de-CH" dirty="0"/>
-              <a:t>2 </a:t>
-            </a:r>
-            <a:r>
-              <a:rPr lang="de-CH" dirty="0" err="1"/>
-              <a:t>tasks</a:t>
+              <a:rPr lang="de-CH" dirty="0" err="1"/>
+              <a:t>fabio</a:t>
+            </a:r>
+            <a:endParaRPr lang="de-CH" dirty="0"/>
+          </a:p>
+          <a:p>
+            <a:r>
+              <a:rPr lang="de-CH" dirty="0"/>
+              <a:t>Im Rahmen des vom Schweizerischen </a:t>
+            </a:r>
+            <a:r>
+              <a:rPr lang="de-CH" dirty="0" err="1"/>
+              <a:t>Nationalfods</a:t>
+            </a:r>
+            <a:r>
+              <a:rPr lang="de-CH" dirty="0"/>
+              <a:t> geförderten Agora-Project «Citizen </a:t>
+            </a:r>
+            <a:r>
+              <a:rPr lang="de-CH" dirty="0" err="1"/>
+              <a:t>Linguistics</a:t>
             </a:r>
             <a:r>
               <a:rPr lang="de-CH" dirty="0"/>
@@ -2561,34 +2308,58 @@
             </a:r>
             <a:r>
               <a:rPr lang="de-CH" dirty="0" err="1"/>
-              <a:t>ch</a:t>
-            </a:r>
-            <a:r>
-              <a:rPr lang="de-CH" dirty="0"/>
-              <a:t>-de übersetzen, </a:t>
-            </a:r>
-            <a:r>
-              <a:rPr lang="de-CH" dirty="0" err="1"/>
-              <a:t>ch</a:t>
-            </a:r>
-            <a:r>
-              <a:rPr lang="de-CH" dirty="0"/>
-              <a:t> transkribieren</a:t>
-            </a:r>
-          </a:p>
-          <a:p>
-            <a:endParaRPr lang="de-CH" dirty="0"/>
-          </a:p>
-          <a:p>
-            <a:r>
-              <a:rPr lang="de-CH" dirty="0"/>
-              <a:t>Wir befassen uns mit </a:t>
-            </a:r>
-            <a:r>
-              <a:rPr lang="de-CH" dirty="0" err="1"/>
-              <a:t>transkriptionsdaten</a:t>
-            </a:r>
-            <a:endParaRPr lang="de-CH" dirty="0"/>
+              <a:t>Locate</a:t>
+            </a:r>
+            <a:r>
+              <a:rPr lang="de-CH" dirty="0"/>
+              <a:t> </a:t>
+            </a:r>
+            <a:r>
+              <a:rPr lang="de-CH" dirty="0" err="1"/>
+              <a:t>that</a:t>
+            </a:r>
+            <a:r>
+              <a:rPr lang="de-CH" dirty="0"/>
+              <a:t> </a:t>
+            </a:r>
+            <a:r>
+              <a:rPr lang="de-CH" dirty="0" err="1"/>
+              <a:t>dialect</a:t>
+            </a:r>
+            <a:r>
+              <a:rPr lang="de-CH" dirty="0"/>
+              <a:t>!» ist die Website www.dindialaekt.ch/ entstanden. </a:t>
+            </a:r>
+          </a:p>
+          <a:p>
+            <a:r>
+              <a:rPr lang="de-CH" dirty="0"/>
+              <a:t>Unter dem Begriff Citizen Science versteht man die aktive Beteiligung der Bevölkerung an der wissenschaftlichen Forschung.</a:t>
+            </a:r>
+          </a:p>
+          <a:p>
+            <a:r>
+              <a:rPr lang="de-CH" dirty="0"/>
+              <a:t>Auf dieser Website können Benutzer unter Anderem folgenden Task erledigen: </a:t>
+            </a:r>
+          </a:p>
+          <a:p>
+            <a:r>
+              <a:rPr lang="de-CH" dirty="0"/>
+              <a:t>• Transkription schweizerdeutschen Audiofiles </a:t>
+            </a:r>
+          </a:p>
+          <a:p>
+            <a:r>
+              <a:rPr lang="de-CH" dirty="0"/>
+              <a:t>• Identifizieren von Dialekten mittels Lokalisierung auf einer Karte </a:t>
+            </a:r>
+          </a:p>
+          <a:p>
+            <a:r>
+              <a:rPr lang="de-CH" dirty="0"/>
+              <a:t>• Übersetzung von schweizerdeutschen zu hochdeutschen Texten </a:t>
+            </a:r>
           </a:p>
         </p:txBody>
       </p:sp>
@@ -2609,7 +2380,7 @@
           <a:p>
             <a:fld id="{E295798E-7BEE-4A25-96C8-F832B2F1E69A}" type="slidenum">
               <a:rPr lang="de-CH" smtClean="0"/>
-              <a:t>6</a:t>
+              <a:t>2</a:t>
             </a:fld>
             <a:endParaRPr lang="de-CH"/>
           </a:p>
@@ -2618,7 +2389,7 @@
     </p:spTree>
     <p:extLst>
       <p:ext uri="{BB962C8B-B14F-4D97-AF65-F5344CB8AC3E}">
-        <p14:creationId xmlns:p14="http://schemas.microsoft.com/office/powerpoint/2010/main" val="2628772706"/>
+        <p14:creationId xmlns:p14="http://schemas.microsoft.com/office/powerpoint/2010/main" val="1948098643"/>
       </p:ext>
     </p:extLst>
   </p:cSld>
@@ -2674,6 +2445,563 @@
           <a:p>
             <a:r>
               <a:rPr lang="de-CH" dirty="0"/>
+              <a:t>Fabio</a:t>
+            </a:r>
+          </a:p>
+          <a:p>
+            <a:r>
+              <a:rPr lang="de-CH" dirty="0"/>
+              <a:t>Champ:</a:t>
+            </a:r>
+          </a:p>
+          <a:p>
+            <a:r>
+              <a:rPr lang="de-CH" dirty="0"/>
+              <a:t>Welche Wörter gehören zusammen? (</a:t>
+            </a:r>
+            <a:r>
+              <a:rPr lang="de-CH" dirty="0" err="1"/>
+              <a:t>wörterbuch</a:t>
+            </a:r>
+            <a:r>
+              <a:rPr lang="de-CH" dirty="0"/>
+              <a:t>) </a:t>
+            </a:r>
+            <a:r>
+              <a:rPr lang="de-CH" dirty="0" err="1"/>
+              <a:t>sätze</a:t>
+            </a:r>
+            <a:r>
+              <a:rPr lang="de-CH" dirty="0"/>
+              <a:t> mit zusammengehörigen </a:t>
+            </a:r>
+            <a:r>
+              <a:rPr lang="de-CH" dirty="0" err="1"/>
+              <a:t>wörtern</a:t>
+            </a:r>
+            <a:r>
+              <a:rPr lang="de-CH" dirty="0"/>
+              <a:t> gehören zusammen</a:t>
+            </a:r>
+          </a:p>
+          <a:p>
+            <a:r>
+              <a:rPr lang="de-CH" dirty="0"/>
+              <a:t>Kein </a:t>
+            </a:r>
+            <a:r>
+              <a:rPr lang="de-CH" dirty="0" err="1"/>
+              <a:t>wörterbuch</a:t>
+            </a:r>
+            <a:r>
+              <a:rPr lang="de-CH" dirty="0"/>
+              <a:t> vorhanden, funktioniert nicht</a:t>
+            </a:r>
+          </a:p>
+          <a:p>
+            <a:r>
+              <a:rPr lang="de-CH" dirty="0" err="1"/>
+              <a:t>Hun</a:t>
+            </a:r>
+            <a:r>
+              <a:rPr lang="de-CH" dirty="0"/>
+              <a:t>:</a:t>
+            </a:r>
+          </a:p>
+          <a:p>
+            <a:pPr marL="228600" indent="-228600">
+              <a:buAutoNum type="arabicPeriod"/>
+            </a:pPr>
+            <a:r>
+              <a:rPr lang="de-CH" dirty="0"/>
+              <a:t>Iteration: </a:t>
+            </a:r>
+            <a:r>
+              <a:rPr lang="de-CH" dirty="0" err="1"/>
+              <a:t>alignment</a:t>
+            </a:r>
+            <a:r>
+              <a:rPr lang="de-CH" dirty="0"/>
+              <a:t> über satzlänge</a:t>
+            </a:r>
+          </a:p>
+          <a:p>
+            <a:pPr marL="0" indent="0">
+              <a:buNone/>
+            </a:pPr>
+            <a:r>
+              <a:rPr lang="de-CH" dirty="0"/>
+              <a:t>Wörterbuch generieren</a:t>
+            </a:r>
+          </a:p>
+          <a:p>
+            <a:pPr marL="0" indent="0">
+              <a:buNone/>
+            </a:pPr>
+            <a:r>
+              <a:rPr lang="de-CH" dirty="0"/>
+              <a:t>2. Iteration: wie </a:t>
+            </a:r>
+            <a:r>
+              <a:rPr lang="de-CH" dirty="0" err="1"/>
+              <a:t>champollion</a:t>
+            </a:r>
+            <a:endParaRPr lang="de-CH" dirty="0"/>
+          </a:p>
+          <a:p>
+            <a:pPr marL="0" indent="0">
+              <a:buNone/>
+            </a:pPr>
+            <a:r>
+              <a:rPr lang="de-CH" dirty="0"/>
+              <a:t>Bleu:</a:t>
+            </a:r>
+          </a:p>
+          <a:p>
+            <a:pPr marL="0" indent="0">
+              <a:buNone/>
+            </a:pPr>
+            <a:r>
+              <a:rPr lang="de-CH" dirty="0"/>
+              <a:t>Bleuscore zwischen zusammengehörigen </a:t>
+            </a:r>
+            <a:r>
+              <a:rPr lang="de-CH" dirty="0" err="1"/>
+              <a:t>sätzen</a:t>
+            </a:r>
+            <a:r>
+              <a:rPr lang="de-CH" dirty="0"/>
+              <a:t> maximieren</a:t>
+            </a:r>
+          </a:p>
+          <a:p>
+            <a:pPr marL="0" indent="0">
+              <a:buNone/>
+            </a:pPr>
+            <a:r>
+              <a:rPr lang="de-CH" dirty="0"/>
+              <a:t>(normalerweise muss erst eine </a:t>
+            </a:r>
+            <a:r>
+              <a:rPr lang="de-CH" dirty="0" err="1"/>
+              <a:t>satz</a:t>
+            </a:r>
+            <a:r>
+              <a:rPr lang="de-CH" dirty="0"/>
+              <a:t> maschinenübersetzt werden, da sonst bleu zwei unterschiedliche sprachen vergleicht)</a:t>
+            </a:r>
+          </a:p>
+        </p:txBody>
+      </p:sp>
+      <p:sp>
+        <p:nvSpPr>
+          <p:cNvPr id="4" name="Foliennummernplatzhalter 3"/>
+          <p:cNvSpPr>
+            <a:spLocks noGrp="1"/>
+          </p:cNvSpPr>
+          <p:nvPr>
+            <p:ph type="sldNum" sz="quarter" idx="10"/>
+          </p:nvPr>
+        </p:nvSpPr>
+        <p:spPr/>
+        <p:txBody>
+          <a:bodyPr/>
+          <a:lstStyle/>
+          <a:p>
+            <a:fld id="{E295798E-7BEE-4A25-96C8-F832B2F1E69A}" type="slidenum">
+              <a:rPr lang="de-CH" smtClean="0"/>
+              <a:t>20</a:t>
+            </a:fld>
+            <a:endParaRPr lang="de-CH"/>
+          </a:p>
+        </p:txBody>
+      </p:sp>
+    </p:spTree>
+    <p:extLst>
+      <p:ext uri="{BB962C8B-B14F-4D97-AF65-F5344CB8AC3E}">
+        <p14:creationId xmlns:p14="http://schemas.microsoft.com/office/powerpoint/2010/main" val="1101200234"/>
+      </p:ext>
+    </p:extLst>
+  </p:cSld>
+  <p:clrMapOvr>
+    <a:masterClrMapping/>
+  </p:clrMapOvr>
+</p:notes>
+</file>
+
+<file path=ppt/notesSlides/notesSlide21.xml><?xml version="1.0" encoding="utf-8"?>
+<p:notes xmlns:a="http://schemas.openxmlformats.org/drawingml/2006/main" xmlns:r="http://schemas.openxmlformats.org/officeDocument/2006/relationships" xmlns:p="http://schemas.openxmlformats.org/presentationml/2006/main">
+  <p:cSld>
+    <p:spTree>
+      <p:nvGrpSpPr>
+        <p:cNvPr id="1" name=""/>
+        <p:cNvGrpSpPr/>
+        <p:nvPr/>
+      </p:nvGrpSpPr>
+      <p:grpSpPr>
+        <a:xfrm>
+          <a:off x="0" y="0"/>
+          <a:ext cx="0" cy="0"/>
+          <a:chOff x="0" y="0"/>
+          <a:chExt cx="0" cy="0"/>
+        </a:xfrm>
+      </p:grpSpPr>
+      <p:sp>
+        <p:nvSpPr>
+          <p:cNvPr id="2" name="Folienbildplatzhalter 1"/>
+          <p:cNvSpPr>
+            <a:spLocks noGrp="1" noRot="1" noChangeAspect="1"/>
+          </p:cNvSpPr>
+          <p:nvPr>
+            <p:ph type="sldImg"/>
+          </p:nvPr>
+        </p:nvSpPr>
+        <p:spPr/>
+      </p:sp>
+      <p:sp>
+        <p:nvSpPr>
+          <p:cNvPr id="3" name="Notizenplatzhalter 2"/>
+          <p:cNvSpPr>
+            <a:spLocks noGrp="1"/>
+          </p:cNvSpPr>
+          <p:nvPr>
+            <p:ph type="body" idx="1"/>
+          </p:nvPr>
+        </p:nvSpPr>
+        <p:spPr/>
+        <p:txBody>
+          <a:bodyPr/>
+          <a:lstStyle/>
+          <a:p>
+            <a:r>
+              <a:rPr lang="de-CH" dirty="0" err="1"/>
+              <a:t>matthias</a:t>
+            </a:r>
+            <a:endParaRPr lang="de-CH" dirty="0"/>
+          </a:p>
+        </p:txBody>
+      </p:sp>
+      <p:sp>
+        <p:nvSpPr>
+          <p:cNvPr id="4" name="Foliennummernplatzhalter 3"/>
+          <p:cNvSpPr>
+            <a:spLocks noGrp="1"/>
+          </p:cNvSpPr>
+          <p:nvPr>
+            <p:ph type="sldNum" sz="quarter" idx="10"/>
+          </p:nvPr>
+        </p:nvSpPr>
+        <p:spPr/>
+        <p:txBody>
+          <a:bodyPr/>
+          <a:lstStyle/>
+          <a:p>
+            <a:fld id="{E295798E-7BEE-4A25-96C8-F832B2F1E69A}" type="slidenum">
+              <a:rPr lang="de-CH" smtClean="0"/>
+              <a:t>21</a:t>
+            </a:fld>
+            <a:endParaRPr lang="de-CH"/>
+          </a:p>
+        </p:txBody>
+      </p:sp>
+    </p:spTree>
+    <p:extLst>
+      <p:ext uri="{BB962C8B-B14F-4D97-AF65-F5344CB8AC3E}">
+        <p14:creationId xmlns:p14="http://schemas.microsoft.com/office/powerpoint/2010/main" val="2890378773"/>
+      </p:ext>
+    </p:extLst>
+  </p:cSld>
+  <p:clrMapOvr>
+    <a:masterClrMapping/>
+  </p:clrMapOvr>
+</p:notes>
+</file>
+
+<file path=ppt/notesSlides/notesSlide22.xml><?xml version="1.0" encoding="utf-8"?>
+<p:notes xmlns:a="http://schemas.openxmlformats.org/drawingml/2006/main" xmlns:r="http://schemas.openxmlformats.org/officeDocument/2006/relationships" xmlns:p="http://schemas.openxmlformats.org/presentationml/2006/main">
+  <p:cSld>
+    <p:spTree>
+      <p:nvGrpSpPr>
+        <p:cNvPr id="1" name=""/>
+        <p:cNvGrpSpPr/>
+        <p:nvPr/>
+      </p:nvGrpSpPr>
+      <p:grpSpPr>
+        <a:xfrm>
+          <a:off x="0" y="0"/>
+          <a:ext cx="0" cy="0"/>
+          <a:chOff x="0" y="0"/>
+          <a:chExt cx="0" cy="0"/>
+        </a:xfrm>
+      </p:grpSpPr>
+      <p:sp>
+        <p:nvSpPr>
+          <p:cNvPr id="2" name="Folienbildplatzhalter 1"/>
+          <p:cNvSpPr>
+            <a:spLocks noGrp="1" noRot="1" noChangeAspect="1"/>
+          </p:cNvSpPr>
+          <p:nvPr>
+            <p:ph type="sldImg"/>
+          </p:nvPr>
+        </p:nvSpPr>
+        <p:spPr/>
+      </p:sp>
+      <p:sp>
+        <p:nvSpPr>
+          <p:cNvPr id="3" name="Notizenplatzhalter 2"/>
+          <p:cNvSpPr>
+            <a:spLocks noGrp="1"/>
+          </p:cNvSpPr>
+          <p:nvPr>
+            <p:ph type="body" idx="1"/>
+          </p:nvPr>
+        </p:nvSpPr>
+        <p:spPr/>
+        <p:txBody>
+          <a:bodyPr/>
+          <a:lstStyle/>
+          <a:p>
+            <a:r>
+              <a:rPr lang="de-CH" dirty="0"/>
+              <a:t>Fabio</a:t>
+            </a:r>
+          </a:p>
+          <a:p>
+            <a:r>
+              <a:rPr lang="de-CH" dirty="0" err="1"/>
+              <a:t>Levenshtein</a:t>
+            </a:r>
+            <a:r>
+              <a:rPr lang="de-CH" dirty="0"/>
+              <a:t>: Eigene </a:t>
+            </a:r>
+            <a:r>
+              <a:rPr lang="de-CH" dirty="0" err="1"/>
+              <a:t>gewichtungen</a:t>
+            </a:r>
+            <a:r>
+              <a:rPr lang="de-CH" dirty="0"/>
+              <a:t>: i – y | e – ä : 0.2</a:t>
+            </a:r>
+          </a:p>
+          <a:p>
+            <a:r>
+              <a:rPr lang="de-CH" dirty="0"/>
+              <a:t>(normalisiert) </a:t>
+            </a:r>
+            <a:r>
+              <a:rPr lang="de-CH" dirty="0" err="1"/>
+              <a:t>Levenschtein</a:t>
+            </a:r>
+            <a:r>
+              <a:rPr lang="de-CH" dirty="0"/>
+              <a:t>: 0 = gleich; 1 = komplett unterschiedlich</a:t>
+            </a:r>
+          </a:p>
+          <a:p>
+            <a:r>
+              <a:rPr lang="de-CH" dirty="0"/>
+              <a:t>Grenzwert muss gefunden werden</a:t>
+            </a:r>
+          </a:p>
+          <a:p>
+            <a:endParaRPr lang="de-CH" dirty="0"/>
+          </a:p>
+          <a:p>
+            <a:r>
+              <a:rPr lang="de-CH" dirty="0" err="1"/>
+              <a:t>Metaphone</a:t>
+            </a:r>
+            <a:r>
+              <a:rPr lang="de-CH" dirty="0"/>
+              <a:t>: indexiert </a:t>
+            </a:r>
+            <a:r>
+              <a:rPr lang="de-CH" dirty="0" err="1"/>
+              <a:t>wörter</a:t>
+            </a:r>
+            <a:r>
+              <a:rPr lang="de-CH" dirty="0"/>
+              <a:t> nach </a:t>
+            </a:r>
+            <a:r>
+              <a:rPr lang="de-CH" dirty="0" err="1"/>
+              <a:t>lautähnlichkeit</a:t>
+            </a:r>
+            <a:r>
+              <a:rPr lang="de-CH" dirty="0"/>
+              <a:t>, nur englisch, </a:t>
+            </a:r>
+            <a:r>
+              <a:rPr lang="de-CH" dirty="0" err="1"/>
+              <a:t>verbesserung</a:t>
+            </a:r>
+            <a:r>
+              <a:rPr lang="de-CH" dirty="0"/>
+              <a:t> von </a:t>
+            </a:r>
+            <a:r>
+              <a:rPr lang="de-CH" dirty="0" err="1"/>
+              <a:t>soudex</a:t>
+            </a:r>
+            <a:r>
+              <a:rPr lang="de-CH" dirty="0"/>
+              <a:t>, was für Namen konzipiert ist</a:t>
+            </a:r>
+          </a:p>
+          <a:p>
+            <a:r>
+              <a:rPr lang="de-CH" dirty="0"/>
+              <a:t>Double </a:t>
+            </a:r>
+            <a:r>
+              <a:rPr lang="de-CH" dirty="0" err="1"/>
+              <a:t>metaphone</a:t>
+            </a:r>
+            <a:r>
+              <a:rPr lang="de-CH" dirty="0"/>
+              <a:t>: unterstützt mehr sprachen. gleich? Ja/nein; nein ist nicht aussagekräftig</a:t>
+            </a:r>
+          </a:p>
+          <a:p>
+            <a:endParaRPr lang="de-CH" dirty="0"/>
+          </a:p>
+          <a:p>
+            <a:r>
+              <a:rPr lang="de-CH" dirty="0"/>
+              <a:t>Bleu: für </a:t>
+            </a:r>
+            <a:r>
+              <a:rPr lang="de-CH" dirty="0" err="1"/>
+              <a:t>dokumente</a:t>
+            </a:r>
+            <a:r>
+              <a:rPr lang="de-CH" dirty="0"/>
+              <a:t> konzipiert, für </a:t>
+            </a:r>
+            <a:r>
+              <a:rPr lang="de-CH" dirty="0" err="1"/>
+              <a:t>einzelnesätze</a:t>
+            </a:r>
+            <a:r>
+              <a:rPr lang="de-CH" dirty="0"/>
+              <a:t> nur dank </a:t>
+            </a:r>
+            <a:r>
+              <a:rPr lang="de-CH" dirty="0" err="1"/>
+              <a:t>smoothing</a:t>
+            </a:r>
+            <a:r>
+              <a:rPr lang="de-CH" dirty="0"/>
+              <a:t> </a:t>
+            </a:r>
+            <a:r>
+              <a:rPr lang="de-CH" dirty="0" err="1"/>
+              <a:t>funktion</a:t>
+            </a:r>
+            <a:r>
+              <a:rPr lang="de-CH" dirty="0"/>
+              <a:t> verwendbar, für einzelne </a:t>
+            </a:r>
+            <a:r>
+              <a:rPr lang="de-CH" dirty="0" err="1"/>
+              <a:t>wörter</a:t>
+            </a:r>
+            <a:r>
+              <a:rPr lang="de-CH" dirty="0"/>
+              <a:t> nicht gedacht</a:t>
+            </a:r>
+          </a:p>
+        </p:txBody>
+      </p:sp>
+      <p:sp>
+        <p:nvSpPr>
+          <p:cNvPr id="4" name="Foliennummernplatzhalter 3"/>
+          <p:cNvSpPr>
+            <a:spLocks noGrp="1"/>
+          </p:cNvSpPr>
+          <p:nvPr>
+            <p:ph type="sldNum" sz="quarter" idx="10"/>
+          </p:nvPr>
+        </p:nvSpPr>
+        <p:spPr/>
+        <p:txBody>
+          <a:bodyPr/>
+          <a:lstStyle/>
+          <a:p>
+            <a:fld id="{E295798E-7BEE-4A25-96C8-F832B2F1E69A}" type="slidenum">
+              <a:rPr lang="de-CH" smtClean="0"/>
+              <a:t>22</a:t>
+            </a:fld>
+            <a:endParaRPr lang="de-CH"/>
+          </a:p>
+        </p:txBody>
+      </p:sp>
+    </p:spTree>
+    <p:extLst>
+      <p:ext uri="{BB962C8B-B14F-4D97-AF65-F5344CB8AC3E}">
+        <p14:creationId xmlns:p14="http://schemas.microsoft.com/office/powerpoint/2010/main" val="2072490386"/>
+      </p:ext>
+    </p:extLst>
+  </p:cSld>
+  <p:clrMapOvr>
+    <a:masterClrMapping/>
+  </p:clrMapOvr>
+</p:notes>
+</file>
+
+<file path=ppt/notesSlides/notesSlide23.xml><?xml version="1.0" encoding="utf-8"?>
+<p:notes xmlns:a="http://schemas.openxmlformats.org/drawingml/2006/main" xmlns:r="http://schemas.openxmlformats.org/officeDocument/2006/relationships" xmlns:p="http://schemas.openxmlformats.org/presentationml/2006/main">
+  <p:cSld>
+    <p:spTree>
+      <p:nvGrpSpPr>
+        <p:cNvPr id="1" name=""/>
+        <p:cNvGrpSpPr/>
+        <p:nvPr/>
+      </p:nvGrpSpPr>
+      <p:grpSpPr>
+        <a:xfrm>
+          <a:off x="0" y="0"/>
+          <a:ext cx="0" cy="0"/>
+          <a:chOff x="0" y="0"/>
+          <a:chExt cx="0" cy="0"/>
+        </a:xfrm>
+      </p:grpSpPr>
+      <p:sp>
+        <p:nvSpPr>
+          <p:cNvPr id="2" name="Folienbildplatzhalter 1"/>
+          <p:cNvSpPr>
+            <a:spLocks noGrp="1" noRot="1" noChangeAspect="1"/>
+          </p:cNvSpPr>
+          <p:nvPr>
+            <p:ph type="sldImg"/>
+          </p:nvPr>
+        </p:nvSpPr>
+        <p:spPr/>
+      </p:sp>
+      <p:sp>
+        <p:nvSpPr>
+          <p:cNvPr id="3" name="Notizenplatzhalter 2"/>
+          <p:cNvSpPr>
+            <a:spLocks noGrp="1"/>
+          </p:cNvSpPr>
+          <p:nvPr>
+            <p:ph type="body" idx="1"/>
+          </p:nvPr>
+        </p:nvSpPr>
+        <p:spPr/>
+        <p:txBody>
+          <a:bodyPr/>
+          <a:lstStyle/>
+          <a:p>
+            <a:r>
+              <a:rPr lang="de-CH" dirty="0"/>
+              <a:t>Fabio</a:t>
+            </a:r>
+          </a:p>
+          <a:p>
+            <a:r>
+              <a:rPr lang="de-CH" dirty="0"/>
               <a:t>Grenzwert von 0.45: rote </a:t>
             </a:r>
             <a:r>
@@ -2685,11 +3013,408 @@
           <a:p>
             <a:endParaRPr lang="de-CH" dirty="0"/>
           </a:p>
-          <a:p>
-            <a:r>
-              <a:rPr lang="de-CH" dirty="0"/>
-              <a:t>Tieferer Wert macht </a:t>
-            </a:r>
+        </p:txBody>
+      </p:sp>
+      <p:sp>
+        <p:nvSpPr>
+          <p:cNvPr id="4" name="Foliennummernplatzhalter 3"/>
+          <p:cNvSpPr>
+            <a:spLocks noGrp="1"/>
+          </p:cNvSpPr>
+          <p:nvPr>
+            <p:ph type="sldNum" sz="quarter" idx="10"/>
+          </p:nvPr>
+        </p:nvSpPr>
+        <p:spPr/>
+        <p:txBody>
+          <a:bodyPr/>
+          <a:lstStyle/>
+          <a:p>
+            <a:fld id="{E295798E-7BEE-4A25-96C8-F832B2F1E69A}" type="slidenum">
+              <a:rPr lang="de-CH" smtClean="0"/>
+              <a:t>23</a:t>
+            </a:fld>
+            <a:endParaRPr lang="de-CH"/>
+          </a:p>
+        </p:txBody>
+      </p:sp>
+    </p:spTree>
+    <p:extLst>
+      <p:ext uri="{BB962C8B-B14F-4D97-AF65-F5344CB8AC3E}">
+        <p14:creationId xmlns:p14="http://schemas.microsoft.com/office/powerpoint/2010/main" val="632488081"/>
+      </p:ext>
+    </p:extLst>
+  </p:cSld>
+  <p:clrMapOvr>
+    <a:masterClrMapping/>
+  </p:clrMapOvr>
+</p:notes>
+</file>
+
+<file path=ppt/notesSlides/notesSlide24.xml><?xml version="1.0" encoding="utf-8"?>
+<p:notes xmlns:a="http://schemas.openxmlformats.org/drawingml/2006/main" xmlns:r="http://schemas.openxmlformats.org/officeDocument/2006/relationships" xmlns:p="http://schemas.openxmlformats.org/presentationml/2006/main">
+  <p:cSld>
+    <p:spTree>
+      <p:nvGrpSpPr>
+        <p:cNvPr id="1" name=""/>
+        <p:cNvGrpSpPr/>
+        <p:nvPr/>
+      </p:nvGrpSpPr>
+      <p:grpSpPr>
+        <a:xfrm>
+          <a:off x="0" y="0"/>
+          <a:ext cx="0" cy="0"/>
+          <a:chOff x="0" y="0"/>
+          <a:chExt cx="0" cy="0"/>
+        </a:xfrm>
+      </p:grpSpPr>
+      <p:sp>
+        <p:nvSpPr>
+          <p:cNvPr id="2" name="Folienbildplatzhalter 1"/>
+          <p:cNvSpPr>
+            <a:spLocks noGrp="1" noRot="1" noChangeAspect="1"/>
+          </p:cNvSpPr>
+          <p:nvPr>
+            <p:ph type="sldImg"/>
+          </p:nvPr>
+        </p:nvSpPr>
+        <p:spPr/>
+      </p:sp>
+      <p:sp>
+        <p:nvSpPr>
+          <p:cNvPr id="3" name="Notizenplatzhalter 2"/>
+          <p:cNvSpPr>
+            <a:spLocks noGrp="1"/>
+          </p:cNvSpPr>
+          <p:nvPr>
+            <p:ph type="body" idx="1"/>
+          </p:nvPr>
+        </p:nvSpPr>
+        <p:spPr/>
+        <p:txBody>
+          <a:bodyPr/>
+          <a:lstStyle/>
+          <a:p>
+            <a:r>
+              <a:rPr lang="de-CH" dirty="0"/>
+              <a:t>Fabio</a:t>
+            </a:r>
+          </a:p>
+          <a:p>
+            <a:r>
+              <a:rPr lang="de-CH" dirty="0"/>
+              <a:t>1 zu N: Daten gehen verloren</a:t>
+            </a:r>
+          </a:p>
+          <a:p>
+            <a:r>
+              <a:rPr lang="de-CH" dirty="0"/>
+              <a:t>N zu N: viel aufwändiger [n*(n-1)/2]</a:t>
+            </a:r>
+          </a:p>
+        </p:txBody>
+      </p:sp>
+      <p:sp>
+        <p:nvSpPr>
+          <p:cNvPr id="4" name="Foliennummernplatzhalter 3"/>
+          <p:cNvSpPr>
+            <a:spLocks noGrp="1"/>
+          </p:cNvSpPr>
+          <p:nvPr>
+            <p:ph type="sldNum" sz="quarter" idx="10"/>
+          </p:nvPr>
+        </p:nvSpPr>
+        <p:spPr/>
+        <p:txBody>
+          <a:bodyPr/>
+          <a:lstStyle/>
+          <a:p>
+            <a:fld id="{E295798E-7BEE-4A25-96C8-F832B2F1E69A}" type="slidenum">
+              <a:rPr lang="de-CH" smtClean="0"/>
+              <a:t>24</a:t>
+            </a:fld>
+            <a:endParaRPr lang="de-CH"/>
+          </a:p>
+        </p:txBody>
+      </p:sp>
+    </p:spTree>
+    <p:extLst>
+      <p:ext uri="{BB962C8B-B14F-4D97-AF65-F5344CB8AC3E}">
+        <p14:creationId xmlns:p14="http://schemas.microsoft.com/office/powerpoint/2010/main" val="1586998373"/>
+      </p:ext>
+    </p:extLst>
+  </p:cSld>
+  <p:clrMapOvr>
+    <a:masterClrMapping/>
+  </p:clrMapOvr>
+</p:notes>
+</file>
+
+<file path=ppt/notesSlides/notesSlide25.xml><?xml version="1.0" encoding="utf-8"?>
+<p:notes xmlns:a="http://schemas.openxmlformats.org/drawingml/2006/main" xmlns:r="http://schemas.openxmlformats.org/officeDocument/2006/relationships" xmlns:p="http://schemas.openxmlformats.org/presentationml/2006/main">
+  <p:cSld>
+    <p:spTree>
+      <p:nvGrpSpPr>
+        <p:cNvPr id="1" name=""/>
+        <p:cNvGrpSpPr/>
+        <p:nvPr/>
+      </p:nvGrpSpPr>
+      <p:grpSpPr>
+        <a:xfrm>
+          <a:off x="0" y="0"/>
+          <a:ext cx="0" cy="0"/>
+          <a:chOff x="0" y="0"/>
+          <a:chExt cx="0" cy="0"/>
+        </a:xfrm>
+      </p:grpSpPr>
+      <p:sp>
+        <p:nvSpPr>
+          <p:cNvPr id="2" name="Folienbildplatzhalter 1"/>
+          <p:cNvSpPr>
+            <a:spLocks noGrp="1" noRot="1" noChangeAspect="1"/>
+          </p:cNvSpPr>
+          <p:nvPr>
+            <p:ph type="sldImg"/>
+          </p:nvPr>
+        </p:nvSpPr>
+        <p:spPr/>
+      </p:sp>
+      <p:sp>
+        <p:nvSpPr>
+          <p:cNvPr id="3" name="Notizenplatzhalter 2"/>
+          <p:cNvSpPr>
+            <a:spLocks noGrp="1"/>
+          </p:cNvSpPr>
+          <p:nvPr>
+            <p:ph type="body" idx="1"/>
+          </p:nvPr>
+        </p:nvSpPr>
+        <p:spPr/>
+        <p:txBody>
+          <a:bodyPr/>
+          <a:lstStyle/>
+          <a:p>
+            <a:r>
+              <a:rPr lang="de-CH" dirty="0"/>
+              <a:t>Matthias</a:t>
+            </a:r>
+          </a:p>
+          <a:p>
+            <a:r>
+              <a:rPr lang="de-CH" dirty="0"/>
+              <a:t>1 zu n</a:t>
+            </a:r>
+          </a:p>
+          <a:p>
+            <a:r>
+              <a:rPr lang="de-CH" dirty="0"/>
+              <a:t>Satz mit </a:t>
+            </a:r>
+            <a:r>
+              <a:rPr lang="de-CH" dirty="0" err="1"/>
+              <a:t>auslassung</a:t>
+            </a:r>
+            <a:r>
+              <a:rPr lang="de-CH" dirty="0"/>
+              <a:t> als </a:t>
+            </a:r>
+            <a:r>
+              <a:rPr lang="de-CH" dirty="0" err="1"/>
+              <a:t>hauptsatz</a:t>
+            </a:r>
+            <a:r>
+              <a:rPr lang="de-CH" dirty="0"/>
+              <a:t> gewählt</a:t>
+            </a:r>
+          </a:p>
+          <a:p>
+            <a:r>
+              <a:rPr lang="de-CH" dirty="0"/>
+              <a:t>(</a:t>
+            </a:r>
+            <a:r>
+              <a:rPr lang="de-CH" dirty="0" err="1"/>
+              <a:t>distanz</a:t>
+            </a:r>
+            <a:r>
+              <a:rPr lang="de-CH" dirty="0"/>
+              <a:t> überall 1)</a:t>
+            </a:r>
+          </a:p>
+          <a:p>
+            <a:r>
+              <a:rPr lang="de-CH" dirty="0"/>
+              <a:t>Bestes Wort: </a:t>
+            </a:r>
+            <a:r>
+              <a:rPr lang="de-CH" dirty="0" err="1"/>
+              <a:t>wörter</a:t>
+            </a:r>
+            <a:r>
+              <a:rPr lang="de-CH" dirty="0"/>
+              <a:t> untereinander auf </a:t>
+            </a:r>
+            <a:r>
+              <a:rPr lang="de-CH" dirty="0" err="1"/>
+              <a:t>ähnlichkeit</a:t>
+            </a:r>
+            <a:r>
+              <a:rPr lang="de-CH" dirty="0"/>
+              <a:t> überprüfen (mit </a:t>
+            </a:r>
+            <a:r>
+              <a:rPr lang="de-CH" dirty="0" err="1"/>
+              <a:t>levenshtein</a:t>
+            </a:r>
+            <a:r>
+              <a:rPr lang="de-CH" dirty="0"/>
+              <a:t>), gleiches </a:t>
+            </a:r>
+            <a:r>
+              <a:rPr lang="de-CH" dirty="0" err="1"/>
+              <a:t>prinzip</a:t>
+            </a:r>
+            <a:r>
+              <a:rPr lang="de-CH" dirty="0"/>
+              <a:t> wie </a:t>
+            </a:r>
+            <a:r>
+              <a:rPr lang="de-CH" dirty="0" err="1"/>
+              <a:t>satzbewertung</a:t>
+            </a:r>
+            <a:endParaRPr lang="de-CH" dirty="0"/>
+          </a:p>
+          <a:p>
+            <a:r>
+              <a:rPr lang="de-CH" dirty="0"/>
+              <a:t>Grenzen: Wenn </a:t>
+            </a:r>
+            <a:r>
+              <a:rPr lang="de-CH" dirty="0" err="1"/>
+              <a:t>mehrheit</a:t>
+            </a:r>
+            <a:r>
+              <a:rPr lang="de-CH" dirty="0"/>
+              <a:t> </a:t>
+            </a:r>
+            <a:r>
+              <a:rPr lang="de-CH" dirty="0" err="1"/>
+              <a:t>wort</a:t>
+            </a:r>
+            <a:r>
+              <a:rPr lang="de-CH" dirty="0"/>
+              <a:t> nicht versteht (</a:t>
+            </a:r>
+            <a:r>
+              <a:rPr lang="de-CH" dirty="0" err="1"/>
+              <a:t>fehler</a:t>
+            </a:r>
+            <a:r>
+              <a:rPr lang="de-CH" dirty="0"/>
+              <a:t> nicht mehr zufällig verteilt), funktioniert dieser </a:t>
+            </a:r>
+            <a:r>
+              <a:rPr lang="de-CH" dirty="0" err="1"/>
+              <a:t>ansatz</a:t>
+            </a:r>
+            <a:r>
+              <a:rPr lang="de-CH" dirty="0"/>
+              <a:t> nicht.</a:t>
+            </a:r>
+          </a:p>
+          <a:p>
+            <a:r>
+              <a:rPr lang="de-CH" dirty="0"/>
+              <a:t>17% der Satzgruppen haben mehrheitlich Sätze mit *** Auslassungen (potentiell nicht an selber stelle)</a:t>
+            </a:r>
+          </a:p>
+        </p:txBody>
+      </p:sp>
+      <p:sp>
+        <p:nvSpPr>
+          <p:cNvPr id="4" name="Foliennummernplatzhalter 3"/>
+          <p:cNvSpPr>
+            <a:spLocks noGrp="1"/>
+          </p:cNvSpPr>
+          <p:nvPr>
+            <p:ph type="sldNum" sz="quarter" idx="10"/>
+          </p:nvPr>
+        </p:nvSpPr>
+        <p:spPr/>
+        <p:txBody>
+          <a:bodyPr/>
+          <a:lstStyle/>
+          <a:p>
+            <a:fld id="{E295798E-7BEE-4A25-96C8-F832B2F1E69A}" type="slidenum">
+              <a:rPr lang="de-CH" smtClean="0"/>
+              <a:t>25</a:t>
+            </a:fld>
+            <a:endParaRPr lang="de-CH"/>
+          </a:p>
+        </p:txBody>
+      </p:sp>
+    </p:spTree>
+    <p:extLst>
+      <p:ext uri="{BB962C8B-B14F-4D97-AF65-F5344CB8AC3E}">
+        <p14:creationId xmlns:p14="http://schemas.microsoft.com/office/powerpoint/2010/main" val="1039986214"/>
+      </p:ext>
+    </p:extLst>
+  </p:cSld>
+  <p:clrMapOvr>
+    <a:masterClrMapping/>
+  </p:clrMapOvr>
+</p:notes>
+</file>
+
+<file path=ppt/notesSlides/notesSlide26.xml><?xml version="1.0" encoding="utf-8"?>
+<p:notes xmlns:a="http://schemas.openxmlformats.org/drawingml/2006/main" xmlns:r="http://schemas.openxmlformats.org/officeDocument/2006/relationships" xmlns:p="http://schemas.openxmlformats.org/presentationml/2006/main">
+  <p:cSld>
+    <p:spTree>
+      <p:nvGrpSpPr>
+        <p:cNvPr id="1" name=""/>
+        <p:cNvGrpSpPr/>
+        <p:nvPr/>
+      </p:nvGrpSpPr>
+      <p:grpSpPr>
+        <a:xfrm>
+          <a:off x="0" y="0"/>
+          <a:ext cx="0" cy="0"/>
+          <a:chOff x="0" y="0"/>
+          <a:chExt cx="0" cy="0"/>
+        </a:xfrm>
+      </p:grpSpPr>
+      <p:sp>
+        <p:nvSpPr>
+          <p:cNvPr id="2" name="Folienbildplatzhalter 1"/>
+          <p:cNvSpPr>
+            <a:spLocks noGrp="1" noRot="1" noChangeAspect="1"/>
+          </p:cNvSpPr>
+          <p:nvPr>
+            <p:ph type="sldImg"/>
+          </p:nvPr>
+        </p:nvSpPr>
+        <p:spPr/>
+      </p:sp>
+      <p:sp>
+        <p:nvSpPr>
+          <p:cNvPr id="3" name="Notizenplatzhalter 2"/>
+          <p:cNvSpPr>
+            <a:spLocks noGrp="1"/>
+          </p:cNvSpPr>
+          <p:nvPr>
+            <p:ph type="body" idx="1"/>
+          </p:nvPr>
+        </p:nvSpPr>
+        <p:spPr/>
+        <p:txBody>
+          <a:bodyPr/>
+          <a:lstStyle/>
+          <a:p>
+            <a:r>
+              <a:rPr lang="de-CH" dirty="0" err="1"/>
+              <a:t>matthias</a:t>
+            </a:r>
+            <a:endParaRPr lang="de-CH" dirty="0"/>
           </a:p>
         </p:txBody>
       </p:sp>
@@ -2719,7 +3444,7 @@
     </p:spTree>
     <p:extLst>
       <p:ext uri="{BB962C8B-B14F-4D97-AF65-F5344CB8AC3E}">
-        <p14:creationId xmlns:p14="http://schemas.microsoft.com/office/powerpoint/2010/main" val="632488081"/>
+        <p14:creationId xmlns:p14="http://schemas.microsoft.com/office/powerpoint/2010/main" val="1755859645"/>
       </p:ext>
     </p:extLst>
   </p:cSld>
@@ -2774,117 +3499,52 @@
           <a:lstStyle/>
           <a:p>
             <a:r>
-              <a:rPr lang="de-CH" dirty="0"/>
-              <a:t>Gutes Beispiel, Ohne Fehler und Auslassungen</a:t>
-            </a:r>
-          </a:p>
-          <a:p>
+              <a:rPr lang="de-CH" dirty="0" err="1"/>
+              <a:t>matthias</a:t>
+            </a:r>
             <a:endParaRPr lang="de-CH" dirty="0"/>
           </a:p>
           <a:p>
             <a:r>
               <a:rPr lang="de-CH" dirty="0"/>
-              <a:t>• D </a:t>
-            </a:r>
-            <a:r>
-              <a:rPr lang="de-CH" dirty="0" err="1"/>
-              <a:t>sägässli</a:t>
-            </a:r>
-            <a:r>
-              <a:rPr lang="de-CH" dirty="0"/>
-              <a:t> </a:t>
-            </a:r>
-            <a:r>
-              <a:rPr lang="de-CH" dirty="0" err="1"/>
-              <a:t>diä</a:t>
-            </a:r>
-            <a:r>
-              <a:rPr lang="de-CH" dirty="0"/>
-              <a:t> </a:t>
-            </a:r>
-            <a:r>
-              <a:rPr lang="de-CH" dirty="0" err="1"/>
-              <a:t>wärdid</a:t>
-            </a:r>
-            <a:r>
-              <a:rPr lang="de-CH" dirty="0"/>
-              <a:t>       am </a:t>
-            </a:r>
-            <a:r>
-              <a:rPr lang="de-CH" dirty="0" err="1"/>
-              <a:t>oobet</a:t>
-            </a:r>
-            <a:r>
-              <a:rPr lang="de-CH" dirty="0"/>
-              <a:t> </a:t>
-            </a:r>
-            <a:r>
-              <a:rPr lang="de-CH" dirty="0" err="1"/>
-              <a:t>voräne</a:t>
-            </a:r>
-            <a:r>
-              <a:rPr lang="de-CH" dirty="0"/>
-              <a:t> schon      </a:t>
-            </a:r>
-            <a:r>
-              <a:rPr lang="de-CH" dirty="0" err="1"/>
-              <a:t>tänglet</a:t>
-            </a:r>
-            <a:r>
-              <a:rPr lang="de-CH" dirty="0"/>
-              <a:t> ins </a:t>
-            </a:r>
-            <a:r>
-              <a:rPr lang="de-CH" dirty="0" err="1"/>
-              <a:t>grüschtet</a:t>
-            </a:r>
-            <a:r>
-              <a:rPr lang="de-CH" dirty="0"/>
-              <a:t>      Dass </a:t>
-            </a:r>
-            <a:r>
-              <a:rPr lang="de-CH" dirty="0" err="1"/>
-              <a:t>me</a:t>
-            </a:r>
-            <a:r>
-              <a:rPr lang="de-CH" dirty="0"/>
-              <a:t> denn </a:t>
-            </a:r>
-            <a:r>
-              <a:rPr lang="de-CH" dirty="0" err="1"/>
-              <a:t>moore</a:t>
-            </a:r>
-            <a:r>
-              <a:rPr lang="de-CH" dirty="0"/>
-              <a:t>     </a:t>
-            </a:r>
-            <a:r>
-              <a:rPr lang="de-CH" dirty="0" err="1"/>
-              <a:t>dess</a:t>
-            </a:r>
-            <a:r>
-              <a:rPr lang="de-CH" dirty="0"/>
-              <a:t> a </a:t>
-            </a:r>
-            <a:r>
-              <a:rPr lang="de-CH" dirty="0" err="1"/>
-              <a:t>morgete</a:t>
-            </a:r>
-            <a:r>
-              <a:rPr lang="de-CH" dirty="0"/>
-              <a:t> </a:t>
-            </a:r>
-            <a:r>
-              <a:rPr lang="de-CH" dirty="0" err="1"/>
-              <a:t>cho</a:t>
-            </a:r>
-            <a:r>
-              <a:rPr lang="de-CH" dirty="0"/>
-              <a:t> </a:t>
-            </a:r>
-            <a:r>
-              <a:rPr lang="de-CH" dirty="0" err="1"/>
-              <a:t>druflousmääje</a:t>
+              <a:t>2 </a:t>
+            </a:r>
+            <a:r>
+              <a:rPr lang="de-CH" dirty="0" err="1"/>
+              <a:t>tasks</a:t>
+            </a:r>
+            <a:r>
+              <a:rPr lang="de-CH" dirty="0"/>
+              <a:t>: </a:t>
+            </a:r>
+            <a:r>
+              <a:rPr lang="de-CH" dirty="0" err="1"/>
+              <a:t>ch</a:t>
+            </a:r>
+            <a:r>
+              <a:rPr lang="de-CH" dirty="0"/>
+              <a:t>-de übersetzen, </a:t>
+            </a:r>
+            <a:r>
+              <a:rPr lang="de-CH" dirty="0" err="1"/>
+              <a:t>ch</a:t>
+            </a:r>
+            <a:r>
+              <a:rPr lang="de-CH" dirty="0"/>
+              <a:t> transkribieren</a:t>
+            </a:r>
+          </a:p>
+          <a:p>
+            <a:endParaRPr lang="de-CH" dirty="0"/>
+          </a:p>
+          <a:p>
+            <a:r>
+              <a:rPr lang="de-CH" dirty="0"/>
+              <a:t>Wir befassen uns mit </a:t>
+            </a:r>
+            <a:r>
+              <a:rPr lang="de-CH" dirty="0" err="1"/>
+              <a:t>transkriptionsdaten</a:t>
             </a:r>
             <a:endParaRPr lang="de-CH" dirty="0"/>
           </a:p>
@@ -2907,7 +3567,7 @@
           <a:p>
             <a:fld id="{E295798E-7BEE-4A25-96C8-F832B2F1E69A}" type="slidenum">
               <a:rPr lang="de-CH" smtClean="0"/>
-              <a:t>7</a:t>
+              <a:t>3</a:t>
             </a:fld>
             <a:endParaRPr lang="de-CH"/>
           </a:p>
@@ -2916,7 +3576,7 @@
     </p:spTree>
     <p:extLst>
       <p:ext uri="{BB962C8B-B14F-4D97-AF65-F5344CB8AC3E}">
-        <p14:creationId xmlns:p14="http://schemas.microsoft.com/office/powerpoint/2010/main" val="4201625103"/>
+        <p14:creationId xmlns:p14="http://schemas.microsoft.com/office/powerpoint/2010/main" val="2628772706"/>
       </p:ext>
     </p:extLst>
   </p:cSld>
@@ -2971,9 +3631,126 @@
           <a:lstStyle/>
           <a:p>
             <a:r>
-              <a:rPr lang="de-CH" dirty="0"/>
-              <a:t>Auslassung in teil 5</a:t>
-            </a:r>
+              <a:rPr lang="de-CH" dirty="0" err="1"/>
+              <a:t>matthias</a:t>
+            </a:r>
+            <a:endParaRPr lang="de-CH" dirty="0"/>
+          </a:p>
+          <a:p>
+            <a:r>
+              <a:rPr lang="de-CH" dirty="0"/>
+              <a:t>Gutes Beispiel, Ohne Fehler und Auslassungen</a:t>
+            </a:r>
+          </a:p>
+          <a:p>
+            <a:endParaRPr lang="de-CH" dirty="0"/>
+          </a:p>
+          <a:p>
+            <a:r>
+              <a:rPr lang="de-CH" dirty="0"/>
+              <a:t>• D </a:t>
+            </a:r>
+            <a:r>
+              <a:rPr lang="de-CH" dirty="0" err="1"/>
+              <a:t>sägässli</a:t>
+            </a:r>
+            <a:r>
+              <a:rPr lang="de-CH" dirty="0"/>
+              <a:t> </a:t>
+            </a:r>
+            <a:r>
+              <a:rPr lang="de-CH" dirty="0" err="1"/>
+              <a:t>diä</a:t>
+            </a:r>
+            <a:r>
+              <a:rPr lang="de-CH" dirty="0"/>
+              <a:t> </a:t>
+            </a:r>
+            <a:r>
+              <a:rPr lang="de-CH" dirty="0" err="1"/>
+              <a:t>wärdid</a:t>
+            </a:r>
+            <a:r>
+              <a:rPr lang="de-CH" dirty="0"/>
+              <a:t>       am </a:t>
+            </a:r>
+            <a:r>
+              <a:rPr lang="de-CH" dirty="0" err="1"/>
+              <a:t>oobet</a:t>
+            </a:r>
+            <a:r>
+              <a:rPr lang="de-CH" dirty="0"/>
+              <a:t> </a:t>
+            </a:r>
+            <a:r>
+              <a:rPr lang="de-CH" dirty="0" err="1"/>
+              <a:t>voräne</a:t>
+            </a:r>
+            <a:r>
+              <a:rPr lang="de-CH" dirty="0"/>
+              <a:t> schon      </a:t>
+            </a:r>
+            <a:r>
+              <a:rPr lang="de-CH" dirty="0" err="1"/>
+              <a:t>tänglet</a:t>
+            </a:r>
+            <a:r>
+              <a:rPr lang="de-CH" dirty="0"/>
+              <a:t> ins </a:t>
+            </a:r>
+            <a:r>
+              <a:rPr lang="de-CH" dirty="0" err="1"/>
+              <a:t>grüschtet</a:t>
+            </a:r>
+            <a:r>
+              <a:rPr lang="de-CH" dirty="0"/>
+              <a:t>      Dass </a:t>
+            </a:r>
+            <a:r>
+              <a:rPr lang="de-CH" dirty="0" err="1"/>
+              <a:t>me</a:t>
+            </a:r>
+            <a:r>
+              <a:rPr lang="de-CH" dirty="0"/>
+              <a:t> denn </a:t>
+            </a:r>
+            <a:r>
+              <a:rPr lang="de-CH" dirty="0" err="1"/>
+              <a:t>moore</a:t>
+            </a:r>
+            <a:r>
+              <a:rPr lang="de-CH" dirty="0"/>
+              <a:t>     </a:t>
+            </a:r>
+            <a:r>
+              <a:rPr lang="de-CH" dirty="0" err="1"/>
+              <a:t>dess</a:t>
+            </a:r>
+            <a:r>
+              <a:rPr lang="de-CH" dirty="0"/>
+              <a:t> a </a:t>
+            </a:r>
+            <a:r>
+              <a:rPr lang="de-CH" dirty="0" err="1"/>
+              <a:t>morgete</a:t>
+            </a:r>
+            <a:r>
+              <a:rPr lang="de-CH" dirty="0"/>
+              <a:t> </a:t>
+            </a:r>
+            <a:r>
+              <a:rPr lang="de-CH" dirty="0" err="1"/>
+              <a:t>cho</a:t>
+            </a:r>
+            <a:r>
+              <a:rPr lang="de-CH" dirty="0"/>
+              <a:t> </a:t>
+            </a:r>
+            <a:r>
+              <a:rPr lang="de-CH" dirty="0" err="1"/>
+              <a:t>druflousmääje</a:t>
+            </a:r>
+            <a:endParaRPr lang="de-CH" dirty="0"/>
           </a:p>
         </p:txBody>
       </p:sp>
@@ -2994,7 +3771,7 @@
           <a:p>
             <a:fld id="{E295798E-7BEE-4A25-96C8-F832B2F1E69A}" type="slidenum">
               <a:rPr lang="de-CH" smtClean="0"/>
-              <a:t>8</a:t>
+              <a:t>4</a:t>
             </a:fld>
             <a:endParaRPr lang="de-CH"/>
           </a:p>
@@ -3003,7 +3780,7 @@
     </p:spTree>
     <p:extLst>
       <p:ext uri="{BB962C8B-B14F-4D97-AF65-F5344CB8AC3E}">
-        <p14:creationId xmlns:p14="http://schemas.microsoft.com/office/powerpoint/2010/main" val="433927186"/>
+        <p14:creationId xmlns:p14="http://schemas.microsoft.com/office/powerpoint/2010/main" val="4201625103"/>
       </p:ext>
     </p:extLst>
   </p:cSld>
@@ -3058,14 +3835,16 @@
           <a:lstStyle/>
           <a:p>
             <a:r>
-              <a:rPr lang="de-CH" dirty="0"/>
-              <a:t>Falsche </a:t>
-            </a:r>
-            <a:r>
-              <a:rPr lang="de-CH" dirty="0" err="1"/>
-              <a:t>eingabe</a:t>
+              <a:rPr lang="de-CH" dirty="0" err="1"/>
+              <a:t>matthias</a:t>
             </a:r>
             <a:endParaRPr lang="de-CH" dirty="0"/>
+          </a:p>
+          <a:p>
+            <a:r>
+              <a:rPr lang="de-CH" dirty="0"/>
+              <a:t>Auslassung in teil 5</a:t>
+            </a:r>
           </a:p>
         </p:txBody>
       </p:sp>
@@ -3086,7 +3865,7 @@
           <a:p>
             <a:fld id="{E295798E-7BEE-4A25-96C8-F832B2F1E69A}" type="slidenum">
               <a:rPr lang="de-CH" smtClean="0"/>
-              <a:t>9</a:t>
+              <a:t>5</a:t>
             </a:fld>
             <a:endParaRPr lang="de-CH"/>
           </a:p>
@@ -3095,7 +3874,7 @@
     </p:spTree>
     <p:extLst>
       <p:ext uri="{BB962C8B-B14F-4D97-AF65-F5344CB8AC3E}">
-        <p14:creationId xmlns:p14="http://schemas.microsoft.com/office/powerpoint/2010/main" val="1018921890"/>
+        <p14:creationId xmlns:p14="http://schemas.microsoft.com/office/powerpoint/2010/main" val="433927186"/>
       </p:ext>
     </p:extLst>
   </p:cSld>
@@ -3150,23 +3929,21 @@
           <a:lstStyle/>
           <a:p>
             <a:r>
-              <a:rPr lang="de-CH" dirty="0"/>
-              <a:t>Hauptteil: Schreibvarianten: so kann ein Wörterbuch erstellt werden</a:t>
-            </a:r>
-          </a:p>
-          <a:p>
-            <a:r>
-              <a:rPr lang="de-CH" dirty="0"/>
-              <a:t>Tools: </a:t>
-            </a:r>
-            <a:r>
-              <a:rPr lang="de-CH" dirty="0" err="1"/>
-              <a:t>tools</a:t>
-            </a:r>
-            <a:r>
-              <a:rPr lang="de-CH" dirty="0"/>
-              <a:t> für schweizerdeutsch existieren nicht, Tools für andere Probleme können jedoch angewendet werden</a:t>
-            </a:r>
+              <a:rPr lang="de-CH" dirty="0" err="1"/>
+              <a:t>matthias</a:t>
+            </a:r>
+            <a:endParaRPr lang="de-CH" dirty="0"/>
+          </a:p>
+          <a:p>
+            <a:r>
+              <a:rPr lang="de-CH" dirty="0"/>
+              <a:t>Falsche </a:t>
+            </a:r>
+            <a:r>
+              <a:rPr lang="de-CH" dirty="0" err="1"/>
+              <a:t>eingabe</a:t>
+            </a:r>
+            <a:endParaRPr lang="de-CH" dirty="0"/>
           </a:p>
         </p:txBody>
       </p:sp>
@@ -3187,7 +3964,7 @@
           <a:p>
             <a:fld id="{E295798E-7BEE-4A25-96C8-F832B2F1E69A}" type="slidenum">
               <a:rPr lang="de-CH" smtClean="0"/>
-              <a:t>10</a:t>
+              <a:t>6</a:t>
             </a:fld>
             <a:endParaRPr lang="de-CH"/>
           </a:p>
@@ -3196,7 +3973,7 @@
     </p:spTree>
     <p:extLst>
       <p:ext uri="{BB962C8B-B14F-4D97-AF65-F5344CB8AC3E}">
-        <p14:creationId xmlns:p14="http://schemas.microsoft.com/office/powerpoint/2010/main" val="3199094075"/>
+        <p14:creationId xmlns:p14="http://schemas.microsoft.com/office/powerpoint/2010/main" val="1018921890"/>
       </p:ext>
     </p:extLst>
   </p:cSld>
@@ -3250,91 +4027,29 @@
           <a:bodyPr/>
           <a:lstStyle/>
           <a:p>
-            <a:pPr marL="228600" indent="-228600">
-              <a:buAutoNum type="arabicPeriod"/>
-            </a:pPr>
-            <a:r>
-              <a:rPr lang="de-CH" dirty="0"/>
-              <a:t>Offensichtlich unbrauchbar, wollen wir ausfiltern</a:t>
-            </a:r>
-          </a:p>
-          <a:p>
-            <a:pPr marL="228600" indent="-228600">
-              <a:buAutoNum type="arabicPeriod"/>
-            </a:pPr>
-            <a:r>
-              <a:rPr lang="de-CH" dirty="0"/>
-              <a:t>Nicht unbrauchbar, aber mit </a:t>
-            </a:r>
-            <a:r>
-              <a:rPr lang="de-CH" dirty="0" err="1"/>
-              <a:t>auslassung</a:t>
-            </a:r>
-            <a:endParaRPr lang="de-CH" dirty="0"/>
-          </a:p>
-          <a:p>
-            <a:pPr marL="228600" indent="-228600">
-              <a:buAutoNum type="arabicPeriod"/>
-            </a:pPr>
-            <a:r>
-              <a:rPr lang="de-CH" dirty="0"/>
-              <a:t>Sehr Gut</a:t>
-            </a:r>
-          </a:p>
-          <a:p>
-            <a:pPr marL="228600" indent="-228600">
-              <a:buAutoNum type="arabicPeriod"/>
-            </a:pPr>
-            <a:r>
-              <a:rPr lang="de-CH" dirty="0"/>
-              <a:t>Sehr gut, ungewöhnlich wegen </a:t>
-            </a:r>
-            <a:r>
-              <a:rPr lang="de-CH" dirty="0" err="1"/>
-              <a:t>égü</a:t>
-            </a:r>
-            <a:r>
-              <a:rPr lang="de-CH" dirty="0"/>
-              <a:t> und </a:t>
-            </a:r>
-            <a:r>
-              <a:rPr lang="de-CH" dirty="0" err="1"/>
-              <a:t>accènt</a:t>
-            </a:r>
-            <a:r>
-              <a:rPr lang="de-CH" dirty="0"/>
-              <a:t> </a:t>
-            </a:r>
-          </a:p>
-          <a:p>
-            <a:pPr marL="228600" indent="-228600">
-              <a:buAutoNum type="arabicPeriod"/>
-            </a:pPr>
-            <a:endParaRPr lang="de-CH" dirty="0"/>
-          </a:p>
-          <a:p>
-            <a:pPr marL="0" indent="0">
-              <a:buNone/>
-            </a:pPr>
-            <a:r>
-              <a:rPr lang="de-CH" dirty="0"/>
-              <a:t>Sofort ersichtlich ist, dass Transkription 1 nicht gut und in diesem Fall sogar völlig unbrauchbar ist. Die andern drei Transkriptionen sind zwar brauchbar, weisen jedoch dennoch qualitative Unterschiede auf: Transkription 2 ist unvollständig: *** ersetzt hier «</a:t>
-            </a:r>
-            <a:r>
-              <a:rPr lang="de-CH" dirty="0" err="1"/>
-              <a:t>Burdine</a:t>
-            </a:r>
-            <a:r>
-              <a:rPr lang="de-CH" dirty="0"/>
-              <a:t>» oder «</a:t>
-            </a:r>
-            <a:r>
-              <a:rPr lang="de-CH" dirty="0" err="1"/>
-              <a:t>Puurdine</a:t>
-            </a:r>
-            <a:r>
-              <a:rPr lang="de-CH" dirty="0"/>
-              <a:t>». Transkription 4 verwendet die Buchstaben è und é, was für schweizerdeutsch eher ungewöhnlich ist. </a:t>
+            <a:r>
+              <a:rPr lang="de-CH" dirty="0"/>
+              <a:t>Fabio</a:t>
+            </a:r>
+          </a:p>
+          <a:p>
+            <a:r>
+              <a:rPr lang="de-CH" dirty="0"/>
+              <a:t>Hauptteil: Schreibvarianten: so kann ein Wörterbuch erstellt werden</a:t>
+            </a:r>
+          </a:p>
+          <a:p>
+            <a:r>
+              <a:rPr lang="de-CH" dirty="0"/>
+              <a:t>Tools: </a:t>
+            </a:r>
+            <a:r>
+              <a:rPr lang="de-CH" dirty="0" err="1"/>
+              <a:t>tools</a:t>
+            </a:r>
+            <a:r>
+              <a:rPr lang="de-CH" dirty="0"/>
+              <a:t> für schweizerdeutsch existieren nicht, Tools für andere Probleme können jedoch angewendet werden</a:t>
             </a:r>
           </a:p>
         </p:txBody>
@@ -3356,7 +4071,7 @@
           <a:p>
             <a:fld id="{E295798E-7BEE-4A25-96C8-F832B2F1E69A}" type="slidenum">
               <a:rPr lang="de-CH" smtClean="0"/>
-              <a:t>11</a:t>
+              <a:t>7</a:t>
             </a:fld>
             <a:endParaRPr lang="de-CH"/>
           </a:p>
@@ -3365,7 +4080,7 @@
     </p:spTree>
     <p:extLst>
       <p:ext uri="{BB962C8B-B14F-4D97-AF65-F5344CB8AC3E}">
-        <p14:creationId xmlns:p14="http://schemas.microsoft.com/office/powerpoint/2010/main" val="52000717"/>
+        <p14:creationId xmlns:p14="http://schemas.microsoft.com/office/powerpoint/2010/main" val="3199094075"/>
       </p:ext>
     </p:extLst>
   </p:cSld>
@@ -3419,70 +4134,101 @@
           <a:bodyPr/>
           <a:lstStyle/>
           <a:p>
-            <a:pPr marL="0" marR="0" lvl="0" indent="0" algn="l" defTabSz="914400" rtl="0" eaLnBrk="1" fontAlgn="auto" latinLnBrk="0" hangingPunct="1">
-              <a:lnSpc>
-                <a:spcPct val="100000"/>
-              </a:lnSpc>
-              <a:spcBef>
-                <a:spcPts val="0"/>
-              </a:spcBef>
-              <a:spcAft>
-                <a:spcPts val="0"/>
-              </a:spcAft>
-              <a:buClrTx/>
-              <a:buSzTx/>
-              <a:buFontTx/>
+            <a:pPr marL="0" indent="0">
               <a:buNone/>
-              <a:tabLst/>
-              <a:defRPr/>
             </a:pPr>
             <a:r>
-              <a:rPr lang="en-US" dirty="0" err="1"/>
-              <a:t>Mehrheitsentscheide</a:t>
-            </a:r>
-            <a:r>
-              <a:rPr lang="en-US" dirty="0"/>
+              <a:rPr lang="de-CH" dirty="0"/>
+              <a:t>Matthias</a:t>
+            </a:r>
+          </a:p>
+          <a:p>
+            <a:pPr marL="228600" indent="-228600">
+              <a:buAutoNum type="arabicPeriod"/>
+            </a:pPr>
+            <a:r>
+              <a:rPr lang="de-CH" dirty="0"/>
+              <a:t>Offensichtlich unbrauchbar, wollen wir ausfiltern</a:t>
+            </a:r>
+          </a:p>
+          <a:p>
+            <a:pPr marL="228600" indent="-228600">
+              <a:buAutoNum type="arabicPeriod"/>
+            </a:pPr>
+            <a:r>
+              <a:rPr lang="de-CH" dirty="0"/>
+              <a:t>Nicht unbrauchbar, aber mit </a:t>
+            </a:r>
+            <a:r>
+              <a:rPr lang="de-CH" dirty="0" err="1"/>
+              <a:t>auslassung</a:t>
+            </a:r>
+            <a:endParaRPr lang="de-CH" dirty="0"/>
+          </a:p>
+          <a:p>
+            <a:pPr marL="228600" indent="-228600">
+              <a:buAutoNum type="arabicPeriod"/>
+            </a:pPr>
+            <a:r>
+              <a:rPr lang="de-CH" dirty="0"/>
+              <a:t>Sehr Gut</a:t>
+            </a:r>
+          </a:p>
+          <a:p>
+            <a:pPr marL="228600" indent="-228600">
+              <a:buAutoNum type="arabicPeriod"/>
+            </a:pPr>
+            <a:r>
+              <a:rPr lang="de-CH" dirty="0"/>
+              <a:t>Sehr gut, ungewöhnlich wegen </a:t>
+            </a:r>
+            <a:r>
+              <a:rPr lang="de-CH" dirty="0" err="1"/>
+              <a:t>égü</a:t>
+            </a:r>
+            <a:r>
+              <a:rPr lang="de-CH" dirty="0"/>
+              <a:t> und </a:t>
+            </a:r>
+            <a:r>
+              <a:rPr lang="de-CH" dirty="0" err="1"/>
+              <a:t>accènt</a:t>
+            </a:r>
+            <a:r>
+              <a:rPr lang="de-CH" dirty="0"/>
               <a:t> </a:t>
             </a:r>
-            <a:r>
-              <a:rPr lang="en-US" dirty="0" err="1"/>
-              <a:t>sind</a:t>
-            </a:r>
-            <a:r>
-              <a:rPr lang="en-US" dirty="0"/>
-              <a:t> </a:t>
-            </a:r>
-            <a:r>
-              <a:rPr lang="en-US" dirty="0" err="1"/>
-              <a:t>tendenziell</a:t>
-            </a:r>
-            <a:r>
-              <a:rPr lang="en-US" dirty="0"/>
-              <a:t> </a:t>
-            </a:r>
-            <a:r>
-              <a:rPr lang="en-US" dirty="0" err="1"/>
-              <a:t>korrekt</a:t>
-            </a:r>
-            <a:r>
-              <a:rPr lang="en-US" dirty="0"/>
-              <a:t>.</a:t>
-            </a:r>
-          </a:p>
-          <a:p>
+          </a:p>
+          <a:p>
+            <a:pPr marL="228600" indent="-228600">
+              <a:buAutoNum type="arabicPeriod"/>
+            </a:pPr>
             <a:endParaRPr lang="de-CH" dirty="0"/>
           </a:p>
           <a:p>
-            <a:r>
-              <a:rPr lang="de-CH" dirty="0"/>
-              <a:t>Ähnlichkeit lässt sich numerisch ausdrücken: jeder Satz erhält eine Bewertung zwischen 0 und 1</a:t>
-            </a:r>
-          </a:p>
-          <a:p>
-            <a:endParaRPr lang="de-CH" dirty="0"/>
-          </a:p>
-          <a:p>
-            <a:endParaRPr lang="de-CH" dirty="0"/>
+            <a:pPr marL="0" indent="0">
+              <a:buNone/>
+            </a:pPr>
+            <a:r>
+              <a:rPr lang="de-CH" dirty="0"/>
+              <a:t>Sofort ersichtlich ist, dass Transkription 1 nicht gut und in diesem Fall sogar völlig unbrauchbar ist. Die andern drei Transkriptionen sind zwar brauchbar, weisen jedoch dennoch qualitative Unterschiede auf: Transkription 2 ist unvollständig: *** ersetzt hier «</a:t>
+            </a:r>
+            <a:r>
+              <a:rPr lang="de-CH" dirty="0" err="1"/>
+              <a:t>Burdine</a:t>
+            </a:r>
+            <a:r>
+              <a:rPr lang="de-CH" dirty="0"/>
+              <a:t>» oder «</a:t>
+            </a:r>
+            <a:r>
+              <a:rPr lang="de-CH" dirty="0" err="1"/>
+              <a:t>Puurdine</a:t>
+            </a:r>
+            <a:r>
+              <a:rPr lang="de-CH" dirty="0"/>
+              <a:t>». Transkription 4 verwendet die Buchstaben è und é, was für schweizerdeutsch eher ungewöhnlich ist. </a:t>
+            </a:r>
           </a:p>
         </p:txBody>
       </p:sp>
@@ -3503,7 +4249,7 @@
           <a:p>
             <a:fld id="{E295798E-7BEE-4A25-96C8-F832B2F1E69A}" type="slidenum">
               <a:rPr lang="de-CH" smtClean="0"/>
-              <a:t>12</a:t>
+              <a:t>8</a:t>
             </a:fld>
             <a:endParaRPr lang="de-CH"/>
           </a:p>
@@ -3512,7 +4258,7 @@
     </p:spTree>
     <p:extLst>
       <p:ext uri="{BB962C8B-B14F-4D97-AF65-F5344CB8AC3E}">
-        <p14:creationId xmlns:p14="http://schemas.microsoft.com/office/powerpoint/2010/main" val="3298186004"/>
+        <p14:creationId xmlns:p14="http://schemas.microsoft.com/office/powerpoint/2010/main" val="52000717"/>
       </p:ext>
     </p:extLst>
   </p:cSld>
@@ -3566,9 +4312,78 @@
           <a:bodyPr/>
           <a:lstStyle/>
           <a:p>
-            <a:r>
-              <a:rPr lang="de-CH" dirty="0"/>
-              <a:t>Bewertung zwischen 0 und 1</a:t>
+            <a:pPr marL="0" marR="0" lvl="0" indent="0" algn="l" defTabSz="914400" rtl="0" eaLnBrk="1" fontAlgn="auto" latinLnBrk="0" hangingPunct="1">
+              <a:lnSpc>
+                <a:spcPct val="100000"/>
+              </a:lnSpc>
+              <a:spcBef>
+                <a:spcPts val="0"/>
+              </a:spcBef>
+              <a:spcAft>
+                <a:spcPts val="0"/>
+              </a:spcAft>
+              <a:buClrTx/>
+              <a:buSzTx/>
+              <a:buFontTx/>
+              <a:buNone/>
+              <a:tabLst/>
+              <a:defRPr/>
+            </a:pPr>
+            <a:r>
+              <a:rPr lang="en-US" dirty="0" err="1"/>
+              <a:t>mathtias</a:t>
+            </a:r>
+            <a:endParaRPr lang="en-US" dirty="0"/>
+          </a:p>
+          <a:p>
+            <a:pPr marL="0" marR="0" lvl="0" indent="0" algn="l" defTabSz="914400" rtl="0" eaLnBrk="1" fontAlgn="auto" latinLnBrk="0" hangingPunct="1">
+              <a:lnSpc>
+                <a:spcPct val="100000"/>
+              </a:lnSpc>
+              <a:spcBef>
+                <a:spcPts val="0"/>
+              </a:spcBef>
+              <a:spcAft>
+                <a:spcPts val="0"/>
+              </a:spcAft>
+              <a:buClrTx/>
+              <a:buSzTx/>
+              <a:buFontTx/>
+              <a:buNone/>
+              <a:tabLst/>
+              <a:defRPr/>
+            </a:pPr>
+            <a:r>
+              <a:rPr lang="en-US" dirty="0" err="1"/>
+              <a:t>Mehrheitsentscheide</a:t>
+            </a:r>
+            <a:r>
+              <a:rPr lang="en-US" dirty="0"/>
+              <a:t> </a:t>
+            </a:r>
+            <a:r>
+              <a:rPr lang="en-US" dirty="0" err="1"/>
+              <a:t>sind</a:t>
+            </a:r>
+            <a:r>
+              <a:rPr lang="en-US" dirty="0"/>
+              <a:t> </a:t>
+            </a:r>
+            <a:r>
+              <a:rPr lang="en-US" dirty="0" err="1"/>
+              <a:t>tendenziell</a:t>
+            </a:r>
+            <a:r>
+              <a:rPr lang="en-US" dirty="0"/>
+              <a:t> </a:t>
+            </a:r>
+            <a:r>
+              <a:rPr lang="en-US" dirty="0" err="1"/>
+              <a:t>korrekt</a:t>
+            </a:r>
+            <a:r>
+              <a:rPr lang="en-US" dirty="0"/>
+              <a:t>.</a:t>
             </a:r>
           </a:p>
           <a:p>
@@ -3577,8 +4392,14 @@
           <a:p>
             <a:r>
               <a:rPr lang="de-CH" dirty="0"/>
-              <a:t>Filterung berücksichtigt nur die numerische Bewertung des Satzes</a:t>
-            </a:r>
+              <a:t>Ähnlichkeit lässt sich numerisch ausdrücken: jeder Satz erhält eine Bewertung zwischen 0 und 1</a:t>
+            </a:r>
+          </a:p>
+          <a:p>
+            <a:endParaRPr lang="de-CH" dirty="0"/>
+          </a:p>
+          <a:p>
+            <a:endParaRPr lang="de-CH" dirty="0"/>
           </a:p>
         </p:txBody>
       </p:sp>
@@ -3599,7 +4420,7 @@
           <a:p>
             <a:fld id="{E295798E-7BEE-4A25-96C8-F832B2F1E69A}" type="slidenum">
               <a:rPr lang="de-CH" smtClean="0"/>
-              <a:t>13</a:t>
+              <a:t>9</a:t>
             </a:fld>
             <a:endParaRPr lang="de-CH"/>
           </a:p>
@@ -3608,7 +4429,7 @@
     </p:spTree>
     <p:extLst>
       <p:ext uri="{BB962C8B-B14F-4D97-AF65-F5344CB8AC3E}">
-        <p14:creationId xmlns:p14="http://schemas.microsoft.com/office/powerpoint/2010/main" val="3801347383"/>
+        <p14:creationId xmlns:p14="http://schemas.microsoft.com/office/powerpoint/2010/main" val="3298186004"/>
       </p:ext>
     </p:extLst>
   </p:cSld>
@@ -6902,7 +7723,16 @@
           <a:bodyPr/>
           <a:lstStyle/>
           <a:p>
-            <a:endParaRPr lang="de-CH" dirty="0"/>
+            <a:r>
+              <a:rPr lang="de-CH" dirty="0"/>
+              <a:t>Fabio Strappazzon</a:t>
+            </a:r>
+          </a:p>
+          <a:p>
+            <a:r>
+              <a:rPr lang="de-CH" dirty="0"/>
+              <a:t>Matthias Ernst</a:t>
+            </a:r>
           </a:p>
         </p:txBody>
       </p:sp>
@@ -6919,7 +7749,7 @@
           <p:nvPr/>
         </p:nvPicPr>
         <p:blipFill>
-          <a:blip r:embed="rId2" cstate="print">
+          <a:blip r:embed="rId3" cstate="print">
             <a:extLst>
               <a:ext uri="{28A0092B-C50C-407E-A947-70E740481C1C}">
                 <a14:useLocalDpi xmlns:a14="http://schemas.microsoft.com/office/drawing/2010/main" val="0"/>
@@ -6959,991 +7789,6 @@
 </file>
 
 <file path=ppt/slides/slide10.xml><?xml version="1.0" encoding="utf-8"?>
-<p:sld xmlns:a="http://schemas.openxmlformats.org/drawingml/2006/main" xmlns:r="http://schemas.openxmlformats.org/officeDocument/2006/relationships" xmlns:p="http://schemas.openxmlformats.org/presentationml/2006/main">
-  <p:cSld>
-    <p:spTree>
-      <p:nvGrpSpPr>
-        <p:cNvPr id="1" name=""/>
-        <p:cNvGrpSpPr/>
-        <p:nvPr/>
-      </p:nvGrpSpPr>
-      <p:grpSpPr>
-        <a:xfrm>
-          <a:off x="0" y="0"/>
-          <a:ext cx="0" cy="0"/>
-          <a:chOff x="0" y="0"/>
-          <a:chExt cx="0" cy="0"/>
-        </a:xfrm>
-      </p:grpSpPr>
-      <p:sp>
-        <p:nvSpPr>
-          <p:cNvPr id="2" name="Titel 1">
-            <a:extLst>
-              <a:ext uri="{FF2B5EF4-FFF2-40B4-BE49-F238E27FC236}">
-                <a16:creationId xmlns:a16="http://schemas.microsoft.com/office/drawing/2014/main" id="{3997EED2-F86F-4474-BCFE-B666CF02A030}"/>
-              </a:ext>
-            </a:extLst>
-          </p:cNvPr>
-          <p:cNvSpPr>
-            <a:spLocks noGrp="1"/>
-          </p:cNvSpPr>
-          <p:nvPr>
-            <p:ph type="title"/>
-          </p:nvPr>
-        </p:nvSpPr>
-        <p:spPr/>
-        <p:txBody>
-          <a:bodyPr/>
-          <a:lstStyle/>
-          <a:p>
-            <a:r>
-              <a:rPr lang="de-CH" dirty="0"/>
-              <a:t>Problemstellung</a:t>
-            </a:r>
-          </a:p>
-        </p:txBody>
-      </p:sp>
-      <p:sp>
-        <p:nvSpPr>
-          <p:cNvPr id="3" name="Inhaltsplatzhalter 2">
-            <a:extLst>
-              <a:ext uri="{FF2B5EF4-FFF2-40B4-BE49-F238E27FC236}">
-                <a16:creationId xmlns:a16="http://schemas.microsoft.com/office/drawing/2014/main" id="{C0928497-D66A-4CB5-BCA0-B2CDE1649E96}"/>
-              </a:ext>
-            </a:extLst>
-          </p:cNvPr>
-          <p:cNvSpPr>
-            <a:spLocks noGrp="1"/>
-          </p:cNvSpPr>
-          <p:nvPr>
-            <p:ph idx="1"/>
-          </p:nvPr>
-        </p:nvSpPr>
-        <p:spPr/>
-        <p:txBody>
-          <a:bodyPr/>
-          <a:lstStyle/>
-          <a:p>
-            <a:r>
-              <a:rPr lang="de-CH" dirty="0"/>
-              <a:t>Unbrauchbare Transkriptionen ausfiltern </a:t>
-            </a:r>
-          </a:p>
-          <a:p>
-            <a:r>
-              <a:rPr lang="de-CH" dirty="0"/>
-              <a:t>Gute Transkriptionen erkennen </a:t>
-            </a:r>
-          </a:p>
-          <a:p>
-            <a:r>
-              <a:rPr lang="de-CH" dirty="0"/>
-              <a:t>*** Auslassungen interpolieren aus guten Transkriptionen </a:t>
-            </a:r>
-          </a:p>
-          <a:p>
-            <a:r>
-              <a:rPr lang="de-CH" dirty="0"/>
-              <a:t>Schreibvarianten von Wörtern und Ausdrücken erkennen</a:t>
-            </a:r>
-          </a:p>
-          <a:p>
-            <a:r>
-              <a:rPr lang="de-CH" dirty="0"/>
-              <a:t>Welche Tools funktionieren mit unseren Daten?</a:t>
-            </a:r>
-          </a:p>
-          <a:p>
-            <a:r>
-              <a:rPr lang="de-CH" dirty="0"/>
-              <a:t>Welche und wie viele Daten brauchen wir für gute Resultate?</a:t>
-            </a:r>
-          </a:p>
-        </p:txBody>
-      </p:sp>
-    </p:spTree>
-    <p:extLst>
-      <p:ext uri="{BB962C8B-B14F-4D97-AF65-F5344CB8AC3E}">
-        <p14:creationId xmlns:p14="http://schemas.microsoft.com/office/powerpoint/2010/main" val="3978766200"/>
-      </p:ext>
-    </p:extLst>
-  </p:cSld>
-  <p:clrMapOvr>
-    <a:masterClrMapping/>
-  </p:clrMapOvr>
-</p:sld>
-</file>
-
-<file path=ppt/slides/slide11.xml><?xml version="1.0" encoding="utf-8"?>
-<p:sld xmlns:a="http://schemas.openxmlformats.org/drawingml/2006/main" xmlns:r="http://schemas.openxmlformats.org/officeDocument/2006/relationships" xmlns:p="http://schemas.openxmlformats.org/presentationml/2006/main">
-  <p:cSld>
-    <p:spTree>
-      <p:nvGrpSpPr>
-        <p:cNvPr id="1" name=""/>
-        <p:cNvGrpSpPr/>
-        <p:nvPr/>
-      </p:nvGrpSpPr>
-      <p:grpSpPr>
-        <a:xfrm>
-          <a:off x="0" y="0"/>
-          <a:ext cx="0" cy="0"/>
-          <a:chOff x="0" y="0"/>
-          <a:chExt cx="0" cy="0"/>
-        </a:xfrm>
-      </p:grpSpPr>
-      <p:sp>
-        <p:nvSpPr>
-          <p:cNvPr id="2" name="Titel 1">
-            <a:extLst>
-              <a:ext uri="{FF2B5EF4-FFF2-40B4-BE49-F238E27FC236}">
-                <a16:creationId xmlns:a16="http://schemas.microsoft.com/office/drawing/2014/main" id="{8BFD648F-1F5F-43D5-BF3B-335C46EA32A5}"/>
-              </a:ext>
-            </a:extLst>
-          </p:cNvPr>
-          <p:cNvSpPr>
-            <a:spLocks noGrp="1"/>
-          </p:cNvSpPr>
-          <p:nvPr>
-            <p:ph type="title"/>
-          </p:nvPr>
-        </p:nvSpPr>
-        <p:spPr/>
-        <p:txBody>
-          <a:bodyPr/>
-          <a:lstStyle/>
-          <a:p>
-            <a:r>
-              <a:rPr lang="de-CH" dirty="0"/>
-              <a:t>Wie sehen die eingelesenen Daten aus</a:t>
-            </a:r>
-          </a:p>
-        </p:txBody>
-      </p:sp>
-      <p:sp>
-        <p:nvSpPr>
-          <p:cNvPr id="3" name="Inhaltsplatzhalter 2">
-            <a:extLst>
-              <a:ext uri="{FF2B5EF4-FFF2-40B4-BE49-F238E27FC236}">
-                <a16:creationId xmlns:a16="http://schemas.microsoft.com/office/drawing/2014/main" id="{D4F61CBA-E9BA-49CD-8BE8-2BEE19F3B9D2}"/>
-              </a:ext>
-            </a:extLst>
-          </p:cNvPr>
-          <p:cNvSpPr>
-            <a:spLocks noGrp="1"/>
-          </p:cNvSpPr>
-          <p:nvPr>
-            <p:ph idx="1"/>
-          </p:nvPr>
-        </p:nvSpPr>
-        <p:spPr/>
-        <p:txBody>
-          <a:bodyPr>
-            <a:normAutofit fontScale="92500" lnSpcReduction="10000"/>
-          </a:bodyPr>
-          <a:lstStyle/>
-          <a:p>
-            <a:pPr marL="0" indent="0">
-              <a:buNone/>
-            </a:pPr>
-            <a:r>
-              <a:rPr lang="de-CH" dirty="0"/>
-              <a:t>Beispiel Task 1851 </a:t>
-            </a:r>
-          </a:p>
-          <a:p>
-            <a:pPr marL="514350" indent="-514350">
-              <a:buFont typeface="+mj-lt"/>
-              <a:buAutoNum type="arabicPeriod"/>
-            </a:pPr>
-            <a:r>
-              <a:rPr lang="de-CH" dirty="0" err="1"/>
-              <a:t>élk</a:t>
-            </a:r>
-            <a:r>
-              <a:rPr lang="de-CH" dirty="0"/>
-              <a:t> </a:t>
-            </a:r>
-            <a:r>
-              <a:rPr lang="de-CH" dirty="0" err="1"/>
-              <a:t>ék</a:t>
-            </a:r>
-            <a:r>
-              <a:rPr lang="de-CH" dirty="0"/>
-              <a:t> </a:t>
-            </a:r>
-            <a:r>
-              <a:rPr lang="de-CH" dirty="0" err="1"/>
-              <a:t>ékl</a:t>
-            </a:r>
-            <a:r>
-              <a:rPr lang="de-CH" dirty="0"/>
-              <a:t> </a:t>
-            </a:r>
-            <a:r>
-              <a:rPr lang="de-CH" dirty="0" err="1"/>
-              <a:t>ékl</a:t>
-            </a:r>
-            <a:r>
-              <a:rPr lang="de-CH" dirty="0"/>
-              <a:t> </a:t>
-            </a:r>
-            <a:r>
-              <a:rPr lang="de-CH" dirty="0" err="1"/>
-              <a:t>asda</a:t>
-            </a:r>
-            <a:r>
-              <a:rPr lang="de-CH" dirty="0"/>
-              <a:t> </a:t>
-            </a:r>
-          </a:p>
-          <a:p>
-            <a:pPr marL="514350" indent="-514350">
-              <a:buFont typeface="+mj-lt"/>
-              <a:buAutoNum type="arabicPeriod"/>
-            </a:pPr>
-            <a:r>
-              <a:rPr lang="de-CH" dirty="0" err="1"/>
-              <a:t>Nacher</a:t>
-            </a:r>
-            <a:r>
-              <a:rPr lang="de-CH" dirty="0"/>
-              <a:t> </a:t>
-            </a:r>
-            <a:r>
-              <a:rPr lang="de-CH" dirty="0" err="1"/>
-              <a:t>heisis</a:t>
-            </a:r>
-            <a:r>
-              <a:rPr lang="de-CH" dirty="0"/>
-              <a:t> </a:t>
-            </a:r>
-            <a:r>
-              <a:rPr lang="de-CH" dirty="0" err="1"/>
-              <a:t>uusenageretschöplet</a:t>
-            </a:r>
-            <a:r>
-              <a:rPr lang="de-CH" dirty="0"/>
-              <a:t> </a:t>
-            </a:r>
-            <a:r>
-              <a:rPr lang="de-CH" dirty="0" err="1"/>
-              <a:t>ond</a:t>
-            </a:r>
-            <a:r>
-              <a:rPr lang="de-CH" dirty="0"/>
-              <a:t> *** </a:t>
-            </a:r>
-            <a:r>
-              <a:rPr lang="de-CH" dirty="0" err="1"/>
-              <a:t>zämebonge</a:t>
-            </a:r>
-            <a:r>
-              <a:rPr lang="de-CH" dirty="0"/>
-              <a:t> weder </a:t>
-            </a:r>
-            <a:r>
-              <a:rPr lang="de-CH" dirty="0" err="1"/>
-              <a:t>us</a:t>
-            </a:r>
-            <a:r>
-              <a:rPr lang="de-CH" dirty="0"/>
-              <a:t> weder </a:t>
-            </a:r>
-            <a:r>
-              <a:rPr lang="de-CH" dirty="0" err="1"/>
-              <a:t>of</a:t>
-            </a:r>
-            <a:r>
-              <a:rPr lang="de-CH" dirty="0"/>
-              <a:t> </a:t>
-            </a:r>
-            <a:r>
-              <a:rPr lang="de-CH" dirty="0" err="1"/>
-              <a:t>d'Reite</a:t>
-            </a:r>
-            <a:r>
-              <a:rPr lang="de-CH" dirty="0"/>
-              <a:t> </a:t>
-            </a:r>
-            <a:r>
-              <a:rPr lang="de-CH" dirty="0" err="1"/>
-              <a:t>uecheto</a:t>
-            </a:r>
-            <a:r>
-              <a:rPr lang="de-CH" dirty="0"/>
-              <a:t> </a:t>
-            </a:r>
-            <a:r>
-              <a:rPr lang="de-CH" dirty="0" err="1"/>
-              <a:t>od'Frocht</a:t>
-            </a:r>
-            <a:r>
-              <a:rPr lang="de-CH" dirty="0"/>
-              <a:t> </a:t>
-            </a:r>
-            <a:r>
-              <a:rPr lang="de-CH" dirty="0" err="1"/>
-              <a:t>heisi</a:t>
-            </a:r>
-            <a:r>
-              <a:rPr lang="de-CH" dirty="0"/>
-              <a:t> am Bode </a:t>
-            </a:r>
-            <a:r>
-              <a:rPr lang="de-CH" dirty="0" err="1"/>
-              <a:t>usegrächet</a:t>
-            </a:r>
-            <a:r>
-              <a:rPr lang="de-CH" dirty="0"/>
-              <a:t> </a:t>
-            </a:r>
-            <a:r>
-              <a:rPr lang="de-CH" dirty="0" err="1"/>
-              <a:t>ond</a:t>
-            </a:r>
-            <a:r>
-              <a:rPr lang="de-CH" dirty="0"/>
-              <a:t> </a:t>
-            </a:r>
-            <a:r>
-              <a:rPr lang="de-CH" dirty="0" err="1"/>
-              <a:t>nachere</a:t>
-            </a:r>
-            <a:r>
-              <a:rPr lang="de-CH" dirty="0"/>
-              <a:t> na </a:t>
-            </a:r>
-            <a:r>
-              <a:rPr lang="de-CH" dirty="0" err="1"/>
-              <a:t>Huufe</a:t>
-            </a:r>
-            <a:r>
-              <a:rPr lang="de-CH" dirty="0"/>
-              <a:t> </a:t>
-            </a:r>
-            <a:r>
-              <a:rPr lang="de-CH" dirty="0" err="1"/>
-              <a:t>geschtossed</a:t>
-            </a:r>
-            <a:r>
-              <a:rPr lang="de-CH" dirty="0"/>
-              <a:t>. </a:t>
-            </a:r>
-          </a:p>
-          <a:p>
-            <a:pPr marL="514350" indent="-514350">
-              <a:buFont typeface="+mj-lt"/>
-              <a:buAutoNum type="arabicPeriod"/>
-            </a:pPr>
-            <a:r>
-              <a:rPr lang="de-CH" dirty="0" err="1"/>
-              <a:t>nächäär</a:t>
-            </a:r>
-            <a:r>
-              <a:rPr lang="de-CH" dirty="0"/>
-              <a:t> </a:t>
-            </a:r>
-            <a:r>
-              <a:rPr lang="de-CH" dirty="0" err="1"/>
-              <a:t>heisis</a:t>
-            </a:r>
-            <a:r>
-              <a:rPr lang="de-CH" dirty="0"/>
-              <a:t> </a:t>
-            </a:r>
-            <a:r>
-              <a:rPr lang="de-CH" dirty="0" err="1"/>
-              <a:t>userenangere</a:t>
-            </a:r>
-            <a:r>
-              <a:rPr lang="de-CH" dirty="0"/>
-              <a:t> </a:t>
-            </a:r>
-            <a:r>
-              <a:rPr lang="de-CH" dirty="0" err="1"/>
-              <a:t>gschüttlet</a:t>
-            </a:r>
-            <a:r>
-              <a:rPr lang="de-CH" dirty="0"/>
-              <a:t> und </a:t>
-            </a:r>
-            <a:r>
-              <a:rPr lang="de-CH" dirty="0" err="1"/>
-              <a:t>Burdine</a:t>
-            </a:r>
-            <a:r>
-              <a:rPr lang="de-CH" dirty="0"/>
-              <a:t> </a:t>
-            </a:r>
-            <a:r>
-              <a:rPr lang="de-CH" dirty="0" err="1"/>
-              <a:t>zämme</a:t>
-            </a:r>
-            <a:r>
-              <a:rPr lang="de-CH" dirty="0"/>
-              <a:t> </a:t>
-            </a:r>
-            <a:r>
-              <a:rPr lang="de-CH" dirty="0" err="1"/>
-              <a:t>bunge</a:t>
-            </a:r>
-            <a:r>
-              <a:rPr lang="de-CH" dirty="0"/>
-              <a:t> wider </a:t>
-            </a:r>
-            <a:r>
-              <a:rPr lang="de-CH" dirty="0" err="1"/>
-              <a:t>us</a:t>
-            </a:r>
-            <a:r>
-              <a:rPr lang="de-CH" dirty="0"/>
-              <a:t> wider </a:t>
-            </a:r>
-            <a:r>
-              <a:rPr lang="de-CH" dirty="0" err="1"/>
-              <a:t>ufd</a:t>
-            </a:r>
-            <a:r>
-              <a:rPr lang="de-CH" dirty="0"/>
-              <a:t> </a:t>
-            </a:r>
-            <a:r>
-              <a:rPr lang="de-CH" dirty="0" err="1"/>
-              <a:t>Reiti</a:t>
-            </a:r>
-            <a:r>
-              <a:rPr lang="de-CH" dirty="0"/>
-              <a:t> </a:t>
-            </a:r>
-            <a:r>
-              <a:rPr lang="de-CH" dirty="0" err="1"/>
-              <a:t>ufetoo</a:t>
-            </a:r>
-            <a:r>
-              <a:rPr lang="de-CH" dirty="0"/>
-              <a:t> </a:t>
-            </a:r>
-            <a:r>
-              <a:rPr lang="de-CH" dirty="0" err="1"/>
-              <a:t>ud</a:t>
-            </a:r>
-            <a:r>
-              <a:rPr lang="de-CH" dirty="0"/>
-              <a:t> Frucht </a:t>
-            </a:r>
-            <a:r>
-              <a:rPr lang="de-CH" dirty="0" err="1"/>
-              <a:t>heisi</a:t>
-            </a:r>
-            <a:r>
-              <a:rPr lang="de-CH" dirty="0"/>
-              <a:t> am Bode </a:t>
-            </a:r>
-            <a:r>
-              <a:rPr lang="de-CH" dirty="0" err="1"/>
-              <a:t>usegrächet</a:t>
-            </a:r>
-            <a:r>
-              <a:rPr lang="de-CH" dirty="0"/>
-              <a:t> und </a:t>
-            </a:r>
-            <a:r>
-              <a:rPr lang="de-CH" dirty="0" err="1"/>
-              <a:t>nächäär</a:t>
-            </a:r>
-            <a:r>
-              <a:rPr lang="de-CH" dirty="0"/>
-              <a:t> </a:t>
-            </a:r>
-            <a:r>
-              <a:rPr lang="de-CH" dirty="0" err="1"/>
-              <a:t>ane</a:t>
-            </a:r>
-            <a:r>
-              <a:rPr lang="de-CH" dirty="0"/>
-              <a:t> </a:t>
-            </a:r>
-            <a:r>
-              <a:rPr lang="de-CH" dirty="0" err="1"/>
-              <a:t>Huufe</a:t>
-            </a:r>
-            <a:r>
-              <a:rPr lang="de-CH" dirty="0"/>
-              <a:t> </a:t>
-            </a:r>
-            <a:r>
-              <a:rPr lang="de-CH" dirty="0" err="1"/>
-              <a:t>gschtoosse</a:t>
-            </a:r>
-            <a:r>
-              <a:rPr lang="de-CH" dirty="0"/>
-              <a:t> </a:t>
-            </a:r>
-          </a:p>
-          <a:p>
-            <a:pPr marL="514350" indent="-514350">
-              <a:buFont typeface="+mj-lt"/>
-              <a:buAutoNum type="arabicPeriod"/>
-            </a:pPr>
-            <a:r>
-              <a:rPr lang="de-CH" dirty="0" err="1"/>
-              <a:t>Nachhäär</a:t>
-            </a:r>
-            <a:r>
-              <a:rPr lang="de-CH" dirty="0"/>
-              <a:t> </a:t>
-            </a:r>
-            <a:r>
-              <a:rPr lang="de-CH" dirty="0" err="1"/>
-              <a:t>héysis</a:t>
-            </a:r>
-            <a:r>
-              <a:rPr lang="de-CH" dirty="0"/>
-              <a:t> </a:t>
-            </a:r>
-            <a:r>
-              <a:rPr lang="de-CH" dirty="0" err="1"/>
-              <a:t>usenangèrègschüttlet</a:t>
-            </a:r>
-            <a:r>
-              <a:rPr lang="de-CH" dirty="0"/>
-              <a:t> und </a:t>
-            </a:r>
-            <a:r>
-              <a:rPr lang="de-CH" dirty="0" err="1"/>
-              <a:t>Puurdine</a:t>
-            </a:r>
-            <a:r>
-              <a:rPr lang="de-CH" dirty="0"/>
-              <a:t> </a:t>
-            </a:r>
-            <a:r>
-              <a:rPr lang="de-CH" dirty="0" err="1"/>
-              <a:t>zämepunge</a:t>
-            </a:r>
-            <a:r>
-              <a:rPr lang="de-CH" dirty="0"/>
-              <a:t> wider </a:t>
-            </a:r>
-            <a:r>
-              <a:rPr lang="de-CH" dirty="0" err="1"/>
-              <a:t>us</a:t>
-            </a:r>
-            <a:r>
-              <a:rPr lang="de-CH" dirty="0"/>
-              <a:t> wider </a:t>
-            </a:r>
-            <a:r>
-              <a:rPr lang="de-CH" dirty="0" err="1"/>
-              <a:t>uft</a:t>
-            </a:r>
-            <a:r>
-              <a:rPr lang="de-CH" dirty="0"/>
-              <a:t> </a:t>
-            </a:r>
-            <a:r>
-              <a:rPr lang="de-CH" dirty="0" err="1"/>
-              <a:t>Reyti</a:t>
-            </a:r>
-            <a:r>
-              <a:rPr lang="de-CH" dirty="0"/>
-              <a:t> </a:t>
-            </a:r>
-            <a:r>
-              <a:rPr lang="de-CH" dirty="0" err="1"/>
-              <a:t>uechetoo</a:t>
-            </a:r>
-            <a:r>
-              <a:rPr lang="de-CH" dirty="0"/>
-              <a:t> u </a:t>
-            </a:r>
-            <a:r>
-              <a:rPr lang="de-CH" dirty="0" err="1"/>
-              <a:t>Pfrucht</a:t>
-            </a:r>
-            <a:r>
-              <a:rPr lang="de-CH" dirty="0"/>
-              <a:t> </a:t>
-            </a:r>
-            <a:r>
-              <a:rPr lang="de-CH" dirty="0" err="1"/>
-              <a:t>heysi</a:t>
-            </a:r>
-            <a:r>
-              <a:rPr lang="de-CH" dirty="0"/>
-              <a:t> am Bode </a:t>
-            </a:r>
-            <a:r>
-              <a:rPr lang="de-CH" dirty="0" err="1"/>
-              <a:t>usegrächet</a:t>
-            </a:r>
-            <a:r>
-              <a:rPr lang="de-CH" dirty="0"/>
-              <a:t> </a:t>
-            </a:r>
-            <a:r>
-              <a:rPr lang="de-CH" dirty="0" err="1"/>
-              <a:t>unt</a:t>
-            </a:r>
-            <a:r>
-              <a:rPr lang="de-CH" dirty="0"/>
-              <a:t> </a:t>
-            </a:r>
-            <a:r>
-              <a:rPr lang="de-CH" dirty="0" err="1"/>
-              <a:t>nachhäär</a:t>
-            </a:r>
-            <a:r>
-              <a:rPr lang="de-CH" dirty="0"/>
-              <a:t> </a:t>
-            </a:r>
-            <a:r>
-              <a:rPr lang="de-CH" dirty="0" err="1"/>
-              <a:t>ane</a:t>
-            </a:r>
-            <a:r>
-              <a:rPr lang="de-CH" dirty="0"/>
-              <a:t> </a:t>
-            </a:r>
-            <a:r>
-              <a:rPr lang="de-CH" dirty="0" err="1"/>
-              <a:t>Huuffe</a:t>
-            </a:r>
-            <a:r>
-              <a:rPr lang="de-CH" dirty="0"/>
-              <a:t> </a:t>
-            </a:r>
-            <a:r>
-              <a:rPr lang="de-CH" dirty="0" err="1"/>
-              <a:t>gschtoosse</a:t>
-            </a:r>
-            <a:endParaRPr lang="de-CH" dirty="0"/>
-          </a:p>
-        </p:txBody>
-      </p:sp>
-      <p:pic>
-        <p:nvPicPr>
-          <p:cNvPr id="5" name="SDS_CD1_1_3_speaker1_4">
-            <a:hlinkClick r:id="" action="ppaction://media"/>
-            <a:extLst>
-              <a:ext uri="{FF2B5EF4-FFF2-40B4-BE49-F238E27FC236}">
-                <a16:creationId xmlns:a16="http://schemas.microsoft.com/office/drawing/2014/main" id="{21AAFB9D-2D6E-4795-8F80-25C26B1A3313}"/>
-              </a:ext>
-            </a:extLst>
-          </p:cNvPr>
-          <p:cNvPicPr>
-            <a:picLocks noChangeAspect="1"/>
-          </p:cNvPicPr>
-          <p:nvPr>
-            <a:audioFile r:link="rId2"/>
-            <p:extLst>
-              <p:ext uri="{DAA4B4D4-6D71-4841-9C94-3DE7FCFB9230}">
-                <p14:media xmlns:p14="http://schemas.microsoft.com/office/powerpoint/2010/main" r:embed="rId1"/>
-              </p:ext>
-            </p:extLst>
-          </p:nvPr>
-        </p:nvPicPr>
-        <p:blipFill>
-          <a:blip r:embed="rId5"/>
-          <a:stretch>
-            <a:fillRect/>
-          </a:stretch>
-        </p:blipFill>
-        <p:spPr>
-          <a:xfrm>
-            <a:off x="3436570" y="1825625"/>
-            <a:ext cx="304800" cy="304800"/>
-          </a:xfrm>
-          <a:prstGeom prst="rect">
-            <a:avLst/>
-          </a:prstGeom>
-        </p:spPr>
-      </p:pic>
-    </p:spTree>
-    <p:extLst>
-      <p:ext uri="{BB962C8B-B14F-4D97-AF65-F5344CB8AC3E}">
-        <p14:creationId xmlns:p14="http://schemas.microsoft.com/office/powerpoint/2010/main" val="1520582052"/>
-      </p:ext>
-    </p:extLst>
-  </p:cSld>
-  <p:clrMapOvr>
-    <a:masterClrMapping/>
-  </p:clrMapOvr>
-  <p:timing>
-    <p:tnLst>
-      <p:par>
-        <p:cTn id="1" dur="indefinite" restart="never" nodeType="tmRoot">
-          <p:childTnLst>
-            <p:seq concurrent="1" nextAc="seek">
-              <p:cTn id="2" dur="indefinite" nodeType="mainSeq">
-                <p:childTnLst>
-                  <p:par>
-                    <p:cTn id="3" fill="hold">
-                      <p:stCondLst>
-                        <p:cond delay="indefinite"/>
-                      </p:stCondLst>
-                      <p:childTnLst>
-                        <p:par>
-                          <p:cTn id="4" fill="hold">
-                            <p:stCondLst>
-                              <p:cond delay="0"/>
-                            </p:stCondLst>
-                            <p:childTnLst>
-                              <p:par>
-                                <p:cTn id="5" presetID="1" presetClass="mediacall" presetSubtype="0" fill="hold" nodeType="clickEffect">
-                                  <p:stCondLst>
-                                    <p:cond delay="0"/>
-                                  </p:stCondLst>
-                                  <p:childTnLst>
-                                    <p:cmd type="call" cmd="playFrom(0.0)">
-                                      <p:cBhvr>
-                                        <p:cTn id="6" dur="13453" fill="hold"/>
-                                        <p:tgtEl>
-                                          <p:spTgt spid="5"/>
-                                        </p:tgtEl>
-                                      </p:cBhvr>
-                                    </p:cmd>
-                                  </p:childTnLst>
-                                </p:cTn>
-                              </p:par>
-                            </p:childTnLst>
-                          </p:cTn>
-                        </p:par>
-                      </p:childTnLst>
-                    </p:cTn>
-                  </p:par>
-                </p:childTnLst>
-              </p:cTn>
-              <p:prevCondLst>
-                <p:cond evt="onPrev" delay="0">
-                  <p:tgtEl>
-                    <p:sldTgt/>
-                  </p:tgtEl>
-                </p:cond>
-              </p:prevCondLst>
-              <p:nextCondLst>
-                <p:cond evt="onNext" delay="0">
-                  <p:tgtEl>
-                    <p:sldTgt/>
-                  </p:tgtEl>
-                </p:cond>
-              </p:nextCondLst>
-            </p:seq>
-            <p:audio>
-              <p:cMediaNode vol="80000">
-                <p:cTn id="7" fill="hold" display="0">
-                  <p:stCondLst>
-                    <p:cond delay="indefinite"/>
-                  </p:stCondLst>
-                  <p:endCondLst>
-                    <p:cond evt="onStopAudio" delay="0">
-                      <p:tgtEl>
-                        <p:sldTgt/>
-                      </p:tgtEl>
-                    </p:cond>
-                  </p:endCondLst>
-                </p:cTn>
-                <p:tgtEl>
-                  <p:spTgt spid="5"/>
-                </p:tgtEl>
-              </p:cMediaNode>
-            </p:audio>
-          </p:childTnLst>
-        </p:cTn>
-      </p:par>
-    </p:tnLst>
-  </p:timing>
-</p:sld>
-</file>
-
-<file path=ppt/slides/slide12.xml><?xml version="1.0" encoding="utf-8"?>
-<p:sld xmlns:a="http://schemas.openxmlformats.org/drawingml/2006/main" xmlns:r="http://schemas.openxmlformats.org/officeDocument/2006/relationships" xmlns:p="http://schemas.openxmlformats.org/presentationml/2006/main">
-  <p:cSld>
-    <p:spTree>
-      <p:nvGrpSpPr>
-        <p:cNvPr id="1" name=""/>
-        <p:cNvGrpSpPr/>
-        <p:nvPr/>
-      </p:nvGrpSpPr>
-      <p:grpSpPr>
-        <a:xfrm>
-          <a:off x="0" y="0"/>
-          <a:ext cx="0" cy="0"/>
-          <a:chOff x="0" y="0"/>
-          <a:chExt cx="0" cy="0"/>
-        </a:xfrm>
-      </p:grpSpPr>
-      <p:sp>
-        <p:nvSpPr>
-          <p:cNvPr id="2" name="Titel 1">
-            <a:extLst>
-              <a:ext uri="{FF2B5EF4-FFF2-40B4-BE49-F238E27FC236}">
-                <a16:creationId xmlns:a16="http://schemas.microsoft.com/office/drawing/2014/main" id="{16AB071B-05BF-42CD-8775-E02914D264A5}"/>
-              </a:ext>
-            </a:extLst>
-          </p:cNvPr>
-          <p:cNvSpPr>
-            <a:spLocks noGrp="1"/>
-          </p:cNvSpPr>
-          <p:nvPr>
-            <p:ph type="title"/>
-          </p:nvPr>
-        </p:nvSpPr>
-        <p:spPr/>
-        <p:txBody>
-          <a:bodyPr/>
-          <a:lstStyle/>
-          <a:p>
-            <a:r>
-              <a:rPr lang="de-CH" dirty="0"/>
-              <a:t>Merkmale einer «guten» Transkription?</a:t>
-            </a:r>
-          </a:p>
-        </p:txBody>
-      </p:sp>
-      <p:sp>
-        <p:nvSpPr>
-          <p:cNvPr id="3" name="Inhaltsplatzhalter 2">
-            <a:extLst>
-              <a:ext uri="{FF2B5EF4-FFF2-40B4-BE49-F238E27FC236}">
-                <a16:creationId xmlns:a16="http://schemas.microsoft.com/office/drawing/2014/main" id="{C700256F-ED62-421D-8BB4-146212A03D6D}"/>
-              </a:ext>
-            </a:extLst>
-          </p:cNvPr>
-          <p:cNvSpPr>
-            <a:spLocks noGrp="1"/>
-          </p:cNvSpPr>
-          <p:nvPr>
-            <p:ph idx="1"/>
-          </p:nvPr>
-        </p:nvSpPr>
-        <p:spPr/>
-        <p:txBody>
-          <a:bodyPr/>
-          <a:lstStyle/>
-          <a:p>
-            <a:r>
-              <a:rPr lang="de-CH" dirty="0"/>
-              <a:t>Alle guten Transkriptionen sind sich inhaltlich ähnlich</a:t>
-            </a:r>
-          </a:p>
-          <a:p>
-            <a:r>
-              <a:rPr lang="de-CH" dirty="0"/>
-              <a:t>Fehler sind zufällig verteilt und Einzelfälle</a:t>
-            </a:r>
-          </a:p>
-          <a:p>
-            <a:endParaRPr lang="de-CH" dirty="0"/>
-          </a:p>
-          <a:p>
-            <a:endParaRPr lang="de-CH" dirty="0"/>
-          </a:p>
-        </p:txBody>
-      </p:sp>
-      <p:pic>
-        <p:nvPicPr>
-          <p:cNvPr id="4" name="Grafik 3">
-            <a:extLst>
-              <a:ext uri="{FF2B5EF4-FFF2-40B4-BE49-F238E27FC236}">
-                <a16:creationId xmlns:a16="http://schemas.microsoft.com/office/drawing/2014/main" id="{839DDBAF-1F59-4E1B-84C5-C89DC18665D7}"/>
-              </a:ext>
-            </a:extLst>
-          </p:cNvPr>
-          <p:cNvPicPr>
-            <a:picLocks noChangeAspect="1"/>
-          </p:cNvPicPr>
-          <p:nvPr/>
-        </p:nvPicPr>
-        <p:blipFill>
-          <a:blip r:embed="rId3"/>
-          <a:stretch>
-            <a:fillRect/>
-          </a:stretch>
-        </p:blipFill>
-        <p:spPr>
-          <a:xfrm>
-            <a:off x="838200" y="3429000"/>
-            <a:ext cx="4276642" cy="3136582"/>
-          </a:xfrm>
-          <a:prstGeom prst="rect">
-            <a:avLst/>
-          </a:prstGeom>
-        </p:spPr>
-      </p:pic>
-      <p:sp>
-        <p:nvSpPr>
-          <p:cNvPr id="5" name="Textfeld 4">
-            <a:extLst>
-              <a:ext uri="{FF2B5EF4-FFF2-40B4-BE49-F238E27FC236}">
-                <a16:creationId xmlns:a16="http://schemas.microsoft.com/office/drawing/2014/main" id="{828038FA-B0A2-40CD-94A2-B9FD940F2741}"/>
-              </a:ext>
-            </a:extLst>
-          </p:cNvPr>
-          <p:cNvSpPr txBox="1"/>
-          <p:nvPr/>
-        </p:nvSpPr>
-        <p:spPr>
-          <a:xfrm>
-            <a:off x="5608320" y="3340506"/>
-            <a:ext cx="6055360" cy="2246769"/>
-          </a:xfrm>
-          <a:prstGeom prst="rect">
-            <a:avLst/>
-          </a:prstGeom>
-          <a:noFill/>
-        </p:spPr>
-        <p:txBody>
-          <a:bodyPr wrap="square" rtlCol="0">
-            <a:spAutoFit/>
-          </a:bodyPr>
-          <a:lstStyle/>
-          <a:p>
-            <a:r>
-              <a:rPr lang="de-CH" sz="2800" dirty="0"/>
-              <a:t>Pro Satz also: </a:t>
-            </a:r>
-          </a:p>
-          <a:p>
-            <a:r>
-              <a:rPr lang="de-CH" sz="2800" dirty="0"/>
-              <a:t>Satz 1: schlecht, schlecht, schlecht. </a:t>
-            </a:r>
-          </a:p>
-          <a:p>
-            <a:r>
-              <a:rPr lang="de-CH" sz="2800" dirty="0"/>
-              <a:t>Satz 2: schlecht, gut, gut. </a:t>
-            </a:r>
-          </a:p>
-          <a:p>
-            <a:r>
-              <a:rPr lang="de-CH" sz="2800" dirty="0"/>
-              <a:t>Satz 3: schlecht, gut, sehr gut. </a:t>
-            </a:r>
-          </a:p>
-          <a:p>
-            <a:r>
-              <a:rPr lang="de-CH" sz="2800" dirty="0"/>
-              <a:t>Satz 4: schlecht, gut, sehr gut.</a:t>
-            </a:r>
-          </a:p>
-        </p:txBody>
-      </p:sp>
-    </p:spTree>
-    <p:extLst>
-      <p:ext uri="{BB962C8B-B14F-4D97-AF65-F5344CB8AC3E}">
-        <p14:creationId xmlns:p14="http://schemas.microsoft.com/office/powerpoint/2010/main" val="3910765943"/>
-      </p:ext>
-    </p:extLst>
-  </p:cSld>
-  <p:clrMapOvr>
-    <a:masterClrMapping/>
-  </p:clrMapOvr>
-</p:sld>
-</file>
-
-<file path=ppt/slides/slide13.xml><?xml version="1.0" encoding="utf-8"?>
 <p:sld xmlns:a="http://schemas.openxmlformats.org/drawingml/2006/main" xmlns:r="http://schemas.openxmlformats.org/officeDocument/2006/relationships" xmlns:p="http://schemas.openxmlformats.org/presentationml/2006/main">
   <p:cSld>
     <p:spTree>
@@ -8314,7 +8159,7 @@
 </p:sld>
 </file>
 
-<file path=ppt/slides/slide14.xml><?xml version="1.0" encoding="utf-8"?>
+<file path=ppt/slides/slide11.xml><?xml version="1.0" encoding="utf-8"?>
 <p:sld xmlns:a="http://schemas.openxmlformats.org/drawingml/2006/main" xmlns:r="http://schemas.openxmlformats.org/officeDocument/2006/relationships" xmlns:p="http://schemas.openxmlformats.org/presentationml/2006/main">
   <p:cSld>
     <p:spTree>
@@ -8408,7 +8253,7 @@
 </p:sld>
 </file>
 
-<file path=ppt/slides/slide15.xml><?xml version="1.0" encoding="utf-8"?>
+<file path=ppt/slides/slide12.xml><?xml version="1.0" encoding="utf-8"?>
 <p:sld xmlns:a="http://schemas.openxmlformats.org/drawingml/2006/main" xmlns:r="http://schemas.openxmlformats.org/officeDocument/2006/relationships" xmlns:p="http://schemas.openxmlformats.org/presentationml/2006/main">
   <p:cSld>
     <p:spTree>
@@ -11113,7 +10958,7 @@
 </p:sld>
 </file>
 
-<file path=ppt/slides/slide16.xml><?xml version="1.0" encoding="utf-8"?>
+<file path=ppt/slides/slide13.xml><?xml version="1.0" encoding="utf-8"?>
 <p:sld xmlns:a="http://schemas.openxmlformats.org/drawingml/2006/main" xmlns:r="http://schemas.openxmlformats.org/officeDocument/2006/relationships" xmlns:p="http://schemas.openxmlformats.org/presentationml/2006/main">
   <p:cSld>
     <p:spTree>
@@ -11204,7 +11049,7 @@
 </p:sld>
 </file>
 
-<file path=ppt/slides/slide17.xml><?xml version="1.0" encoding="utf-8"?>
+<file path=ppt/slides/slide14.xml><?xml version="1.0" encoding="utf-8"?>
 <p:sld xmlns:a="http://schemas.openxmlformats.org/drawingml/2006/main" xmlns:r="http://schemas.openxmlformats.org/officeDocument/2006/relationships" xmlns:p="http://schemas.openxmlformats.org/presentationml/2006/main">
   <p:cSld>
     <p:spTree>
@@ -11599,7 +11444,7 @@
 </p:sld>
 </file>
 
-<file path=ppt/slides/slide18.xml><?xml version="1.0" encoding="utf-8"?>
+<file path=ppt/slides/slide15.xml><?xml version="1.0" encoding="utf-8"?>
 <p:sld xmlns:a="http://schemas.openxmlformats.org/drawingml/2006/main" xmlns:r="http://schemas.openxmlformats.org/officeDocument/2006/relationships" xmlns:p="http://schemas.openxmlformats.org/presentationml/2006/main">
   <p:cSld>
     <p:spTree>
@@ -12117,7 +11962,7 @@
 </p:sld>
 </file>
 
-<file path=ppt/slides/slide19.xml><?xml version="1.0" encoding="utf-8"?>
+<file path=ppt/slides/slide16.xml><?xml version="1.0" encoding="utf-8"?>
 <p:sld xmlns:a="http://schemas.openxmlformats.org/drawingml/2006/main" xmlns:r="http://schemas.openxmlformats.org/officeDocument/2006/relationships" xmlns:p="http://schemas.openxmlformats.org/presentationml/2006/main">
   <p:cSld>
     <p:spTree>
@@ -14031,7 +13876,7 @@
 </p:sld>
 </file>
 
-<file path=ppt/slides/slide2.xml><?xml version="1.0" encoding="utf-8"?>
+<file path=ppt/slides/slide17.xml><?xml version="1.0" encoding="utf-8"?>
 <p:sld xmlns:a="http://schemas.openxmlformats.org/drawingml/2006/main" xmlns:r="http://schemas.openxmlformats.org/officeDocument/2006/relationships" xmlns:p="http://schemas.openxmlformats.org/presentationml/2006/main">
   <p:cSld>
     <p:spTree>
@@ -14053,92 +13898,6 @@
           <p:cNvPr id="2" name="Titel 1">
             <a:extLst>
               <a:ext uri="{FF2B5EF4-FFF2-40B4-BE49-F238E27FC236}">
-                <a16:creationId xmlns:a16="http://schemas.microsoft.com/office/drawing/2014/main" id="{CAF0B2A2-51E7-4973-9C1D-BC0552F986E5}"/>
-              </a:ext>
-            </a:extLst>
-          </p:cNvPr>
-          <p:cNvSpPr>
-            <a:spLocks noGrp="1"/>
-          </p:cNvSpPr>
-          <p:nvPr>
-            <p:ph type="title"/>
-          </p:nvPr>
-        </p:nvSpPr>
-        <p:spPr/>
-        <p:txBody>
-          <a:bodyPr/>
-          <a:lstStyle/>
-          <a:p>
-            <a:endParaRPr lang="de-CH"/>
-          </a:p>
-        </p:txBody>
-      </p:sp>
-      <p:sp>
-        <p:nvSpPr>
-          <p:cNvPr id="3" name="Inhaltsplatzhalter 2">
-            <a:extLst>
-              <a:ext uri="{FF2B5EF4-FFF2-40B4-BE49-F238E27FC236}">
-                <a16:creationId xmlns:a16="http://schemas.microsoft.com/office/drawing/2014/main" id="{EA30134E-E5BD-45E6-A4B2-D1CE5188BE60}"/>
-              </a:ext>
-            </a:extLst>
-          </p:cNvPr>
-          <p:cNvSpPr>
-            <a:spLocks noGrp="1"/>
-          </p:cNvSpPr>
-          <p:nvPr>
-            <p:ph idx="1"/>
-          </p:nvPr>
-        </p:nvSpPr>
-        <p:spPr/>
-        <p:txBody>
-          <a:bodyPr/>
-          <a:lstStyle/>
-          <a:p>
-            <a:r>
-              <a:rPr lang="de-CH" dirty="0"/>
-              <a:t>Inhaltsverzeichnis</a:t>
-            </a:r>
-          </a:p>
-          <a:p>
-            <a:endParaRPr lang="de-CH" dirty="0"/>
-          </a:p>
-        </p:txBody>
-      </p:sp>
-    </p:spTree>
-    <p:extLst>
-      <p:ext uri="{BB962C8B-B14F-4D97-AF65-F5344CB8AC3E}">
-        <p14:creationId xmlns:p14="http://schemas.microsoft.com/office/powerpoint/2010/main" val="841493887"/>
-      </p:ext>
-    </p:extLst>
-  </p:cSld>
-  <p:clrMapOvr>
-    <a:masterClrMapping/>
-  </p:clrMapOvr>
-</p:sld>
-</file>
-
-<file path=ppt/slides/slide20.xml><?xml version="1.0" encoding="utf-8"?>
-<p:sld xmlns:a="http://schemas.openxmlformats.org/drawingml/2006/main" xmlns:r="http://schemas.openxmlformats.org/officeDocument/2006/relationships" xmlns:p="http://schemas.openxmlformats.org/presentationml/2006/main">
-  <p:cSld>
-    <p:spTree>
-      <p:nvGrpSpPr>
-        <p:cNvPr id="1" name=""/>
-        <p:cNvGrpSpPr/>
-        <p:nvPr/>
-      </p:nvGrpSpPr>
-      <p:grpSpPr>
-        <a:xfrm>
-          <a:off x="0" y="0"/>
-          <a:ext cx="0" cy="0"/>
-          <a:chOff x="0" y="0"/>
-          <a:chExt cx="0" cy="0"/>
-        </a:xfrm>
-      </p:grpSpPr>
-      <p:sp>
-        <p:nvSpPr>
-          <p:cNvPr id="2" name="Titel 1">
-            <a:extLst>
-              <a:ext uri="{FF2B5EF4-FFF2-40B4-BE49-F238E27FC236}">
                 <a16:creationId xmlns:a16="http://schemas.microsoft.com/office/drawing/2014/main" id="{85182441-F78A-4894-8E2F-76EF1DD26C13}"/>
               </a:ext>
             </a:extLst>
@@ -14233,7 +13992,7 @@
 </p:sld>
 </file>
 
-<file path=ppt/slides/slide21.xml><?xml version="1.0" encoding="utf-8"?>
+<file path=ppt/slides/slide18.xml><?xml version="1.0" encoding="utf-8"?>
 <p:sld xmlns:a="http://schemas.openxmlformats.org/drawingml/2006/main" xmlns:r="http://schemas.openxmlformats.org/officeDocument/2006/relationships" xmlns:p="http://schemas.openxmlformats.org/presentationml/2006/main">
   <p:cSld>
     <p:spTree>
@@ -14323,7 +14082,7 @@
 </p:sld>
 </file>
 
-<file path=ppt/slides/slide22.xml><?xml version="1.0" encoding="utf-8"?>
+<file path=ppt/slides/slide19.xml><?xml version="1.0" encoding="utf-8"?>
 <p:sld xmlns:a="http://schemas.openxmlformats.org/drawingml/2006/main" xmlns:r="http://schemas.openxmlformats.org/officeDocument/2006/relationships" xmlns:p="http://schemas.openxmlformats.org/presentationml/2006/main">
   <p:cSld>
     <p:spTree>
@@ -15268,1412 +15027,7 @@
 </p:sld>
 </file>
 
-<file path=ppt/slides/slide23.xml><?xml version="1.0" encoding="utf-8"?>
-<p:sld xmlns:a="http://schemas.openxmlformats.org/drawingml/2006/main" xmlns:r="http://schemas.openxmlformats.org/officeDocument/2006/relationships" xmlns:p="http://schemas.openxmlformats.org/presentationml/2006/main">
-  <p:cSld>
-    <p:spTree>
-      <p:nvGrpSpPr>
-        <p:cNvPr id="1" name=""/>
-        <p:cNvGrpSpPr/>
-        <p:nvPr/>
-      </p:nvGrpSpPr>
-      <p:grpSpPr>
-        <a:xfrm>
-          <a:off x="0" y="0"/>
-          <a:ext cx="0" cy="0"/>
-          <a:chOff x="0" y="0"/>
-          <a:chExt cx="0" cy="0"/>
-        </a:xfrm>
-      </p:grpSpPr>
-      <p:sp>
-        <p:nvSpPr>
-          <p:cNvPr id="2" name="Titel 1">
-            <a:extLst>
-              <a:ext uri="{FF2B5EF4-FFF2-40B4-BE49-F238E27FC236}">
-                <a16:creationId xmlns:a16="http://schemas.microsoft.com/office/drawing/2014/main" id="{C41A932F-EFB6-48DD-A556-47399421608F}"/>
-              </a:ext>
-            </a:extLst>
-          </p:cNvPr>
-          <p:cNvSpPr>
-            <a:spLocks noGrp="1"/>
-          </p:cNvSpPr>
-          <p:nvPr>
-            <p:ph type="title"/>
-          </p:nvPr>
-        </p:nvSpPr>
-        <p:spPr/>
-        <p:txBody>
-          <a:bodyPr/>
-          <a:lstStyle/>
-          <a:p>
-            <a:r>
-              <a:rPr lang="de-CH" dirty="0" err="1"/>
-              <a:t>Satzaligner</a:t>
-            </a:r>
-            <a:endParaRPr lang="de-CH" dirty="0"/>
-          </a:p>
-        </p:txBody>
-      </p:sp>
-      <p:sp>
-        <p:nvSpPr>
-          <p:cNvPr id="3" name="Inhaltsplatzhalter 2">
-            <a:extLst>
-              <a:ext uri="{FF2B5EF4-FFF2-40B4-BE49-F238E27FC236}">
-                <a16:creationId xmlns:a16="http://schemas.microsoft.com/office/drawing/2014/main" id="{CE8EF818-C28B-46CF-9422-B0F9E19F81F2}"/>
-              </a:ext>
-            </a:extLst>
-          </p:cNvPr>
-          <p:cNvSpPr>
-            <a:spLocks noGrp="1"/>
-          </p:cNvSpPr>
-          <p:nvPr>
-            <p:ph idx="1"/>
-          </p:nvPr>
-        </p:nvSpPr>
-        <p:spPr/>
-        <p:txBody>
-          <a:bodyPr/>
-          <a:lstStyle/>
-          <a:p>
-            <a:pPr marL="0" indent="0">
-              <a:buNone/>
-            </a:pPr>
-            <a:r>
-              <a:rPr lang="de-CH" dirty="0"/>
-              <a:t>Kriterien für Satzzusammengehörigkeit:</a:t>
-            </a:r>
-          </a:p>
-          <a:p>
-            <a:r>
-              <a:rPr lang="de-CH" dirty="0"/>
-              <a:t>Zusammengehörige Wörter - Wörterbuch (Champollion)</a:t>
-            </a:r>
-          </a:p>
-          <a:p>
-            <a:r>
-              <a:rPr lang="de-CH" dirty="0"/>
-              <a:t>Satzlänge (</a:t>
-            </a:r>
-            <a:r>
-              <a:rPr lang="de-CH" dirty="0" err="1"/>
-              <a:t>Hunalign</a:t>
-            </a:r>
-            <a:r>
-              <a:rPr lang="de-CH" dirty="0"/>
-              <a:t>)</a:t>
-            </a:r>
-          </a:p>
-          <a:p>
-            <a:r>
-              <a:rPr lang="de-CH" dirty="0"/>
-              <a:t>Satzähnlichkeit (</a:t>
-            </a:r>
-            <a:r>
-              <a:rPr lang="de-CH" dirty="0" err="1"/>
-              <a:t>Bleualign</a:t>
-            </a:r>
-            <a:r>
-              <a:rPr lang="de-CH" dirty="0"/>
-              <a:t>)</a:t>
-            </a:r>
-          </a:p>
-          <a:p>
-            <a:endParaRPr lang="de-CH" dirty="0"/>
-          </a:p>
-        </p:txBody>
-      </p:sp>
-    </p:spTree>
-    <p:extLst>
-      <p:ext uri="{BB962C8B-B14F-4D97-AF65-F5344CB8AC3E}">
-        <p14:creationId xmlns:p14="http://schemas.microsoft.com/office/powerpoint/2010/main" val="1860960098"/>
-      </p:ext>
-    </p:extLst>
-  </p:cSld>
-  <p:clrMapOvr>
-    <a:masterClrMapping/>
-  </p:clrMapOvr>
-</p:sld>
-</file>
-
-<file path=ppt/slides/slide24.xml><?xml version="1.0" encoding="utf-8"?>
-<p:sld xmlns:a="http://schemas.openxmlformats.org/drawingml/2006/main" xmlns:r="http://schemas.openxmlformats.org/officeDocument/2006/relationships" xmlns:p="http://schemas.openxmlformats.org/presentationml/2006/main">
-  <p:cSld>
-    <p:spTree>
-      <p:nvGrpSpPr>
-        <p:cNvPr id="1" name=""/>
-        <p:cNvGrpSpPr/>
-        <p:nvPr/>
-      </p:nvGrpSpPr>
-      <p:grpSpPr>
-        <a:xfrm>
-          <a:off x="0" y="0"/>
-          <a:ext cx="0" cy="0"/>
-          <a:chOff x="0" y="0"/>
-          <a:chExt cx="0" cy="0"/>
-        </a:xfrm>
-      </p:grpSpPr>
-      <p:sp>
-        <p:nvSpPr>
-          <p:cNvPr id="2" name="Titel 1">
-            <a:extLst>
-              <a:ext uri="{FF2B5EF4-FFF2-40B4-BE49-F238E27FC236}">
-                <a16:creationId xmlns:a16="http://schemas.microsoft.com/office/drawing/2014/main" id="{2982DB03-6346-4FBE-8A71-3EEB41D34C39}"/>
-              </a:ext>
-            </a:extLst>
-          </p:cNvPr>
-          <p:cNvSpPr>
-            <a:spLocks noGrp="1"/>
-          </p:cNvSpPr>
-          <p:nvPr>
-            <p:ph type="title"/>
-          </p:nvPr>
-        </p:nvSpPr>
-        <p:spPr/>
-        <p:txBody>
-          <a:bodyPr/>
-          <a:lstStyle/>
-          <a:p>
-            <a:r>
-              <a:rPr lang="de-CH" dirty="0"/>
-              <a:t>Alignment - Filterung</a:t>
-            </a:r>
-          </a:p>
-        </p:txBody>
-      </p:sp>
-      <p:sp>
-        <p:nvSpPr>
-          <p:cNvPr id="3" name="Inhaltsplatzhalter 2">
-            <a:extLst>
-              <a:ext uri="{FF2B5EF4-FFF2-40B4-BE49-F238E27FC236}">
-                <a16:creationId xmlns:a16="http://schemas.microsoft.com/office/drawing/2014/main" id="{C0E140F1-EABB-44AC-8F77-035CC2035B28}"/>
-              </a:ext>
-            </a:extLst>
-          </p:cNvPr>
-          <p:cNvSpPr>
-            <a:spLocks noGrp="1"/>
-          </p:cNvSpPr>
-          <p:nvPr>
-            <p:ph idx="1"/>
-          </p:nvPr>
-        </p:nvSpPr>
-        <p:spPr/>
-        <p:txBody>
-          <a:bodyPr/>
-          <a:lstStyle/>
-          <a:p>
-            <a:r>
-              <a:rPr lang="de-CH" dirty="0"/>
-              <a:t>Tools sind nicht perfekt</a:t>
-            </a:r>
-          </a:p>
-          <a:p>
-            <a:r>
-              <a:rPr lang="de-CH" dirty="0"/>
-              <a:t>Transkriptionen können Fehler beinhalten / unvollständig sein</a:t>
-            </a:r>
-          </a:p>
-          <a:p>
-            <a:r>
-              <a:rPr lang="de-CH" dirty="0"/>
-              <a:t>Fehlerhafte Wortpaarungen schleichen sich ein</a:t>
-            </a:r>
-          </a:p>
-          <a:p>
-            <a:r>
-              <a:rPr lang="de-CH" sz="1600" dirty="0">
-                <a:latin typeface="Consolas" panose="020B0609020204030204" pitchFamily="49" charset="0"/>
-              </a:rPr>
-              <a:t>["</a:t>
-            </a:r>
-            <a:r>
-              <a:rPr lang="de-CH" sz="1600" dirty="0" err="1">
-                <a:highlight>
-                  <a:srgbClr val="00FFFF"/>
-                </a:highlight>
-                <a:latin typeface="Consolas" panose="020B0609020204030204" pitchFamily="49" charset="0"/>
-              </a:rPr>
-              <a:t>druf</a:t>
-            </a:r>
-            <a:r>
-              <a:rPr lang="de-CH" sz="1600" dirty="0">
-                <a:highlight>
-                  <a:srgbClr val="00FFFF"/>
-                </a:highlight>
-                <a:latin typeface="Consolas" panose="020B0609020204030204" pitchFamily="49" charset="0"/>
-              </a:rPr>
-              <a:t> los</a:t>
-            </a:r>
-            <a:r>
-              <a:rPr lang="de-CH" sz="1600" dirty="0">
-                <a:latin typeface="Consolas" panose="020B0609020204030204" pitchFamily="49" charset="0"/>
-              </a:rPr>
-              <a:t>", "</a:t>
-            </a:r>
-            <a:r>
-              <a:rPr lang="de-CH" sz="1600" dirty="0" err="1">
-                <a:highlight>
-                  <a:srgbClr val="FF0000"/>
-                </a:highlight>
-                <a:latin typeface="Consolas" panose="020B0609020204030204" pitchFamily="49" charset="0"/>
-              </a:rPr>
-              <a:t>druf</a:t>
-            </a:r>
-            <a:r>
-              <a:rPr lang="de-CH" sz="1600" dirty="0">
-                <a:highlight>
-                  <a:srgbClr val="FF0000"/>
-                </a:highlight>
-                <a:latin typeface="Consolas" panose="020B0609020204030204" pitchFamily="49" charset="0"/>
-              </a:rPr>
-              <a:t> los </a:t>
-            </a:r>
-            <a:r>
-              <a:rPr lang="de-CH" sz="1600" dirty="0" err="1">
-                <a:highlight>
-                  <a:srgbClr val="FF0000"/>
-                </a:highlight>
-                <a:latin typeface="Consolas" panose="020B0609020204030204" pitchFamily="49" charset="0"/>
-              </a:rPr>
-              <a:t>ch</a:t>
-            </a:r>
-            <a:r>
-              <a:rPr lang="de-CH" sz="1600" dirty="0">
-                <a:latin typeface="Consolas" panose="020B0609020204030204" pitchFamily="49" charset="0"/>
-              </a:rPr>
-              <a:t>", "</a:t>
-            </a:r>
-            <a:r>
-              <a:rPr lang="de-CH" sz="1600" dirty="0" err="1">
-                <a:highlight>
-                  <a:srgbClr val="00FF00"/>
-                </a:highlight>
-                <a:latin typeface="Consolas" panose="020B0609020204030204" pitchFamily="49" charset="0"/>
-              </a:rPr>
-              <a:t>druflos</a:t>
-            </a:r>
-            <a:r>
-              <a:rPr lang="de-CH" sz="1600" dirty="0">
-                <a:highlight>
-                  <a:srgbClr val="00FF00"/>
-                </a:highlight>
-                <a:latin typeface="Consolas" panose="020B0609020204030204" pitchFamily="49" charset="0"/>
-              </a:rPr>
-              <a:t> maie</a:t>
-            </a:r>
-            <a:r>
-              <a:rPr lang="de-CH" sz="1600" dirty="0">
-                <a:latin typeface="Consolas" panose="020B0609020204030204" pitchFamily="49" charset="0"/>
-              </a:rPr>
-              <a:t>", "</a:t>
-            </a:r>
-            <a:r>
-              <a:rPr lang="de-CH" sz="1600" dirty="0" err="1">
-                <a:highlight>
-                  <a:srgbClr val="00FFFF"/>
-                </a:highlight>
-                <a:latin typeface="Consolas" panose="020B0609020204030204" pitchFamily="49" charset="0"/>
-              </a:rPr>
-              <a:t>druflos</a:t>
-            </a:r>
-            <a:r>
-              <a:rPr lang="de-CH" sz="1600" dirty="0">
-                <a:latin typeface="Consolas" panose="020B0609020204030204" pitchFamily="49" charset="0"/>
-              </a:rPr>
-              <a:t>", "</a:t>
-            </a:r>
-            <a:r>
-              <a:rPr lang="de-CH" sz="1600" dirty="0" err="1">
-                <a:highlight>
-                  <a:srgbClr val="00FF00"/>
-                </a:highlight>
-                <a:latin typeface="Consolas" panose="020B0609020204030204" pitchFamily="49" charset="0"/>
-              </a:rPr>
-              <a:t>druflosmäie</a:t>
-            </a:r>
-            <a:r>
-              <a:rPr lang="de-CH" sz="1600" dirty="0">
-                <a:latin typeface="Consolas" panose="020B0609020204030204" pitchFamily="49" charset="0"/>
-              </a:rPr>
-              <a:t>", "</a:t>
-            </a:r>
-            <a:r>
-              <a:rPr lang="de-CH" sz="1600" dirty="0">
-                <a:highlight>
-                  <a:srgbClr val="00FF00"/>
-                </a:highlight>
-                <a:latin typeface="Consolas" panose="020B0609020204030204" pitchFamily="49" charset="0"/>
-              </a:rPr>
-              <a:t>druff </a:t>
-            </a:r>
-            <a:r>
-              <a:rPr lang="de-CH" sz="1600" dirty="0" err="1">
-                <a:highlight>
-                  <a:srgbClr val="00FF00"/>
-                </a:highlight>
-                <a:latin typeface="Consolas" panose="020B0609020204030204" pitchFamily="49" charset="0"/>
-              </a:rPr>
-              <a:t>losmäie</a:t>
-            </a:r>
-            <a:r>
-              <a:rPr lang="de-CH" sz="1600" dirty="0">
-                <a:latin typeface="Consolas" panose="020B0609020204030204" pitchFamily="49" charset="0"/>
-              </a:rPr>
-              <a:t>"]</a:t>
-            </a:r>
-          </a:p>
-          <a:p>
-            <a:r>
-              <a:rPr lang="de-CH" dirty="0"/>
-              <a:t>Gleichbedeutende Wörter sind sich ähnlich</a:t>
-            </a:r>
-          </a:p>
-          <a:p>
-            <a:r>
-              <a:rPr lang="de-CH" dirty="0"/>
-              <a:t>Ist ein Wortpaar sich unähnlich, ist es vermutlich falsch</a:t>
-            </a:r>
-          </a:p>
-        </p:txBody>
-      </p:sp>
-    </p:spTree>
-    <p:extLst>
-      <p:ext uri="{BB962C8B-B14F-4D97-AF65-F5344CB8AC3E}">
-        <p14:creationId xmlns:p14="http://schemas.microsoft.com/office/powerpoint/2010/main" val="943004170"/>
-      </p:ext>
-    </p:extLst>
-  </p:cSld>
-  <p:clrMapOvr>
-    <a:masterClrMapping/>
-  </p:clrMapOvr>
-</p:sld>
-</file>
-
-<file path=ppt/slides/slide25.xml><?xml version="1.0" encoding="utf-8"?>
-<p:sld xmlns:a="http://schemas.openxmlformats.org/drawingml/2006/main" xmlns:r="http://schemas.openxmlformats.org/officeDocument/2006/relationships" xmlns:p="http://schemas.openxmlformats.org/presentationml/2006/main">
-  <p:cSld>
-    <p:spTree>
-      <p:nvGrpSpPr>
-        <p:cNvPr id="1" name=""/>
-        <p:cNvGrpSpPr/>
-        <p:nvPr/>
-      </p:nvGrpSpPr>
-      <p:grpSpPr>
-        <a:xfrm>
-          <a:off x="0" y="0"/>
-          <a:ext cx="0" cy="0"/>
-          <a:chOff x="0" y="0"/>
-          <a:chExt cx="0" cy="0"/>
-        </a:xfrm>
-      </p:grpSpPr>
-      <p:sp>
-        <p:nvSpPr>
-          <p:cNvPr id="2" name="Titel 1">
-            <a:extLst>
-              <a:ext uri="{FF2B5EF4-FFF2-40B4-BE49-F238E27FC236}">
-                <a16:creationId xmlns:a16="http://schemas.microsoft.com/office/drawing/2014/main" id="{9FC6A3A8-4AF4-4647-9A06-E253A98521B1}"/>
-              </a:ext>
-            </a:extLst>
-          </p:cNvPr>
-          <p:cNvSpPr>
-            <a:spLocks noGrp="1"/>
-          </p:cNvSpPr>
-          <p:nvPr>
-            <p:ph type="title"/>
-          </p:nvPr>
-        </p:nvSpPr>
-        <p:spPr/>
-        <p:txBody>
-          <a:bodyPr/>
-          <a:lstStyle/>
-          <a:p>
-            <a:r>
-              <a:rPr lang="de-CH" dirty="0"/>
-              <a:t>Wortähnlichkeit</a:t>
-            </a:r>
-          </a:p>
-        </p:txBody>
-      </p:sp>
-      <p:sp>
-        <p:nvSpPr>
-          <p:cNvPr id="3" name="Inhaltsplatzhalter 2">
-            <a:extLst>
-              <a:ext uri="{FF2B5EF4-FFF2-40B4-BE49-F238E27FC236}">
-                <a16:creationId xmlns:a16="http://schemas.microsoft.com/office/drawing/2014/main" id="{85A0F246-2E41-4554-9B12-924CB46CB692}"/>
-              </a:ext>
-            </a:extLst>
-          </p:cNvPr>
-          <p:cNvSpPr>
-            <a:spLocks noGrp="1"/>
-          </p:cNvSpPr>
-          <p:nvPr>
-            <p:ph idx="1"/>
-          </p:nvPr>
-        </p:nvSpPr>
-        <p:spPr/>
-        <p:txBody>
-          <a:bodyPr/>
-          <a:lstStyle/>
-          <a:p>
-            <a:r>
-              <a:rPr lang="de-CH" dirty="0"/>
-              <a:t>Gewichtete Damerau-</a:t>
-            </a:r>
-            <a:r>
-              <a:rPr lang="de-CH" dirty="0" err="1"/>
-              <a:t>Levenshtein</a:t>
-            </a:r>
-            <a:r>
-              <a:rPr lang="de-CH" dirty="0"/>
-              <a:t> Distanz</a:t>
-            </a:r>
-          </a:p>
-          <a:p>
-            <a:r>
-              <a:rPr lang="de-CH" dirty="0"/>
-              <a:t>Double </a:t>
-            </a:r>
-            <a:r>
-              <a:rPr lang="de-CH" dirty="0" err="1"/>
-              <a:t>Metaphone</a:t>
-            </a:r>
-            <a:r>
-              <a:rPr lang="de-CH" dirty="0"/>
-              <a:t>: Lautähnlichkeit</a:t>
-            </a:r>
-          </a:p>
-        </p:txBody>
-      </p:sp>
-    </p:spTree>
-    <p:extLst>
-      <p:ext uri="{BB962C8B-B14F-4D97-AF65-F5344CB8AC3E}">
-        <p14:creationId xmlns:p14="http://schemas.microsoft.com/office/powerpoint/2010/main" val="3832955513"/>
-      </p:ext>
-    </p:extLst>
-  </p:cSld>
-  <p:clrMapOvr>
-    <a:masterClrMapping/>
-  </p:clrMapOvr>
-</p:sld>
-</file>
-
-<file path=ppt/slides/slide26.xml><?xml version="1.0" encoding="utf-8"?>
-<p:sld xmlns:a="http://schemas.openxmlformats.org/drawingml/2006/main" xmlns:r="http://schemas.openxmlformats.org/officeDocument/2006/relationships" xmlns:p="http://schemas.openxmlformats.org/presentationml/2006/main">
-  <p:cSld>
-    <p:spTree>
-      <p:nvGrpSpPr>
-        <p:cNvPr id="1" name=""/>
-        <p:cNvGrpSpPr/>
-        <p:nvPr/>
-      </p:nvGrpSpPr>
-      <p:grpSpPr>
-        <a:xfrm>
-          <a:off x="0" y="0"/>
-          <a:ext cx="0" cy="0"/>
-          <a:chOff x="0" y="0"/>
-          <a:chExt cx="0" cy="0"/>
-        </a:xfrm>
-      </p:grpSpPr>
-      <p:sp>
-        <p:nvSpPr>
-          <p:cNvPr id="2" name="Titel 1">
-            <a:extLst>
-              <a:ext uri="{FF2B5EF4-FFF2-40B4-BE49-F238E27FC236}">
-                <a16:creationId xmlns:a16="http://schemas.microsoft.com/office/drawing/2014/main" id="{71BCFD36-3B89-43B7-843A-1F31CDF5BBF5}"/>
-              </a:ext>
-            </a:extLst>
-          </p:cNvPr>
-          <p:cNvSpPr>
-            <a:spLocks noGrp="1"/>
-          </p:cNvSpPr>
-          <p:nvPr>
-            <p:ph type="title"/>
-          </p:nvPr>
-        </p:nvSpPr>
-        <p:spPr/>
-        <p:txBody>
-          <a:bodyPr/>
-          <a:lstStyle/>
-          <a:p>
-            <a:endParaRPr lang="de-CH"/>
-          </a:p>
-        </p:txBody>
-      </p:sp>
-      <p:pic>
-        <p:nvPicPr>
-          <p:cNvPr id="7" name="Inhaltsplatzhalter 6">
-            <a:extLst>
-              <a:ext uri="{FF2B5EF4-FFF2-40B4-BE49-F238E27FC236}">
-                <a16:creationId xmlns:a16="http://schemas.microsoft.com/office/drawing/2014/main" id="{2B33DE0D-EFAF-4ECF-BDF3-CA5B7E707550}"/>
-              </a:ext>
-            </a:extLst>
-          </p:cNvPr>
-          <p:cNvPicPr>
-            <a:picLocks noGrp="1" noChangeAspect="1"/>
-          </p:cNvPicPr>
-          <p:nvPr>
-            <p:ph idx="1"/>
-          </p:nvPr>
-        </p:nvPicPr>
-        <p:blipFill>
-          <a:blip r:embed="rId3"/>
-          <a:stretch>
-            <a:fillRect/>
-          </a:stretch>
-        </p:blipFill>
-        <p:spPr>
-          <a:xfrm>
-            <a:off x="1211557" y="0"/>
-            <a:ext cx="8522752" cy="6759690"/>
-          </a:xfrm>
-          <a:prstGeom prst="rect">
-            <a:avLst/>
-          </a:prstGeom>
-        </p:spPr>
-      </p:pic>
-      <p:cxnSp>
-        <p:nvCxnSpPr>
-          <p:cNvPr id="9" name="Gerader Verbinder 8">
-            <a:extLst>
-              <a:ext uri="{FF2B5EF4-FFF2-40B4-BE49-F238E27FC236}">
-                <a16:creationId xmlns:a16="http://schemas.microsoft.com/office/drawing/2014/main" id="{631F41E2-91D7-4637-88E8-948A076E5577}"/>
-              </a:ext>
-            </a:extLst>
-          </p:cNvPr>
-          <p:cNvCxnSpPr/>
-          <p:nvPr/>
-        </p:nvCxnSpPr>
-        <p:spPr>
-          <a:xfrm>
-            <a:off x="1817226" y="2595623"/>
-            <a:ext cx="3680749" cy="350134"/>
-          </a:xfrm>
-          <a:prstGeom prst="line">
-            <a:avLst/>
-          </a:prstGeom>
-          <a:ln w="57150">
-            <a:solidFill>
-              <a:srgbClr val="C00000"/>
-            </a:solidFill>
-          </a:ln>
-        </p:spPr>
-        <p:style>
-          <a:lnRef idx="1">
-            <a:schemeClr val="accent1"/>
-          </a:lnRef>
-          <a:fillRef idx="0">
-            <a:schemeClr val="accent1"/>
-          </a:fillRef>
-          <a:effectRef idx="0">
-            <a:schemeClr val="accent1"/>
-          </a:effectRef>
-          <a:fontRef idx="minor">
-            <a:schemeClr val="tx1"/>
-          </a:fontRef>
-        </p:style>
-      </p:cxnSp>
-      <p:cxnSp>
-        <p:nvCxnSpPr>
-          <p:cNvPr id="11" name="Gerader Verbinder 10">
-            <a:extLst>
-              <a:ext uri="{FF2B5EF4-FFF2-40B4-BE49-F238E27FC236}">
-                <a16:creationId xmlns:a16="http://schemas.microsoft.com/office/drawing/2014/main" id="{176B77B7-52BE-41FF-A3C3-4399217C1F8E}"/>
-              </a:ext>
-            </a:extLst>
-          </p:cNvPr>
-          <p:cNvCxnSpPr/>
-          <p:nvPr/>
-        </p:nvCxnSpPr>
-        <p:spPr>
-          <a:xfrm flipH="1">
-            <a:off x="6991109" y="1357132"/>
-            <a:ext cx="1250066" cy="1157468"/>
-          </a:xfrm>
-          <a:prstGeom prst="line">
-            <a:avLst/>
-          </a:prstGeom>
-          <a:ln w="57150">
-            <a:solidFill>
-              <a:srgbClr val="C00000"/>
-            </a:solidFill>
-          </a:ln>
-        </p:spPr>
-        <p:style>
-          <a:lnRef idx="1">
-            <a:schemeClr val="accent1"/>
-          </a:lnRef>
-          <a:fillRef idx="0">
-            <a:schemeClr val="accent1"/>
-          </a:fillRef>
-          <a:effectRef idx="0">
-            <a:schemeClr val="accent1"/>
-          </a:effectRef>
-          <a:fontRef idx="minor">
-            <a:schemeClr val="tx1"/>
-          </a:fontRef>
-        </p:style>
-      </p:cxnSp>
-      <p:cxnSp>
-        <p:nvCxnSpPr>
-          <p:cNvPr id="13" name="Gerader Verbinder 12">
-            <a:extLst>
-              <a:ext uri="{FF2B5EF4-FFF2-40B4-BE49-F238E27FC236}">
-                <a16:creationId xmlns:a16="http://schemas.microsoft.com/office/drawing/2014/main" id="{85DAA568-4561-4C54-84B7-B2E8BA369C9D}"/>
-              </a:ext>
-            </a:extLst>
-          </p:cNvPr>
-          <p:cNvCxnSpPr>
-            <a:cxnSpLocks/>
-          </p:cNvCxnSpPr>
-          <p:nvPr/>
-        </p:nvCxnSpPr>
-        <p:spPr>
-          <a:xfrm flipH="1">
-            <a:off x="8958806" y="2419109"/>
-            <a:ext cx="567159" cy="729205"/>
-          </a:xfrm>
-          <a:prstGeom prst="line">
-            <a:avLst/>
-          </a:prstGeom>
-          <a:ln w="19050">
-            <a:solidFill>
-              <a:srgbClr val="C00000"/>
-            </a:solidFill>
-          </a:ln>
-        </p:spPr>
-        <p:style>
-          <a:lnRef idx="1">
-            <a:schemeClr val="accent1"/>
-          </a:lnRef>
-          <a:fillRef idx="0">
-            <a:schemeClr val="accent1"/>
-          </a:fillRef>
-          <a:effectRef idx="0">
-            <a:schemeClr val="accent1"/>
-          </a:effectRef>
-          <a:fontRef idx="minor">
-            <a:schemeClr val="tx1"/>
-          </a:fontRef>
-        </p:style>
-      </p:cxnSp>
-      <p:cxnSp>
-        <p:nvCxnSpPr>
-          <p:cNvPr id="15" name="Gerader Verbinder 14">
-            <a:extLst>
-              <a:ext uri="{FF2B5EF4-FFF2-40B4-BE49-F238E27FC236}">
-                <a16:creationId xmlns:a16="http://schemas.microsoft.com/office/drawing/2014/main" id="{E24C8F82-F0A8-41D4-AC6D-768A03DF4EDD}"/>
-              </a:ext>
-            </a:extLst>
-          </p:cNvPr>
-          <p:cNvCxnSpPr>
-            <a:cxnSpLocks/>
-          </p:cNvCxnSpPr>
-          <p:nvPr/>
-        </p:nvCxnSpPr>
-        <p:spPr>
-          <a:xfrm>
-            <a:off x="9039828" y="2419109"/>
-            <a:ext cx="486137" cy="729205"/>
-          </a:xfrm>
-          <a:prstGeom prst="line">
-            <a:avLst/>
-          </a:prstGeom>
-          <a:ln w="19050">
-            <a:solidFill>
-              <a:srgbClr val="C00000"/>
-            </a:solidFill>
-          </a:ln>
-        </p:spPr>
-        <p:style>
-          <a:lnRef idx="1">
-            <a:schemeClr val="accent1"/>
-          </a:lnRef>
-          <a:fillRef idx="0">
-            <a:schemeClr val="accent1"/>
-          </a:fillRef>
-          <a:effectRef idx="0">
-            <a:schemeClr val="accent1"/>
-          </a:effectRef>
-          <a:fontRef idx="minor">
-            <a:schemeClr val="tx1"/>
-          </a:fontRef>
-        </p:style>
-      </p:cxnSp>
-    </p:spTree>
-    <p:extLst>
-      <p:ext uri="{BB962C8B-B14F-4D97-AF65-F5344CB8AC3E}">
-        <p14:creationId xmlns:p14="http://schemas.microsoft.com/office/powerpoint/2010/main" val="2861002473"/>
-      </p:ext>
-    </p:extLst>
-  </p:cSld>
-  <p:clrMapOvr>
-    <a:masterClrMapping/>
-  </p:clrMapOvr>
-</p:sld>
-</file>
-
-<file path=ppt/slides/slide27.xml><?xml version="1.0" encoding="utf-8"?>
-<p:sld xmlns:a="http://schemas.openxmlformats.org/drawingml/2006/main" xmlns:r="http://schemas.openxmlformats.org/officeDocument/2006/relationships" xmlns:p="http://schemas.openxmlformats.org/presentationml/2006/main">
-  <p:cSld>
-    <p:spTree>
-      <p:nvGrpSpPr>
-        <p:cNvPr id="1" name=""/>
-        <p:cNvGrpSpPr/>
-        <p:nvPr/>
-      </p:nvGrpSpPr>
-      <p:grpSpPr>
-        <a:xfrm>
-          <a:off x="0" y="0"/>
-          <a:ext cx="0" cy="0"/>
-          <a:chOff x="0" y="0"/>
-          <a:chExt cx="0" cy="0"/>
-        </a:xfrm>
-      </p:grpSpPr>
-      <p:sp>
-        <p:nvSpPr>
-          <p:cNvPr id="2" name="Titel 1">
-            <a:extLst>
-              <a:ext uri="{FF2B5EF4-FFF2-40B4-BE49-F238E27FC236}">
-                <a16:creationId xmlns:a16="http://schemas.microsoft.com/office/drawing/2014/main" id="{F42E0D39-263D-453D-98D0-EDC0A0A138A3}"/>
-              </a:ext>
-            </a:extLst>
-          </p:cNvPr>
-          <p:cNvSpPr>
-            <a:spLocks noGrp="1"/>
-          </p:cNvSpPr>
-          <p:nvPr>
-            <p:ph type="title"/>
-          </p:nvPr>
-        </p:nvSpPr>
-        <p:spPr/>
-        <p:txBody>
-          <a:bodyPr/>
-          <a:lstStyle/>
-          <a:p>
-            <a:r>
-              <a:rPr lang="de-CH" dirty="0"/>
-              <a:t>Paarbildung</a:t>
-            </a:r>
-          </a:p>
-        </p:txBody>
-      </p:sp>
-      <p:sp>
-        <p:nvSpPr>
-          <p:cNvPr id="3" name="Inhaltsplatzhalter 2">
-            <a:extLst>
-              <a:ext uri="{FF2B5EF4-FFF2-40B4-BE49-F238E27FC236}">
-                <a16:creationId xmlns:a16="http://schemas.microsoft.com/office/drawing/2014/main" id="{978BA35E-D7C9-48A8-8569-0090D34930A8}"/>
-              </a:ext>
-            </a:extLst>
-          </p:cNvPr>
-          <p:cNvSpPr>
-            <a:spLocks noGrp="1"/>
-          </p:cNvSpPr>
-          <p:nvPr>
-            <p:ph idx="1"/>
-          </p:nvPr>
-        </p:nvSpPr>
-        <p:spPr/>
-        <p:txBody>
-          <a:bodyPr/>
-          <a:lstStyle/>
-          <a:p>
-            <a:endParaRPr lang="de-CH"/>
-          </a:p>
-        </p:txBody>
-      </p:sp>
-    </p:spTree>
-    <p:extLst>
-      <p:ext uri="{BB962C8B-B14F-4D97-AF65-F5344CB8AC3E}">
-        <p14:creationId xmlns:p14="http://schemas.microsoft.com/office/powerpoint/2010/main" val="3763030133"/>
-      </p:ext>
-    </p:extLst>
-  </p:cSld>
-  <p:clrMapOvr>
-    <a:masterClrMapping/>
-  </p:clrMapOvr>
-</p:sld>
-</file>
-
-<file path=ppt/slides/slide3.xml><?xml version="1.0" encoding="utf-8"?>
-<p:sld xmlns:a="http://schemas.openxmlformats.org/drawingml/2006/main" xmlns:r="http://schemas.openxmlformats.org/officeDocument/2006/relationships" xmlns:p="http://schemas.openxmlformats.org/presentationml/2006/main">
-  <p:cSld>
-    <p:spTree>
-      <p:nvGrpSpPr>
-        <p:cNvPr id="1" name=""/>
-        <p:cNvGrpSpPr/>
-        <p:nvPr/>
-      </p:nvGrpSpPr>
-      <p:grpSpPr>
-        <a:xfrm>
-          <a:off x="0" y="0"/>
-          <a:ext cx="0" cy="0"/>
-          <a:chOff x="0" y="0"/>
-          <a:chExt cx="0" cy="0"/>
-        </a:xfrm>
-      </p:grpSpPr>
-      <p:sp>
-        <p:nvSpPr>
-          <p:cNvPr id="2" name="Titel 1">
-            <a:extLst>
-              <a:ext uri="{FF2B5EF4-FFF2-40B4-BE49-F238E27FC236}">
-                <a16:creationId xmlns:a16="http://schemas.microsoft.com/office/drawing/2014/main" id="{0D594B7E-BA12-43BF-BBEE-9CF4192DEA6D}"/>
-              </a:ext>
-            </a:extLst>
-          </p:cNvPr>
-          <p:cNvSpPr>
-            <a:spLocks noGrp="1"/>
-          </p:cNvSpPr>
-          <p:nvPr>
-            <p:ph type="title"/>
-          </p:nvPr>
-        </p:nvSpPr>
-        <p:spPr/>
-        <p:txBody>
-          <a:bodyPr/>
-          <a:lstStyle/>
-          <a:p>
-            <a:r>
-              <a:rPr lang="de-CH" dirty="0"/>
-              <a:t>1. Iteration</a:t>
-            </a:r>
-          </a:p>
-        </p:txBody>
-      </p:sp>
-      <p:sp>
-        <p:nvSpPr>
-          <p:cNvPr id="6" name="Inhaltsplatzhalter 5">
-            <a:extLst>
-              <a:ext uri="{FF2B5EF4-FFF2-40B4-BE49-F238E27FC236}">
-                <a16:creationId xmlns:a16="http://schemas.microsoft.com/office/drawing/2014/main" id="{B5E43555-9F57-47E5-84AF-DDB88F6E2BC2}"/>
-              </a:ext>
-            </a:extLst>
-          </p:cNvPr>
-          <p:cNvSpPr>
-            <a:spLocks noGrp="1"/>
-          </p:cNvSpPr>
-          <p:nvPr>
-            <p:ph idx="1"/>
-          </p:nvPr>
-        </p:nvSpPr>
-        <p:spPr/>
-        <p:txBody>
-          <a:bodyPr>
-            <a:normAutofit fontScale="85000" lnSpcReduction="20000"/>
-          </a:bodyPr>
-          <a:lstStyle/>
-          <a:p>
-            <a:r>
-              <a:rPr lang="de-CH" dirty="0"/>
-              <a:t>Vorstellung</a:t>
-            </a:r>
-          </a:p>
-          <a:p>
-            <a:r>
-              <a:rPr lang="de-CH" dirty="0"/>
-              <a:t>Webseite zeigen, von UZH Projekt sprechen (</a:t>
-            </a:r>
-            <a:r>
-              <a:rPr lang="de-CH" dirty="0" err="1"/>
-              <a:t>matthias</a:t>
-            </a:r>
-            <a:r>
-              <a:rPr lang="de-CH" dirty="0"/>
-              <a:t>)</a:t>
-            </a:r>
-          </a:p>
-          <a:p>
-            <a:r>
-              <a:rPr lang="de-CH" dirty="0"/>
-              <a:t>Eingabe von Sätzen zeigen, Tonbeispiele abspielen (</a:t>
-            </a:r>
-            <a:r>
-              <a:rPr lang="de-CH" dirty="0" err="1"/>
-              <a:t>matthias</a:t>
-            </a:r>
-            <a:r>
-              <a:rPr lang="de-CH" dirty="0"/>
-              <a:t>)</a:t>
-            </a:r>
-          </a:p>
-          <a:p>
-            <a:r>
-              <a:rPr lang="de-CH" dirty="0"/>
-              <a:t>Problemstellung(Matthias ziele </a:t>
-            </a:r>
-            <a:r>
-              <a:rPr lang="de-CH" dirty="0" err="1"/>
-              <a:t>arbeit</a:t>
-            </a:r>
-            <a:r>
-              <a:rPr lang="de-CH" dirty="0"/>
-              <a:t> plus fragen)</a:t>
-            </a:r>
-          </a:p>
-          <a:p>
-            <a:r>
-              <a:rPr lang="de-CH" dirty="0"/>
-              <a:t>Vorstellungen eingelesene Satzgruppe (</a:t>
-            </a:r>
-            <a:r>
-              <a:rPr lang="de-CH" dirty="0" err="1"/>
-              <a:t>beispiel</a:t>
-            </a:r>
-            <a:r>
-              <a:rPr lang="de-CH" dirty="0"/>
-              <a:t> mit mind. 1 offensichtlich schlechten Satz)(</a:t>
-            </a:r>
-            <a:r>
-              <a:rPr lang="de-CH" dirty="0" err="1"/>
-              <a:t>matthias</a:t>
-            </a:r>
-            <a:r>
-              <a:rPr lang="de-CH" dirty="0"/>
-              <a:t>)</a:t>
-            </a:r>
-          </a:p>
-          <a:p>
-            <a:r>
-              <a:rPr lang="de-CH" dirty="0"/>
-              <a:t>Wir müssen schlechte ausfiltern (</a:t>
-            </a:r>
-            <a:r>
-              <a:rPr lang="de-CH" dirty="0" err="1"/>
-              <a:t>matthias</a:t>
-            </a:r>
-            <a:r>
-              <a:rPr lang="de-CH" dirty="0"/>
-              <a:t>)</a:t>
-            </a:r>
-          </a:p>
-          <a:p>
-            <a:r>
-              <a:rPr lang="de-CH" dirty="0"/>
-              <a:t>Was ist ein schlechter Satz (wie gut ist ein Satz) (</a:t>
-            </a:r>
-            <a:r>
-              <a:rPr lang="de-CH" dirty="0" err="1"/>
-              <a:t>matthias</a:t>
-            </a:r>
-            <a:r>
-              <a:rPr lang="de-CH" dirty="0"/>
-              <a:t>)</a:t>
-            </a:r>
-          </a:p>
-          <a:p>
-            <a:r>
-              <a:rPr lang="de-CH" dirty="0"/>
-              <a:t>Stellen wir fest anhand von Bewertung (gute </a:t>
-            </a:r>
-            <a:r>
-              <a:rPr lang="de-CH" dirty="0" err="1"/>
-              <a:t>sätze</a:t>
-            </a:r>
-            <a:r>
-              <a:rPr lang="de-CH" dirty="0"/>
-              <a:t> sind gleich, schlechte weichen stark ab)</a:t>
-            </a:r>
-          </a:p>
-          <a:p>
-            <a:r>
-              <a:rPr lang="de-CH" dirty="0"/>
-              <a:t>Paint </a:t>
-            </a:r>
-            <a:r>
-              <a:rPr lang="de-CH" dirty="0" err="1"/>
-              <a:t>grafik</a:t>
-            </a:r>
-            <a:r>
-              <a:rPr lang="de-CH" dirty="0"/>
-              <a:t>, </a:t>
-            </a:r>
-            <a:r>
-              <a:rPr lang="de-CH" dirty="0" err="1"/>
-              <a:t>bewertung</a:t>
-            </a:r>
-            <a:r>
-              <a:rPr lang="de-CH" dirty="0"/>
-              <a:t>, </a:t>
-            </a:r>
-            <a:r>
-              <a:rPr lang="de-CH" dirty="0" err="1"/>
-              <a:t>ranking</a:t>
-            </a:r>
-            <a:r>
-              <a:rPr lang="de-CH" dirty="0"/>
-              <a:t>, gibt zahl (0-1)</a:t>
-            </a:r>
-          </a:p>
-          <a:p>
-            <a:r>
-              <a:rPr lang="de-CH" dirty="0"/>
-              <a:t>Wir filtern anhand dieses Rankings</a:t>
-            </a:r>
-          </a:p>
-          <a:p>
-            <a:endParaRPr lang="de-CH" dirty="0"/>
-          </a:p>
-          <a:p>
-            <a:endParaRPr lang="de-CH" dirty="0"/>
-          </a:p>
-          <a:p>
-            <a:endParaRPr lang="de-CH" dirty="0"/>
-          </a:p>
-          <a:p>
-            <a:endParaRPr lang="de-CH" dirty="0"/>
-          </a:p>
-        </p:txBody>
-      </p:sp>
-    </p:spTree>
-    <p:extLst>
-      <p:ext uri="{BB962C8B-B14F-4D97-AF65-F5344CB8AC3E}">
-        <p14:creationId xmlns:p14="http://schemas.microsoft.com/office/powerpoint/2010/main" val="558888117"/>
-      </p:ext>
-    </p:extLst>
-  </p:cSld>
-  <p:clrMapOvr>
-    <a:masterClrMapping/>
-  </p:clrMapOvr>
-</p:sld>
-</file>
-
-<file path=ppt/slides/slide4.xml><?xml version="1.0" encoding="utf-8"?>
-<p:sld xmlns:a="http://schemas.openxmlformats.org/drawingml/2006/main" xmlns:r="http://schemas.openxmlformats.org/officeDocument/2006/relationships" xmlns:p="http://schemas.openxmlformats.org/presentationml/2006/main">
-  <p:cSld>
-    <p:spTree>
-      <p:nvGrpSpPr>
-        <p:cNvPr id="1" name=""/>
-        <p:cNvGrpSpPr/>
-        <p:nvPr/>
-      </p:nvGrpSpPr>
-      <p:grpSpPr>
-        <a:xfrm>
-          <a:off x="0" y="0"/>
-          <a:ext cx="0" cy="0"/>
-          <a:chOff x="0" y="0"/>
-          <a:chExt cx="0" cy="0"/>
-        </a:xfrm>
-      </p:grpSpPr>
-      <p:sp>
-        <p:nvSpPr>
-          <p:cNvPr id="2" name="Titel 1">
-            <a:extLst>
-              <a:ext uri="{FF2B5EF4-FFF2-40B4-BE49-F238E27FC236}">
-                <a16:creationId xmlns:a16="http://schemas.microsoft.com/office/drawing/2014/main" id="{F5189C6F-15E2-444B-99A5-49F2C4A8A9DA}"/>
-              </a:ext>
-            </a:extLst>
-          </p:cNvPr>
-          <p:cNvSpPr>
-            <a:spLocks noGrp="1"/>
-          </p:cNvSpPr>
-          <p:nvPr>
-            <p:ph type="title"/>
-          </p:nvPr>
-        </p:nvSpPr>
-        <p:spPr/>
-        <p:txBody>
-          <a:bodyPr/>
-          <a:lstStyle/>
-          <a:p>
-            <a:endParaRPr lang="de-CH"/>
-          </a:p>
-        </p:txBody>
-      </p:sp>
-      <p:sp>
-        <p:nvSpPr>
-          <p:cNvPr id="3" name="Inhaltsplatzhalter 2">
-            <a:extLst>
-              <a:ext uri="{FF2B5EF4-FFF2-40B4-BE49-F238E27FC236}">
-                <a16:creationId xmlns:a16="http://schemas.microsoft.com/office/drawing/2014/main" id="{0663B046-1861-426E-A648-7201B22F988C}"/>
-              </a:ext>
-            </a:extLst>
-          </p:cNvPr>
-          <p:cNvSpPr>
-            <a:spLocks noGrp="1"/>
-          </p:cNvSpPr>
-          <p:nvPr>
-            <p:ph idx="1"/>
-          </p:nvPr>
-        </p:nvSpPr>
-        <p:spPr/>
-        <p:txBody>
-          <a:bodyPr>
-            <a:normAutofit fontScale="92500" lnSpcReduction="20000"/>
-          </a:bodyPr>
-          <a:lstStyle/>
-          <a:p>
-            <a:r>
-              <a:rPr lang="de-CH" dirty="0"/>
-              <a:t>Was ist eine Alignierung ? (</a:t>
-            </a:r>
-            <a:r>
-              <a:rPr lang="de-CH" dirty="0" err="1"/>
-              <a:t>erklärung</a:t>
-            </a:r>
-            <a:r>
-              <a:rPr lang="de-CH" dirty="0"/>
-              <a:t> </a:t>
-            </a:r>
-            <a:r>
-              <a:rPr lang="de-CH" dirty="0" err="1"/>
-              <a:t>wortalignierung</a:t>
-            </a:r>
-            <a:r>
-              <a:rPr lang="de-CH" dirty="0"/>
-              <a:t>,  </a:t>
-            </a:r>
-            <a:r>
-              <a:rPr lang="de-CH" dirty="0" err="1"/>
-              <a:t>beispiel</a:t>
-            </a:r>
-            <a:r>
-              <a:rPr lang="de-CH" dirty="0"/>
-              <a:t> mit 1 zu n </a:t>
-            </a:r>
-            <a:r>
-              <a:rPr lang="de-CH" dirty="0" err="1"/>
-              <a:t>alignment</a:t>
-            </a:r>
-            <a:r>
-              <a:rPr lang="de-CH" dirty="0"/>
-              <a:t>, </a:t>
-            </a:r>
-            <a:r>
-              <a:rPr lang="de-CH" dirty="0" err="1"/>
-              <a:t>schwierigkeit</a:t>
-            </a:r>
-            <a:r>
-              <a:rPr lang="de-CH" dirty="0"/>
-              <a:t> des </a:t>
-            </a:r>
-            <a:r>
-              <a:rPr lang="de-CH" dirty="0" err="1"/>
-              <a:t>alignments</a:t>
-            </a:r>
-            <a:r>
-              <a:rPr lang="de-CH" dirty="0"/>
-              <a:t>)</a:t>
-            </a:r>
-          </a:p>
-          <a:p>
-            <a:r>
-              <a:rPr lang="de-CH" dirty="0"/>
-              <a:t>Es gibt </a:t>
-            </a:r>
-            <a:r>
-              <a:rPr lang="de-CH" dirty="0" err="1"/>
-              <a:t>tools</a:t>
-            </a:r>
-            <a:r>
-              <a:rPr lang="de-CH" dirty="0"/>
-              <a:t> die dies machen (</a:t>
-            </a:r>
-            <a:r>
-              <a:rPr lang="de-CH" dirty="0" err="1"/>
-              <a:t>bipartite</a:t>
-            </a:r>
-            <a:r>
-              <a:rPr lang="de-CH" dirty="0"/>
-              <a:t> </a:t>
-            </a:r>
-            <a:r>
-              <a:rPr lang="de-CH" dirty="0" err="1"/>
-              <a:t>graph</a:t>
-            </a:r>
-            <a:r>
-              <a:rPr lang="de-CH" dirty="0"/>
-              <a:t>)</a:t>
-            </a:r>
-          </a:p>
-          <a:p>
-            <a:r>
-              <a:rPr lang="de-CH" dirty="0"/>
-              <a:t>Wie verwenden wir diese mit unseren Daten (Wie allgemein, sind ja keine </a:t>
-            </a:r>
-            <a:r>
-              <a:rPr lang="de-CH" dirty="0" err="1"/>
-              <a:t>übersetzungen</a:t>
-            </a:r>
-            <a:r>
-              <a:rPr lang="de-CH" dirty="0"/>
-              <a:t>, wir behandeln sie aber so)</a:t>
-            </a:r>
-          </a:p>
-          <a:p>
-            <a:r>
-              <a:rPr lang="de-CH" dirty="0"/>
-              <a:t>Wie machen wir dies über eine ganze Gruppe? (Verwendung eines Graphen, </a:t>
-            </a:r>
-            <a:r>
-              <a:rPr lang="de-CH" dirty="0" err="1"/>
-              <a:t>nodes</a:t>
-            </a:r>
-            <a:r>
-              <a:rPr lang="de-CH" dirty="0"/>
-              <a:t> und </a:t>
-            </a:r>
-            <a:r>
-              <a:rPr lang="de-CH" dirty="0" err="1"/>
-              <a:t>edges</a:t>
-            </a:r>
-            <a:r>
-              <a:rPr lang="de-CH" dirty="0"/>
-              <a:t> einfügen)</a:t>
-            </a:r>
-          </a:p>
-          <a:p>
-            <a:r>
-              <a:rPr lang="de-CH" dirty="0"/>
-              <a:t>Die Tools und Benutzereingaben sind aber nicht perfekt (zeigen wir </a:t>
-            </a:r>
-            <a:r>
-              <a:rPr lang="de-CH" dirty="0" err="1"/>
-              <a:t>graphen</a:t>
-            </a:r>
-            <a:r>
-              <a:rPr lang="de-CH" dirty="0"/>
-              <a:t> mit </a:t>
-            </a:r>
-            <a:r>
-              <a:rPr lang="de-CH" dirty="0" err="1"/>
-              <a:t>filtervalue</a:t>
-            </a:r>
-            <a:r>
-              <a:rPr lang="de-CH" dirty="0"/>
-              <a:t> 1, kein einfaches </a:t>
-            </a:r>
-            <a:r>
-              <a:rPr lang="de-CH" dirty="0" err="1"/>
-              <a:t>problem</a:t>
-            </a:r>
-            <a:r>
-              <a:rPr lang="de-CH" dirty="0"/>
-              <a:t>, müssen damit umgehen, </a:t>
-            </a:r>
-            <a:r>
-              <a:rPr lang="de-CH" dirty="0" err="1"/>
-              <a:t>aligner</a:t>
-            </a:r>
-            <a:r>
-              <a:rPr lang="de-CH" dirty="0"/>
-              <a:t> </a:t>
-            </a:r>
-            <a:r>
-              <a:rPr lang="de-CH" dirty="0" err="1"/>
-              <a:t>fehler</a:t>
-            </a:r>
-            <a:r>
-              <a:rPr lang="de-CH" dirty="0"/>
-              <a:t> </a:t>
-            </a:r>
-            <a:r>
-              <a:rPr lang="de-CH" dirty="0" err="1"/>
-              <a:t>beispiel</a:t>
-            </a:r>
-            <a:r>
-              <a:rPr lang="de-CH" dirty="0"/>
-              <a:t>, </a:t>
-            </a:r>
-            <a:r>
-              <a:rPr lang="de-CH" dirty="0" err="1"/>
-              <a:t>benutzer</a:t>
-            </a:r>
-            <a:r>
-              <a:rPr lang="de-CH" dirty="0"/>
-              <a:t> </a:t>
-            </a:r>
-            <a:r>
-              <a:rPr lang="de-CH" dirty="0" err="1"/>
-              <a:t>fehler</a:t>
-            </a:r>
-            <a:r>
-              <a:rPr lang="de-CH" dirty="0"/>
-              <a:t> </a:t>
-            </a:r>
-            <a:r>
-              <a:rPr lang="de-CH" dirty="0" err="1"/>
-              <a:t>beispiel</a:t>
-            </a:r>
-            <a:r>
-              <a:rPr lang="de-CH" dirty="0"/>
-              <a:t>)</a:t>
-            </a:r>
-          </a:p>
-          <a:p>
-            <a:r>
-              <a:rPr lang="de-CH" dirty="0"/>
-              <a:t>inkorrekte </a:t>
-            </a:r>
-            <a:r>
-              <a:rPr lang="de-CH" dirty="0" err="1"/>
-              <a:t>alignments</a:t>
-            </a:r>
-            <a:r>
-              <a:rPr lang="de-CH" dirty="0"/>
-              <a:t> filtern wir aus (kleines </a:t>
-            </a:r>
-            <a:r>
-              <a:rPr lang="de-CH" dirty="0" err="1"/>
-              <a:t>beispiel</a:t>
-            </a:r>
-            <a:r>
-              <a:rPr lang="de-CH" dirty="0"/>
-              <a:t>, da </a:t>
-            </a:r>
-            <a:r>
-              <a:rPr lang="de-CH" dirty="0" err="1"/>
-              <a:t>transkriptionen</a:t>
-            </a:r>
-            <a:r>
-              <a:rPr lang="de-CH" dirty="0"/>
-              <a:t> müssen die </a:t>
-            </a:r>
-            <a:r>
-              <a:rPr lang="de-CH" dirty="0" err="1"/>
-              <a:t>wörter</a:t>
-            </a:r>
-            <a:r>
-              <a:rPr lang="de-CH" dirty="0"/>
-              <a:t> ähnlich </a:t>
-            </a:r>
-            <a:r>
-              <a:rPr lang="de-CH"/>
-              <a:t>sein)</a:t>
-            </a:r>
-          </a:p>
-          <a:p>
-            <a:endParaRPr lang="de-CH" dirty="0"/>
-          </a:p>
-          <a:p>
-            <a:pPr marL="0" indent="0">
-              <a:buNone/>
-            </a:pPr>
-            <a:endParaRPr lang="de-CH" dirty="0"/>
-          </a:p>
-          <a:p>
-            <a:endParaRPr lang="de-CH" dirty="0"/>
-          </a:p>
-          <a:p>
-            <a:endParaRPr lang="de-CH" dirty="0"/>
-          </a:p>
-          <a:p>
-            <a:endParaRPr lang="de-CH" dirty="0"/>
-          </a:p>
-        </p:txBody>
-      </p:sp>
-    </p:spTree>
-    <p:extLst>
-      <p:ext uri="{BB962C8B-B14F-4D97-AF65-F5344CB8AC3E}">
-        <p14:creationId xmlns:p14="http://schemas.microsoft.com/office/powerpoint/2010/main" val="1364705581"/>
-      </p:ext>
-    </p:extLst>
-  </p:cSld>
-  <p:clrMapOvr>
-    <a:masterClrMapping/>
-  </p:clrMapOvr>
-</p:sld>
-</file>
-
-<file path=ppt/slides/slide5.xml><?xml version="1.0" encoding="utf-8"?>
+<file path=ppt/slides/slide2.xml><?xml version="1.0" encoding="utf-8"?>
 <p:sld xmlns:a="http://schemas.openxmlformats.org/drawingml/2006/main" xmlns:r="http://schemas.openxmlformats.org/officeDocument/2006/relationships" xmlns:p="http://schemas.openxmlformats.org/presentationml/2006/main">
   <p:cSld>
     <p:bg>
@@ -16948,7 +15302,1581 @@
 </p:sld>
 </file>
 
-<file path=ppt/slides/slide6.xml><?xml version="1.0" encoding="utf-8"?>
+<file path=ppt/slides/slide20.xml><?xml version="1.0" encoding="utf-8"?>
+<p:sld xmlns:a="http://schemas.openxmlformats.org/drawingml/2006/main" xmlns:r="http://schemas.openxmlformats.org/officeDocument/2006/relationships" xmlns:p="http://schemas.openxmlformats.org/presentationml/2006/main">
+  <p:cSld>
+    <p:spTree>
+      <p:nvGrpSpPr>
+        <p:cNvPr id="1" name=""/>
+        <p:cNvGrpSpPr/>
+        <p:nvPr/>
+      </p:nvGrpSpPr>
+      <p:grpSpPr>
+        <a:xfrm>
+          <a:off x="0" y="0"/>
+          <a:ext cx="0" cy="0"/>
+          <a:chOff x="0" y="0"/>
+          <a:chExt cx="0" cy="0"/>
+        </a:xfrm>
+      </p:grpSpPr>
+      <p:sp>
+        <p:nvSpPr>
+          <p:cNvPr id="2" name="Titel 1">
+            <a:extLst>
+              <a:ext uri="{FF2B5EF4-FFF2-40B4-BE49-F238E27FC236}">
+                <a16:creationId xmlns:a16="http://schemas.microsoft.com/office/drawing/2014/main" id="{C41A932F-EFB6-48DD-A556-47399421608F}"/>
+              </a:ext>
+            </a:extLst>
+          </p:cNvPr>
+          <p:cNvSpPr>
+            <a:spLocks noGrp="1"/>
+          </p:cNvSpPr>
+          <p:nvPr>
+            <p:ph type="title"/>
+          </p:nvPr>
+        </p:nvSpPr>
+        <p:spPr/>
+        <p:txBody>
+          <a:bodyPr/>
+          <a:lstStyle/>
+          <a:p>
+            <a:r>
+              <a:rPr lang="de-CH" dirty="0" err="1"/>
+              <a:t>Satzaligner</a:t>
+            </a:r>
+            <a:endParaRPr lang="de-CH" dirty="0"/>
+          </a:p>
+        </p:txBody>
+      </p:sp>
+      <p:sp>
+        <p:nvSpPr>
+          <p:cNvPr id="3" name="Inhaltsplatzhalter 2">
+            <a:extLst>
+              <a:ext uri="{FF2B5EF4-FFF2-40B4-BE49-F238E27FC236}">
+                <a16:creationId xmlns:a16="http://schemas.microsoft.com/office/drawing/2014/main" id="{CE8EF818-C28B-46CF-9422-B0F9E19F81F2}"/>
+              </a:ext>
+            </a:extLst>
+          </p:cNvPr>
+          <p:cNvSpPr>
+            <a:spLocks noGrp="1"/>
+          </p:cNvSpPr>
+          <p:nvPr>
+            <p:ph idx="1"/>
+          </p:nvPr>
+        </p:nvSpPr>
+        <p:spPr/>
+        <p:txBody>
+          <a:bodyPr/>
+          <a:lstStyle/>
+          <a:p>
+            <a:pPr marL="0" indent="0">
+              <a:buNone/>
+            </a:pPr>
+            <a:r>
+              <a:rPr lang="de-CH" dirty="0"/>
+              <a:t>Kriterien für Satzzusammengehörigkeit:</a:t>
+            </a:r>
+          </a:p>
+          <a:p>
+            <a:r>
+              <a:rPr lang="de-CH" dirty="0"/>
+              <a:t>Zusammengehörige Wörter - Wörterbuch (Champollion)</a:t>
+            </a:r>
+          </a:p>
+          <a:p>
+            <a:r>
+              <a:rPr lang="de-CH" dirty="0"/>
+              <a:t>Satzlänge (</a:t>
+            </a:r>
+            <a:r>
+              <a:rPr lang="de-CH" dirty="0" err="1"/>
+              <a:t>Hunalign</a:t>
+            </a:r>
+            <a:r>
+              <a:rPr lang="de-CH" dirty="0"/>
+              <a:t>)</a:t>
+            </a:r>
+          </a:p>
+          <a:p>
+            <a:r>
+              <a:rPr lang="de-CH" dirty="0"/>
+              <a:t>Satzähnlichkeit (</a:t>
+            </a:r>
+            <a:r>
+              <a:rPr lang="de-CH" dirty="0" err="1"/>
+              <a:t>Bleualign</a:t>
+            </a:r>
+            <a:r>
+              <a:rPr lang="de-CH" dirty="0"/>
+              <a:t>)</a:t>
+            </a:r>
+          </a:p>
+          <a:p>
+            <a:endParaRPr lang="de-CH" dirty="0"/>
+          </a:p>
+        </p:txBody>
+      </p:sp>
+    </p:spTree>
+    <p:extLst>
+      <p:ext uri="{BB962C8B-B14F-4D97-AF65-F5344CB8AC3E}">
+        <p14:creationId xmlns:p14="http://schemas.microsoft.com/office/powerpoint/2010/main" val="1860960098"/>
+      </p:ext>
+    </p:extLst>
+  </p:cSld>
+  <p:clrMapOvr>
+    <a:masterClrMapping/>
+  </p:clrMapOvr>
+</p:sld>
+</file>
+
+<file path=ppt/slides/slide21.xml><?xml version="1.0" encoding="utf-8"?>
+<p:sld xmlns:a="http://schemas.openxmlformats.org/drawingml/2006/main" xmlns:r="http://schemas.openxmlformats.org/officeDocument/2006/relationships" xmlns:p="http://schemas.openxmlformats.org/presentationml/2006/main">
+  <p:cSld>
+    <p:spTree>
+      <p:nvGrpSpPr>
+        <p:cNvPr id="1" name=""/>
+        <p:cNvGrpSpPr/>
+        <p:nvPr/>
+      </p:nvGrpSpPr>
+      <p:grpSpPr>
+        <a:xfrm>
+          <a:off x="0" y="0"/>
+          <a:ext cx="0" cy="0"/>
+          <a:chOff x="0" y="0"/>
+          <a:chExt cx="0" cy="0"/>
+        </a:xfrm>
+      </p:grpSpPr>
+      <p:sp>
+        <p:nvSpPr>
+          <p:cNvPr id="2" name="Titel 1">
+            <a:extLst>
+              <a:ext uri="{FF2B5EF4-FFF2-40B4-BE49-F238E27FC236}">
+                <a16:creationId xmlns:a16="http://schemas.microsoft.com/office/drawing/2014/main" id="{2982DB03-6346-4FBE-8A71-3EEB41D34C39}"/>
+              </a:ext>
+            </a:extLst>
+          </p:cNvPr>
+          <p:cNvSpPr>
+            <a:spLocks noGrp="1"/>
+          </p:cNvSpPr>
+          <p:nvPr>
+            <p:ph type="title"/>
+          </p:nvPr>
+        </p:nvSpPr>
+        <p:spPr/>
+        <p:txBody>
+          <a:bodyPr/>
+          <a:lstStyle/>
+          <a:p>
+            <a:r>
+              <a:rPr lang="de-CH" dirty="0"/>
+              <a:t>Alignment - Filterung</a:t>
+            </a:r>
+          </a:p>
+        </p:txBody>
+      </p:sp>
+      <p:sp>
+        <p:nvSpPr>
+          <p:cNvPr id="3" name="Inhaltsplatzhalter 2">
+            <a:extLst>
+              <a:ext uri="{FF2B5EF4-FFF2-40B4-BE49-F238E27FC236}">
+                <a16:creationId xmlns:a16="http://schemas.microsoft.com/office/drawing/2014/main" id="{C0E140F1-EABB-44AC-8F77-035CC2035B28}"/>
+              </a:ext>
+            </a:extLst>
+          </p:cNvPr>
+          <p:cNvSpPr>
+            <a:spLocks noGrp="1"/>
+          </p:cNvSpPr>
+          <p:nvPr>
+            <p:ph idx="1"/>
+          </p:nvPr>
+        </p:nvSpPr>
+        <p:spPr/>
+        <p:txBody>
+          <a:bodyPr/>
+          <a:lstStyle/>
+          <a:p>
+            <a:r>
+              <a:rPr lang="de-CH" dirty="0"/>
+              <a:t>Tools sind nicht perfekt</a:t>
+            </a:r>
+          </a:p>
+          <a:p>
+            <a:r>
+              <a:rPr lang="de-CH" dirty="0"/>
+              <a:t>Transkriptionen können Fehler beinhalten / unvollständig sein</a:t>
+            </a:r>
+          </a:p>
+          <a:p>
+            <a:r>
+              <a:rPr lang="de-CH" dirty="0"/>
+              <a:t>Fehlerhafte Wortpaarungen schleichen sich ein</a:t>
+            </a:r>
+          </a:p>
+          <a:p>
+            <a:r>
+              <a:rPr lang="de-CH" sz="1600" dirty="0">
+                <a:latin typeface="Consolas" panose="020B0609020204030204" pitchFamily="49" charset="0"/>
+              </a:rPr>
+              <a:t>["</a:t>
+            </a:r>
+            <a:r>
+              <a:rPr lang="de-CH" sz="1600" dirty="0" err="1">
+                <a:highlight>
+                  <a:srgbClr val="00FFFF"/>
+                </a:highlight>
+                <a:latin typeface="Consolas" panose="020B0609020204030204" pitchFamily="49" charset="0"/>
+              </a:rPr>
+              <a:t>druf</a:t>
+            </a:r>
+            <a:r>
+              <a:rPr lang="de-CH" sz="1600" dirty="0">
+                <a:highlight>
+                  <a:srgbClr val="00FFFF"/>
+                </a:highlight>
+                <a:latin typeface="Consolas" panose="020B0609020204030204" pitchFamily="49" charset="0"/>
+              </a:rPr>
+              <a:t> los</a:t>
+            </a:r>
+            <a:r>
+              <a:rPr lang="de-CH" sz="1600" dirty="0">
+                <a:latin typeface="Consolas" panose="020B0609020204030204" pitchFamily="49" charset="0"/>
+              </a:rPr>
+              <a:t>", "</a:t>
+            </a:r>
+            <a:r>
+              <a:rPr lang="de-CH" sz="1600" dirty="0" err="1">
+                <a:highlight>
+                  <a:srgbClr val="FF0000"/>
+                </a:highlight>
+                <a:latin typeface="Consolas" panose="020B0609020204030204" pitchFamily="49" charset="0"/>
+              </a:rPr>
+              <a:t>druf</a:t>
+            </a:r>
+            <a:r>
+              <a:rPr lang="de-CH" sz="1600" dirty="0">
+                <a:highlight>
+                  <a:srgbClr val="FF0000"/>
+                </a:highlight>
+                <a:latin typeface="Consolas" panose="020B0609020204030204" pitchFamily="49" charset="0"/>
+              </a:rPr>
+              <a:t> los </a:t>
+            </a:r>
+            <a:r>
+              <a:rPr lang="de-CH" sz="1600" dirty="0" err="1">
+                <a:highlight>
+                  <a:srgbClr val="FF0000"/>
+                </a:highlight>
+                <a:latin typeface="Consolas" panose="020B0609020204030204" pitchFamily="49" charset="0"/>
+              </a:rPr>
+              <a:t>ch</a:t>
+            </a:r>
+            <a:r>
+              <a:rPr lang="de-CH" sz="1600" dirty="0">
+                <a:latin typeface="Consolas" panose="020B0609020204030204" pitchFamily="49" charset="0"/>
+              </a:rPr>
+              <a:t>", "</a:t>
+            </a:r>
+            <a:r>
+              <a:rPr lang="de-CH" sz="1600" dirty="0" err="1">
+                <a:highlight>
+                  <a:srgbClr val="00FF00"/>
+                </a:highlight>
+                <a:latin typeface="Consolas" panose="020B0609020204030204" pitchFamily="49" charset="0"/>
+              </a:rPr>
+              <a:t>druflos</a:t>
+            </a:r>
+            <a:r>
+              <a:rPr lang="de-CH" sz="1600" dirty="0">
+                <a:highlight>
+                  <a:srgbClr val="00FF00"/>
+                </a:highlight>
+                <a:latin typeface="Consolas" panose="020B0609020204030204" pitchFamily="49" charset="0"/>
+              </a:rPr>
+              <a:t> maie</a:t>
+            </a:r>
+            <a:r>
+              <a:rPr lang="de-CH" sz="1600" dirty="0">
+                <a:latin typeface="Consolas" panose="020B0609020204030204" pitchFamily="49" charset="0"/>
+              </a:rPr>
+              <a:t>", "</a:t>
+            </a:r>
+            <a:r>
+              <a:rPr lang="de-CH" sz="1600" dirty="0" err="1">
+                <a:highlight>
+                  <a:srgbClr val="00FFFF"/>
+                </a:highlight>
+                <a:latin typeface="Consolas" panose="020B0609020204030204" pitchFamily="49" charset="0"/>
+              </a:rPr>
+              <a:t>druflos</a:t>
+            </a:r>
+            <a:r>
+              <a:rPr lang="de-CH" sz="1600" dirty="0">
+                <a:latin typeface="Consolas" panose="020B0609020204030204" pitchFamily="49" charset="0"/>
+              </a:rPr>
+              <a:t>", "</a:t>
+            </a:r>
+            <a:r>
+              <a:rPr lang="de-CH" sz="1600" dirty="0" err="1">
+                <a:highlight>
+                  <a:srgbClr val="00FF00"/>
+                </a:highlight>
+                <a:latin typeface="Consolas" panose="020B0609020204030204" pitchFamily="49" charset="0"/>
+              </a:rPr>
+              <a:t>druflosmäie</a:t>
+            </a:r>
+            <a:r>
+              <a:rPr lang="de-CH" sz="1600" dirty="0">
+                <a:latin typeface="Consolas" panose="020B0609020204030204" pitchFamily="49" charset="0"/>
+              </a:rPr>
+              <a:t>", "</a:t>
+            </a:r>
+            <a:r>
+              <a:rPr lang="de-CH" sz="1600" dirty="0">
+                <a:highlight>
+                  <a:srgbClr val="00FF00"/>
+                </a:highlight>
+                <a:latin typeface="Consolas" panose="020B0609020204030204" pitchFamily="49" charset="0"/>
+              </a:rPr>
+              <a:t>druff </a:t>
+            </a:r>
+            <a:r>
+              <a:rPr lang="de-CH" sz="1600" dirty="0" err="1">
+                <a:highlight>
+                  <a:srgbClr val="00FF00"/>
+                </a:highlight>
+                <a:latin typeface="Consolas" panose="020B0609020204030204" pitchFamily="49" charset="0"/>
+              </a:rPr>
+              <a:t>losmäie</a:t>
+            </a:r>
+            <a:r>
+              <a:rPr lang="de-CH" sz="1600" dirty="0">
+                <a:latin typeface="Consolas" panose="020B0609020204030204" pitchFamily="49" charset="0"/>
+              </a:rPr>
+              <a:t>"]</a:t>
+            </a:r>
+          </a:p>
+          <a:p>
+            <a:r>
+              <a:rPr lang="de-CH" dirty="0"/>
+              <a:t>Gleichbedeutende Wörter sind sich ähnlich</a:t>
+            </a:r>
+          </a:p>
+          <a:p>
+            <a:r>
+              <a:rPr lang="de-CH" dirty="0"/>
+              <a:t>Ist ein Wortpaar sich unähnlich, ist es vermutlich falsch</a:t>
+            </a:r>
+          </a:p>
+        </p:txBody>
+      </p:sp>
+    </p:spTree>
+    <p:extLst>
+      <p:ext uri="{BB962C8B-B14F-4D97-AF65-F5344CB8AC3E}">
+        <p14:creationId xmlns:p14="http://schemas.microsoft.com/office/powerpoint/2010/main" val="943004170"/>
+      </p:ext>
+    </p:extLst>
+  </p:cSld>
+  <p:clrMapOvr>
+    <a:masterClrMapping/>
+  </p:clrMapOvr>
+</p:sld>
+</file>
+
+<file path=ppt/slides/slide22.xml><?xml version="1.0" encoding="utf-8"?>
+<p:sld xmlns:a="http://schemas.openxmlformats.org/drawingml/2006/main" xmlns:r="http://schemas.openxmlformats.org/officeDocument/2006/relationships" xmlns:p="http://schemas.openxmlformats.org/presentationml/2006/main">
+  <p:cSld>
+    <p:spTree>
+      <p:nvGrpSpPr>
+        <p:cNvPr id="1" name=""/>
+        <p:cNvGrpSpPr/>
+        <p:nvPr/>
+      </p:nvGrpSpPr>
+      <p:grpSpPr>
+        <a:xfrm>
+          <a:off x="0" y="0"/>
+          <a:ext cx="0" cy="0"/>
+          <a:chOff x="0" y="0"/>
+          <a:chExt cx="0" cy="0"/>
+        </a:xfrm>
+      </p:grpSpPr>
+      <p:sp>
+        <p:nvSpPr>
+          <p:cNvPr id="2" name="Titel 1">
+            <a:extLst>
+              <a:ext uri="{FF2B5EF4-FFF2-40B4-BE49-F238E27FC236}">
+                <a16:creationId xmlns:a16="http://schemas.microsoft.com/office/drawing/2014/main" id="{9FC6A3A8-4AF4-4647-9A06-E253A98521B1}"/>
+              </a:ext>
+            </a:extLst>
+          </p:cNvPr>
+          <p:cNvSpPr>
+            <a:spLocks noGrp="1"/>
+          </p:cNvSpPr>
+          <p:nvPr>
+            <p:ph type="title"/>
+          </p:nvPr>
+        </p:nvSpPr>
+        <p:spPr/>
+        <p:txBody>
+          <a:bodyPr/>
+          <a:lstStyle/>
+          <a:p>
+            <a:r>
+              <a:rPr lang="de-CH" dirty="0"/>
+              <a:t>Wortähnlichkeit</a:t>
+            </a:r>
+          </a:p>
+        </p:txBody>
+      </p:sp>
+      <p:sp>
+        <p:nvSpPr>
+          <p:cNvPr id="3" name="Inhaltsplatzhalter 2">
+            <a:extLst>
+              <a:ext uri="{FF2B5EF4-FFF2-40B4-BE49-F238E27FC236}">
+                <a16:creationId xmlns:a16="http://schemas.microsoft.com/office/drawing/2014/main" id="{85A0F246-2E41-4554-9B12-924CB46CB692}"/>
+              </a:ext>
+            </a:extLst>
+          </p:cNvPr>
+          <p:cNvSpPr>
+            <a:spLocks noGrp="1"/>
+          </p:cNvSpPr>
+          <p:nvPr>
+            <p:ph idx="1"/>
+          </p:nvPr>
+        </p:nvSpPr>
+        <p:spPr/>
+        <p:txBody>
+          <a:bodyPr/>
+          <a:lstStyle/>
+          <a:p>
+            <a:r>
+              <a:rPr lang="de-CH" dirty="0"/>
+              <a:t>Gewichtete Damerau-</a:t>
+            </a:r>
+            <a:r>
+              <a:rPr lang="de-CH" dirty="0" err="1"/>
+              <a:t>Levenshtein</a:t>
+            </a:r>
+            <a:r>
+              <a:rPr lang="de-CH" dirty="0"/>
+              <a:t> Distanz</a:t>
+            </a:r>
+          </a:p>
+          <a:p>
+            <a:r>
+              <a:rPr lang="de-CH" dirty="0"/>
+              <a:t>Double </a:t>
+            </a:r>
+            <a:r>
+              <a:rPr lang="de-CH" dirty="0" err="1"/>
+              <a:t>Metaphone</a:t>
+            </a:r>
+            <a:r>
+              <a:rPr lang="de-CH" dirty="0"/>
+              <a:t>: Lautähnlichkeit</a:t>
+            </a:r>
+          </a:p>
+        </p:txBody>
+      </p:sp>
+    </p:spTree>
+    <p:extLst>
+      <p:ext uri="{BB962C8B-B14F-4D97-AF65-F5344CB8AC3E}">
+        <p14:creationId xmlns:p14="http://schemas.microsoft.com/office/powerpoint/2010/main" val="3832955513"/>
+      </p:ext>
+    </p:extLst>
+  </p:cSld>
+  <p:clrMapOvr>
+    <a:masterClrMapping/>
+  </p:clrMapOvr>
+</p:sld>
+</file>
+
+<file path=ppt/slides/slide23.xml><?xml version="1.0" encoding="utf-8"?>
+<p:sld xmlns:a="http://schemas.openxmlformats.org/drawingml/2006/main" xmlns:r="http://schemas.openxmlformats.org/officeDocument/2006/relationships" xmlns:p="http://schemas.openxmlformats.org/presentationml/2006/main">
+  <p:cSld>
+    <p:spTree>
+      <p:nvGrpSpPr>
+        <p:cNvPr id="1" name=""/>
+        <p:cNvGrpSpPr/>
+        <p:nvPr/>
+      </p:nvGrpSpPr>
+      <p:grpSpPr>
+        <a:xfrm>
+          <a:off x="0" y="0"/>
+          <a:ext cx="0" cy="0"/>
+          <a:chOff x="0" y="0"/>
+          <a:chExt cx="0" cy="0"/>
+        </a:xfrm>
+      </p:grpSpPr>
+      <p:sp>
+        <p:nvSpPr>
+          <p:cNvPr id="2" name="Titel 1">
+            <a:extLst>
+              <a:ext uri="{FF2B5EF4-FFF2-40B4-BE49-F238E27FC236}">
+                <a16:creationId xmlns:a16="http://schemas.microsoft.com/office/drawing/2014/main" id="{71BCFD36-3B89-43B7-843A-1F31CDF5BBF5}"/>
+              </a:ext>
+            </a:extLst>
+          </p:cNvPr>
+          <p:cNvSpPr>
+            <a:spLocks noGrp="1"/>
+          </p:cNvSpPr>
+          <p:nvPr>
+            <p:ph type="title"/>
+          </p:nvPr>
+        </p:nvSpPr>
+        <p:spPr/>
+        <p:txBody>
+          <a:bodyPr/>
+          <a:lstStyle/>
+          <a:p>
+            <a:endParaRPr lang="de-CH"/>
+          </a:p>
+        </p:txBody>
+      </p:sp>
+      <p:pic>
+        <p:nvPicPr>
+          <p:cNvPr id="7" name="Inhaltsplatzhalter 6">
+            <a:extLst>
+              <a:ext uri="{FF2B5EF4-FFF2-40B4-BE49-F238E27FC236}">
+                <a16:creationId xmlns:a16="http://schemas.microsoft.com/office/drawing/2014/main" id="{2B33DE0D-EFAF-4ECF-BDF3-CA5B7E707550}"/>
+              </a:ext>
+            </a:extLst>
+          </p:cNvPr>
+          <p:cNvPicPr>
+            <a:picLocks noGrp="1" noChangeAspect="1"/>
+          </p:cNvPicPr>
+          <p:nvPr>
+            <p:ph idx="1"/>
+          </p:nvPr>
+        </p:nvPicPr>
+        <p:blipFill>
+          <a:blip r:embed="rId3"/>
+          <a:stretch>
+            <a:fillRect/>
+          </a:stretch>
+        </p:blipFill>
+        <p:spPr>
+          <a:xfrm>
+            <a:off x="1211557" y="0"/>
+            <a:ext cx="8522752" cy="6759690"/>
+          </a:xfrm>
+          <a:prstGeom prst="rect">
+            <a:avLst/>
+          </a:prstGeom>
+        </p:spPr>
+      </p:pic>
+      <p:cxnSp>
+        <p:nvCxnSpPr>
+          <p:cNvPr id="9" name="Gerader Verbinder 8">
+            <a:extLst>
+              <a:ext uri="{FF2B5EF4-FFF2-40B4-BE49-F238E27FC236}">
+                <a16:creationId xmlns:a16="http://schemas.microsoft.com/office/drawing/2014/main" id="{631F41E2-91D7-4637-88E8-948A076E5577}"/>
+              </a:ext>
+            </a:extLst>
+          </p:cNvPr>
+          <p:cNvCxnSpPr/>
+          <p:nvPr/>
+        </p:nvCxnSpPr>
+        <p:spPr>
+          <a:xfrm>
+            <a:off x="1817226" y="2595623"/>
+            <a:ext cx="3680749" cy="350134"/>
+          </a:xfrm>
+          <a:prstGeom prst="line">
+            <a:avLst/>
+          </a:prstGeom>
+          <a:ln w="57150">
+            <a:solidFill>
+              <a:srgbClr val="C00000"/>
+            </a:solidFill>
+          </a:ln>
+        </p:spPr>
+        <p:style>
+          <a:lnRef idx="1">
+            <a:schemeClr val="accent1"/>
+          </a:lnRef>
+          <a:fillRef idx="0">
+            <a:schemeClr val="accent1"/>
+          </a:fillRef>
+          <a:effectRef idx="0">
+            <a:schemeClr val="accent1"/>
+          </a:effectRef>
+          <a:fontRef idx="minor">
+            <a:schemeClr val="tx1"/>
+          </a:fontRef>
+        </p:style>
+      </p:cxnSp>
+      <p:cxnSp>
+        <p:nvCxnSpPr>
+          <p:cNvPr id="11" name="Gerader Verbinder 10">
+            <a:extLst>
+              <a:ext uri="{FF2B5EF4-FFF2-40B4-BE49-F238E27FC236}">
+                <a16:creationId xmlns:a16="http://schemas.microsoft.com/office/drawing/2014/main" id="{176B77B7-52BE-41FF-A3C3-4399217C1F8E}"/>
+              </a:ext>
+            </a:extLst>
+          </p:cNvPr>
+          <p:cNvCxnSpPr/>
+          <p:nvPr/>
+        </p:nvCxnSpPr>
+        <p:spPr>
+          <a:xfrm flipH="1">
+            <a:off x="6991109" y="1357132"/>
+            <a:ext cx="1250066" cy="1157468"/>
+          </a:xfrm>
+          <a:prstGeom prst="line">
+            <a:avLst/>
+          </a:prstGeom>
+          <a:ln w="57150">
+            <a:solidFill>
+              <a:srgbClr val="C00000"/>
+            </a:solidFill>
+          </a:ln>
+        </p:spPr>
+        <p:style>
+          <a:lnRef idx="1">
+            <a:schemeClr val="accent1"/>
+          </a:lnRef>
+          <a:fillRef idx="0">
+            <a:schemeClr val="accent1"/>
+          </a:fillRef>
+          <a:effectRef idx="0">
+            <a:schemeClr val="accent1"/>
+          </a:effectRef>
+          <a:fontRef idx="minor">
+            <a:schemeClr val="tx1"/>
+          </a:fontRef>
+        </p:style>
+      </p:cxnSp>
+    </p:spTree>
+    <p:extLst>
+      <p:ext uri="{BB962C8B-B14F-4D97-AF65-F5344CB8AC3E}">
+        <p14:creationId xmlns:p14="http://schemas.microsoft.com/office/powerpoint/2010/main" val="2861002473"/>
+      </p:ext>
+    </p:extLst>
+  </p:cSld>
+  <p:clrMapOvr>
+    <a:masterClrMapping/>
+  </p:clrMapOvr>
+  <p:timing>
+    <p:tnLst>
+      <p:par>
+        <p:cTn id="1" dur="indefinite" restart="never" nodeType="tmRoot">
+          <p:childTnLst>
+            <p:seq concurrent="1" nextAc="seek">
+              <p:cTn id="2" dur="indefinite" nodeType="mainSeq">
+                <p:childTnLst>
+                  <p:par>
+                    <p:cTn id="3" fill="hold">
+                      <p:stCondLst>
+                        <p:cond delay="indefinite"/>
+                      </p:stCondLst>
+                      <p:childTnLst>
+                        <p:par>
+                          <p:cTn id="4" fill="hold">
+                            <p:stCondLst>
+                              <p:cond delay="0"/>
+                            </p:stCondLst>
+                            <p:childTnLst>
+                              <p:par>
+                                <p:cTn id="5" presetID="1" presetClass="entr" presetSubtype="0" fill="hold" nodeType="clickEffect">
+                                  <p:stCondLst>
+                                    <p:cond delay="0"/>
+                                  </p:stCondLst>
+                                  <p:childTnLst>
+                                    <p:set>
+                                      <p:cBhvr>
+                                        <p:cTn id="6" dur="1" fill="hold">
+                                          <p:stCondLst>
+                                            <p:cond delay="0"/>
+                                          </p:stCondLst>
+                                        </p:cTn>
+                                        <p:tgtEl>
+                                          <p:spTgt spid="11"/>
+                                        </p:tgtEl>
+                                        <p:attrNameLst>
+                                          <p:attrName>style.visibility</p:attrName>
+                                        </p:attrNameLst>
+                                      </p:cBhvr>
+                                      <p:to>
+                                        <p:strVal val="visible"/>
+                                      </p:to>
+                                    </p:set>
+                                  </p:childTnLst>
+                                </p:cTn>
+                              </p:par>
+                              <p:par>
+                                <p:cTn id="7" presetID="1" presetClass="entr" presetSubtype="0" fill="hold" nodeType="withEffect">
+                                  <p:stCondLst>
+                                    <p:cond delay="0"/>
+                                  </p:stCondLst>
+                                  <p:childTnLst>
+                                    <p:set>
+                                      <p:cBhvr>
+                                        <p:cTn id="8" dur="1" fill="hold">
+                                          <p:stCondLst>
+                                            <p:cond delay="0"/>
+                                          </p:stCondLst>
+                                        </p:cTn>
+                                        <p:tgtEl>
+                                          <p:spTgt spid="9"/>
+                                        </p:tgtEl>
+                                        <p:attrNameLst>
+                                          <p:attrName>style.visibility</p:attrName>
+                                        </p:attrNameLst>
+                                      </p:cBhvr>
+                                      <p:to>
+                                        <p:strVal val="visible"/>
+                                      </p:to>
+                                    </p:set>
+                                  </p:childTnLst>
+                                </p:cTn>
+                              </p:par>
+                            </p:childTnLst>
+                          </p:cTn>
+                        </p:par>
+                      </p:childTnLst>
+                    </p:cTn>
+                  </p:par>
+                </p:childTnLst>
+              </p:cTn>
+              <p:prevCondLst>
+                <p:cond evt="onPrev" delay="0">
+                  <p:tgtEl>
+                    <p:sldTgt/>
+                  </p:tgtEl>
+                </p:cond>
+              </p:prevCondLst>
+              <p:nextCondLst>
+                <p:cond evt="onNext" delay="0">
+                  <p:tgtEl>
+                    <p:sldTgt/>
+                  </p:tgtEl>
+                </p:cond>
+              </p:nextCondLst>
+            </p:seq>
+          </p:childTnLst>
+        </p:cTn>
+      </p:par>
+    </p:tnLst>
+  </p:timing>
+</p:sld>
+</file>
+
+<file path=ppt/slides/slide24.xml><?xml version="1.0" encoding="utf-8"?>
+<p:sld xmlns:a="http://schemas.openxmlformats.org/drawingml/2006/main" xmlns:r="http://schemas.openxmlformats.org/officeDocument/2006/relationships" xmlns:p="http://schemas.openxmlformats.org/presentationml/2006/main">
+  <p:cSld>
+    <p:spTree>
+      <p:nvGrpSpPr>
+        <p:cNvPr id="1" name=""/>
+        <p:cNvGrpSpPr/>
+        <p:nvPr/>
+      </p:nvGrpSpPr>
+      <p:grpSpPr>
+        <a:xfrm>
+          <a:off x="0" y="0"/>
+          <a:ext cx="0" cy="0"/>
+          <a:chOff x="0" y="0"/>
+          <a:chExt cx="0" cy="0"/>
+        </a:xfrm>
+      </p:grpSpPr>
+      <p:sp>
+        <p:nvSpPr>
+          <p:cNvPr id="2" name="Titel 1">
+            <a:extLst>
+              <a:ext uri="{FF2B5EF4-FFF2-40B4-BE49-F238E27FC236}">
+                <a16:creationId xmlns:a16="http://schemas.microsoft.com/office/drawing/2014/main" id="{F42E0D39-263D-453D-98D0-EDC0A0A138A3}"/>
+              </a:ext>
+            </a:extLst>
+          </p:cNvPr>
+          <p:cNvSpPr>
+            <a:spLocks noGrp="1"/>
+          </p:cNvSpPr>
+          <p:nvPr>
+            <p:ph type="title"/>
+          </p:nvPr>
+        </p:nvSpPr>
+        <p:spPr/>
+        <p:txBody>
+          <a:bodyPr/>
+          <a:lstStyle/>
+          <a:p>
+            <a:r>
+              <a:rPr lang="de-CH" dirty="0"/>
+              <a:t>Paarbildung</a:t>
+            </a:r>
+          </a:p>
+        </p:txBody>
+      </p:sp>
+      <p:pic>
+        <p:nvPicPr>
+          <p:cNvPr id="5" name="Inhaltsplatzhalter 4">
+            <a:extLst>
+              <a:ext uri="{FF2B5EF4-FFF2-40B4-BE49-F238E27FC236}">
+                <a16:creationId xmlns:a16="http://schemas.microsoft.com/office/drawing/2014/main" id="{DC855EAE-B676-48D8-96BF-11F84ABA2D12}"/>
+              </a:ext>
+            </a:extLst>
+          </p:cNvPr>
+          <p:cNvPicPr>
+            <a:picLocks noGrp="1" noChangeAspect="1"/>
+          </p:cNvPicPr>
+          <p:nvPr>
+            <p:ph idx="1"/>
+          </p:nvPr>
+        </p:nvPicPr>
+        <p:blipFill>
+          <a:blip r:embed="rId3">
+            <a:extLst>
+              <a:ext uri="{28A0092B-C50C-407E-A947-70E740481C1C}">
+                <a14:useLocalDpi xmlns:a14="http://schemas.microsoft.com/office/drawing/2010/main" val="0"/>
+              </a:ext>
+            </a:extLst>
+          </a:blip>
+          <a:stretch>
+            <a:fillRect/>
+          </a:stretch>
+        </p:blipFill>
+        <p:spPr>
+          <a:xfrm>
+            <a:off x="7002462" y="1690688"/>
+            <a:ext cx="4351338" cy="4351338"/>
+          </a:xfrm>
+        </p:spPr>
+      </p:pic>
+      <p:sp>
+        <p:nvSpPr>
+          <p:cNvPr id="6" name="Ellipse 5">
+            <a:extLst>
+              <a:ext uri="{FF2B5EF4-FFF2-40B4-BE49-F238E27FC236}">
+                <a16:creationId xmlns:a16="http://schemas.microsoft.com/office/drawing/2014/main" id="{1082BE3C-755E-44F2-9D71-BE1498B1BBF0}"/>
+              </a:ext>
+            </a:extLst>
+          </p:cNvPr>
+          <p:cNvSpPr/>
+          <p:nvPr/>
+        </p:nvSpPr>
+        <p:spPr>
+          <a:xfrm>
+            <a:off x="3160852" y="4231686"/>
+            <a:ext cx="173621" cy="161633"/>
+          </a:xfrm>
+          <a:prstGeom prst="ellipse">
+            <a:avLst/>
+          </a:prstGeom>
+          <a:solidFill>
+            <a:schemeClr val="tx1"/>
+          </a:solidFill>
+        </p:spPr>
+        <p:style>
+          <a:lnRef idx="2">
+            <a:schemeClr val="accent1">
+              <a:shade val="50000"/>
+            </a:schemeClr>
+          </a:lnRef>
+          <a:fillRef idx="1">
+            <a:schemeClr val="accent1"/>
+          </a:fillRef>
+          <a:effectRef idx="0">
+            <a:schemeClr val="accent1"/>
+          </a:effectRef>
+          <a:fontRef idx="minor">
+            <a:schemeClr val="lt1"/>
+          </a:fontRef>
+        </p:style>
+        <p:txBody>
+          <a:bodyPr rtlCol="0" anchor="ctr"/>
+          <a:lstStyle/>
+          <a:p>
+            <a:pPr algn="ctr"/>
+            <a:endParaRPr lang="de-CH"/>
+          </a:p>
+        </p:txBody>
+      </p:sp>
+      <p:sp>
+        <p:nvSpPr>
+          <p:cNvPr id="7" name="Ellipse 6">
+            <a:extLst>
+              <a:ext uri="{FF2B5EF4-FFF2-40B4-BE49-F238E27FC236}">
+                <a16:creationId xmlns:a16="http://schemas.microsoft.com/office/drawing/2014/main" id="{75DEEA1B-04C9-4DAC-891C-07B1DC70782F}"/>
+              </a:ext>
+            </a:extLst>
+          </p:cNvPr>
+          <p:cNvSpPr/>
+          <p:nvPr/>
+        </p:nvSpPr>
+        <p:spPr>
+          <a:xfrm>
+            <a:off x="1821193" y="3013688"/>
+            <a:ext cx="173621" cy="161633"/>
+          </a:xfrm>
+          <a:prstGeom prst="ellipse">
+            <a:avLst/>
+          </a:prstGeom>
+          <a:solidFill>
+            <a:schemeClr val="tx1"/>
+          </a:solidFill>
+        </p:spPr>
+        <p:style>
+          <a:lnRef idx="2">
+            <a:schemeClr val="accent1">
+              <a:shade val="50000"/>
+            </a:schemeClr>
+          </a:lnRef>
+          <a:fillRef idx="1">
+            <a:schemeClr val="accent1"/>
+          </a:fillRef>
+          <a:effectRef idx="0">
+            <a:schemeClr val="accent1"/>
+          </a:effectRef>
+          <a:fontRef idx="minor">
+            <a:schemeClr val="lt1"/>
+          </a:fontRef>
+        </p:style>
+        <p:txBody>
+          <a:bodyPr rtlCol="0" anchor="ctr"/>
+          <a:lstStyle/>
+          <a:p>
+            <a:pPr algn="ctr"/>
+            <a:endParaRPr lang="de-CH"/>
+          </a:p>
+        </p:txBody>
+      </p:sp>
+      <p:sp>
+        <p:nvSpPr>
+          <p:cNvPr id="8" name="Ellipse 7">
+            <a:extLst>
+              <a:ext uri="{FF2B5EF4-FFF2-40B4-BE49-F238E27FC236}">
+                <a16:creationId xmlns:a16="http://schemas.microsoft.com/office/drawing/2014/main" id="{71752F3E-B406-430B-B963-C1FA291EBE3C}"/>
+              </a:ext>
+            </a:extLst>
+          </p:cNvPr>
+          <p:cNvSpPr/>
+          <p:nvPr/>
+        </p:nvSpPr>
+        <p:spPr>
+          <a:xfrm>
+            <a:off x="4496764" y="3013689"/>
+            <a:ext cx="173621" cy="161633"/>
+          </a:xfrm>
+          <a:prstGeom prst="ellipse">
+            <a:avLst/>
+          </a:prstGeom>
+          <a:solidFill>
+            <a:schemeClr val="tx1"/>
+          </a:solidFill>
+        </p:spPr>
+        <p:style>
+          <a:lnRef idx="2">
+            <a:schemeClr val="accent1">
+              <a:shade val="50000"/>
+            </a:schemeClr>
+          </a:lnRef>
+          <a:fillRef idx="1">
+            <a:schemeClr val="accent1"/>
+          </a:fillRef>
+          <a:effectRef idx="0">
+            <a:schemeClr val="accent1"/>
+          </a:effectRef>
+          <a:fontRef idx="minor">
+            <a:schemeClr val="lt1"/>
+          </a:fontRef>
+        </p:style>
+        <p:txBody>
+          <a:bodyPr rtlCol="0" anchor="ctr"/>
+          <a:lstStyle/>
+          <a:p>
+            <a:pPr algn="ctr"/>
+            <a:endParaRPr lang="de-CH"/>
+          </a:p>
+        </p:txBody>
+      </p:sp>
+      <p:sp>
+        <p:nvSpPr>
+          <p:cNvPr id="9" name="Ellipse 8">
+            <a:extLst>
+              <a:ext uri="{FF2B5EF4-FFF2-40B4-BE49-F238E27FC236}">
+                <a16:creationId xmlns:a16="http://schemas.microsoft.com/office/drawing/2014/main" id="{1EA9D8B1-E1BB-4C8E-A99E-FB1F5006D935}"/>
+              </a:ext>
+            </a:extLst>
+          </p:cNvPr>
+          <p:cNvSpPr/>
+          <p:nvPr/>
+        </p:nvSpPr>
+        <p:spPr>
+          <a:xfrm>
+            <a:off x="4496765" y="5563977"/>
+            <a:ext cx="173621" cy="161633"/>
+          </a:xfrm>
+          <a:prstGeom prst="ellipse">
+            <a:avLst/>
+          </a:prstGeom>
+          <a:solidFill>
+            <a:schemeClr val="tx1"/>
+          </a:solidFill>
+        </p:spPr>
+        <p:style>
+          <a:lnRef idx="2">
+            <a:schemeClr val="accent1">
+              <a:shade val="50000"/>
+            </a:schemeClr>
+          </a:lnRef>
+          <a:fillRef idx="1">
+            <a:schemeClr val="accent1"/>
+          </a:fillRef>
+          <a:effectRef idx="0">
+            <a:schemeClr val="accent1"/>
+          </a:effectRef>
+          <a:fontRef idx="minor">
+            <a:schemeClr val="lt1"/>
+          </a:fontRef>
+        </p:style>
+        <p:txBody>
+          <a:bodyPr rtlCol="0" anchor="ctr"/>
+          <a:lstStyle/>
+          <a:p>
+            <a:pPr algn="ctr"/>
+            <a:endParaRPr lang="de-CH"/>
+          </a:p>
+        </p:txBody>
+      </p:sp>
+      <p:sp>
+        <p:nvSpPr>
+          <p:cNvPr id="10" name="Ellipse 9">
+            <a:extLst>
+              <a:ext uri="{FF2B5EF4-FFF2-40B4-BE49-F238E27FC236}">
+                <a16:creationId xmlns:a16="http://schemas.microsoft.com/office/drawing/2014/main" id="{F1C0F04E-A23C-43CB-917B-67E439806FE0}"/>
+              </a:ext>
+            </a:extLst>
+          </p:cNvPr>
+          <p:cNvSpPr/>
+          <p:nvPr/>
+        </p:nvSpPr>
+        <p:spPr>
+          <a:xfrm>
+            <a:off x="1824941" y="5563978"/>
+            <a:ext cx="173621" cy="161633"/>
+          </a:xfrm>
+          <a:prstGeom prst="ellipse">
+            <a:avLst/>
+          </a:prstGeom>
+          <a:solidFill>
+            <a:schemeClr val="tx1"/>
+          </a:solidFill>
+        </p:spPr>
+        <p:style>
+          <a:lnRef idx="2">
+            <a:schemeClr val="accent1">
+              <a:shade val="50000"/>
+            </a:schemeClr>
+          </a:lnRef>
+          <a:fillRef idx="1">
+            <a:schemeClr val="accent1"/>
+          </a:fillRef>
+          <a:effectRef idx="0">
+            <a:schemeClr val="accent1"/>
+          </a:effectRef>
+          <a:fontRef idx="minor">
+            <a:schemeClr val="lt1"/>
+          </a:fontRef>
+        </p:style>
+        <p:txBody>
+          <a:bodyPr rtlCol="0" anchor="ctr"/>
+          <a:lstStyle/>
+          <a:p>
+            <a:pPr algn="ctr"/>
+            <a:endParaRPr lang="de-CH"/>
+          </a:p>
+        </p:txBody>
+      </p:sp>
+      <p:cxnSp>
+        <p:nvCxnSpPr>
+          <p:cNvPr id="12" name="Gerader Verbinder 11">
+            <a:extLst>
+              <a:ext uri="{FF2B5EF4-FFF2-40B4-BE49-F238E27FC236}">
+                <a16:creationId xmlns:a16="http://schemas.microsoft.com/office/drawing/2014/main" id="{1E7F8E09-E2E8-4843-BD25-067A18679060}"/>
+              </a:ext>
+            </a:extLst>
+          </p:cNvPr>
+          <p:cNvCxnSpPr>
+            <a:cxnSpLocks/>
+            <a:stCxn id="8" idx="7"/>
+            <a:endCxn id="10" idx="3"/>
+          </p:cNvCxnSpPr>
+          <p:nvPr/>
+        </p:nvCxnSpPr>
+        <p:spPr>
+          <a:xfrm flipH="1">
+            <a:off x="1850367" y="3037360"/>
+            <a:ext cx="2794592" cy="2664580"/>
+          </a:xfrm>
+          <a:prstGeom prst="line">
+            <a:avLst/>
+          </a:prstGeom>
+          <a:ln w="19050">
+            <a:solidFill>
+              <a:schemeClr val="tx1"/>
+            </a:solidFill>
+          </a:ln>
+        </p:spPr>
+        <p:style>
+          <a:lnRef idx="1">
+            <a:schemeClr val="accent1"/>
+          </a:lnRef>
+          <a:fillRef idx="0">
+            <a:schemeClr val="accent1"/>
+          </a:fillRef>
+          <a:effectRef idx="0">
+            <a:schemeClr val="accent1"/>
+          </a:effectRef>
+          <a:fontRef idx="minor">
+            <a:schemeClr val="tx1"/>
+          </a:fontRef>
+        </p:style>
+      </p:cxnSp>
+      <p:cxnSp>
+        <p:nvCxnSpPr>
+          <p:cNvPr id="15" name="Gerader Verbinder 14">
+            <a:extLst>
+              <a:ext uri="{FF2B5EF4-FFF2-40B4-BE49-F238E27FC236}">
+                <a16:creationId xmlns:a16="http://schemas.microsoft.com/office/drawing/2014/main" id="{413BBE04-AE41-4F0F-91EC-2C9481B8A68A}"/>
+              </a:ext>
+            </a:extLst>
+          </p:cNvPr>
+          <p:cNvCxnSpPr>
+            <a:cxnSpLocks/>
+            <a:stCxn id="7" idx="1"/>
+            <a:endCxn id="9" idx="1"/>
+          </p:cNvCxnSpPr>
+          <p:nvPr/>
+        </p:nvCxnSpPr>
+        <p:spPr>
+          <a:xfrm>
+            <a:off x="1846619" y="3037359"/>
+            <a:ext cx="2675572" cy="2550289"/>
+          </a:xfrm>
+          <a:prstGeom prst="line">
+            <a:avLst/>
+          </a:prstGeom>
+          <a:ln w="19050">
+            <a:solidFill>
+              <a:schemeClr val="tx1"/>
+            </a:solidFill>
+          </a:ln>
+        </p:spPr>
+        <p:style>
+          <a:lnRef idx="1">
+            <a:schemeClr val="accent1"/>
+          </a:lnRef>
+          <a:fillRef idx="0">
+            <a:schemeClr val="accent1"/>
+          </a:fillRef>
+          <a:effectRef idx="0">
+            <a:schemeClr val="accent1"/>
+          </a:effectRef>
+          <a:fontRef idx="minor">
+            <a:schemeClr val="tx1"/>
+          </a:fontRef>
+        </p:style>
+      </p:cxnSp>
+    </p:spTree>
+    <p:extLst>
+      <p:ext uri="{BB962C8B-B14F-4D97-AF65-F5344CB8AC3E}">
+        <p14:creationId xmlns:p14="http://schemas.microsoft.com/office/powerpoint/2010/main" val="3763030133"/>
+      </p:ext>
+    </p:extLst>
+  </p:cSld>
+  <p:clrMapOvr>
+    <a:masterClrMapping/>
+  </p:clrMapOvr>
+</p:sld>
+</file>
+
+<file path=ppt/slides/slide25.xml><?xml version="1.0" encoding="utf-8"?>
+<p:sld xmlns:a="http://schemas.openxmlformats.org/drawingml/2006/main" xmlns:r="http://schemas.openxmlformats.org/officeDocument/2006/relationships" xmlns:p="http://schemas.openxmlformats.org/presentationml/2006/main">
+  <p:cSld>
+    <p:spTree>
+      <p:nvGrpSpPr>
+        <p:cNvPr id="1" name=""/>
+        <p:cNvGrpSpPr/>
+        <p:nvPr/>
+      </p:nvGrpSpPr>
+      <p:grpSpPr>
+        <a:xfrm>
+          <a:off x="0" y="0"/>
+          <a:ext cx="0" cy="0"/>
+          <a:chOff x="0" y="0"/>
+          <a:chExt cx="0" cy="0"/>
+        </a:xfrm>
+      </p:grpSpPr>
+      <p:sp>
+        <p:nvSpPr>
+          <p:cNvPr id="2" name="Titel 1">
+            <a:extLst>
+              <a:ext uri="{FF2B5EF4-FFF2-40B4-BE49-F238E27FC236}">
+                <a16:creationId xmlns:a16="http://schemas.microsoft.com/office/drawing/2014/main" id="{222D45FC-4C61-4B2F-A5CA-984432BB2007}"/>
+              </a:ext>
+            </a:extLst>
+          </p:cNvPr>
+          <p:cNvSpPr>
+            <a:spLocks noGrp="1"/>
+          </p:cNvSpPr>
+          <p:nvPr>
+            <p:ph type="title"/>
+          </p:nvPr>
+        </p:nvSpPr>
+        <p:spPr/>
+        <p:txBody>
+          <a:bodyPr/>
+          <a:lstStyle/>
+          <a:p>
+            <a:r>
+              <a:rPr lang="de-CH" dirty="0"/>
+              <a:t>Interpolation</a:t>
+            </a:r>
+          </a:p>
+        </p:txBody>
+      </p:sp>
+      <p:pic>
+        <p:nvPicPr>
+          <p:cNvPr id="4" name="Inhaltsplatzhalter 3">
+            <a:extLst>
+              <a:ext uri="{FF2B5EF4-FFF2-40B4-BE49-F238E27FC236}">
+                <a16:creationId xmlns:a16="http://schemas.microsoft.com/office/drawing/2014/main" id="{424ABA4B-69C3-4BF7-8D1C-47F3E1F0ADBB}"/>
+              </a:ext>
+            </a:extLst>
+          </p:cNvPr>
+          <p:cNvPicPr>
+            <a:picLocks noGrp="1" noChangeAspect="1"/>
+          </p:cNvPicPr>
+          <p:nvPr>
+            <p:ph idx="1"/>
+          </p:nvPr>
+        </p:nvPicPr>
+        <p:blipFill>
+          <a:blip r:embed="rId3"/>
+          <a:stretch>
+            <a:fillRect/>
+          </a:stretch>
+        </p:blipFill>
+        <p:spPr>
+          <a:xfrm>
+            <a:off x="2792995" y="1343025"/>
+            <a:ext cx="6269982" cy="5104558"/>
+          </a:xfrm>
+          <a:prstGeom prst="rect">
+            <a:avLst/>
+          </a:prstGeom>
+        </p:spPr>
+      </p:pic>
+    </p:spTree>
+    <p:extLst>
+      <p:ext uri="{BB962C8B-B14F-4D97-AF65-F5344CB8AC3E}">
+        <p14:creationId xmlns:p14="http://schemas.microsoft.com/office/powerpoint/2010/main" val="3477969289"/>
+      </p:ext>
+    </p:extLst>
+  </p:cSld>
+  <p:clrMapOvr>
+    <a:masterClrMapping/>
+  </p:clrMapOvr>
+</p:sld>
+</file>
+
+<file path=ppt/slides/slide26.xml><?xml version="1.0" encoding="utf-8"?>
+<p:sld xmlns:a="http://schemas.openxmlformats.org/drawingml/2006/main" xmlns:r="http://schemas.openxmlformats.org/officeDocument/2006/relationships" xmlns:p="http://schemas.openxmlformats.org/presentationml/2006/main">
+  <p:cSld>
+    <p:spTree>
+      <p:nvGrpSpPr>
+        <p:cNvPr id="1" name=""/>
+        <p:cNvGrpSpPr/>
+        <p:nvPr/>
+      </p:nvGrpSpPr>
+      <p:grpSpPr>
+        <a:xfrm>
+          <a:off x="0" y="0"/>
+          <a:ext cx="0" cy="0"/>
+          <a:chOff x="0" y="0"/>
+          <a:chExt cx="0" cy="0"/>
+        </a:xfrm>
+      </p:grpSpPr>
+      <p:sp>
+        <p:nvSpPr>
+          <p:cNvPr id="2" name="Titel 1">
+            <a:extLst>
+              <a:ext uri="{FF2B5EF4-FFF2-40B4-BE49-F238E27FC236}">
+                <a16:creationId xmlns:a16="http://schemas.microsoft.com/office/drawing/2014/main" id="{F1730D33-9D8B-47FA-9D6F-DA06FDC900E4}"/>
+              </a:ext>
+            </a:extLst>
+          </p:cNvPr>
+          <p:cNvSpPr>
+            <a:spLocks noGrp="1"/>
+          </p:cNvSpPr>
+          <p:nvPr>
+            <p:ph type="title"/>
+          </p:nvPr>
+        </p:nvSpPr>
+        <p:spPr/>
+        <p:txBody>
+          <a:bodyPr/>
+          <a:lstStyle/>
+          <a:p>
+            <a:r>
+              <a:rPr lang="de-CH" dirty="0"/>
+              <a:t>Interpolation</a:t>
+            </a:r>
+          </a:p>
+        </p:txBody>
+      </p:sp>
+      <p:sp>
+        <p:nvSpPr>
+          <p:cNvPr id="3" name="Inhaltsplatzhalter 2">
+            <a:extLst>
+              <a:ext uri="{FF2B5EF4-FFF2-40B4-BE49-F238E27FC236}">
+                <a16:creationId xmlns:a16="http://schemas.microsoft.com/office/drawing/2014/main" id="{797B592C-F55B-4562-B0D5-13107BEB048E}"/>
+              </a:ext>
+            </a:extLst>
+          </p:cNvPr>
+          <p:cNvSpPr>
+            <a:spLocks noGrp="1"/>
+          </p:cNvSpPr>
+          <p:nvPr>
+            <p:ph idx="1"/>
+          </p:nvPr>
+        </p:nvSpPr>
+        <p:spPr/>
+        <p:txBody>
+          <a:bodyPr/>
+          <a:lstStyle/>
+          <a:p>
+            <a:r>
+              <a:rPr lang="de-CH" dirty="0" err="1"/>
+              <a:t>Diä</a:t>
+            </a:r>
+            <a:r>
+              <a:rPr lang="de-CH" dirty="0"/>
+              <a:t> sage </a:t>
+            </a:r>
+            <a:r>
+              <a:rPr lang="de-CH" dirty="0" err="1"/>
+              <a:t>wered</a:t>
+            </a:r>
+            <a:r>
+              <a:rPr lang="de-CH" dirty="0"/>
+              <a:t> </a:t>
+            </a:r>
+            <a:r>
+              <a:rPr lang="de-CH" dirty="0" err="1"/>
+              <a:t>em</a:t>
+            </a:r>
+            <a:r>
+              <a:rPr lang="de-CH" dirty="0"/>
+              <a:t> </a:t>
+            </a:r>
+            <a:r>
+              <a:rPr lang="de-CH" dirty="0" err="1"/>
+              <a:t>obed</a:t>
+            </a:r>
+            <a:r>
+              <a:rPr lang="de-CH" dirty="0"/>
+              <a:t> </a:t>
+            </a:r>
+            <a:r>
+              <a:rPr lang="de-CH" dirty="0" err="1"/>
+              <a:t>scho</a:t>
+            </a:r>
+            <a:r>
+              <a:rPr lang="de-CH" dirty="0"/>
+              <a:t> </a:t>
+            </a:r>
+            <a:r>
+              <a:rPr lang="de-CH" dirty="0" err="1"/>
+              <a:t>grüschtet</a:t>
+            </a:r>
+            <a:r>
+              <a:rPr lang="de-CH" dirty="0"/>
+              <a:t> und </a:t>
+            </a:r>
+            <a:r>
+              <a:rPr lang="de-CH" dirty="0" err="1"/>
+              <a:t>tängelet</a:t>
+            </a:r>
+            <a:r>
+              <a:rPr lang="de-CH" dirty="0"/>
+              <a:t> dass </a:t>
+            </a:r>
+            <a:r>
+              <a:rPr lang="de-CH" dirty="0" err="1"/>
+              <a:t>me</a:t>
+            </a:r>
+            <a:r>
+              <a:rPr lang="de-CH" dirty="0"/>
+              <a:t> de </a:t>
+            </a:r>
+            <a:r>
+              <a:rPr lang="de-CH" dirty="0" err="1"/>
+              <a:t>more</a:t>
+            </a:r>
+            <a:r>
+              <a:rPr lang="de-CH" dirty="0"/>
+              <a:t> </a:t>
+            </a:r>
+            <a:r>
+              <a:rPr lang="de-CH" dirty="0" err="1"/>
+              <a:t>desse</a:t>
+            </a:r>
+            <a:r>
+              <a:rPr lang="de-CH" dirty="0"/>
+              <a:t> </a:t>
+            </a:r>
+            <a:r>
+              <a:rPr lang="de-CH" dirty="0" err="1"/>
+              <a:t>murgete</a:t>
+            </a:r>
+            <a:r>
+              <a:rPr lang="de-CH" dirty="0"/>
+              <a:t> </a:t>
+            </a:r>
+            <a:r>
+              <a:rPr lang="de-CH" dirty="0" err="1"/>
+              <a:t>cho</a:t>
+            </a:r>
+            <a:r>
+              <a:rPr lang="de-CH" dirty="0"/>
+              <a:t> </a:t>
+            </a:r>
+            <a:r>
+              <a:rPr lang="de-CH" dirty="0">
+                <a:highlight>
+                  <a:srgbClr val="FFFF00"/>
+                </a:highlight>
+              </a:rPr>
+              <a:t>***</a:t>
+            </a:r>
+          </a:p>
+          <a:p>
+            <a:r>
+              <a:rPr lang="de-CH" dirty="0" err="1"/>
+              <a:t>Diä</a:t>
+            </a:r>
+            <a:r>
+              <a:rPr lang="de-CH" dirty="0"/>
+              <a:t> sage </a:t>
+            </a:r>
+            <a:r>
+              <a:rPr lang="de-CH" dirty="0" err="1"/>
+              <a:t>wered</a:t>
+            </a:r>
+            <a:r>
+              <a:rPr lang="de-CH" dirty="0"/>
+              <a:t> </a:t>
+            </a:r>
+            <a:r>
+              <a:rPr lang="de-CH" dirty="0" err="1"/>
+              <a:t>em</a:t>
+            </a:r>
+            <a:r>
+              <a:rPr lang="de-CH" dirty="0"/>
+              <a:t> </a:t>
+            </a:r>
+            <a:r>
+              <a:rPr lang="de-CH" dirty="0" err="1"/>
+              <a:t>obed</a:t>
+            </a:r>
+            <a:r>
+              <a:rPr lang="de-CH" dirty="0"/>
+              <a:t> </a:t>
+            </a:r>
+            <a:r>
+              <a:rPr lang="de-CH" dirty="0" err="1"/>
+              <a:t>scho</a:t>
+            </a:r>
+            <a:r>
+              <a:rPr lang="de-CH" dirty="0"/>
+              <a:t> </a:t>
+            </a:r>
+            <a:r>
+              <a:rPr lang="de-CH" dirty="0" err="1"/>
+              <a:t>grüschtet</a:t>
+            </a:r>
+            <a:r>
+              <a:rPr lang="de-CH" dirty="0"/>
+              <a:t> und </a:t>
+            </a:r>
+            <a:r>
+              <a:rPr lang="de-CH" dirty="0" err="1"/>
+              <a:t>tängelet</a:t>
+            </a:r>
+            <a:r>
+              <a:rPr lang="de-CH" dirty="0"/>
+              <a:t> dass </a:t>
+            </a:r>
+            <a:r>
+              <a:rPr lang="de-CH" dirty="0" err="1"/>
+              <a:t>me</a:t>
+            </a:r>
+            <a:r>
+              <a:rPr lang="de-CH" dirty="0"/>
+              <a:t> de </a:t>
+            </a:r>
+            <a:r>
+              <a:rPr lang="de-CH" dirty="0" err="1"/>
+              <a:t>more</a:t>
+            </a:r>
+            <a:r>
+              <a:rPr lang="de-CH" dirty="0"/>
+              <a:t> </a:t>
+            </a:r>
+            <a:r>
+              <a:rPr lang="de-CH" dirty="0" err="1"/>
+              <a:t>desse</a:t>
+            </a:r>
+            <a:r>
+              <a:rPr lang="de-CH" dirty="0"/>
+              <a:t> </a:t>
+            </a:r>
+            <a:r>
+              <a:rPr lang="de-CH" dirty="0" err="1"/>
+              <a:t>murgete</a:t>
+            </a:r>
+            <a:r>
+              <a:rPr lang="de-CH" dirty="0"/>
+              <a:t> </a:t>
+            </a:r>
+            <a:r>
+              <a:rPr lang="de-CH" dirty="0" err="1"/>
+              <a:t>cho</a:t>
+            </a:r>
+            <a:r>
+              <a:rPr lang="de-CH" dirty="0"/>
+              <a:t> </a:t>
+            </a:r>
+            <a:r>
+              <a:rPr lang="de-CH" dirty="0" err="1">
+                <a:highlight>
+                  <a:srgbClr val="FFFF00"/>
+                </a:highlight>
+              </a:rPr>
+              <a:t>druflosmäje</a:t>
+            </a:r>
+            <a:endParaRPr lang="de-CH" dirty="0">
+              <a:highlight>
+                <a:srgbClr val="FFFF00"/>
+              </a:highlight>
+            </a:endParaRPr>
+          </a:p>
+        </p:txBody>
+      </p:sp>
+    </p:spTree>
+    <p:extLst>
+      <p:ext uri="{BB962C8B-B14F-4D97-AF65-F5344CB8AC3E}">
+        <p14:creationId xmlns:p14="http://schemas.microsoft.com/office/powerpoint/2010/main" val="3736369719"/>
+      </p:ext>
+    </p:extLst>
+  </p:cSld>
+  <p:clrMapOvr>
+    <a:masterClrMapping/>
+  </p:clrMapOvr>
+</p:sld>
+</file>
+
+<file path=ppt/slides/slide3.xml><?xml version="1.0" encoding="utf-8"?>
 <p:sld xmlns:a="http://schemas.openxmlformats.org/drawingml/2006/main" xmlns:r="http://schemas.openxmlformats.org/officeDocument/2006/relationships" xmlns:p="http://schemas.openxmlformats.org/presentationml/2006/main">
   <p:cSld>
     <p:spTree>
@@ -17038,7 +16966,7 @@
 </p:sld>
 </file>
 
-<file path=ppt/slides/slide7.xml><?xml version="1.0" encoding="utf-8"?>
+<file path=ppt/slides/slide4.xml><?xml version="1.0" encoding="utf-8"?>
 <p:sld xmlns:a="http://schemas.openxmlformats.org/drawingml/2006/main" xmlns:r="http://schemas.openxmlformats.org/officeDocument/2006/relationships" xmlns:p="http://schemas.openxmlformats.org/presentationml/2006/main">
   <p:cSld>
     <p:spTree>
@@ -17640,7 +17568,7 @@
 </p:sld>
 </file>
 
-<file path=ppt/slides/slide8.xml><?xml version="1.0" encoding="utf-8"?>
+<file path=ppt/slides/slide5.xml><?xml version="1.0" encoding="utf-8"?>
 <p:sld xmlns:a="http://schemas.openxmlformats.org/drawingml/2006/main" xmlns:r="http://schemas.openxmlformats.org/officeDocument/2006/relationships" xmlns:p="http://schemas.openxmlformats.org/presentationml/2006/main">
   <p:cSld>
     <p:spTree>
@@ -18260,7 +18188,7 @@
 </p:sld>
 </file>
 
-<file path=ppt/slides/slide9.xml><?xml version="1.0" encoding="utf-8"?>
+<file path=ppt/slides/slide6.xml><?xml version="1.0" encoding="utf-8"?>
 <p:sld xmlns:a="http://schemas.openxmlformats.org/drawingml/2006/main" xmlns:r="http://schemas.openxmlformats.org/officeDocument/2006/relationships" xmlns:p="http://schemas.openxmlformats.org/presentationml/2006/main">
   <p:cSld>
     <p:spTree>
@@ -18675,6 +18603,991 @@
     <p:extLst>
       <p:ext uri="{BB962C8B-B14F-4D97-AF65-F5344CB8AC3E}">
         <p14:creationId xmlns:p14="http://schemas.microsoft.com/office/powerpoint/2010/main" val="1732781841"/>
+      </p:ext>
+    </p:extLst>
+  </p:cSld>
+  <p:clrMapOvr>
+    <a:masterClrMapping/>
+  </p:clrMapOvr>
+</p:sld>
+</file>
+
+<file path=ppt/slides/slide7.xml><?xml version="1.0" encoding="utf-8"?>
+<p:sld xmlns:a="http://schemas.openxmlformats.org/drawingml/2006/main" xmlns:r="http://schemas.openxmlformats.org/officeDocument/2006/relationships" xmlns:p="http://schemas.openxmlformats.org/presentationml/2006/main">
+  <p:cSld>
+    <p:spTree>
+      <p:nvGrpSpPr>
+        <p:cNvPr id="1" name=""/>
+        <p:cNvGrpSpPr/>
+        <p:nvPr/>
+      </p:nvGrpSpPr>
+      <p:grpSpPr>
+        <a:xfrm>
+          <a:off x="0" y="0"/>
+          <a:ext cx="0" cy="0"/>
+          <a:chOff x="0" y="0"/>
+          <a:chExt cx="0" cy="0"/>
+        </a:xfrm>
+      </p:grpSpPr>
+      <p:sp>
+        <p:nvSpPr>
+          <p:cNvPr id="2" name="Titel 1">
+            <a:extLst>
+              <a:ext uri="{FF2B5EF4-FFF2-40B4-BE49-F238E27FC236}">
+                <a16:creationId xmlns:a16="http://schemas.microsoft.com/office/drawing/2014/main" id="{3997EED2-F86F-4474-BCFE-B666CF02A030}"/>
+              </a:ext>
+            </a:extLst>
+          </p:cNvPr>
+          <p:cNvSpPr>
+            <a:spLocks noGrp="1"/>
+          </p:cNvSpPr>
+          <p:nvPr>
+            <p:ph type="title"/>
+          </p:nvPr>
+        </p:nvSpPr>
+        <p:spPr/>
+        <p:txBody>
+          <a:bodyPr/>
+          <a:lstStyle/>
+          <a:p>
+            <a:r>
+              <a:rPr lang="de-CH" dirty="0"/>
+              <a:t>Problemstellung</a:t>
+            </a:r>
+          </a:p>
+        </p:txBody>
+      </p:sp>
+      <p:sp>
+        <p:nvSpPr>
+          <p:cNvPr id="3" name="Inhaltsplatzhalter 2">
+            <a:extLst>
+              <a:ext uri="{FF2B5EF4-FFF2-40B4-BE49-F238E27FC236}">
+                <a16:creationId xmlns:a16="http://schemas.microsoft.com/office/drawing/2014/main" id="{C0928497-D66A-4CB5-BCA0-B2CDE1649E96}"/>
+              </a:ext>
+            </a:extLst>
+          </p:cNvPr>
+          <p:cNvSpPr>
+            <a:spLocks noGrp="1"/>
+          </p:cNvSpPr>
+          <p:nvPr>
+            <p:ph idx="1"/>
+          </p:nvPr>
+        </p:nvSpPr>
+        <p:spPr/>
+        <p:txBody>
+          <a:bodyPr/>
+          <a:lstStyle/>
+          <a:p>
+            <a:r>
+              <a:rPr lang="de-CH" dirty="0"/>
+              <a:t>Unbrauchbare Transkriptionen ausfiltern </a:t>
+            </a:r>
+          </a:p>
+          <a:p>
+            <a:r>
+              <a:rPr lang="de-CH" dirty="0"/>
+              <a:t>Gute Transkriptionen erkennen </a:t>
+            </a:r>
+          </a:p>
+          <a:p>
+            <a:r>
+              <a:rPr lang="de-CH" dirty="0"/>
+              <a:t>*** Auslassungen interpolieren aus guten Transkriptionen </a:t>
+            </a:r>
+          </a:p>
+          <a:p>
+            <a:r>
+              <a:rPr lang="de-CH" dirty="0"/>
+              <a:t>Schreibvarianten von Wörtern und Ausdrücken erkennen</a:t>
+            </a:r>
+          </a:p>
+          <a:p>
+            <a:r>
+              <a:rPr lang="de-CH" dirty="0"/>
+              <a:t>Welche Tools funktionieren mit unseren Daten?</a:t>
+            </a:r>
+          </a:p>
+          <a:p>
+            <a:r>
+              <a:rPr lang="de-CH" dirty="0"/>
+              <a:t>Welche und wie viele Daten brauchen wir für gute Resultate?</a:t>
+            </a:r>
+          </a:p>
+        </p:txBody>
+      </p:sp>
+    </p:spTree>
+    <p:extLst>
+      <p:ext uri="{BB962C8B-B14F-4D97-AF65-F5344CB8AC3E}">
+        <p14:creationId xmlns:p14="http://schemas.microsoft.com/office/powerpoint/2010/main" val="3978766200"/>
+      </p:ext>
+    </p:extLst>
+  </p:cSld>
+  <p:clrMapOvr>
+    <a:masterClrMapping/>
+  </p:clrMapOvr>
+</p:sld>
+</file>
+
+<file path=ppt/slides/slide8.xml><?xml version="1.0" encoding="utf-8"?>
+<p:sld xmlns:a="http://schemas.openxmlformats.org/drawingml/2006/main" xmlns:r="http://schemas.openxmlformats.org/officeDocument/2006/relationships" xmlns:p="http://schemas.openxmlformats.org/presentationml/2006/main">
+  <p:cSld>
+    <p:spTree>
+      <p:nvGrpSpPr>
+        <p:cNvPr id="1" name=""/>
+        <p:cNvGrpSpPr/>
+        <p:nvPr/>
+      </p:nvGrpSpPr>
+      <p:grpSpPr>
+        <a:xfrm>
+          <a:off x="0" y="0"/>
+          <a:ext cx="0" cy="0"/>
+          <a:chOff x="0" y="0"/>
+          <a:chExt cx="0" cy="0"/>
+        </a:xfrm>
+      </p:grpSpPr>
+      <p:sp>
+        <p:nvSpPr>
+          <p:cNvPr id="2" name="Titel 1">
+            <a:extLst>
+              <a:ext uri="{FF2B5EF4-FFF2-40B4-BE49-F238E27FC236}">
+                <a16:creationId xmlns:a16="http://schemas.microsoft.com/office/drawing/2014/main" id="{8BFD648F-1F5F-43D5-BF3B-335C46EA32A5}"/>
+              </a:ext>
+            </a:extLst>
+          </p:cNvPr>
+          <p:cNvSpPr>
+            <a:spLocks noGrp="1"/>
+          </p:cNvSpPr>
+          <p:nvPr>
+            <p:ph type="title"/>
+          </p:nvPr>
+        </p:nvSpPr>
+        <p:spPr/>
+        <p:txBody>
+          <a:bodyPr/>
+          <a:lstStyle/>
+          <a:p>
+            <a:r>
+              <a:rPr lang="de-CH" dirty="0"/>
+              <a:t>Wie sehen die eingelesenen Daten aus</a:t>
+            </a:r>
+          </a:p>
+        </p:txBody>
+      </p:sp>
+      <p:sp>
+        <p:nvSpPr>
+          <p:cNvPr id="3" name="Inhaltsplatzhalter 2">
+            <a:extLst>
+              <a:ext uri="{FF2B5EF4-FFF2-40B4-BE49-F238E27FC236}">
+                <a16:creationId xmlns:a16="http://schemas.microsoft.com/office/drawing/2014/main" id="{D4F61CBA-E9BA-49CD-8BE8-2BEE19F3B9D2}"/>
+              </a:ext>
+            </a:extLst>
+          </p:cNvPr>
+          <p:cNvSpPr>
+            <a:spLocks noGrp="1"/>
+          </p:cNvSpPr>
+          <p:nvPr>
+            <p:ph idx="1"/>
+          </p:nvPr>
+        </p:nvSpPr>
+        <p:spPr/>
+        <p:txBody>
+          <a:bodyPr>
+            <a:normAutofit fontScale="92500" lnSpcReduction="10000"/>
+          </a:bodyPr>
+          <a:lstStyle/>
+          <a:p>
+            <a:pPr marL="0" indent="0">
+              <a:buNone/>
+            </a:pPr>
+            <a:r>
+              <a:rPr lang="de-CH" dirty="0"/>
+              <a:t>Beispiel Task 1851 </a:t>
+            </a:r>
+          </a:p>
+          <a:p>
+            <a:pPr marL="514350" indent="-514350">
+              <a:buFont typeface="+mj-lt"/>
+              <a:buAutoNum type="arabicPeriod"/>
+            </a:pPr>
+            <a:r>
+              <a:rPr lang="de-CH" dirty="0" err="1"/>
+              <a:t>élk</a:t>
+            </a:r>
+            <a:r>
+              <a:rPr lang="de-CH" dirty="0"/>
+              <a:t> </a:t>
+            </a:r>
+            <a:r>
+              <a:rPr lang="de-CH" dirty="0" err="1"/>
+              <a:t>ék</a:t>
+            </a:r>
+            <a:r>
+              <a:rPr lang="de-CH" dirty="0"/>
+              <a:t> </a:t>
+            </a:r>
+            <a:r>
+              <a:rPr lang="de-CH" dirty="0" err="1"/>
+              <a:t>ékl</a:t>
+            </a:r>
+            <a:r>
+              <a:rPr lang="de-CH" dirty="0"/>
+              <a:t> </a:t>
+            </a:r>
+            <a:r>
+              <a:rPr lang="de-CH" dirty="0" err="1"/>
+              <a:t>ékl</a:t>
+            </a:r>
+            <a:r>
+              <a:rPr lang="de-CH" dirty="0"/>
+              <a:t> </a:t>
+            </a:r>
+            <a:r>
+              <a:rPr lang="de-CH" dirty="0" err="1"/>
+              <a:t>asda</a:t>
+            </a:r>
+            <a:r>
+              <a:rPr lang="de-CH" dirty="0"/>
+              <a:t> </a:t>
+            </a:r>
+          </a:p>
+          <a:p>
+            <a:pPr marL="514350" indent="-514350">
+              <a:buFont typeface="+mj-lt"/>
+              <a:buAutoNum type="arabicPeriod"/>
+            </a:pPr>
+            <a:r>
+              <a:rPr lang="de-CH" dirty="0" err="1"/>
+              <a:t>Nacher</a:t>
+            </a:r>
+            <a:r>
+              <a:rPr lang="de-CH" dirty="0"/>
+              <a:t> </a:t>
+            </a:r>
+            <a:r>
+              <a:rPr lang="de-CH" dirty="0" err="1"/>
+              <a:t>heisis</a:t>
+            </a:r>
+            <a:r>
+              <a:rPr lang="de-CH" dirty="0"/>
+              <a:t> </a:t>
+            </a:r>
+            <a:r>
+              <a:rPr lang="de-CH" dirty="0" err="1"/>
+              <a:t>uusenageretschöplet</a:t>
+            </a:r>
+            <a:r>
+              <a:rPr lang="de-CH" dirty="0"/>
+              <a:t> </a:t>
+            </a:r>
+            <a:r>
+              <a:rPr lang="de-CH" dirty="0" err="1"/>
+              <a:t>ond</a:t>
+            </a:r>
+            <a:r>
+              <a:rPr lang="de-CH" dirty="0"/>
+              <a:t> *** </a:t>
+            </a:r>
+            <a:r>
+              <a:rPr lang="de-CH" dirty="0" err="1"/>
+              <a:t>zämebonge</a:t>
+            </a:r>
+            <a:r>
+              <a:rPr lang="de-CH" dirty="0"/>
+              <a:t> weder </a:t>
+            </a:r>
+            <a:r>
+              <a:rPr lang="de-CH" dirty="0" err="1"/>
+              <a:t>us</a:t>
+            </a:r>
+            <a:r>
+              <a:rPr lang="de-CH" dirty="0"/>
+              <a:t> weder </a:t>
+            </a:r>
+            <a:r>
+              <a:rPr lang="de-CH" dirty="0" err="1"/>
+              <a:t>of</a:t>
+            </a:r>
+            <a:r>
+              <a:rPr lang="de-CH" dirty="0"/>
+              <a:t> </a:t>
+            </a:r>
+            <a:r>
+              <a:rPr lang="de-CH" dirty="0" err="1"/>
+              <a:t>d'Reite</a:t>
+            </a:r>
+            <a:r>
+              <a:rPr lang="de-CH" dirty="0"/>
+              <a:t> </a:t>
+            </a:r>
+            <a:r>
+              <a:rPr lang="de-CH" dirty="0" err="1"/>
+              <a:t>uecheto</a:t>
+            </a:r>
+            <a:r>
+              <a:rPr lang="de-CH" dirty="0"/>
+              <a:t> </a:t>
+            </a:r>
+            <a:r>
+              <a:rPr lang="de-CH" dirty="0" err="1"/>
+              <a:t>od'Frocht</a:t>
+            </a:r>
+            <a:r>
+              <a:rPr lang="de-CH" dirty="0"/>
+              <a:t> </a:t>
+            </a:r>
+            <a:r>
+              <a:rPr lang="de-CH" dirty="0" err="1"/>
+              <a:t>heisi</a:t>
+            </a:r>
+            <a:r>
+              <a:rPr lang="de-CH" dirty="0"/>
+              <a:t> am Bode </a:t>
+            </a:r>
+            <a:r>
+              <a:rPr lang="de-CH" dirty="0" err="1"/>
+              <a:t>usegrächet</a:t>
+            </a:r>
+            <a:r>
+              <a:rPr lang="de-CH" dirty="0"/>
+              <a:t> </a:t>
+            </a:r>
+            <a:r>
+              <a:rPr lang="de-CH" dirty="0" err="1"/>
+              <a:t>ond</a:t>
+            </a:r>
+            <a:r>
+              <a:rPr lang="de-CH" dirty="0"/>
+              <a:t> </a:t>
+            </a:r>
+            <a:r>
+              <a:rPr lang="de-CH" dirty="0" err="1"/>
+              <a:t>nachere</a:t>
+            </a:r>
+            <a:r>
+              <a:rPr lang="de-CH" dirty="0"/>
+              <a:t> na </a:t>
+            </a:r>
+            <a:r>
+              <a:rPr lang="de-CH" dirty="0" err="1"/>
+              <a:t>Huufe</a:t>
+            </a:r>
+            <a:r>
+              <a:rPr lang="de-CH" dirty="0"/>
+              <a:t> </a:t>
+            </a:r>
+            <a:r>
+              <a:rPr lang="de-CH" dirty="0" err="1"/>
+              <a:t>geschtossed</a:t>
+            </a:r>
+            <a:r>
+              <a:rPr lang="de-CH" dirty="0"/>
+              <a:t>. </a:t>
+            </a:r>
+          </a:p>
+          <a:p>
+            <a:pPr marL="514350" indent="-514350">
+              <a:buFont typeface="+mj-lt"/>
+              <a:buAutoNum type="arabicPeriod"/>
+            </a:pPr>
+            <a:r>
+              <a:rPr lang="de-CH" dirty="0" err="1"/>
+              <a:t>nächäär</a:t>
+            </a:r>
+            <a:r>
+              <a:rPr lang="de-CH" dirty="0"/>
+              <a:t> </a:t>
+            </a:r>
+            <a:r>
+              <a:rPr lang="de-CH" dirty="0" err="1"/>
+              <a:t>heisis</a:t>
+            </a:r>
+            <a:r>
+              <a:rPr lang="de-CH" dirty="0"/>
+              <a:t> </a:t>
+            </a:r>
+            <a:r>
+              <a:rPr lang="de-CH" dirty="0" err="1"/>
+              <a:t>userenangere</a:t>
+            </a:r>
+            <a:r>
+              <a:rPr lang="de-CH" dirty="0"/>
+              <a:t> </a:t>
+            </a:r>
+            <a:r>
+              <a:rPr lang="de-CH" dirty="0" err="1"/>
+              <a:t>gschüttlet</a:t>
+            </a:r>
+            <a:r>
+              <a:rPr lang="de-CH" dirty="0"/>
+              <a:t> und </a:t>
+            </a:r>
+            <a:r>
+              <a:rPr lang="de-CH" dirty="0" err="1"/>
+              <a:t>Burdine</a:t>
+            </a:r>
+            <a:r>
+              <a:rPr lang="de-CH" dirty="0"/>
+              <a:t> </a:t>
+            </a:r>
+            <a:r>
+              <a:rPr lang="de-CH" dirty="0" err="1"/>
+              <a:t>zämme</a:t>
+            </a:r>
+            <a:r>
+              <a:rPr lang="de-CH" dirty="0"/>
+              <a:t> </a:t>
+            </a:r>
+            <a:r>
+              <a:rPr lang="de-CH" dirty="0" err="1"/>
+              <a:t>bunge</a:t>
+            </a:r>
+            <a:r>
+              <a:rPr lang="de-CH" dirty="0"/>
+              <a:t> wider </a:t>
+            </a:r>
+            <a:r>
+              <a:rPr lang="de-CH" dirty="0" err="1"/>
+              <a:t>us</a:t>
+            </a:r>
+            <a:r>
+              <a:rPr lang="de-CH" dirty="0"/>
+              <a:t> wider </a:t>
+            </a:r>
+            <a:r>
+              <a:rPr lang="de-CH" dirty="0" err="1"/>
+              <a:t>ufd</a:t>
+            </a:r>
+            <a:r>
+              <a:rPr lang="de-CH" dirty="0"/>
+              <a:t> </a:t>
+            </a:r>
+            <a:r>
+              <a:rPr lang="de-CH" dirty="0" err="1"/>
+              <a:t>Reiti</a:t>
+            </a:r>
+            <a:r>
+              <a:rPr lang="de-CH" dirty="0"/>
+              <a:t> </a:t>
+            </a:r>
+            <a:r>
+              <a:rPr lang="de-CH" dirty="0" err="1"/>
+              <a:t>ufetoo</a:t>
+            </a:r>
+            <a:r>
+              <a:rPr lang="de-CH" dirty="0"/>
+              <a:t> </a:t>
+            </a:r>
+            <a:r>
+              <a:rPr lang="de-CH" dirty="0" err="1"/>
+              <a:t>ud</a:t>
+            </a:r>
+            <a:r>
+              <a:rPr lang="de-CH" dirty="0"/>
+              <a:t> Frucht </a:t>
+            </a:r>
+            <a:r>
+              <a:rPr lang="de-CH" dirty="0" err="1"/>
+              <a:t>heisi</a:t>
+            </a:r>
+            <a:r>
+              <a:rPr lang="de-CH" dirty="0"/>
+              <a:t> am Bode </a:t>
+            </a:r>
+            <a:r>
+              <a:rPr lang="de-CH" dirty="0" err="1"/>
+              <a:t>usegrächet</a:t>
+            </a:r>
+            <a:r>
+              <a:rPr lang="de-CH" dirty="0"/>
+              <a:t> und </a:t>
+            </a:r>
+            <a:r>
+              <a:rPr lang="de-CH" dirty="0" err="1"/>
+              <a:t>nächäär</a:t>
+            </a:r>
+            <a:r>
+              <a:rPr lang="de-CH" dirty="0"/>
+              <a:t> </a:t>
+            </a:r>
+            <a:r>
+              <a:rPr lang="de-CH" dirty="0" err="1"/>
+              <a:t>ane</a:t>
+            </a:r>
+            <a:r>
+              <a:rPr lang="de-CH" dirty="0"/>
+              <a:t> </a:t>
+            </a:r>
+            <a:r>
+              <a:rPr lang="de-CH" dirty="0" err="1"/>
+              <a:t>Huufe</a:t>
+            </a:r>
+            <a:r>
+              <a:rPr lang="de-CH" dirty="0"/>
+              <a:t> </a:t>
+            </a:r>
+            <a:r>
+              <a:rPr lang="de-CH" dirty="0" err="1"/>
+              <a:t>gschtoosse</a:t>
+            </a:r>
+            <a:r>
+              <a:rPr lang="de-CH" dirty="0"/>
+              <a:t> </a:t>
+            </a:r>
+          </a:p>
+          <a:p>
+            <a:pPr marL="514350" indent="-514350">
+              <a:buFont typeface="+mj-lt"/>
+              <a:buAutoNum type="arabicPeriod"/>
+            </a:pPr>
+            <a:r>
+              <a:rPr lang="de-CH" dirty="0" err="1"/>
+              <a:t>Nachhäär</a:t>
+            </a:r>
+            <a:r>
+              <a:rPr lang="de-CH" dirty="0"/>
+              <a:t> </a:t>
+            </a:r>
+            <a:r>
+              <a:rPr lang="de-CH" dirty="0" err="1"/>
+              <a:t>héysis</a:t>
+            </a:r>
+            <a:r>
+              <a:rPr lang="de-CH" dirty="0"/>
+              <a:t> </a:t>
+            </a:r>
+            <a:r>
+              <a:rPr lang="de-CH" dirty="0" err="1"/>
+              <a:t>usenangèrègschüttlet</a:t>
+            </a:r>
+            <a:r>
+              <a:rPr lang="de-CH" dirty="0"/>
+              <a:t> und </a:t>
+            </a:r>
+            <a:r>
+              <a:rPr lang="de-CH" dirty="0" err="1"/>
+              <a:t>Puurdine</a:t>
+            </a:r>
+            <a:r>
+              <a:rPr lang="de-CH" dirty="0"/>
+              <a:t> </a:t>
+            </a:r>
+            <a:r>
+              <a:rPr lang="de-CH" dirty="0" err="1"/>
+              <a:t>zämepunge</a:t>
+            </a:r>
+            <a:r>
+              <a:rPr lang="de-CH" dirty="0"/>
+              <a:t> wider </a:t>
+            </a:r>
+            <a:r>
+              <a:rPr lang="de-CH" dirty="0" err="1"/>
+              <a:t>us</a:t>
+            </a:r>
+            <a:r>
+              <a:rPr lang="de-CH" dirty="0"/>
+              <a:t> wider </a:t>
+            </a:r>
+            <a:r>
+              <a:rPr lang="de-CH" dirty="0" err="1"/>
+              <a:t>uft</a:t>
+            </a:r>
+            <a:r>
+              <a:rPr lang="de-CH" dirty="0"/>
+              <a:t> </a:t>
+            </a:r>
+            <a:r>
+              <a:rPr lang="de-CH" dirty="0" err="1"/>
+              <a:t>Reyti</a:t>
+            </a:r>
+            <a:r>
+              <a:rPr lang="de-CH" dirty="0"/>
+              <a:t> </a:t>
+            </a:r>
+            <a:r>
+              <a:rPr lang="de-CH" dirty="0" err="1"/>
+              <a:t>uechetoo</a:t>
+            </a:r>
+            <a:r>
+              <a:rPr lang="de-CH" dirty="0"/>
+              <a:t> u </a:t>
+            </a:r>
+            <a:r>
+              <a:rPr lang="de-CH" dirty="0" err="1"/>
+              <a:t>Pfrucht</a:t>
+            </a:r>
+            <a:r>
+              <a:rPr lang="de-CH" dirty="0"/>
+              <a:t> </a:t>
+            </a:r>
+            <a:r>
+              <a:rPr lang="de-CH" dirty="0" err="1"/>
+              <a:t>heysi</a:t>
+            </a:r>
+            <a:r>
+              <a:rPr lang="de-CH" dirty="0"/>
+              <a:t> am Bode </a:t>
+            </a:r>
+            <a:r>
+              <a:rPr lang="de-CH" dirty="0" err="1"/>
+              <a:t>usegrächet</a:t>
+            </a:r>
+            <a:r>
+              <a:rPr lang="de-CH" dirty="0"/>
+              <a:t> </a:t>
+            </a:r>
+            <a:r>
+              <a:rPr lang="de-CH" dirty="0" err="1"/>
+              <a:t>unt</a:t>
+            </a:r>
+            <a:r>
+              <a:rPr lang="de-CH" dirty="0"/>
+              <a:t> </a:t>
+            </a:r>
+            <a:r>
+              <a:rPr lang="de-CH" dirty="0" err="1"/>
+              <a:t>nachhäär</a:t>
+            </a:r>
+            <a:r>
+              <a:rPr lang="de-CH" dirty="0"/>
+              <a:t> </a:t>
+            </a:r>
+            <a:r>
+              <a:rPr lang="de-CH" dirty="0" err="1"/>
+              <a:t>ane</a:t>
+            </a:r>
+            <a:r>
+              <a:rPr lang="de-CH" dirty="0"/>
+              <a:t> </a:t>
+            </a:r>
+            <a:r>
+              <a:rPr lang="de-CH" dirty="0" err="1"/>
+              <a:t>Huuffe</a:t>
+            </a:r>
+            <a:r>
+              <a:rPr lang="de-CH" dirty="0"/>
+              <a:t> </a:t>
+            </a:r>
+            <a:r>
+              <a:rPr lang="de-CH" dirty="0" err="1"/>
+              <a:t>gschtoosse</a:t>
+            </a:r>
+            <a:endParaRPr lang="de-CH" dirty="0"/>
+          </a:p>
+        </p:txBody>
+      </p:sp>
+      <p:pic>
+        <p:nvPicPr>
+          <p:cNvPr id="5" name="SDS_CD1_1_3_speaker1_4">
+            <a:hlinkClick r:id="" action="ppaction://media"/>
+            <a:extLst>
+              <a:ext uri="{FF2B5EF4-FFF2-40B4-BE49-F238E27FC236}">
+                <a16:creationId xmlns:a16="http://schemas.microsoft.com/office/drawing/2014/main" id="{21AAFB9D-2D6E-4795-8F80-25C26B1A3313}"/>
+              </a:ext>
+            </a:extLst>
+          </p:cNvPr>
+          <p:cNvPicPr>
+            <a:picLocks noChangeAspect="1"/>
+          </p:cNvPicPr>
+          <p:nvPr>
+            <a:audioFile r:link="rId2"/>
+            <p:extLst>
+              <p:ext uri="{DAA4B4D4-6D71-4841-9C94-3DE7FCFB9230}">
+                <p14:media xmlns:p14="http://schemas.microsoft.com/office/powerpoint/2010/main" r:embed="rId1"/>
+              </p:ext>
+            </p:extLst>
+          </p:nvPr>
+        </p:nvPicPr>
+        <p:blipFill>
+          <a:blip r:embed="rId5"/>
+          <a:stretch>
+            <a:fillRect/>
+          </a:stretch>
+        </p:blipFill>
+        <p:spPr>
+          <a:xfrm>
+            <a:off x="3436570" y="1825625"/>
+            <a:ext cx="304800" cy="304800"/>
+          </a:xfrm>
+          <a:prstGeom prst="rect">
+            <a:avLst/>
+          </a:prstGeom>
+        </p:spPr>
+      </p:pic>
+    </p:spTree>
+    <p:extLst>
+      <p:ext uri="{BB962C8B-B14F-4D97-AF65-F5344CB8AC3E}">
+        <p14:creationId xmlns:p14="http://schemas.microsoft.com/office/powerpoint/2010/main" val="1520582052"/>
+      </p:ext>
+    </p:extLst>
+  </p:cSld>
+  <p:clrMapOvr>
+    <a:masterClrMapping/>
+  </p:clrMapOvr>
+  <p:timing>
+    <p:tnLst>
+      <p:par>
+        <p:cTn id="1" dur="indefinite" restart="never" nodeType="tmRoot">
+          <p:childTnLst>
+            <p:seq concurrent="1" nextAc="seek">
+              <p:cTn id="2" dur="indefinite" nodeType="mainSeq">
+                <p:childTnLst>
+                  <p:par>
+                    <p:cTn id="3" fill="hold">
+                      <p:stCondLst>
+                        <p:cond delay="indefinite"/>
+                      </p:stCondLst>
+                      <p:childTnLst>
+                        <p:par>
+                          <p:cTn id="4" fill="hold">
+                            <p:stCondLst>
+                              <p:cond delay="0"/>
+                            </p:stCondLst>
+                            <p:childTnLst>
+                              <p:par>
+                                <p:cTn id="5" presetID="1" presetClass="mediacall" presetSubtype="0" fill="hold" nodeType="clickEffect">
+                                  <p:stCondLst>
+                                    <p:cond delay="0"/>
+                                  </p:stCondLst>
+                                  <p:childTnLst>
+                                    <p:cmd type="call" cmd="playFrom(0.0)">
+                                      <p:cBhvr>
+                                        <p:cTn id="6" dur="13453" fill="hold"/>
+                                        <p:tgtEl>
+                                          <p:spTgt spid="5"/>
+                                        </p:tgtEl>
+                                      </p:cBhvr>
+                                    </p:cmd>
+                                  </p:childTnLst>
+                                </p:cTn>
+                              </p:par>
+                            </p:childTnLst>
+                          </p:cTn>
+                        </p:par>
+                      </p:childTnLst>
+                    </p:cTn>
+                  </p:par>
+                </p:childTnLst>
+              </p:cTn>
+              <p:prevCondLst>
+                <p:cond evt="onPrev" delay="0">
+                  <p:tgtEl>
+                    <p:sldTgt/>
+                  </p:tgtEl>
+                </p:cond>
+              </p:prevCondLst>
+              <p:nextCondLst>
+                <p:cond evt="onNext" delay="0">
+                  <p:tgtEl>
+                    <p:sldTgt/>
+                  </p:tgtEl>
+                </p:cond>
+              </p:nextCondLst>
+            </p:seq>
+            <p:audio>
+              <p:cMediaNode vol="80000">
+                <p:cTn id="7" fill="hold" display="0">
+                  <p:stCondLst>
+                    <p:cond delay="indefinite"/>
+                  </p:stCondLst>
+                  <p:endCondLst>
+                    <p:cond evt="onStopAudio" delay="0">
+                      <p:tgtEl>
+                        <p:sldTgt/>
+                      </p:tgtEl>
+                    </p:cond>
+                  </p:endCondLst>
+                </p:cTn>
+                <p:tgtEl>
+                  <p:spTgt spid="5"/>
+                </p:tgtEl>
+              </p:cMediaNode>
+            </p:audio>
+          </p:childTnLst>
+        </p:cTn>
+      </p:par>
+    </p:tnLst>
+  </p:timing>
+</p:sld>
+</file>
+
+<file path=ppt/slides/slide9.xml><?xml version="1.0" encoding="utf-8"?>
+<p:sld xmlns:a="http://schemas.openxmlformats.org/drawingml/2006/main" xmlns:r="http://schemas.openxmlformats.org/officeDocument/2006/relationships" xmlns:p="http://schemas.openxmlformats.org/presentationml/2006/main">
+  <p:cSld>
+    <p:spTree>
+      <p:nvGrpSpPr>
+        <p:cNvPr id="1" name=""/>
+        <p:cNvGrpSpPr/>
+        <p:nvPr/>
+      </p:nvGrpSpPr>
+      <p:grpSpPr>
+        <a:xfrm>
+          <a:off x="0" y="0"/>
+          <a:ext cx="0" cy="0"/>
+          <a:chOff x="0" y="0"/>
+          <a:chExt cx="0" cy="0"/>
+        </a:xfrm>
+      </p:grpSpPr>
+      <p:sp>
+        <p:nvSpPr>
+          <p:cNvPr id="2" name="Titel 1">
+            <a:extLst>
+              <a:ext uri="{FF2B5EF4-FFF2-40B4-BE49-F238E27FC236}">
+                <a16:creationId xmlns:a16="http://schemas.microsoft.com/office/drawing/2014/main" id="{16AB071B-05BF-42CD-8775-E02914D264A5}"/>
+              </a:ext>
+            </a:extLst>
+          </p:cNvPr>
+          <p:cNvSpPr>
+            <a:spLocks noGrp="1"/>
+          </p:cNvSpPr>
+          <p:nvPr>
+            <p:ph type="title"/>
+          </p:nvPr>
+        </p:nvSpPr>
+        <p:spPr/>
+        <p:txBody>
+          <a:bodyPr/>
+          <a:lstStyle/>
+          <a:p>
+            <a:r>
+              <a:rPr lang="de-CH" dirty="0"/>
+              <a:t>Merkmale einer «guten» Transkription?</a:t>
+            </a:r>
+          </a:p>
+        </p:txBody>
+      </p:sp>
+      <p:sp>
+        <p:nvSpPr>
+          <p:cNvPr id="3" name="Inhaltsplatzhalter 2">
+            <a:extLst>
+              <a:ext uri="{FF2B5EF4-FFF2-40B4-BE49-F238E27FC236}">
+                <a16:creationId xmlns:a16="http://schemas.microsoft.com/office/drawing/2014/main" id="{C700256F-ED62-421D-8BB4-146212A03D6D}"/>
+              </a:ext>
+            </a:extLst>
+          </p:cNvPr>
+          <p:cNvSpPr>
+            <a:spLocks noGrp="1"/>
+          </p:cNvSpPr>
+          <p:nvPr>
+            <p:ph idx="1"/>
+          </p:nvPr>
+        </p:nvSpPr>
+        <p:spPr/>
+        <p:txBody>
+          <a:bodyPr/>
+          <a:lstStyle/>
+          <a:p>
+            <a:r>
+              <a:rPr lang="de-CH" dirty="0"/>
+              <a:t>Alle guten Transkriptionen sind sich inhaltlich ähnlich</a:t>
+            </a:r>
+          </a:p>
+          <a:p>
+            <a:r>
+              <a:rPr lang="de-CH" dirty="0"/>
+              <a:t>Fehler sind zufällig verteilt und Einzelfälle</a:t>
+            </a:r>
+          </a:p>
+          <a:p>
+            <a:endParaRPr lang="de-CH" dirty="0"/>
+          </a:p>
+          <a:p>
+            <a:endParaRPr lang="de-CH" dirty="0"/>
+          </a:p>
+        </p:txBody>
+      </p:sp>
+      <p:pic>
+        <p:nvPicPr>
+          <p:cNvPr id="4" name="Grafik 3">
+            <a:extLst>
+              <a:ext uri="{FF2B5EF4-FFF2-40B4-BE49-F238E27FC236}">
+                <a16:creationId xmlns:a16="http://schemas.microsoft.com/office/drawing/2014/main" id="{839DDBAF-1F59-4E1B-84C5-C89DC18665D7}"/>
+              </a:ext>
+            </a:extLst>
+          </p:cNvPr>
+          <p:cNvPicPr>
+            <a:picLocks noChangeAspect="1"/>
+          </p:cNvPicPr>
+          <p:nvPr/>
+        </p:nvPicPr>
+        <p:blipFill>
+          <a:blip r:embed="rId3"/>
+          <a:stretch>
+            <a:fillRect/>
+          </a:stretch>
+        </p:blipFill>
+        <p:spPr>
+          <a:xfrm>
+            <a:off x="838200" y="3429000"/>
+            <a:ext cx="4276642" cy="3136582"/>
+          </a:xfrm>
+          <a:prstGeom prst="rect">
+            <a:avLst/>
+          </a:prstGeom>
+        </p:spPr>
+      </p:pic>
+      <p:sp>
+        <p:nvSpPr>
+          <p:cNvPr id="5" name="Textfeld 4">
+            <a:extLst>
+              <a:ext uri="{FF2B5EF4-FFF2-40B4-BE49-F238E27FC236}">
+                <a16:creationId xmlns:a16="http://schemas.microsoft.com/office/drawing/2014/main" id="{828038FA-B0A2-40CD-94A2-B9FD940F2741}"/>
+              </a:ext>
+            </a:extLst>
+          </p:cNvPr>
+          <p:cNvSpPr txBox="1"/>
+          <p:nvPr/>
+        </p:nvSpPr>
+        <p:spPr>
+          <a:xfrm>
+            <a:off x="5608320" y="3340506"/>
+            <a:ext cx="6055360" cy="2246769"/>
+          </a:xfrm>
+          <a:prstGeom prst="rect">
+            <a:avLst/>
+          </a:prstGeom>
+          <a:noFill/>
+        </p:spPr>
+        <p:txBody>
+          <a:bodyPr wrap="square" rtlCol="0">
+            <a:spAutoFit/>
+          </a:bodyPr>
+          <a:lstStyle/>
+          <a:p>
+            <a:r>
+              <a:rPr lang="de-CH" sz="2800" dirty="0"/>
+              <a:t>Pro Satz also: </a:t>
+            </a:r>
+          </a:p>
+          <a:p>
+            <a:r>
+              <a:rPr lang="de-CH" sz="2800" dirty="0"/>
+              <a:t>Satz 1: schlecht, schlecht, schlecht. </a:t>
+            </a:r>
+          </a:p>
+          <a:p>
+            <a:r>
+              <a:rPr lang="de-CH" sz="2800" dirty="0"/>
+              <a:t>Satz 2: schlecht, gut, gut. </a:t>
+            </a:r>
+          </a:p>
+          <a:p>
+            <a:r>
+              <a:rPr lang="de-CH" sz="2800" dirty="0"/>
+              <a:t>Satz 3: schlecht, gut, sehr gut. </a:t>
+            </a:r>
+          </a:p>
+          <a:p>
+            <a:r>
+              <a:rPr lang="de-CH" sz="2800" dirty="0"/>
+              <a:t>Satz 4: schlecht, gut, sehr gut.</a:t>
+            </a:r>
+          </a:p>
+        </p:txBody>
+      </p:sp>
+    </p:spTree>
+    <p:extLst>
+      <p:ext uri="{BB962C8B-B14F-4D97-AF65-F5344CB8AC3E}">
+        <p14:creationId xmlns:p14="http://schemas.microsoft.com/office/powerpoint/2010/main" val="3910765943"/>
       </p:ext>
     </p:extLst>
   </p:cSld>
